--- a/src/main/resources/Dasar-Dasar Pemograman Java.pptx
+++ b/src/main/resources/Dasar-Dasar Pemograman Java.pptx
@@ -12,15 +12,22 @@
     <p:sldId id="260" r:id="rId6"/>
     <p:sldId id="261" r:id="rId7"/>
     <p:sldId id="262" r:id="rId8"/>
-    <p:sldId id="263" r:id="rId9"/>
-    <p:sldId id="264" r:id="rId10"/>
-    <p:sldId id="265" r:id="rId11"/>
-    <p:sldId id="267" r:id="rId12"/>
-    <p:sldId id="268" r:id="rId13"/>
-    <p:sldId id="269" r:id="rId14"/>
-    <p:sldId id="270" r:id="rId15"/>
-    <p:sldId id="271" r:id="rId16"/>
+    <p:sldId id="271" r:id="rId9"/>
+    <p:sldId id="263" r:id="rId10"/>
+    <p:sldId id="264" r:id="rId11"/>
+    <p:sldId id="265" r:id="rId12"/>
+    <p:sldId id="267" r:id="rId13"/>
+    <p:sldId id="268" r:id="rId14"/>
+    <p:sldId id="269" r:id="rId15"/>
+    <p:sldId id="270" r:id="rId16"/>
     <p:sldId id="266" r:id="rId17"/>
+    <p:sldId id="272" r:id="rId18"/>
+    <p:sldId id="273" r:id="rId19"/>
+    <p:sldId id="275" r:id="rId20"/>
+    <p:sldId id="276" r:id="rId21"/>
+    <p:sldId id="277" r:id="rId22"/>
+    <p:sldId id="278" r:id="rId23"/>
+    <p:sldId id="274" r:id="rId24"/>
   </p:sldIdLst>
   <p:sldSz cx="9144000" cy="6858000" type="screen4x3"/>
   <p:notesSz cx="6858000" cy="9144000"/>
@@ -3149,7 +3156,7 @@
           <a:p>
             <a:r>
               <a:rPr lang="en-US" dirty="0" smtClean="0"/>
-              <a:t>Primitive Type</a:t>
+              <a:t>Type?</a:t>
             </a:r>
             <a:endParaRPr lang="en-US" dirty="0"/>
           </a:p>
@@ -3171,73 +3178,28 @@
           <a:lstStyle/>
           <a:p>
             <a:r>
-              <a:rPr lang="en-US" dirty="0" err="1" smtClean="0"/>
-              <a:t>Namanya</a:t>
-            </a:r>
-            <a:r>
-              <a:rPr lang="en-US" dirty="0" smtClean="0"/>
-              <a:t> </a:t>
-            </a:r>
-            <a:r>
-              <a:rPr lang="en-US" dirty="0" err="1"/>
-              <a:t>b</a:t>
-            </a:r>
-            <a:r>
-              <a:rPr lang="en-US" dirty="0" err="1" smtClean="0"/>
-              <a:t>agian</a:t>
-            </a:r>
-            <a:r>
-              <a:rPr lang="en-US" dirty="0" smtClean="0"/>
-              <a:t> </a:t>
-            </a:r>
-            <a:r>
-              <a:rPr lang="en-US" dirty="0" err="1" smtClean="0"/>
-              <a:t>dari</a:t>
-            </a:r>
-            <a:r>
-              <a:rPr lang="en-US" dirty="0" smtClean="0"/>
-              <a:t> keyword/reserved word</a:t>
-            </a:r>
-          </a:p>
-          <a:p>
-            <a:r>
-              <a:rPr lang="en-US" dirty="0" smtClean="0"/>
-              <a:t>Pass by value</a:t>
-            </a:r>
-          </a:p>
-          <a:p>
-            <a:r>
-              <a:rPr lang="en-US" dirty="0" err="1" smtClean="0"/>
-              <a:t>operasi</a:t>
-            </a:r>
-            <a:r>
-              <a:rPr lang="en-US" dirty="0" smtClean="0"/>
-              <a:t> </a:t>
-            </a:r>
-            <a:r>
-              <a:rPr lang="en-US" dirty="0" err="1" smtClean="0"/>
-              <a:t>terdefinisi</a:t>
-            </a:r>
-            <a:r>
-              <a:rPr lang="en-US" dirty="0" smtClean="0"/>
-              <a:t> </a:t>
-            </a:r>
-            <a:r>
-              <a:rPr lang="en-US" dirty="0" err="1" smtClean="0"/>
-              <a:t>di</a:t>
-            </a:r>
-            <a:r>
-              <a:rPr lang="en-US" dirty="0" smtClean="0"/>
-              <a:t> java </a:t>
-            </a:r>
-            <a:r>
-              <a:rPr lang="en-US" dirty="0" err="1" smtClean="0"/>
-              <a:t>dan</a:t>
-            </a:r>
-            <a:r>
-              <a:rPr lang="en-US" dirty="0" smtClean="0"/>
-              <a:t> final.</a:t>
-            </a:r>
+              <a:rPr lang="en-US" dirty="0" smtClean="0"/>
+              <a:t>Variable</a:t>
+            </a:r>
+          </a:p>
+          <a:p>
+            <a:r>
+              <a:rPr lang="en-US" dirty="0" smtClean="0"/>
+              <a:t>Argument</a:t>
+            </a:r>
+          </a:p>
+          <a:p>
+            <a:r>
+              <a:rPr lang="en-US" dirty="0" smtClean="0"/>
+              <a:t>Return Type</a:t>
+            </a:r>
+          </a:p>
+          <a:p>
+            <a:r>
+              <a:rPr lang="en-US" dirty="0" smtClean="0"/>
+              <a:t>Operation</a:t>
+            </a:r>
+            <a:endParaRPr lang="en-US" dirty="0"/>
           </a:p>
         </p:txBody>
       </p:sp>
@@ -3250,6 +3212,140 @@
 </file>
 
 <file path=ppt/slides/slide11.xml><?xml version="1.0" encoding="utf-8"?>
+<p:sld xmlns:a="http://schemas.openxmlformats.org/drawingml/2006/main" xmlns:r="http://schemas.openxmlformats.org/officeDocument/2006/relationships" xmlns:p="http://schemas.openxmlformats.org/presentationml/2006/main">
+  <p:cSld>
+    <p:spTree>
+      <p:nvGrpSpPr>
+        <p:cNvPr id="1" name=""/>
+        <p:cNvGrpSpPr/>
+        <p:nvPr/>
+      </p:nvGrpSpPr>
+      <p:grpSpPr>
+        <a:xfrm>
+          <a:off x="0" y="0"/>
+          <a:ext cx="0" cy="0"/>
+          <a:chOff x="0" y="0"/>
+          <a:chExt cx="0" cy="0"/>
+        </a:xfrm>
+      </p:grpSpPr>
+      <p:sp>
+        <p:nvSpPr>
+          <p:cNvPr id="2" name="Title 1"/>
+          <p:cNvSpPr>
+            <a:spLocks noGrp="1"/>
+          </p:cNvSpPr>
+          <p:nvPr>
+            <p:ph type="title"/>
+          </p:nvPr>
+        </p:nvSpPr>
+        <p:spPr/>
+        <p:txBody>
+          <a:bodyPr/>
+          <a:lstStyle/>
+          <a:p>
+            <a:r>
+              <a:rPr lang="en-US" dirty="0" smtClean="0"/>
+              <a:t>Primitive Type</a:t>
+            </a:r>
+            <a:endParaRPr lang="en-US" dirty="0"/>
+          </a:p>
+        </p:txBody>
+      </p:sp>
+      <p:sp>
+        <p:nvSpPr>
+          <p:cNvPr id="3" name="Content Placeholder 2"/>
+          <p:cNvSpPr>
+            <a:spLocks noGrp="1"/>
+          </p:cNvSpPr>
+          <p:nvPr>
+            <p:ph idx="1"/>
+          </p:nvPr>
+        </p:nvSpPr>
+        <p:spPr/>
+        <p:txBody>
+          <a:bodyPr/>
+          <a:lstStyle/>
+          <a:p>
+            <a:r>
+              <a:rPr lang="en-US" dirty="0" err="1" smtClean="0"/>
+              <a:t>Nama</a:t>
+            </a:r>
+            <a:r>
+              <a:rPr lang="en-US" dirty="0" smtClean="0"/>
+              <a:t> Type </a:t>
+            </a:r>
+            <a:r>
+              <a:rPr lang="en-US" dirty="0" err="1"/>
+              <a:t>b</a:t>
+            </a:r>
+            <a:r>
+              <a:rPr lang="en-US" dirty="0" err="1" smtClean="0"/>
+              <a:t>agian</a:t>
+            </a:r>
+            <a:r>
+              <a:rPr lang="en-US" dirty="0" smtClean="0"/>
+              <a:t> </a:t>
+            </a:r>
+            <a:r>
+              <a:rPr lang="en-US" dirty="0" err="1" smtClean="0"/>
+              <a:t>dari</a:t>
+            </a:r>
+            <a:r>
+              <a:rPr lang="en-US" dirty="0" smtClean="0"/>
+              <a:t> keyword/reserved word</a:t>
+            </a:r>
+          </a:p>
+          <a:p>
+            <a:r>
+              <a:rPr lang="en-US" dirty="0" smtClean="0"/>
+              <a:t>Pass by value</a:t>
+            </a:r>
+          </a:p>
+          <a:p>
+            <a:r>
+              <a:rPr lang="en-US" dirty="0" err="1" smtClean="0"/>
+              <a:t>operasi</a:t>
+            </a:r>
+            <a:r>
+              <a:rPr lang="en-US" dirty="0" smtClean="0"/>
+              <a:t> </a:t>
+            </a:r>
+            <a:r>
+              <a:rPr lang="en-US" dirty="0" err="1" smtClean="0"/>
+              <a:t>terdefinisi</a:t>
+            </a:r>
+            <a:r>
+              <a:rPr lang="en-US" dirty="0" smtClean="0"/>
+              <a:t> </a:t>
+            </a:r>
+            <a:r>
+              <a:rPr lang="en-US" dirty="0" err="1" smtClean="0"/>
+              <a:t>di</a:t>
+            </a:r>
+            <a:r>
+              <a:rPr lang="en-US" dirty="0" smtClean="0"/>
+              <a:t> java </a:t>
+            </a:r>
+            <a:r>
+              <a:rPr lang="en-US" dirty="0" err="1" smtClean="0"/>
+              <a:t>dan</a:t>
+            </a:r>
+            <a:r>
+              <a:rPr lang="en-US" dirty="0" smtClean="0"/>
+              <a:t> final.</a:t>
+            </a:r>
+          </a:p>
+        </p:txBody>
+      </p:sp>
+    </p:spTree>
+  </p:cSld>
+  <p:clrMapOvr>
+    <a:masterClrMapping/>
+  </p:clrMapOvr>
+</p:sld>
+</file>
+
+<file path=ppt/slides/slide12.xml><?xml version="1.0" encoding="utf-8"?>
 <p:sld xmlns:a="http://schemas.openxmlformats.org/drawingml/2006/main" xmlns:r="http://schemas.openxmlformats.org/officeDocument/2006/relationships" xmlns:p="http://schemas.openxmlformats.org/presentationml/2006/main">
   <p:cSld>
     <p:spTree>
@@ -3337,7 +3433,7 @@
 </p:sld>
 </file>
 
-<file path=ppt/slides/slide12.xml><?xml version="1.0" encoding="utf-8"?>
+<file path=ppt/slides/slide13.xml><?xml version="1.0" encoding="utf-8"?>
 <p:sld xmlns:a="http://schemas.openxmlformats.org/drawingml/2006/main" xmlns:r="http://schemas.openxmlformats.org/officeDocument/2006/relationships" xmlns:p="http://schemas.openxmlformats.org/presentationml/2006/main">
   <p:cSld>
     <p:spTree>
@@ -3578,367 +3674,6 @@
 </p:sld>
 </file>
 
-<file path=ppt/slides/slide13.xml><?xml version="1.0" encoding="utf-8"?>
-<p:sld xmlns:a="http://schemas.openxmlformats.org/drawingml/2006/main" xmlns:r="http://schemas.openxmlformats.org/officeDocument/2006/relationships" xmlns:p="http://schemas.openxmlformats.org/presentationml/2006/main">
-  <p:cSld>
-    <p:spTree>
-      <p:nvGrpSpPr>
-        <p:cNvPr id="1" name=""/>
-        <p:cNvGrpSpPr/>
-        <p:nvPr/>
-      </p:nvGrpSpPr>
-      <p:grpSpPr>
-        <a:xfrm>
-          <a:off x="0" y="0"/>
-          <a:ext cx="0" cy="0"/>
-          <a:chOff x="0" y="0"/>
-          <a:chExt cx="0" cy="0"/>
-        </a:xfrm>
-      </p:grpSpPr>
-      <p:sp>
-        <p:nvSpPr>
-          <p:cNvPr id="2" name="Title 1"/>
-          <p:cNvSpPr>
-            <a:spLocks noGrp="1"/>
-          </p:cNvSpPr>
-          <p:nvPr>
-            <p:ph type="title"/>
-          </p:nvPr>
-        </p:nvSpPr>
-        <p:spPr/>
-        <p:txBody>
-          <a:bodyPr/>
-          <a:lstStyle/>
-          <a:p>
-            <a:r>
-              <a:rPr lang="en-US" dirty="0" smtClean="0"/>
-              <a:t>Primitive Type (casting)</a:t>
-            </a:r>
-            <a:endParaRPr lang="en-US" dirty="0"/>
-          </a:p>
-        </p:txBody>
-      </p:sp>
-      <p:sp>
-        <p:nvSpPr>
-          <p:cNvPr id="5" name="Text Placeholder 4"/>
-          <p:cNvSpPr>
-            <a:spLocks noGrp="1"/>
-          </p:cNvSpPr>
-          <p:nvPr>
-            <p:ph type="body" idx="1"/>
-          </p:nvPr>
-        </p:nvSpPr>
-        <p:spPr/>
-        <p:txBody>
-          <a:bodyPr/>
-          <a:lstStyle/>
-          <a:p>
-            <a:r>
-              <a:rPr lang="en-US" dirty="0" smtClean="0"/>
-              <a:t>Down Casting</a:t>
-            </a:r>
-            <a:endParaRPr lang="en-US" dirty="0"/>
-          </a:p>
-        </p:txBody>
-      </p:sp>
-      <p:sp>
-        <p:nvSpPr>
-          <p:cNvPr id="3" name="Content Placeholder 2"/>
-          <p:cNvSpPr>
-            <a:spLocks noGrp="1"/>
-          </p:cNvSpPr>
-          <p:nvPr>
-            <p:ph sz="half" idx="2"/>
-          </p:nvPr>
-        </p:nvSpPr>
-        <p:spPr/>
-        <p:txBody>
-          <a:bodyPr/>
-          <a:lstStyle/>
-          <a:p>
-            <a:pPr>
-              <a:buNone/>
-            </a:pPr>
-            <a:r>
-              <a:rPr lang="en-US" dirty="0"/>
-              <a:t> </a:t>
-            </a:r>
-            <a:r>
-              <a:rPr lang="en-US" dirty="0" err="1" smtClean="0"/>
-              <a:t>int</a:t>
-            </a:r>
-            <a:r>
-              <a:rPr lang="en-US" dirty="0" smtClean="0"/>
-              <a:t> </a:t>
-            </a:r>
-            <a:r>
-              <a:rPr lang="en-US" dirty="0" err="1" smtClean="0"/>
-              <a:t>i</a:t>
-            </a:r>
-            <a:r>
-              <a:rPr lang="en-US" dirty="0" smtClean="0"/>
-              <a:t> = 10;</a:t>
-            </a:r>
-          </a:p>
-          <a:p>
-            <a:pPr>
-              <a:buNone/>
-            </a:pPr>
-            <a:r>
-              <a:rPr lang="en-US" dirty="0"/>
-              <a:t> </a:t>
-            </a:r>
-            <a:r>
-              <a:rPr lang="en-US" dirty="0" smtClean="0"/>
-              <a:t>byte b = (byte) </a:t>
-            </a:r>
-            <a:r>
-              <a:rPr lang="en-US" dirty="0" err="1" smtClean="0"/>
-              <a:t>i</a:t>
-            </a:r>
-            <a:r>
-              <a:rPr lang="en-US" dirty="0" smtClean="0"/>
-              <a:t>;</a:t>
-            </a:r>
-          </a:p>
-          <a:p>
-            <a:pPr>
-              <a:buNone/>
-            </a:pPr>
-            <a:r>
-              <a:rPr lang="en-US" dirty="0" smtClean="0"/>
-              <a:t>Java </a:t>
-            </a:r>
-            <a:r>
-              <a:rPr lang="en-US" dirty="0" err="1" smtClean="0"/>
-              <a:t>tidak</a:t>
-            </a:r>
-            <a:r>
-              <a:rPr lang="en-US" dirty="0" smtClean="0"/>
-              <a:t> </a:t>
-            </a:r>
-            <a:r>
-              <a:rPr lang="en-US" dirty="0" err="1" smtClean="0"/>
-              <a:t>melakukan</a:t>
-            </a:r>
-            <a:r>
-              <a:rPr lang="en-US" dirty="0" smtClean="0"/>
-              <a:t> down casting </a:t>
-            </a:r>
-            <a:r>
-              <a:rPr lang="en-US" dirty="0" err="1" smtClean="0"/>
-              <a:t>secara</a:t>
-            </a:r>
-            <a:r>
-              <a:rPr lang="en-US" dirty="0" smtClean="0"/>
-              <a:t> </a:t>
-            </a:r>
-            <a:r>
-              <a:rPr lang="en-US" dirty="0" err="1" smtClean="0"/>
-              <a:t>otomatis</a:t>
-            </a:r>
-            <a:r>
-              <a:rPr lang="en-US" dirty="0" smtClean="0"/>
-              <a:t> (</a:t>
-            </a:r>
-            <a:r>
-              <a:rPr lang="en-US" dirty="0" err="1" smtClean="0"/>
-              <a:t>implisit</a:t>
-            </a:r>
-            <a:r>
-              <a:rPr lang="en-US" dirty="0" smtClean="0"/>
-              <a:t>) </a:t>
-            </a:r>
-            <a:r>
-              <a:rPr lang="en-US" dirty="0" err="1" smtClean="0"/>
-              <a:t>karena</a:t>
-            </a:r>
-            <a:r>
-              <a:rPr lang="en-US" dirty="0" smtClean="0"/>
-              <a:t> </a:t>
-            </a:r>
-            <a:r>
-              <a:rPr lang="en-US" dirty="0" err="1" smtClean="0"/>
-              <a:t>ada</a:t>
-            </a:r>
-            <a:r>
-              <a:rPr lang="en-US" dirty="0" smtClean="0"/>
-              <a:t> </a:t>
-            </a:r>
-            <a:r>
-              <a:rPr lang="en-US" dirty="0" err="1" smtClean="0"/>
-              <a:t>kemungkinan</a:t>
-            </a:r>
-            <a:r>
-              <a:rPr lang="en-US" dirty="0" smtClean="0"/>
-              <a:t> </a:t>
-            </a:r>
-            <a:r>
-              <a:rPr lang="en-US" dirty="0" err="1" smtClean="0"/>
-              <a:t>terjadi</a:t>
-            </a:r>
-            <a:r>
-              <a:rPr lang="en-US" dirty="0" smtClean="0"/>
-              <a:t> </a:t>
-            </a:r>
-            <a:r>
-              <a:rPr lang="en-US" dirty="0" err="1" smtClean="0"/>
-              <a:t>kerusakan</a:t>
-            </a:r>
-            <a:r>
-              <a:rPr lang="en-US" dirty="0" smtClean="0"/>
-              <a:t> data/</a:t>
-            </a:r>
-            <a:r>
-              <a:rPr lang="en-US" dirty="0" err="1" smtClean="0"/>
-              <a:t>presisi</a:t>
-            </a:r>
-            <a:r>
-              <a:rPr lang="en-US" dirty="0" smtClean="0"/>
-              <a:t>.</a:t>
-            </a:r>
-            <a:endParaRPr lang="en-US" dirty="0"/>
-          </a:p>
-        </p:txBody>
-      </p:sp>
-      <p:sp>
-        <p:nvSpPr>
-          <p:cNvPr id="6" name="Text Placeholder 5"/>
-          <p:cNvSpPr>
-            <a:spLocks noGrp="1"/>
-          </p:cNvSpPr>
-          <p:nvPr>
-            <p:ph type="body" sz="quarter" idx="3"/>
-          </p:nvPr>
-        </p:nvSpPr>
-        <p:spPr/>
-        <p:txBody>
-          <a:bodyPr/>
-          <a:lstStyle/>
-          <a:p>
-            <a:r>
-              <a:rPr lang="en-US" u="sng" dirty="0" smtClean="0"/>
-              <a:t>Up Casting</a:t>
-            </a:r>
-            <a:endParaRPr lang="en-US" u="sng" dirty="0"/>
-          </a:p>
-        </p:txBody>
-      </p:sp>
-      <p:sp>
-        <p:nvSpPr>
-          <p:cNvPr id="7" name="Content Placeholder 6"/>
-          <p:cNvSpPr>
-            <a:spLocks noGrp="1"/>
-          </p:cNvSpPr>
-          <p:nvPr>
-            <p:ph sz="quarter" idx="4"/>
-          </p:nvPr>
-        </p:nvSpPr>
-        <p:spPr/>
-        <p:txBody>
-          <a:bodyPr/>
-          <a:lstStyle/>
-          <a:p>
-            <a:pPr>
-              <a:buNone/>
-            </a:pPr>
-            <a:r>
-              <a:rPr lang="en-US" dirty="0"/>
-              <a:t>b</a:t>
-            </a:r>
-            <a:r>
-              <a:rPr lang="en-US" dirty="0" smtClean="0"/>
-              <a:t>yte b = 10;</a:t>
-            </a:r>
-          </a:p>
-          <a:p>
-            <a:pPr>
-              <a:buNone/>
-            </a:pPr>
-            <a:r>
-              <a:rPr lang="en-US" dirty="0"/>
-              <a:t> </a:t>
-            </a:r>
-            <a:r>
-              <a:rPr lang="en-US" dirty="0" err="1" smtClean="0"/>
-              <a:t>int</a:t>
-            </a:r>
-            <a:r>
-              <a:rPr lang="en-US" dirty="0" smtClean="0"/>
-              <a:t> </a:t>
-            </a:r>
-            <a:r>
-              <a:rPr lang="en-US" dirty="0" err="1" smtClean="0"/>
-              <a:t>i</a:t>
-            </a:r>
-            <a:r>
-              <a:rPr lang="en-US" dirty="0" smtClean="0"/>
-              <a:t> = (byte) b; </a:t>
-            </a:r>
-          </a:p>
-          <a:p>
-            <a:pPr>
-              <a:buNone/>
-            </a:pPr>
-            <a:r>
-              <a:rPr lang="en-US" dirty="0" smtClean="0"/>
-              <a:t>Java </a:t>
-            </a:r>
-            <a:r>
-              <a:rPr lang="en-US" dirty="0" err="1" smtClean="0"/>
-              <a:t>bisa</a:t>
-            </a:r>
-            <a:r>
-              <a:rPr lang="en-US" dirty="0" smtClean="0"/>
-              <a:t> </a:t>
-            </a:r>
-            <a:r>
-              <a:rPr lang="en-US" dirty="0" err="1" smtClean="0"/>
-              <a:t>melakukan</a:t>
-            </a:r>
-            <a:r>
-              <a:rPr lang="en-US" dirty="0" smtClean="0"/>
-              <a:t> up casting </a:t>
-            </a:r>
-            <a:r>
-              <a:rPr lang="en-US" dirty="0" err="1" smtClean="0"/>
-              <a:t>secara</a:t>
-            </a:r>
-            <a:r>
-              <a:rPr lang="en-US" dirty="0" smtClean="0"/>
-              <a:t> </a:t>
-            </a:r>
-            <a:r>
-              <a:rPr lang="en-US" dirty="0" err="1" smtClean="0"/>
-              <a:t>otomatis</a:t>
-            </a:r>
-            <a:r>
-              <a:rPr lang="en-US" dirty="0"/>
-              <a:t> </a:t>
-            </a:r>
-            <a:r>
-              <a:rPr lang="en-US" dirty="0" smtClean="0"/>
-              <a:t>(</a:t>
-            </a:r>
-            <a:r>
-              <a:rPr lang="en-US" dirty="0" err="1" smtClean="0"/>
-              <a:t>implisit</a:t>
-            </a:r>
-            <a:r>
-              <a:rPr lang="en-US" dirty="0" smtClean="0"/>
-              <a:t>).</a:t>
-            </a:r>
-          </a:p>
-        </p:txBody>
-      </p:sp>
-    </p:spTree>
-  </p:cSld>
-  <p:clrMapOvr>
-    <a:masterClrMapping/>
-  </p:clrMapOvr>
-</p:sld>
-</file>
-
 <file path=ppt/slides/slide14.xml><?xml version="1.0" encoding="utf-8"?>
 <p:sld xmlns:a="http://schemas.openxmlformats.org/drawingml/2006/main" xmlns:r="http://schemas.openxmlformats.org/officeDocument/2006/relationships" xmlns:p="http://schemas.openxmlformats.org/presentationml/2006/main">
   <p:cSld>
@@ -3973,7 +3708,7 @@
           <a:p>
             <a:r>
               <a:rPr lang="en-US" dirty="0" smtClean="0"/>
-              <a:t>Primitive Type (wrapper)</a:t>
+              <a:t>Primitive Type (casting)</a:t>
             </a:r>
             <a:endParaRPr lang="en-US" dirty="0"/>
           </a:p>
@@ -3981,137 +3716,245 @@
       </p:sp>
       <p:sp>
         <p:nvSpPr>
+          <p:cNvPr id="5" name="Text Placeholder 4"/>
+          <p:cNvSpPr>
+            <a:spLocks noGrp="1"/>
+          </p:cNvSpPr>
+          <p:nvPr>
+            <p:ph type="body" idx="1"/>
+          </p:nvPr>
+        </p:nvSpPr>
+        <p:spPr/>
+        <p:txBody>
+          <a:bodyPr/>
+          <a:lstStyle/>
+          <a:p>
+            <a:r>
+              <a:rPr lang="en-US" dirty="0" smtClean="0"/>
+              <a:t>Down Casting</a:t>
+            </a:r>
+            <a:endParaRPr lang="en-US" dirty="0"/>
+          </a:p>
+        </p:txBody>
+      </p:sp>
+      <p:sp>
+        <p:nvSpPr>
+          <p:cNvPr id="3" name="Content Placeholder 2"/>
+          <p:cNvSpPr>
+            <a:spLocks noGrp="1"/>
+          </p:cNvSpPr>
+          <p:nvPr>
+            <p:ph sz="half" idx="2"/>
+          </p:nvPr>
+        </p:nvSpPr>
+        <p:spPr/>
+        <p:txBody>
+          <a:bodyPr/>
+          <a:lstStyle/>
+          <a:p>
+            <a:pPr>
+              <a:buNone/>
+            </a:pPr>
+            <a:r>
+              <a:rPr lang="en-US" dirty="0"/>
+              <a:t> </a:t>
+            </a:r>
+            <a:r>
+              <a:rPr lang="en-US" dirty="0" err="1" smtClean="0"/>
+              <a:t>int</a:t>
+            </a:r>
+            <a:r>
+              <a:rPr lang="en-US" dirty="0" smtClean="0"/>
+              <a:t> </a:t>
+            </a:r>
+            <a:r>
+              <a:rPr lang="en-US" dirty="0" err="1" smtClean="0"/>
+              <a:t>i</a:t>
+            </a:r>
+            <a:r>
+              <a:rPr lang="en-US" dirty="0" smtClean="0"/>
+              <a:t> = 10;</a:t>
+            </a:r>
+          </a:p>
+          <a:p>
+            <a:pPr>
+              <a:buNone/>
+            </a:pPr>
+            <a:r>
+              <a:rPr lang="en-US" dirty="0"/>
+              <a:t> </a:t>
+            </a:r>
+            <a:r>
+              <a:rPr lang="en-US" dirty="0" smtClean="0"/>
+              <a:t>byte b = (byte) </a:t>
+            </a:r>
+            <a:r>
+              <a:rPr lang="en-US" dirty="0" err="1" smtClean="0"/>
+              <a:t>i</a:t>
+            </a:r>
+            <a:r>
+              <a:rPr lang="en-US" dirty="0" smtClean="0"/>
+              <a:t>;</a:t>
+            </a:r>
+          </a:p>
+          <a:p>
+            <a:pPr>
+              <a:buNone/>
+            </a:pPr>
+            <a:r>
+              <a:rPr lang="en-US" dirty="0" smtClean="0"/>
+              <a:t>Java </a:t>
+            </a:r>
+            <a:r>
+              <a:rPr lang="en-US" dirty="0" err="1" smtClean="0"/>
+              <a:t>tidak</a:t>
+            </a:r>
+            <a:r>
+              <a:rPr lang="en-US" dirty="0" smtClean="0"/>
+              <a:t> </a:t>
+            </a:r>
+            <a:r>
+              <a:rPr lang="en-US" dirty="0" err="1" smtClean="0"/>
+              <a:t>melakukan</a:t>
+            </a:r>
+            <a:r>
+              <a:rPr lang="en-US" dirty="0" smtClean="0"/>
+              <a:t> down casting </a:t>
+            </a:r>
+            <a:r>
+              <a:rPr lang="en-US" dirty="0" err="1" smtClean="0"/>
+              <a:t>secara</a:t>
+            </a:r>
+            <a:r>
+              <a:rPr lang="en-US" dirty="0" smtClean="0"/>
+              <a:t> </a:t>
+            </a:r>
+            <a:r>
+              <a:rPr lang="en-US" dirty="0" err="1" smtClean="0"/>
+              <a:t>otomatis</a:t>
+            </a:r>
+            <a:r>
+              <a:rPr lang="en-US" dirty="0" smtClean="0"/>
+              <a:t> (</a:t>
+            </a:r>
+            <a:r>
+              <a:rPr lang="en-US" dirty="0" err="1" smtClean="0"/>
+              <a:t>implisit</a:t>
+            </a:r>
+            <a:r>
+              <a:rPr lang="en-US" dirty="0" smtClean="0"/>
+              <a:t>) </a:t>
+            </a:r>
+            <a:r>
+              <a:rPr lang="en-US" dirty="0" err="1" smtClean="0"/>
+              <a:t>karena</a:t>
+            </a:r>
+            <a:r>
+              <a:rPr lang="en-US" dirty="0" smtClean="0"/>
+              <a:t> </a:t>
+            </a:r>
+            <a:r>
+              <a:rPr lang="en-US" dirty="0" err="1" smtClean="0"/>
+              <a:t>ada</a:t>
+            </a:r>
+            <a:r>
+              <a:rPr lang="en-US" dirty="0" smtClean="0"/>
+              <a:t> </a:t>
+            </a:r>
+            <a:r>
+              <a:rPr lang="en-US" dirty="0" err="1" smtClean="0"/>
+              <a:t>kemungkinan</a:t>
+            </a:r>
+            <a:r>
+              <a:rPr lang="en-US" dirty="0" smtClean="0"/>
+              <a:t> </a:t>
+            </a:r>
+            <a:r>
+              <a:rPr lang="en-US" dirty="0" err="1" smtClean="0"/>
+              <a:t>terjadi</a:t>
+            </a:r>
+            <a:r>
+              <a:rPr lang="en-US" dirty="0" smtClean="0"/>
+              <a:t> </a:t>
+            </a:r>
+            <a:r>
+              <a:rPr lang="en-US" dirty="0" err="1" smtClean="0"/>
+              <a:t>kerusakan</a:t>
+            </a:r>
+            <a:r>
+              <a:rPr lang="en-US" dirty="0" smtClean="0"/>
+              <a:t> data/</a:t>
+            </a:r>
+            <a:r>
+              <a:rPr lang="en-US" dirty="0" err="1" smtClean="0"/>
+              <a:t>presisi</a:t>
+            </a:r>
+            <a:r>
+              <a:rPr lang="en-US" dirty="0" smtClean="0"/>
+              <a:t>.</a:t>
+            </a:r>
+            <a:endParaRPr lang="en-US" dirty="0"/>
+          </a:p>
+        </p:txBody>
+      </p:sp>
+      <p:sp>
+        <p:nvSpPr>
+          <p:cNvPr id="6" name="Text Placeholder 5"/>
+          <p:cNvSpPr>
+            <a:spLocks noGrp="1"/>
+          </p:cNvSpPr>
+          <p:nvPr>
+            <p:ph type="body" sz="quarter" idx="3"/>
+          </p:nvPr>
+        </p:nvSpPr>
+        <p:spPr/>
+        <p:txBody>
+          <a:bodyPr/>
+          <a:lstStyle/>
+          <a:p>
+            <a:r>
+              <a:rPr lang="en-US" u="sng" dirty="0" smtClean="0"/>
+              <a:t>Up Casting</a:t>
+            </a:r>
+            <a:endParaRPr lang="en-US" u="sng" dirty="0"/>
+          </a:p>
+        </p:txBody>
+      </p:sp>
+      <p:sp>
+        <p:nvSpPr>
           <p:cNvPr id="7" name="Content Placeholder 6"/>
           <p:cNvSpPr>
             <a:spLocks noGrp="1"/>
           </p:cNvSpPr>
           <p:nvPr>
-            <p:ph idx="1"/>
-          </p:nvPr>
-        </p:nvSpPr>
-        <p:spPr/>
-        <p:txBody>
-          <a:bodyPr>
-            <a:normAutofit fontScale="85000" lnSpcReduction="20000"/>
-          </a:bodyPr>
-          <a:lstStyle/>
-          <a:p>
-            <a:r>
-              <a:rPr lang="en-US" dirty="0" err="1" smtClean="0"/>
-              <a:t>Setiap</a:t>
-            </a:r>
-            <a:r>
-              <a:rPr lang="en-US" dirty="0" smtClean="0"/>
-              <a:t> primitive type </a:t>
-            </a:r>
-            <a:r>
-              <a:rPr lang="en-US" dirty="0" err="1" smtClean="0"/>
-              <a:t>memiliki</a:t>
-            </a:r>
-            <a:r>
-              <a:rPr lang="en-US" dirty="0" smtClean="0"/>
-              <a:t> </a:t>
-            </a:r>
-            <a:r>
-              <a:rPr lang="en-US" dirty="0" err="1" smtClean="0"/>
-              <a:t>padanan</a:t>
-            </a:r>
-            <a:r>
-              <a:rPr lang="en-US" dirty="0" smtClean="0"/>
-              <a:t> Reference Type </a:t>
-            </a:r>
-            <a:r>
-              <a:rPr lang="en-US" dirty="0" err="1" smtClean="0"/>
-              <a:t>yg</a:t>
-            </a:r>
-            <a:r>
-              <a:rPr lang="en-US" dirty="0" smtClean="0"/>
-              <a:t> </a:t>
-            </a:r>
-            <a:r>
-              <a:rPr lang="en-US" dirty="0" err="1" smtClean="0"/>
-              <a:t>berperan</a:t>
-            </a:r>
-            <a:r>
-              <a:rPr lang="en-US" dirty="0" smtClean="0"/>
-              <a:t> </a:t>
-            </a:r>
-            <a:r>
-              <a:rPr lang="en-US" dirty="0" err="1" smtClean="0"/>
-              <a:t>memberikan</a:t>
-            </a:r>
-            <a:r>
-              <a:rPr lang="en-US" dirty="0" smtClean="0"/>
-              <a:t> fitur2 </a:t>
-            </a:r>
-            <a:r>
-              <a:rPr lang="en-US" dirty="0" err="1" smtClean="0"/>
-              <a:t>tambahan</a:t>
-            </a:r>
-            <a:r>
-              <a:rPr lang="en-US" dirty="0" smtClean="0"/>
-              <a:t>.</a:t>
-            </a:r>
-          </a:p>
-          <a:p>
-            <a:pPr lvl="1"/>
-            <a:r>
-              <a:rPr lang="en-US" dirty="0" err="1" smtClean="0"/>
-              <a:t>boolean</a:t>
-            </a:r>
-            <a:r>
-              <a:rPr lang="en-US" dirty="0" smtClean="0"/>
-              <a:t> </a:t>
-            </a:r>
-            <a:r>
-              <a:rPr lang="en-US" dirty="0" smtClean="0">
-                <a:sym typeface="Wingdings" pitchFamily="2" charset="2"/>
-              </a:rPr>
-              <a:t></a:t>
-            </a:r>
-            <a:r>
-              <a:rPr lang="en-US" dirty="0" smtClean="0"/>
-              <a:t> Boolean</a:t>
-            </a:r>
-          </a:p>
-          <a:p>
-            <a:pPr lvl="1"/>
+            <p:ph sz="quarter" idx="4"/>
+          </p:nvPr>
+        </p:nvSpPr>
+        <p:spPr/>
+        <p:txBody>
+          <a:bodyPr/>
+          <a:lstStyle/>
+          <a:p>
+            <a:pPr>
+              <a:buNone/>
+            </a:pPr>
             <a:r>
               <a:rPr lang="en-US" dirty="0"/>
               <a:t>b</a:t>
             </a:r>
             <a:r>
               <a:rPr lang="en-US" dirty="0" smtClean="0"/>
-              <a:t>yte </a:t>
-            </a:r>
-            <a:r>
-              <a:rPr lang="en-US" dirty="0" smtClean="0">
-                <a:sym typeface="Wingdings" pitchFamily="2" charset="2"/>
-              </a:rPr>
-              <a:t> Byte</a:t>
-            </a:r>
-          </a:p>
-          <a:p>
-            <a:pPr lvl="1"/>
-            <a:r>
-              <a:rPr lang="en-US" dirty="0" smtClean="0">
-                <a:sym typeface="Wingdings" pitchFamily="2" charset="2"/>
-              </a:rPr>
-              <a:t>short  Short</a:t>
-            </a:r>
-          </a:p>
-          <a:p>
-            <a:pPr lvl="1"/>
-            <a:r>
-              <a:rPr lang="en-US" dirty="0" smtClean="0">
-                <a:sym typeface="Wingdings" pitchFamily="2" charset="2"/>
-              </a:rPr>
-              <a:t>char  Character</a:t>
-            </a:r>
-            <a:endParaRPr lang="en-US" dirty="0" smtClean="0"/>
-          </a:p>
-          <a:p>
-            <a:pPr lvl="1"/>
+              <a:t>yte b = 10;</a:t>
+            </a:r>
+          </a:p>
+          <a:p>
+            <a:pPr>
+              <a:buNone/>
+            </a:pPr>
+            <a:r>
+              <a:rPr lang="en-US" dirty="0"/>
+              <a:t> </a:t>
+            </a:r>
             <a:r>
               <a:rPr lang="en-US" dirty="0" err="1" smtClean="0"/>
               <a:t>int</a:t>
@@ -4121,137 +3964,65 @@
               <a:t> </a:t>
             </a:r>
             <a:r>
-              <a:rPr lang="en-US" dirty="0" smtClean="0">
-                <a:sym typeface="Wingdings" pitchFamily="2" charset="2"/>
-              </a:rPr>
-              <a:t></a:t>
-            </a:r>
-            <a:r>
-              <a:rPr lang="en-US" dirty="0" smtClean="0"/>
-              <a:t> Integer</a:t>
-            </a:r>
-          </a:p>
-          <a:p>
-            <a:pPr lvl="1"/>
-            <a:r>
-              <a:rPr lang="en-US" dirty="0" smtClean="0"/>
-              <a:t>long </a:t>
-            </a:r>
-            <a:r>
-              <a:rPr lang="en-US" dirty="0" smtClean="0">
-                <a:sym typeface="Wingdings" pitchFamily="2" charset="2"/>
-              </a:rPr>
-              <a:t></a:t>
-            </a:r>
-            <a:r>
-              <a:rPr lang="en-US" dirty="0" smtClean="0"/>
-              <a:t> Long</a:t>
-            </a:r>
-          </a:p>
-          <a:p>
-            <a:pPr lvl="1"/>
+              <a:rPr lang="en-US" dirty="0" err="1" smtClean="0"/>
+              <a:t>i</a:t>
+            </a:r>
+            <a:r>
+              <a:rPr lang="en-US" dirty="0" smtClean="0"/>
+              <a:t> = (byte) b; </a:t>
+            </a:r>
+          </a:p>
+          <a:p>
+            <a:pPr>
+              <a:buNone/>
+            </a:pPr>
+            <a:r>
+              <a:rPr lang="en-US" dirty="0" smtClean="0"/>
+              <a:t>Java </a:t>
+            </a:r>
+            <a:r>
+              <a:rPr lang="en-US" dirty="0" err="1" smtClean="0"/>
+              <a:t>bisa</a:t>
+            </a:r>
+            <a:r>
+              <a:rPr lang="en-US" dirty="0" smtClean="0"/>
+              <a:t> </a:t>
+            </a:r>
+            <a:r>
+              <a:rPr lang="en-US" dirty="0" err="1" smtClean="0"/>
+              <a:t>melakukan</a:t>
+            </a:r>
+            <a:r>
+              <a:rPr lang="en-US" dirty="0" smtClean="0"/>
+              <a:t> up casting </a:t>
+            </a:r>
+            <a:r>
+              <a:rPr lang="en-US" dirty="0" err="1" smtClean="0"/>
+              <a:t>secara</a:t>
+            </a:r>
+            <a:r>
+              <a:rPr lang="en-US" dirty="0" smtClean="0"/>
+              <a:t> </a:t>
+            </a:r>
+            <a:r>
+              <a:rPr lang="en-US" dirty="0" err="1" smtClean="0"/>
+              <a:t>otomatis</a:t>
+            </a:r>
             <a:r>
               <a:rPr lang="en-US" dirty="0"/>
-              <a:t>f</a:t>
-            </a:r>
-            <a:r>
-              <a:rPr lang="en-US" dirty="0" smtClean="0"/>
-              <a:t>loat </a:t>
-            </a:r>
-            <a:r>
-              <a:rPr lang="en-US" dirty="0" smtClean="0">
-                <a:sym typeface="Wingdings" pitchFamily="2" charset="2"/>
-              </a:rPr>
-              <a:t> Float</a:t>
-            </a:r>
-          </a:p>
-          <a:p>
-            <a:pPr lvl="1"/>
-            <a:r>
-              <a:rPr lang="en-US" dirty="0" smtClean="0">
-                <a:sym typeface="Wingdings" pitchFamily="2" charset="2"/>
-              </a:rPr>
-              <a:t>double  Double</a:t>
-            </a:r>
-          </a:p>
-          <a:p>
-            <a:r>
-              <a:rPr lang="en-US" dirty="0" smtClean="0"/>
-              <a:t>Boxing = </a:t>
+              <a:t> </a:t>
+            </a:r>
+            <a:r>
+              <a:rPr lang="en-US" dirty="0" smtClean="0"/>
+              <a:t>(</a:t>
             </a:r>
             <a:r>
               <a:rPr lang="en-US" dirty="0" err="1" smtClean="0"/>
-              <a:t>perubahan</a:t>
-            </a:r>
-            <a:r>
-              <a:rPr lang="en-US" dirty="0" smtClean="0"/>
-              <a:t> </a:t>
-            </a:r>
-            <a:r>
-              <a:rPr lang="en-US" dirty="0" err="1" smtClean="0"/>
-              <a:t>dari</a:t>
-            </a:r>
-            <a:r>
-              <a:rPr lang="en-US" dirty="0" smtClean="0"/>
-              <a:t> primitive </a:t>
-            </a:r>
-            <a:r>
-              <a:rPr lang="en-US" dirty="0" err="1" smtClean="0"/>
-              <a:t>ke</a:t>
-            </a:r>
-            <a:r>
-              <a:rPr lang="en-US" dirty="0" smtClean="0"/>
-              <a:t> reference </a:t>
-            </a:r>
-            <a:r>
-              <a:rPr lang="en-US" dirty="0"/>
-              <a:t>t</a:t>
-            </a:r>
-            <a:r>
-              <a:rPr lang="en-US" dirty="0" smtClean="0"/>
-              <a:t>ype</a:t>
-            </a:r>
-          </a:p>
-          <a:p>
-            <a:r>
-              <a:rPr lang="en-US" dirty="0" err="1" smtClean="0"/>
-              <a:t>Unboxing</a:t>
-            </a:r>
-            <a:r>
-              <a:rPr lang="en-US" dirty="0" smtClean="0"/>
-              <a:t> = </a:t>
-            </a:r>
-            <a:r>
-              <a:rPr lang="en-US" dirty="0" err="1" smtClean="0"/>
-              <a:t>perubahan</a:t>
-            </a:r>
-            <a:r>
-              <a:rPr lang="en-US" dirty="0" smtClean="0"/>
-              <a:t> </a:t>
-            </a:r>
-            <a:r>
-              <a:rPr lang="en-US" dirty="0" err="1" smtClean="0"/>
-              <a:t>dari</a:t>
-            </a:r>
-            <a:r>
-              <a:rPr lang="en-US" dirty="0" smtClean="0"/>
-              <a:t> reference </a:t>
-            </a:r>
-            <a:r>
-              <a:rPr lang="en-US" dirty="0"/>
-              <a:t>t</a:t>
-            </a:r>
-            <a:r>
-              <a:rPr lang="en-US" dirty="0" smtClean="0"/>
-              <a:t>ype </a:t>
-            </a:r>
-            <a:r>
-              <a:rPr lang="en-US" dirty="0" err="1" smtClean="0"/>
-              <a:t>ke</a:t>
-            </a:r>
-            <a:r>
-              <a:rPr lang="en-US" dirty="0" smtClean="0"/>
-              <a:t> primitive</a:t>
+              <a:t>implisit</a:t>
+            </a:r>
+            <a:r>
+              <a:rPr lang="en-US" dirty="0" smtClean="0"/>
+              <a:t>).</a:t>
             </a:r>
           </a:p>
         </p:txBody>
@@ -4298,11 +4069,7 @@
           <a:p>
             <a:r>
               <a:rPr lang="en-US" dirty="0" smtClean="0"/>
-              <a:t>Primitive</a:t>
-            </a:r>
-            <a:r>
-              <a:rPr lang="en-US" baseline="0" dirty="0" smtClean="0"/>
-              <a:t> Type</a:t>
+              <a:t>Primitive Type (wrapper)</a:t>
             </a:r>
             <a:endParaRPr lang="en-US" dirty="0"/>
           </a:p>
@@ -4310,7 +4077,7 @@
       </p:sp>
       <p:sp>
         <p:nvSpPr>
-          <p:cNvPr id="3" name="Content Placeholder 2"/>
+          <p:cNvPr id="7" name="Content Placeholder 6"/>
           <p:cNvSpPr>
             <a:spLocks noGrp="1"/>
           </p:cNvSpPr>
@@ -4320,10 +4087,268 @@
         </p:nvSpPr>
         <p:spPr/>
         <p:txBody>
-          <a:bodyPr/>
-          <a:lstStyle/>
-          <a:p>
-            <a:endParaRPr lang="en-US"/>
+          <a:bodyPr>
+            <a:normAutofit fontScale="85000" lnSpcReduction="20000"/>
+          </a:bodyPr>
+          <a:lstStyle/>
+          <a:p>
+            <a:r>
+              <a:rPr lang="en-US" dirty="0" err="1" smtClean="0"/>
+              <a:t>Setiap</a:t>
+            </a:r>
+            <a:r>
+              <a:rPr lang="en-US" dirty="0" smtClean="0"/>
+              <a:t> primitive type </a:t>
+            </a:r>
+            <a:r>
+              <a:rPr lang="en-US" dirty="0" err="1" smtClean="0"/>
+              <a:t>memiliki</a:t>
+            </a:r>
+            <a:r>
+              <a:rPr lang="en-US" dirty="0" smtClean="0"/>
+              <a:t> </a:t>
+            </a:r>
+            <a:r>
+              <a:rPr lang="en-US" dirty="0" err="1" smtClean="0"/>
+              <a:t>padanan</a:t>
+            </a:r>
+            <a:r>
+              <a:rPr lang="en-US" dirty="0" smtClean="0"/>
+              <a:t> Reference Type </a:t>
+            </a:r>
+            <a:r>
+              <a:rPr lang="en-US" dirty="0" err="1" smtClean="0"/>
+              <a:t>yg</a:t>
+            </a:r>
+            <a:r>
+              <a:rPr lang="en-US" dirty="0" smtClean="0"/>
+              <a:t> </a:t>
+            </a:r>
+            <a:r>
+              <a:rPr lang="en-US" dirty="0" err="1" smtClean="0"/>
+              <a:t>berperan</a:t>
+            </a:r>
+            <a:r>
+              <a:rPr lang="en-US" dirty="0" smtClean="0"/>
+              <a:t> </a:t>
+            </a:r>
+            <a:r>
+              <a:rPr lang="en-US" dirty="0" err="1" smtClean="0"/>
+              <a:t>memberikan</a:t>
+            </a:r>
+            <a:r>
+              <a:rPr lang="en-US" dirty="0" smtClean="0"/>
+              <a:t> fitur2 </a:t>
+            </a:r>
+            <a:r>
+              <a:rPr lang="en-US" dirty="0" err="1" smtClean="0"/>
+              <a:t>tambahan</a:t>
+            </a:r>
+            <a:r>
+              <a:rPr lang="en-US" dirty="0" smtClean="0"/>
+              <a:t>.</a:t>
+            </a:r>
+          </a:p>
+          <a:p>
+            <a:pPr lvl="1"/>
+            <a:r>
+              <a:rPr lang="en-US" dirty="0" err="1" smtClean="0"/>
+              <a:t>boolean</a:t>
+            </a:r>
+            <a:r>
+              <a:rPr lang="en-US" dirty="0" smtClean="0"/>
+              <a:t> </a:t>
+            </a:r>
+            <a:r>
+              <a:rPr lang="en-US" dirty="0" smtClean="0">
+                <a:sym typeface="Wingdings" pitchFamily="2" charset="2"/>
+              </a:rPr>
+              <a:t></a:t>
+            </a:r>
+            <a:r>
+              <a:rPr lang="en-US" dirty="0" smtClean="0"/>
+              <a:t> Boolean</a:t>
+            </a:r>
+          </a:p>
+          <a:p>
+            <a:pPr lvl="1"/>
+            <a:r>
+              <a:rPr lang="en-US" dirty="0"/>
+              <a:t>b</a:t>
+            </a:r>
+            <a:r>
+              <a:rPr lang="en-US" dirty="0" smtClean="0"/>
+              <a:t>yte </a:t>
+            </a:r>
+            <a:r>
+              <a:rPr lang="en-US" dirty="0" smtClean="0">
+                <a:sym typeface="Wingdings" pitchFamily="2" charset="2"/>
+              </a:rPr>
+              <a:t> Byte</a:t>
+            </a:r>
+          </a:p>
+          <a:p>
+            <a:pPr lvl="1"/>
+            <a:r>
+              <a:rPr lang="en-US" dirty="0" smtClean="0">
+                <a:sym typeface="Wingdings" pitchFamily="2" charset="2"/>
+              </a:rPr>
+              <a:t>short  Short</a:t>
+            </a:r>
+          </a:p>
+          <a:p>
+            <a:pPr lvl="1"/>
+            <a:r>
+              <a:rPr lang="en-US" dirty="0" smtClean="0">
+                <a:sym typeface="Wingdings" pitchFamily="2" charset="2"/>
+              </a:rPr>
+              <a:t>char  Character</a:t>
+            </a:r>
+            <a:endParaRPr lang="en-US" dirty="0" smtClean="0"/>
+          </a:p>
+          <a:p>
+            <a:pPr lvl="1"/>
+            <a:r>
+              <a:rPr lang="en-US" dirty="0" err="1" smtClean="0"/>
+              <a:t>int</a:t>
+            </a:r>
+            <a:r>
+              <a:rPr lang="en-US" dirty="0" smtClean="0"/>
+              <a:t> </a:t>
+            </a:r>
+            <a:r>
+              <a:rPr lang="en-US" dirty="0" smtClean="0">
+                <a:sym typeface="Wingdings" pitchFamily="2" charset="2"/>
+              </a:rPr>
+              <a:t></a:t>
+            </a:r>
+            <a:r>
+              <a:rPr lang="en-US" dirty="0" smtClean="0"/>
+              <a:t> Integer</a:t>
+            </a:r>
+          </a:p>
+          <a:p>
+            <a:pPr lvl="1"/>
+            <a:r>
+              <a:rPr lang="en-US" dirty="0" smtClean="0"/>
+              <a:t>long </a:t>
+            </a:r>
+            <a:r>
+              <a:rPr lang="en-US" dirty="0" smtClean="0">
+                <a:sym typeface="Wingdings" pitchFamily="2" charset="2"/>
+              </a:rPr>
+              <a:t></a:t>
+            </a:r>
+            <a:r>
+              <a:rPr lang="en-US" dirty="0" smtClean="0"/>
+              <a:t> Long</a:t>
+            </a:r>
+          </a:p>
+          <a:p>
+            <a:pPr lvl="1"/>
+            <a:r>
+              <a:rPr lang="en-US" dirty="0"/>
+              <a:t>f</a:t>
+            </a:r>
+            <a:r>
+              <a:rPr lang="en-US" dirty="0" smtClean="0"/>
+              <a:t>loat </a:t>
+            </a:r>
+            <a:r>
+              <a:rPr lang="en-US" dirty="0" smtClean="0">
+                <a:sym typeface="Wingdings" pitchFamily="2" charset="2"/>
+              </a:rPr>
+              <a:t> Float</a:t>
+            </a:r>
+          </a:p>
+          <a:p>
+            <a:pPr lvl="1"/>
+            <a:r>
+              <a:rPr lang="en-US" dirty="0" smtClean="0">
+                <a:sym typeface="Wingdings" pitchFamily="2" charset="2"/>
+              </a:rPr>
+              <a:t>double  Double</a:t>
+            </a:r>
+          </a:p>
+          <a:p>
+            <a:r>
+              <a:rPr lang="en-US" dirty="0" smtClean="0"/>
+              <a:t>Boxing = </a:t>
+            </a:r>
+            <a:r>
+              <a:rPr lang="en-US" dirty="0" err="1" smtClean="0"/>
+              <a:t>perubahan</a:t>
+            </a:r>
+            <a:r>
+              <a:rPr lang="en-US" dirty="0" smtClean="0"/>
+              <a:t> </a:t>
+            </a:r>
+            <a:r>
+              <a:rPr lang="en-US" dirty="0" err="1" smtClean="0"/>
+              <a:t>dari</a:t>
+            </a:r>
+            <a:r>
+              <a:rPr lang="en-US" dirty="0" smtClean="0"/>
+              <a:t> primitive </a:t>
+            </a:r>
+            <a:r>
+              <a:rPr lang="en-US" dirty="0" err="1" smtClean="0"/>
+              <a:t>ke</a:t>
+            </a:r>
+            <a:r>
+              <a:rPr lang="en-US" dirty="0" smtClean="0"/>
+              <a:t> reference </a:t>
+            </a:r>
+            <a:r>
+              <a:rPr lang="en-US" dirty="0"/>
+              <a:t>t</a:t>
+            </a:r>
+            <a:r>
+              <a:rPr lang="en-US" dirty="0" smtClean="0"/>
+              <a:t>ype</a:t>
+            </a:r>
+          </a:p>
+          <a:p>
+            <a:r>
+              <a:rPr lang="en-US" dirty="0" err="1" smtClean="0"/>
+              <a:t>Unboxing</a:t>
+            </a:r>
+            <a:r>
+              <a:rPr lang="en-US" dirty="0" smtClean="0"/>
+              <a:t> = </a:t>
+            </a:r>
+            <a:r>
+              <a:rPr lang="en-US" dirty="0" err="1" smtClean="0"/>
+              <a:t>perubahan</a:t>
+            </a:r>
+            <a:r>
+              <a:rPr lang="en-US" dirty="0" smtClean="0"/>
+              <a:t> </a:t>
+            </a:r>
+            <a:r>
+              <a:rPr lang="en-US" dirty="0" err="1" smtClean="0"/>
+              <a:t>dari</a:t>
+            </a:r>
+            <a:r>
+              <a:rPr lang="en-US" dirty="0" smtClean="0"/>
+              <a:t> reference </a:t>
+            </a:r>
+            <a:r>
+              <a:rPr lang="en-US" dirty="0"/>
+              <a:t>t</a:t>
+            </a:r>
+            <a:r>
+              <a:rPr lang="en-US" dirty="0" smtClean="0"/>
+              <a:t>ype </a:t>
+            </a:r>
+            <a:r>
+              <a:rPr lang="en-US" dirty="0" err="1" smtClean="0"/>
+              <a:t>ke</a:t>
+            </a:r>
+            <a:r>
+              <a:rPr lang="en-US" dirty="0" smtClean="0"/>
+              <a:t> primitive</a:t>
+            </a:r>
           </a:p>
         </p:txBody>
       </p:sp>
@@ -4391,15 +4416,1261 @@
           <a:lstStyle/>
           <a:p>
             <a:r>
-              <a:rPr lang="en-US" dirty="0" smtClean="0"/>
-              <a:t>Variables</a:t>
-            </a:r>
-          </a:p>
-          <a:p>
+              <a:rPr lang="en-US" dirty="0" err="1" smtClean="0"/>
+              <a:t>Nama</a:t>
+            </a:r>
+            <a:r>
+              <a:rPr lang="en-US" dirty="0" smtClean="0"/>
+              <a:t> Type </a:t>
+            </a:r>
+            <a:r>
+              <a:rPr lang="en-US" dirty="0" err="1" smtClean="0"/>
+              <a:t>sesuai</a:t>
+            </a:r>
+            <a:r>
+              <a:rPr lang="en-US" dirty="0" smtClean="0"/>
+              <a:t> </a:t>
+            </a:r>
+            <a:r>
+              <a:rPr lang="en-US" dirty="0" err="1" smtClean="0"/>
+              <a:t>aturan</a:t>
+            </a:r>
+            <a:r>
+              <a:rPr lang="en-US" dirty="0" smtClean="0"/>
+              <a:t> </a:t>
+            </a:r>
+            <a:r>
+              <a:rPr lang="en-US" dirty="0"/>
+              <a:t>i</a:t>
+            </a:r>
+            <a:r>
+              <a:rPr lang="en-US" dirty="0" smtClean="0"/>
+              <a:t>dentifier java</a:t>
+            </a:r>
+          </a:p>
+          <a:p>
+            <a:r>
+              <a:rPr lang="en-US" dirty="0" smtClean="0"/>
+              <a:t>Pass By Reference</a:t>
+            </a:r>
+          </a:p>
+          <a:p>
+            <a:r>
+              <a:rPr lang="en-US" dirty="0" err="1" smtClean="0"/>
+              <a:t>Operasi</a:t>
+            </a:r>
+            <a:r>
+              <a:rPr lang="en-US" dirty="0" smtClean="0"/>
+              <a:t> </a:t>
+            </a:r>
+            <a:r>
+              <a:rPr lang="en-US" dirty="0" err="1" smtClean="0"/>
+              <a:t>di</a:t>
+            </a:r>
+            <a:r>
+              <a:rPr lang="en-US" dirty="0" smtClean="0"/>
+              <a:t> </a:t>
+            </a:r>
+            <a:r>
+              <a:rPr lang="en-US" dirty="0" err="1" smtClean="0"/>
+              <a:t>definisikan</a:t>
+            </a:r>
+            <a:r>
+              <a:rPr lang="en-US" dirty="0" smtClean="0"/>
+              <a:t>.</a:t>
+            </a:r>
+          </a:p>
+        </p:txBody>
+      </p:sp>
+    </p:spTree>
+  </p:cSld>
+  <p:clrMapOvr>
+    <a:masterClrMapping/>
+  </p:clrMapOvr>
+</p:sld>
+</file>
+
+<file path=ppt/slides/slide17.xml><?xml version="1.0" encoding="utf-8"?>
+<p:sld xmlns:a="http://schemas.openxmlformats.org/drawingml/2006/main" xmlns:r="http://schemas.openxmlformats.org/officeDocument/2006/relationships" xmlns:p="http://schemas.openxmlformats.org/presentationml/2006/main">
+  <p:cSld>
+    <p:spTree>
+      <p:nvGrpSpPr>
+        <p:cNvPr id="1" name=""/>
+        <p:cNvGrpSpPr/>
+        <p:nvPr/>
+      </p:nvGrpSpPr>
+      <p:grpSpPr>
+        <a:xfrm>
+          <a:off x="0" y="0"/>
+          <a:ext cx="0" cy="0"/>
+          <a:chOff x="0" y="0"/>
+          <a:chExt cx="0" cy="0"/>
+        </a:xfrm>
+      </p:grpSpPr>
+      <p:sp>
+        <p:nvSpPr>
+          <p:cNvPr id="2" name="Title 1"/>
+          <p:cNvSpPr>
+            <a:spLocks noGrp="1"/>
+          </p:cNvSpPr>
+          <p:nvPr>
+            <p:ph type="title"/>
+          </p:nvPr>
+        </p:nvSpPr>
+        <p:spPr/>
+        <p:txBody>
+          <a:bodyPr/>
+          <a:lstStyle/>
+          <a:p>
+            <a:r>
+              <a:rPr lang="en-US" dirty="0" smtClean="0"/>
+              <a:t>Operator</a:t>
+            </a:r>
             <a:endParaRPr lang="en-US" dirty="0"/>
           </a:p>
         </p:txBody>
       </p:sp>
+      <p:graphicFrame>
+        <p:nvGraphicFramePr>
+          <p:cNvPr id="4" name="Table 3"/>
+          <p:cNvGraphicFramePr>
+            <a:graphicFrameLocks noGrp="1"/>
+          </p:cNvGraphicFramePr>
+          <p:nvPr/>
+        </p:nvGraphicFramePr>
+        <p:xfrm>
+          <a:off x="1007604" y="1844824"/>
+          <a:ext cx="7128792" cy="4063999"/>
+        </p:xfrm>
+        <a:graphic>
+          <a:graphicData uri="http://schemas.openxmlformats.org/drawingml/2006/table">
+            <a:tbl>
+              <a:tblPr>
+                <a:tableStyleId>{5940675A-B579-460E-94D1-54222C63F5DA}</a:tableStyleId>
+              </a:tblPr>
+              <a:tblGrid>
+                <a:gridCol w="2376264"/>
+                <a:gridCol w="3456384"/>
+                <a:gridCol w="1296144"/>
+              </a:tblGrid>
+              <a:tr h="246303">
+                <a:tc>
+                  <a:txBody>
+                    <a:bodyPr/>
+                    <a:lstStyle/>
+                    <a:p>
+                      <a:pPr algn="ctr"/>
+                      <a:r>
+                        <a:rPr lang="en-US" sz="1200" dirty="0"/>
+                        <a:t>Category</a:t>
+                      </a:r>
+                    </a:p>
+                  </a:txBody>
+                  <a:tcPr marL="61576" marR="61576" marT="30788" marB="30788" anchor="ctr"/>
+                </a:tc>
+                <a:tc>
+                  <a:txBody>
+                    <a:bodyPr/>
+                    <a:lstStyle/>
+                    <a:p>
+                      <a:pPr algn="ctr"/>
+                      <a:r>
+                        <a:rPr lang="en-US" sz="1200" dirty="0"/>
+                        <a:t>Operator</a:t>
+                      </a:r>
+                    </a:p>
+                  </a:txBody>
+                  <a:tcPr marL="61576" marR="61576" marT="30788" marB="30788" anchor="ctr"/>
+                </a:tc>
+                <a:tc>
+                  <a:txBody>
+                    <a:bodyPr/>
+                    <a:lstStyle/>
+                    <a:p>
+                      <a:pPr algn="ctr"/>
+                      <a:r>
+                        <a:rPr lang="en-US" sz="1200" dirty="0" err="1"/>
+                        <a:t>Associativity</a:t>
+                      </a:r>
+                      <a:endParaRPr lang="en-US" sz="1200" dirty="0"/>
+                    </a:p>
+                  </a:txBody>
+                  <a:tcPr marL="61576" marR="61576" marT="30788" marB="30788" anchor="ctr"/>
+                </a:tc>
+              </a:tr>
+              <a:tr h="431030">
+                <a:tc>
+                  <a:txBody>
+                    <a:bodyPr/>
+                    <a:lstStyle/>
+                    <a:p>
+                      <a:r>
+                        <a:rPr lang="en-US" sz="1200"/>
+                        <a:t>Postfix</a:t>
+                      </a:r>
+                    </a:p>
+                  </a:txBody>
+                  <a:tcPr marL="61576" marR="61576" marT="30788" marB="30788" anchor="ctr"/>
+                </a:tc>
+                <a:tc>
+                  <a:txBody>
+                    <a:bodyPr/>
+                    <a:lstStyle/>
+                    <a:p>
+                      <a:r>
+                        <a:rPr lang="en-US" sz="1200" dirty="0" smtClean="0"/>
+                        <a:t>()   []   . </a:t>
+                      </a:r>
+                      <a:r>
+                        <a:rPr lang="en-US" sz="1200" baseline="0" dirty="0" smtClean="0"/>
+                        <a:t> </a:t>
+                      </a:r>
+                      <a:r>
+                        <a:rPr lang="en-US" sz="1200" dirty="0" smtClean="0"/>
+                        <a:t>(</a:t>
+                      </a:r>
+                      <a:r>
+                        <a:rPr lang="en-US" sz="1200" dirty="0"/>
+                        <a:t>dot operator)</a:t>
+                      </a:r>
+                    </a:p>
+                  </a:txBody>
+                  <a:tcPr marL="61576" marR="61576" marT="30788" marB="30788" anchor="ctr"/>
+                </a:tc>
+                <a:tc>
+                  <a:txBody>
+                    <a:bodyPr/>
+                    <a:lstStyle/>
+                    <a:p>
+                      <a:r>
+                        <a:rPr lang="en-US" sz="1200" dirty="0" err="1" smtClean="0"/>
+                        <a:t>Kiri</a:t>
+                      </a:r>
+                      <a:r>
+                        <a:rPr lang="en-US" sz="1200" dirty="0" smtClean="0"/>
+                        <a:t> </a:t>
+                      </a:r>
+                      <a:r>
+                        <a:rPr lang="en-US" sz="1200" dirty="0" err="1" smtClean="0"/>
+                        <a:t>ke</a:t>
+                      </a:r>
+                      <a:r>
+                        <a:rPr lang="en-US" sz="1200" dirty="0" smtClean="0"/>
+                        <a:t> </a:t>
+                      </a:r>
+                      <a:r>
+                        <a:rPr lang="en-US" sz="1200" dirty="0" err="1" smtClean="0"/>
+                        <a:t>Kanan</a:t>
+                      </a:r>
+                      <a:endParaRPr lang="en-US" sz="1200" dirty="0"/>
+                    </a:p>
+                  </a:txBody>
+                  <a:tcPr marL="61576" marR="61576" marT="30788" marB="30788" anchor="ctr"/>
+                </a:tc>
+              </a:tr>
+              <a:tr h="246303">
+                <a:tc>
+                  <a:txBody>
+                    <a:bodyPr/>
+                    <a:lstStyle/>
+                    <a:p>
+                      <a:r>
+                        <a:rPr lang="en-US" sz="1200" dirty="0"/>
+                        <a:t>Unary</a:t>
+                      </a:r>
+                    </a:p>
+                  </a:txBody>
+                  <a:tcPr marL="61576" marR="61576" marT="30788" marB="30788" anchor="ctr"/>
+                </a:tc>
+                <a:tc>
+                  <a:txBody>
+                    <a:bodyPr/>
+                    <a:lstStyle/>
+                    <a:p>
+                      <a:r>
+                        <a:rPr lang="en-US" sz="1200" dirty="0" smtClean="0"/>
+                        <a:t>++    </a:t>
+                      </a:r>
+                      <a:r>
+                        <a:rPr lang="en-US" sz="1200" dirty="0"/>
+                        <a:t>- - </a:t>
+                      </a:r>
+                      <a:r>
+                        <a:rPr lang="en-US" sz="1200" dirty="0" smtClean="0"/>
+                        <a:t>  !   </a:t>
+                      </a:r>
+                      <a:r>
+                        <a:rPr lang="en-US" sz="1200" dirty="0"/>
+                        <a:t>~ </a:t>
+                      </a:r>
+                    </a:p>
+                  </a:txBody>
+                  <a:tcPr marL="61576" marR="61576" marT="30788" marB="30788" anchor="ctr"/>
+                </a:tc>
+                <a:tc>
+                  <a:txBody>
+                    <a:bodyPr/>
+                    <a:lstStyle/>
+                    <a:p>
+                      <a:r>
+                        <a:rPr lang="en-US" sz="1200" dirty="0" err="1" smtClean="0"/>
+                        <a:t>Kanan</a:t>
+                      </a:r>
+                      <a:r>
+                        <a:rPr lang="en-US" sz="1200" baseline="0" dirty="0" smtClean="0"/>
+                        <a:t> </a:t>
+                      </a:r>
+                      <a:r>
+                        <a:rPr lang="en-US" sz="1200" baseline="0" dirty="0" err="1" smtClean="0"/>
+                        <a:t>ke</a:t>
+                      </a:r>
+                      <a:r>
+                        <a:rPr lang="en-US" sz="1200" baseline="0" dirty="0" smtClean="0"/>
+                        <a:t> </a:t>
+                      </a:r>
+                      <a:r>
+                        <a:rPr lang="en-US" sz="1200" baseline="0" dirty="0" err="1" smtClean="0"/>
+                        <a:t>Kiri</a:t>
+                      </a:r>
+                      <a:endParaRPr lang="en-US" sz="1200" dirty="0"/>
+                    </a:p>
+                  </a:txBody>
+                  <a:tcPr marL="61576" marR="61576" marT="30788" marB="30788" anchor="ctr"/>
+                </a:tc>
+              </a:tr>
+              <a:tr h="246303">
+                <a:tc>
+                  <a:txBody>
+                    <a:bodyPr/>
+                    <a:lstStyle/>
+                    <a:p>
+                      <a:r>
+                        <a:rPr lang="en-US" sz="1200"/>
+                        <a:t>Multiplicative</a:t>
+                      </a:r>
+                    </a:p>
+                  </a:txBody>
+                  <a:tcPr marL="61576" marR="61576" marT="30788" marB="30788" anchor="ctr"/>
+                </a:tc>
+                <a:tc>
+                  <a:txBody>
+                    <a:bodyPr/>
+                    <a:lstStyle/>
+                    <a:p>
+                      <a:r>
+                        <a:rPr lang="en-US" sz="1200" dirty="0" smtClean="0"/>
+                        <a:t>*    </a:t>
+                      </a:r>
+                      <a:r>
+                        <a:rPr lang="en-US" sz="1200" dirty="0"/>
+                        <a:t>/</a:t>
+                      </a:r>
+                    </a:p>
+                  </a:txBody>
+                  <a:tcPr marL="61576" marR="61576" marT="30788" marB="30788" anchor="ctr"/>
+                </a:tc>
+                <a:tc>
+                  <a:txBody>
+                    <a:bodyPr/>
+                    <a:lstStyle/>
+                    <a:p>
+                      <a:r>
+                        <a:rPr lang="en-US" sz="1200" dirty="0" err="1" smtClean="0"/>
+                        <a:t>Kiri</a:t>
+                      </a:r>
+                      <a:r>
+                        <a:rPr lang="en-US" sz="1200" dirty="0" smtClean="0"/>
+                        <a:t> </a:t>
+                      </a:r>
+                      <a:r>
+                        <a:rPr lang="en-US" sz="1200" dirty="0" err="1" smtClean="0"/>
+                        <a:t>ke</a:t>
+                      </a:r>
+                      <a:r>
+                        <a:rPr lang="en-US" sz="1200" dirty="0" smtClean="0"/>
+                        <a:t> </a:t>
+                      </a:r>
+                      <a:r>
+                        <a:rPr lang="en-US" sz="1200" dirty="0" err="1" smtClean="0"/>
+                        <a:t>Kanan</a:t>
+                      </a:r>
+                      <a:endParaRPr lang="en-US" sz="1200" dirty="0"/>
+                    </a:p>
+                  </a:txBody>
+                  <a:tcPr marL="61576" marR="61576" marT="30788" marB="30788" anchor="ctr"/>
+                </a:tc>
+              </a:tr>
+              <a:tr h="246303">
+                <a:tc>
+                  <a:txBody>
+                    <a:bodyPr/>
+                    <a:lstStyle/>
+                    <a:p>
+                      <a:r>
+                        <a:rPr lang="en-US" sz="1200"/>
+                        <a:t>Additive</a:t>
+                      </a:r>
+                    </a:p>
+                  </a:txBody>
+                  <a:tcPr marL="61576" marR="61576" marT="30788" marB="30788" anchor="ctr"/>
+                </a:tc>
+                <a:tc>
+                  <a:txBody>
+                    <a:bodyPr/>
+                    <a:lstStyle/>
+                    <a:p>
+                      <a:r>
+                        <a:rPr lang="en-US" sz="1200" dirty="0" smtClean="0"/>
+                        <a:t>+     </a:t>
+                      </a:r>
+                      <a:r>
+                        <a:rPr lang="en-US" sz="1200" dirty="0"/>
+                        <a:t>-</a:t>
+                      </a:r>
+                    </a:p>
+                  </a:txBody>
+                  <a:tcPr marL="61576" marR="61576" marT="30788" marB="30788" anchor="ctr"/>
+                </a:tc>
+                <a:tc>
+                  <a:txBody>
+                    <a:bodyPr/>
+                    <a:lstStyle/>
+                    <a:p>
+                      <a:r>
+                        <a:rPr lang="en-US" sz="1200" dirty="0" err="1" smtClean="0"/>
+                        <a:t>Kiri</a:t>
+                      </a:r>
+                      <a:r>
+                        <a:rPr lang="en-US" sz="1200" dirty="0" smtClean="0"/>
+                        <a:t> </a:t>
+                      </a:r>
+                      <a:r>
+                        <a:rPr lang="en-US" sz="1200" dirty="0" err="1" smtClean="0"/>
+                        <a:t>ke</a:t>
+                      </a:r>
+                      <a:r>
+                        <a:rPr lang="en-US" sz="1200" dirty="0" smtClean="0"/>
+                        <a:t> </a:t>
+                      </a:r>
+                      <a:r>
+                        <a:rPr lang="en-US" sz="1200" dirty="0" err="1" smtClean="0"/>
+                        <a:t>Kanan</a:t>
+                      </a:r>
+                      <a:endParaRPr lang="en-US" sz="1200" dirty="0"/>
+                    </a:p>
+                  </a:txBody>
+                  <a:tcPr marL="61576" marR="61576" marT="30788" marB="30788" anchor="ctr"/>
+                </a:tc>
+              </a:tr>
+              <a:tr h="246303">
+                <a:tc>
+                  <a:txBody>
+                    <a:bodyPr/>
+                    <a:lstStyle/>
+                    <a:p>
+                      <a:r>
+                        <a:rPr lang="en-US" sz="1200"/>
+                        <a:t>Shift</a:t>
+                      </a:r>
+                    </a:p>
+                  </a:txBody>
+                  <a:tcPr marL="61576" marR="61576" marT="30788" marB="30788" anchor="ctr"/>
+                </a:tc>
+                <a:tc>
+                  <a:txBody>
+                    <a:bodyPr/>
+                    <a:lstStyle/>
+                    <a:p>
+                      <a:r>
+                        <a:rPr lang="en-US" sz="1200" dirty="0" smtClean="0"/>
+                        <a:t>&gt;&gt;     &gt;&gt;&gt;     </a:t>
+                      </a:r>
+                      <a:r>
+                        <a:rPr lang="en-US" sz="1200" dirty="0"/>
+                        <a:t>&lt;&lt;</a:t>
+                      </a:r>
+                    </a:p>
+                  </a:txBody>
+                  <a:tcPr marL="61576" marR="61576" marT="30788" marB="30788" anchor="ctr"/>
+                </a:tc>
+                <a:tc>
+                  <a:txBody>
+                    <a:bodyPr/>
+                    <a:lstStyle/>
+                    <a:p>
+                      <a:r>
+                        <a:rPr lang="en-US" sz="1200" dirty="0" err="1" smtClean="0"/>
+                        <a:t>Kiri</a:t>
+                      </a:r>
+                      <a:r>
+                        <a:rPr lang="en-US" sz="1200" dirty="0" smtClean="0"/>
+                        <a:t> </a:t>
+                      </a:r>
+                      <a:r>
+                        <a:rPr lang="en-US" sz="1200" dirty="0" err="1" smtClean="0"/>
+                        <a:t>ke</a:t>
+                      </a:r>
+                      <a:r>
+                        <a:rPr lang="en-US" sz="1200" dirty="0" smtClean="0"/>
+                        <a:t> </a:t>
+                      </a:r>
+                      <a:r>
+                        <a:rPr lang="en-US" sz="1200" dirty="0" err="1" smtClean="0"/>
+                        <a:t>Kanan</a:t>
+                      </a:r>
+                      <a:endParaRPr lang="en-US" sz="1200" dirty="0"/>
+                    </a:p>
+                  </a:txBody>
+                  <a:tcPr marL="61576" marR="61576" marT="30788" marB="30788" anchor="ctr"/>
+                </a:tc>
+              </a:tr>
+              <a:tr h="246303">
+                <a:tc>
+                  <a:txBody>
+                    <a:bodyPr/>
+                    <a:lstStyle/>
+                    <a:p>
+                      <a:r>
+                        <a:rPr lang="en-US" sz="1200"/>
+                        <a:t>Relational</a:t>
+                      </a:r>
+                    </a:p>
+                  </a:txBody>
+                  <a:tcPr marL="61576" marR="61576" marT="30788" marB="30788" anchor="ctr"/>
+                </a:tc>
+                <a:tc>
+                  <a:txBody>
+                    <a:bodyPr/>
+                    <a:lstStyle/>
+                    <a:p>
+                      <a:r>
+                        <a:rPr lang="en-US" sz="1200" dirty="0" smtClean="0"/>
+                        <a:t>&gt;    &gt;=     </a:t>
+                      </a:r>
+                      <a:r>
+                        <a:rPr lang="en-US" sz="1200" dirty="0"/>
+                        <a:t>&lt; </a:t>
+                      </a:r>
+                      <a:r>
+                        <a:rPr lang="en-US" sz="1200" dirty="0" smtClean="0"/>
+                        <a:t>&lt;   =</a:t>
+                      </a:r>
+                      <a:endParaRPr lang="en-US" sz="1200" dirty="0"/>
+                    </a:p>
+                  </a:txBody>
+                  <a:tcPr marL="61576" marR="61576" marT="30788" marB="30788" anchor="ctr"/>
+                </a:tc>
+                <a:tc>
+                  <a:txBody>
+                    <a:bodyPr/>
+                    <a:lstStyle/>
+                    <a:p>
+                      <a:r>
+                        <a:rPr lang="en-US" sz="1200" dirty="0" err="1" smtClean="0"/>
+                        <a:t>Kiri</a:t>
+                      </a:r>
+                      <a:r>
+                        <a:rPr lang="en-US" sz="1200" dirty="0" smtClean="0"/>
+                        <a:t> </a:t>
+                      </a:r>
+                      <a:r>
+                        <a:rPr lang="en-US" sz="1200" dirty="0" err="1" smtClean="0"/>
+                        <a:t>ke</a:t>
+                      </a:r>
+                      <a:r>
+                        <a:rPr lang="en-US" sz="1200" dirty="0" smtClean="0"/>
+                        <a:t> </a:t>
+                      </a:r>
+                      <a:r>
+                        <a:rPr lang="en-US" sz="1200" dirty="0" err="1" smtClean="0"/>
+                        <a:t>Kanan</a:t>
+                      </a:r>
+                      <a:endParaRPr lang="en-US" sz="1200" dirty="0"/>
+                    </a:p>
+                  </a:txBody>
+                  <a:tcPr marL="61576" marR="61576" marT="30788" marB="30788" anchor="ctr"/>
+                </a:tc>
+              </a:tr>
+              <a:tr h="246303">
+                <a:tc>
+                  <a:txBody>
+                    <a:bodyPr/>
+                    <a:lstStyle/>
+                    <a:p>
+                      <a:r>
+                        <a:rPr lang="en-US" sz="1200"/>
+                        <a:t>Equality</a:t>
+                      </a:r>
+                    </a:p>
+                  </a:txBody>
+                  <a:tcPr marL="61576" marR="61576" marT="30788" marB="30788" anchor="ctr"/>
+                </a:tc>
+                <a:tc>
+                  <a:txBody>
+                    <a:bodyPr/>
+                    <a:lstStyle/>
+                    <a:p>
+                      <a:r>
+                        <a:rPr lang="en-US" sz="1200" dirty="0" smtClean="0"/>
+                        <a:t>==               !=</a:t>
+                      </a:r>
+                      <a:endParaRPr lang="en-US" sz="1200" dirty="0"/>
+                    </a:p>
+                  </a:txBody>
+                  <a:tcPr marL="61576" marR="61576" marT="30788" marB="30788" anchor="ctr"/>
+                </a:tc>
+                <a:tc>
+                  <a:txBody>
+                    <a:bodyPr/>
+                    <a:lstStyle/>
+                    <a:p>
+                      <a:r>
+                        <a:rPr lang="en-US" sz="1200" dirty="0" err="1" smtClean="0"/>
+                        <a:t>Kiri</a:t>
+                      </a:r>
+                      <a:r>
+                        <a:rPr lang="en-US" sz="1200" dirty="0" smtClean="0"/>
+                        <a:t> </a:t>
+                      </a:r>
+                      <a:r>
+                        <a:rPr lang="en-US" sz="1200" dirty="0" err="1" smtClean="0"/>
+                        <a:t>ke</a:t>
+                      </a:r>
+                      <a:r>
+                        <a:rPr lang="en-US" sz="1200" dirty="0" smtClean="0"/>
+                        <a:t> </a:t>
+                      </a:r>
+                      <a:r>
+                        <a:rPr lang="en-US" sz="1200" dirty="0" err="1" smtClean="0"/>
+                        <a:t>Kanan</a:t>
+                      </a:r>
+                      <a:endParaRPr lang="en-US" sz="1200" dirty="0"/>
+                    </a:p>
+                  </a:txBody>
+                  <a:tcPr marL="61576" marR="61576" marT="30788" marB="30788" anchor="ctr"/>
+                </a:tc>
+              </a:tr>
+              <a:tr h="246303">
+                <a:tc>
+                  <a:txBody>
+                    <a:bodyPr/>
+                    <a:lstStyle/>
+                    <a:p>
+                      <a:r>
+                        <a:rPr lang="en-US" sz="1200"/>
+                        <a:t>Bitwise AND</a:t>
+                      </a:r>
+                    </a:p>
+                  </a:txBody>
+                  <a:tcPr marL="61576" marR="61576" marT="30788" marB="30788" anchor="ctr"/>
+                </a:tc>
+                <a:tc>
+                  <a:txBody>
+                    <a:bodyPr/>
+                    <a:lstStyle/>
+                    <a:p>
+                      <a:r>
+                        <a:rPr lang="en-US" sz="1200" dirty="0" smtClean="0"/>
+                        <a:t>&amp;</a:t>
+                      </a:r>
+                      <a:endParaRPr lang="en-US" sz="1200" dirty="0"/>
+                    </a:p>
+                  </a:txBody>
+                  <a:tcPr marL="61576" marR="61576" marT="30788" marB="30788" anchor="ctr"/>
+                </a:tc>
+                <a:tc>
+                  <a:txBody>
+                    <a:bodyPr/>
+                    <a:lstStyle/>
+                    <a:p>
+                      <a:r>
+                        <a:rPr lang="en-US" sz="1200" dirty="0" err="1" smtClean="0"/>
+                        <a:t>Kiri</a:t>
+                      </a:r>
+                      <a:r>
+                        <a:rPr lang="en-US" sz="1200" dirty="0" smtClean="0"/>
+                        <a:t> </a:t>
+                      </a:r>
+                      <a:r>
+                        <a:rPr lang="en-US" sz="1200" dirty="0" err="1" smtClean="0"/>
+                        <a:t>ke</a:t>
+                      </a:r>
+                      <a:r>
+                        <a:rPr lang="en-US" sz="1200" dirty="0" smtClean="0"/>
+                        <a:t> </a:t>
+                      </a:r>
+                      <a:r>
+                        <a:rPr lang="en-US" sz="1200" dirty="0" err="1" smtClean="0"/>
+                        <a:t>Kanan</a:t>
+                      </a:r>
+                      <a:endParaRPr lang="en-US" sz="1200" dirty="0"/>
+                    </a:p>
+                  </a:txBody>
+                  <a:tcPr marL="61576" marR="61576" marT="30788" marB="30788" anchor="ctr"/>
+                </a:tc>
+              </a:tr>
+              <a:tr h="246303">
+                <a:tc>
+                  <a:txBody>
+                    <a:bodyPr/>
+                    <a:lstStyle/>
+                    <a:p>
+                      <a:r>
+                        <a:rPr lang="en-US" sz="1200"/>
+                        <a:t>Bitwise XOR</a:t>
+                      </a:r>
+                    </a:p>
+                  </a:txBody>
+                  <a:tcPr marL="61576" marR="61576" marT="30788" marB="30788" anchor="ctr"/>
+                </a:tc>
+                <a:tc>
+                  <a:txBody>
+                    <a:bodyPr/>
+                    <a:lstStyle/>
+                    <a:p>
+                      <a:r>
+                        <a:rPr lang="en-US" sz="1200" dirty="0" smtClean="0"/>
+                        <a:t>^</a:t>
+                      </a:r>
+                      <a:endParaRPr lang="en-US" sz="1200" dirty="0"/>
+                    </a:p>
+                  </a:txBody>
+                  <a:tcPr marL="61576" marR="61576" marT="30788" marB="30788" anchor="ctr"/>
+                </a:tc>
+                <a:tc>
+                  <a:txBody>
+                    <a:bodyPr/>
+                    <a:lstStyle/>
+                    <a:p>
+                      <a:r>
+                        <a:rPr lang="en-US" sz="1200" dirty="0" err="1" smtClean="0"/>
+                        <a:t>Kiri</a:t>
+                      </a:r>
+                      <a:r>
+                        <a:rPr lang="en-US" sz="1200" dirty="0" smtClean="0"/>
+                        <a:t> </a:t>
+                      </a:r>
+                      <a:r>
+                        <a:rPr lang="en-US" sz="1200" dirty="0" err="1" smtClean="0"/>
+                        <a:t>ke</a:t>
+                      </a:r>
+                      <a:r>
+                        <a:rPr lang="en-US" sz="1200" dirty="0" smtClean="0"/>
+                        <a:t> </a:t>
+                      </a:r>
+                      <a:r>
+                        <a:rPr lang="en-US" sz="1200" dirty="0" err="1" smtClean="0"/>
+                        <a:t>Kanan</a:t>
+                      </a:r>
+                      <a:endParaRPr lang="en-US" sz="1200" dirty="0"/>
+                    </a:p>
+                  </a:txBody>
+                  <a:tcPr marL="61576" marR="61576" marT="30788" marB="30788" anchor="ctr"/>
+                </a:tc>
+              </a:tr>
+              <a:tr h="246303">
+                <a:tc>
+                  <a:txBody>
+                    <a:bodyPr/>
+                    <a:lstStyle/>
+                    <a:p>
+                      <a:r>
+                        <a:rPr lang="en-US" sz="1200"/>
+                        <a:t>Bitwise OR</a:t>
+                      </a:r>
+                    </a:p>
+                  </a:txBody>
+                  <a:tcPr marL="61576" marR="61576" marT="30788" marB="30788" anchor="ctr"/>
+                </a:tc>
+                <a:tc>
+                  <a:txBody>
+                    <a:bodyPr/>
+                    <a:lstStyle/>
+                    <a:p>
+                      <a:r>
+                        <a:rPr lang="en-US" sz="1200" dirty="0" smtClean="0"/>
+                        <a:t>|</a:t>
+                      </a:r>
+                      <a:endParaRPr lang="en-US" sz="1200" dirty="0"/>
+                    </a:p>
+                  </a:txBody>
+                  <a:tcPr marL="61576" marR="61576" marT="30788" marB="30788" anchor="ctr"/>
+                </a:tc>
+                <a:tc>
+                  <a:txBody>
+                    <a:bodyPr/>
+                    <a:lstStyle/>
+                    <a:p>
+                      <a:r>
+                        <a:rPr lang="en-US" sz="1200" dirty="0" err="1" smtClean="0"/>
+                        <a:t>Kiri</a:t>
+                      </a:r>
+                      <a:r>
+                        <a:rPr lang="en-US" sz="1200" dirty="0" smtClean="0"/>
+                        <a:t> </a:t>
+                      </a:r>
+                      <a:r>
+                        <a:rPr lang="en-US" sz="1200" dirty="0" err="1" smtClean="0"/>
+                        <a:t>ke</a:t>
+                      </a:r>
+                      <a:r>
+                        <a:rPr lang="en-US" sz="1200" dirty="0" smtClean="0"/>
+                        <a:t> </a:t>
+                      </a:r>
+                      <a:r>
+                        <a:rPr lang="en-US" sz="1200" dirty="0" err="1" smtClean="0"/>
+                        <a:t>Kanan</a:t>
+                      </a:r>
+                      <a:endParaRPr lang="en-US" sz="1200" dirty="0"/>
+                    </a:p>
+                  </a:txBody>
+                  <a:tcPr marL="61576" marR="61576" marT="30788" marB="30788" anchor="ctr"/>
+                </a:tc>
+              </a:tr>
+              <a:tr h="246303">
+                <a:tc>
+                  <a:txBody>
+                    <a:bodyPr/>
+                    <a:lstStyle/>
+                    <a:p>
+                      <a:r>
+                        <a:rPr lang="en-US" sz="1200"/>
+                        <a:t>Logical AND</a:t>
+                      </a:r>
+                    </a:p>
+                  </a:txBody>
+                  <a:tcPr marL="61576" marR="61576" marT="30788" marB="30788" anchor="ctr"/>
+                </a:tc>
+                <a:tc>
+                  <a:txBody>
+                    <a:bodyPr/>
+                    <a:lstStyle/>
+                    <a:p>
+                      <a:r>
+                        <a:rPr lang="en-US" sz="1200" dirty="0" smtClean="0"/>
+                        <a:t>&amp;&amp;</a:t>
+                      </a:r>
+                      <a:endParaRPr lang="en-US" sz="1200" dirty="0"/>
+                    </a:p>
+                  </a:txBody>
+                  <a:tcPr marL="61576" marR="61576" marT="30788" marB="30788" anchor="ctr"/>
+                </a:tc>
+                <a:tc>
+                  <a:txBody>
+                    <a:bodyPr/>
+                    <a:lstStyle/>
+                    <a:p>
+                      <a:r>
+                        <a:rPr lang="en-US" sz="1200" dirty="0" err="1" smtClean="0"/>
+                        <a:t>Kiri</a:t>
+                      </a:r>
+                      <a:r>
+                        <a:rPr lang="en-US" sz="1200" dirty="0" smtClean="0"/>
+                        <a:t> </a:t>
+                      </a:r>
+                      <a:r>
+                        <a:rPr lang="en-US" sz="1200" dirty="0" err="1" smtClean="0"/>
+                        <a:t>ke</a:t>
+                      </a:r>
+                      <a:r>
+                        <a:rPr lang="en-US" sz="1200" dirty="0" smtClean="0"/>
+                        <a:t> </a:t>
+                      </a:r>
+                      <a:r>
+                        <a:rPr lang="en-US" sz="1200" dirty="0" err="1" smtClean="0"/>
+                        <a:t>Kanan</a:t>
+                      </a:r>
+                      <a:endParaRPr lang="en-US" sz="1200" dirty="0"/>
+                    </a:p>
+                  </a:txBody>
+                  <a:tcPr marL="61576" marR="61576" marT="30788" marB="30788" anchor="ctr"/>
+                </a:tc>
+              </a:tr>
+              <a:tr h="246303">
+                <a:tc>
+                  <a:txBody>
+                    <a:bodyPr/>
+                    <a:lstStyle/>
+                    <a:p>
+                      <a:r>
+                        <a:rPr lang="en-US" sz="1200"/>
+                        <a:t>Logical OR</a:t>
+                      </a:r>
+                    </a:p>
+                  </a:txBody>
+                  <a:tcPr marL="61576" marR="61576" marT="30788" marB="30788" anchor="ctr"/>
+                </a:tc>
+                <a:tc>
+                  <a:txBody>
+                    <a:bodyPr/>
+                    <a:lstStyle/>
+                    <a:p>
+                      <a:r>
+                        <a:rPr lang="en-US" sz="1200" dirty="0" smtClean="0"/>
+                        <a:t>||</a:t>
+                      </a:r>
+                      <a:endParaRPr lang="en-US" sz="1200" dirty="0"/>
+                    </a:p>
+                  </a:txBody>
+                  <a:tcPr marL="61576" marR="61576" marT="30788" marB="30788" anchor="ctr"/>
+                </a:tc>
+                <a:tc>
+                  <a:txBody>
+                    <a:bodyPr/>
+                    <a:lstStyle/>
+                    <a:p>
+                      <a:r>
+                        <a:rPr lang="en-US" sz="1200" dirty="0" err="1" smtClean="0"/>
+                        <a:t>Kiri</a:t>
+                      </a:r>
+                      <a:r>
+                        <a:rPr lang="en-US" sz="1200" dirty="0" smtClean="0"/>
+                        <a:t> </a:t>
+                      </a:r>
+                      <a:r>
+                        <a:rPr lang="en-US" sz="1200" dirty="0" err="1" smtClean="0"/>
+                        <a:t>ke</a:t>
+                      </a:r>
+                      <a:r>
+                        <a:rPr lang="en-US" sz="1200" dirty="0" smtClean="0"/>
+                        <a:t> </a:t>
+                      </a:r>
+                      <a:r>
+                        <a:rPr lang="en-US" sz="1200" dirty="0" err="1" smtClean="0"/>
+                        <a:t>Kanan</a:t>
+                      </a:r>
+                      <a:endParaRPr lang="en-US" sz="1200" dirty="0"/>
+                    </a:p>
+                  </a:txBody>
+                  <a:tcPr marL="61576" marR="61576" marT="30788" marB="30788" anchor="ctr"/>
+                </a:tc>
+              </a:tr>
+              <a:tr h="246303">
+                <a:tc>
+                  <a:txBody>
+                    <a:bodyPr/>
+                    <a:lstStyle/>
+                    <a:p>
+                      <a:r>
+                        <a:rPr lang="en-US" sz="1200"/>
+                        <a:t>Conditional</a:t>
+                      </a:r>
+                    </a:p>
+                  </a:txBody>
+                  <a:tcPr marL="61576" marR="61576" marT="30788" marB="30788" anchor="ctr"/>
+                </a:tc>
+                <a:tc>
+                  <a:txBody>
+                    <a:bodyPr/>
+                    <a:lstStyle/>
+                    <a:p>
+                      <a:r>
+                        <a:rPr lang="en-US" sz="1200" dirty="0"/>
+                        <a:t>?:</a:t>
+                      </a:r>
+                    </a:p>
+                  </a:txBody>
+                  <a:tcPr marL="61576" marR="61576" marT="30788" marB="30788" anchor="ctr"/>
+                </a:tc>
+                <a:tc>
+                  <a:txBody>
+                    <a:bodyPr/>
+                    <a:lstStyle/>
+                    <a:p>
+                      <a:r>
+                        <a:rPr lang="en-US" sz="1200" dirty="0" err="1" smtClean="0"/>
+                        <a:t>Kanan</a:t>
+                      </a:r>
+                      <a:r>
+                        <a:rPr lang="en-US" sz="1200" baseline="0" dirty="0" smtClean="0"/>
+                        <a:t> </a:t>
+                      </a:r>
+                      <a:r>
+                        <a:rPr lang="en-US" sz="1200" baseline="0" dirty="0" err="1" smtClean="0"/>
+                        <a:t>ke</a:t>
+                      </a:r>
+                      <a:r>
+                        <a:rPr lang="en-US" sz="1200" baseline="0" dirty="0" smtClean="0"/>
+                        <a:t> </a:t>
+                      </a:r>
+                      <a:r>
+                        <a:rPr lang="en-US" sz="1200" baseline="0" dirty="0" err="1" smtClean="0"/>
+                        <a:t>Kiri</a:t>
+                      </a:r>
+                      <a:endParaRPr lang="en-US" sz="1200" dirty="0"/>
+                    </a:p>
+                  </a:txBody>
+                  <a:tcPr marL="61576" marR="61576" marT="30788" marB="30788" anchor="ctr"/>
+                </a:tc>
+              </a:tr>
+              <a:tr h="431030">
+                <a:tc>
+                  <a:txBody>
+                    <a:bodyPr/>
+                    <a:lstStyle/>
+                    <a:p>
+                      <a:r>
+                        <a:rPr lang="en-US" sz="1200"/>
+                        <a:t>Assignment</a:t>
+                      </a:r>
+                    </a:p>
+                  </a:txBody>
+                  <a:tcPr marL="61576" marR="61576" marT="30788" marB="30788" anchor="ctr"/>
+                </a:tc>
+                <a:tc>
+                  <a:txBody>
+                    <a:bodyPr/>
+                    <a:lstStyle/>
+                    <a:p>
+                      <a:r>
+                        <a:rPr lang="en-US" sz="1200" dirty="0" smtClean="0"/>
+                        <a:t>=    +=       -=   </a:t>
+                      </a:r>
+                      <a:r>
+                        <a:rPr lang="en-US" sz="1200" dirty="0"/>
+                        <a:t>*= </a:t>
+                      </a:r>
+                      <a:r>
+                        <a:rPr lang="en-US" sz="1200" dirty="0" smtClean="0"/>
+                        <a:t> </a:t>
+                      </a:r>
+                      <a:r>
+                        <a:rPr lang="en-US" sz="1200" baseline="0" dirty="0" smtClean="0"/>
+                        <a:t> </a:t>
+                      </a:r>
+                      <a:r>
+                        <a:rPr lang="en-US" sz="1200" dirty="0" smtClean="0"/>
+                        <a:t>/=   </a:t>
+                      </a:r>
+                      <a:r>
+                        <a:rPr lang="en-US" sz="1200" dirty="0"/>
+                        <a:t>%= </a:t>
+                      </a:r>
+                      <a:r>
+                        <a:rPr lang="en-US" sz="1200" dirty="0" smtClean="0"/>
+                        <a:t>  &gt;&gt;=   &gt;&gt;&gt;= &lt;&lt;=    &amp;=   ^=   |= </a:t>
+                      </a:r>
+                      <a:endParaRPr lang="en-US" sz="1200" dirty="0"/>
+                    </a:p>
+                  </a:txBody>
+                  <a:tcPr marL="61576" marR="61576" marT="30788" marB="30788" anchor="ctr"/>
+                </a:tc>
+                <a:tc>
+                  <a:txBody>
+                    <a:bodyPr/>
+                    <a:lstStyle/>
+                    <a:p>
+                      <a:r>
+                        <a:rPr lang="en-US" sz="1200" dirty="0" err="1" smtClean="0"/>
+                        <a:t>Kanan</a:t>
+                      </a:r>
+                      <a:r>
+                        <a:rPr lang="en-US" sz="1200" baseline="0" dirty="0" smtClean="0"/>
+                        <a:t> </a:t>
+                      </a:r>
+                      <a:r>
+                        <a:rPr lang="en-US" sz="1200" baseline="0" dirty="0" err="1" smtClean="0"/>
+                        <a:t>ke</a:t>
+                      </a:r>
+                      <a:r>
+                        <a:rPr lang="en-US" sz="1200" baseline="0" dirty="0" smtClean="0"/>
+                        <a:t> </a:t>
+                      </a:r>
+                      <a:r>
+                        <a:rPr lang="en-US" sz="1200" baseline="0" dirty="0" err="1" smtClean="0"/>
+                        <a:t>Kiri</a:t>
+                      </a:r>
+                      <a:endParaRPr lang="en-US" sz="1200" dirty="0"/>
+                    </a:p>
+                  </a:txBody>
+                  <a:tcPr marL="61576" marR="61576" marT="30788" marB="30788" anchor="ctr"/>
+                </a:tc>
+              </a:tr>
+            </a:tbl>
+          </a:graphicData>
+        </a:graphic>
+      </p:graphicFrame>
+    </p:spTree>
+  </p:cSld>
+  <p:clrMapOvr>
+    <a:masterClrMapping/>
+  </p:clrMapOvr>
+</p:sld>
+</file>
+
+<file path=ppt/slides/slide18.xml><?xml version="1.0" encoding="utf-8"?>
+<p:sld xmlns:a="http://schemas.openxmlformats.org/drawingml/2006/main" xmlns:r="http://schemas.openxmlformats.org/officeDocument/2006/relationships" xmlns:p="http://schemas.openxmlformats.org/presentationml/2006/main">
+  <p:cSld>
+    <p:spTree>
+      <p:nvGrpSpPr>
+        <p:cNvPr id="1" name=""/>
+        <p:cNvGrpSpPr/>
+        <p:nvPr/>
+      </p:nvGrpSpPr>
+      <p:grpSpPr>
+        <a:xfrm>
+          <a:off x="0" y="0"/>
+          <a:ext cx="0" cy="0"/>
+          <a:chOff x="0" y="0"/>
+          <a:chExt cx="0" cy="0"/>
+        </a:xfrm>
+      </p:grpSpPr>
+      <p:sp>
+        <p:nvSpPr>
+          <p:cNvPr id="2" name="Title 1"/>
+          <p:cNvSpPr>
+            <a:spLocks noGrp="1"/>
+          </p:cNvSpPr>
+          <p:nvPr>
+            <p:ph type="title"/>
+          </p:nvPr>
+        </p:nvSpPr>
+        <p:spPr/>
+        <p:txBody>
+          <a:bodyPr>
+            <a:normAutofit fontScale="90000"/>
+          </a:bodyPr>
+          <a:lstStyle/>
+          <a:p>
+            <a:r>
+              <a:rPr lang="en-US" dirty="0" smtClean="0"/>
+              <a:t>Operator</a:t>
+            </a:r>
+            <a:r>
+              <a:rPr lang="en-US" baseline="0" dirty="0" smtClean="0"/>
+              <a:t> (</a:t>
+            </a:r>
+            <a:r>
+              <a:rPr lang="en-US" dirty="0" smtClean="0"/>
+              <a:t>Arithmetic-</a:t>
+            </a:r>
+            <a:r>
+              <a:rPr lang="en-US" baseline="0" dirty="0" smtClean="0"/>
+              <a:t>Integer Operation)</a:t>
+            </a:r>
+            <a:endParaRPr lang="en-US" dirty="0"/>
+          </a:p>
+        </p:txBody>
+      </p:sp>
+      <p:pic>
+        <p:nvPicPr>
+          <p:cNvPr id="30724" name="Picture 4"/>
+          <p:cNvPicPr>
+            <a:picLocks noChangeAspect="1" noChangeArrowheads="1"/>
+          </p:cNvPicPr>
+          <p:nvPr/>
+        </p:nvPicPr>
+        <p:blipFill>
+          <a:blip r:embed="rId2" cstate="print"/>
+          <a:srcRect/>
+          <a:stretch>
+            <a:fillRect/>
+          </a:stretch>
+        </p:blipFill>
+        <p:spPr bwMode="auto">
+          <a:xfrm>
+            <a:off x="1137506" y="1484784"/>
+            <a:ext cx="6868988" cy="5151741"/>
+          </a:xfrm>
+          <a:prstGeom prst="rect">
+            <a:avLst/>
+          </a:prstGeom>
+          <a:noFill/>
+          <a:ln w="9525">
+            <a:noFill/>
+            <a:miter lim="800000"/>
+            <a:headEnd/>
+            <a:tailEnd/>
+          </a:ln>
+        </p:spPr>
+      </p:pic>
+    </p:spTree>
+  </p:cSld>
+  <p:clrMapOvr>
+    <a:masterClrMapping/>
+  </p:clrMapOvr>
+  <p:timing>
+    <p:tnLst>
+      <p:par>
+        <p:cTn id="1" dur="indefinite" restart="never" nodeType="tmRoot"/>
+      </p:par>
+    </p:tnLst>
+  </p:timing>
+</p:sld>
+</file>
+
+<file path=ppt/slides/slide19.xml><?xml version="1.0" encoding="utf-8"?>
+<p:sld xmlns:a="http://schemas.openxmlformats.org/drawingml/2006/main" xmlns:r="http://schemas.openxmlformats.org/officeDocument/2006/relationships" xmlns:p="http://schemas.openxmlformats.org/presentationml/2006/main">
+  <p:cSld>
+    <p:spTree>
+      <p:nvGrpSpPr>
+        <p:cNvPr id="1" name=""/>
+        <p:cNvGrpSpPr/>
+        <p:nvPr/>
+      </p:nvGrpSpPr>
+      <p:grpSpPr>
+        <a:xfrm>
+          <a:off x="0" y="0"/>
+          <a:ext cx="0" cy="0"/>
+          <a:chOff x="0" y="0"/>
+          <a:chExt cx="0" cy="0"/>
+        </a:xfrm>
+      </p:grpSpPr>
+      <p:sp>
+        <p:nvSpPr>
+          <p:cNvPr id="2" name="Title 1"/>
+          <p:cNvSpPr>
+            <a:spLocks noGrp="1"/>
+          </p:cNvSpPr>
+          <p:nvPr>
+            <p:ph type="title"/>
+          </p:nvPr>
+        </p:nvSpPr>
+        <p:spPr/>
+        <p:txBody>
+          <a:bodyPr/>
+          <a:lstStyle/>
+          <a:p>
+            <a:r>
+              <a:rPr lang="en-US" dirty="0" smtClean="0"/>
+              <a:t>Operator (Bitwise)</a:t>
+            </a:r>
+            <a:endParaRPr lang="en-US" dirty="0"/>
+          </a:p>
+        </p:txBody>
+      </p:sp>
+      <p:pic>
+        <p:nvPicPr>
+          <p:cNvPr id="32771" name="Picture 3"/>
+          <p:cNvPicPr>
+            <a:picLocks noChangeAspect="1" noChangeArrowheads="1"/>
+          </p:cNvPicPr>
+          <p:nvPr/>
+        </p:nvPicPr>
+        <p:blipFill>
+          <a:blip r:embed="rId2" cstate="print"/>
+          <a:srcRect/>
+          <a:stretch>
+            <a:fillRect/>
+          </a:stretch>
+        </p:blipFill>
+        <p:spPr bwMode="auto">
+          <a:xfrm>
+            <a:off x="899592" y="1628800"/>
+            <a:ext cx="7793176" cy="4032448"/>
+          </a:xfrm>
+          <a:prstGeom prst="rect">
+            <a:avLst/>
+          </a:prstGeom>
+          <a:noFill/>
+          <a:ln w="9525">
+            <a:noFill/>
+            <a:miter lim="800000"/>
+            <a:headEnd/>
+            <a:tailEnd/>
+          </a:ln>
+        </p:spPr>
+      </p:pic>
     </p:spTree>
   </p:cSld>
   <p:clrMapOvr>
@@ -4475,6 +5746,342 @@
 </p:sld>
 </file>
 
+<file path=ppt/slides/slide20.xml><?xml version="1.0" encoding="utf-8"?>
+<p:sld xmlns:a="http://schemas.openxmlformats.org/drawingml/2006/main" xmlns:r="http://schemas.openxmlformats.org/officeDocument/2006/relationships" xmlns:p="http://schemas.openxmlformats.org/presentationml/2006/main">
+  <p:cSld>
+    <p:spTree>
+      <p:nvGrpSpPr>
+        <p:cNvPr id="1" name=""/>
+        <p:cNvGrpSpPr/>
+        <p:nvPr/>
+      </p:nvGrpSpPr>
+      <p:grpSpPr>
+        <a:xfrm>
+          <a:off x="0" y="0"/>
+          <a:ext cx="0" cy="0"/>
+          <a:chOff x="0" y="0"/>
+          <a:chExt cx="0" cy="0"/>
+        </a:xfrm>
+      </p:grpSpPr>
+      <p:sp>
+        <p:nvSpPr>
+          <p:cNvPr id="2" name="Title 1"/>
+          <p:cNvSpPr>
+            <a:spLocks noGrp="1"/>
+          </p:cNvSpPr>
+          <p:nvPr>
+            <p:ph type="title"/>
+          </p:nvPr>
+        </p:nvSpPr>
+        <p:spPr/>
+        <p:txBody>
+          <a:bodyPr/>
+          <a:lstStyle/>
+          <a:p>
+            <a:r>
+              <a:rPr lang="en-US" dirty="0" smtClean="0"/>
+              <a:t>Operator (</a:t>
+            </a:r>
+            <a:r>
+              <a:rPr lang="en-US" dirty="0" err="1" smtClean="0"/>
+              <a:t>Perbandingan</a:t>
+            </a:r>
+            <a:r>
+              <a:rPr lang="en-US" dirty="0" smtClean="0"/>
+              <a:t>)</a:t>
+            </a:r>
+            <a:endParaRPr lang="en-US" dirty="0"/>
+          </a:p>
+        </p:txBody>
+      </p:sp>
+      <p:pic>
+        <p:nvPicPr>
+          <p:cNvPr id="33795" name="Picture 3"/>
+          <p:cNvPicPr>
+            <a:picLocks noChangeAspect="1" noChangeArrowheads="1"/>
+          </p:cNvPicPr>
+          <p:nvPr/>
+        </p:nvPicPr>
+        <p:blipFill>
+          <a:blip r:embed="rId2" cstate="print"/>
+          <a:srcRect/>
+          <a:stretch>
+            <a:fillRect/>
+          </a:stretch>
+        </p:blipFill>
+        <p:spPr bwMode="auto">
+          <a:xfrm>
+            <a:off x="971600" y="1628800"/>
+            <a:ext cx="7200800" cy="4442944"/>
+          </a:xfrm>
+          <a:prstGeom prst="rect">
+            <a:avLst/>
+          </a:prstGeom>
+          <a:noFill/>
+          <a:ln w="9525">
+            <a:noFill/>
+            <a:miter lim="800000"/>
+            <a:headEnd/>
+            <a:tailEnd/>
+          </a:ln>
+        </p:spPr>
+      </p:pic>
+    </p:spTree>
+  </p:cSld>
+  <p:clrMapOvr>
+    <a:masterClrMapping/>
+  </p:clrMapOvr>
+</p:sld>
+</file>
+
+<file path=ppt/slides/slide21.xml><?xml version="1.0" encoding="utf-8"?>
+<p:sld xmlns:a="http://schemas.openxmlformats.org/drawingml/2006/main" xmlns:r="http://schemas.openxmlformats.org/officeDocument/2006/relationships" xmlns:p="http://schemas.openxmlformats.org/presentationml/2006/main">
+  <p:cSld>
+    <p:spTree>
+      <p:nvGrpSpPr>
+        <p:cNvPr id="1" name=""/>
+        <p:cNvGrpSpPr/>
+        <p:nvPr/>
+      </p:nvGrpSpPr>
+      <p:grpSpPr>
+        <a:xfrm>
+          <a:off x="0" y="0"/>
+          <a:ext cx="0" cy="0"/>
+          <a:chOff x="0" y="0"/>
+          <a:chExt cx="0" cy="0"/>
+        </a:xfrm>
+      </p:grpSpPr>
+      <p:sp>
+        <p:nvSpPr>
+          <p:cNvPr id="2" name="Title 1"/>
+          <p:cNvSpPr>
+            <a:spLocks noGrp="1"/>
+          </p:cNvSpPr>
+          <p:nvPr>
+            <p:ph type="title"/>
+          </p:nvPr>
+        </p:nvSpPr>
+        <p:spPr/>
+        <p:txBody>
+          <a:bodyPr/>
+          <a:lstStyle/>
+          <a:p>
+            <a:r>
+              <a:rPr lang="en-US" dirty="0" smtClean="0"/>
+              <a:t>Operator (</a:t>
+            </a:r>
+            <a:r>
+              <a:rPr lang="en-US" dirty="0" err="1" smtClean="0"/>
+              <a:t>Logika</a:t>
+            </a:r>
+            <a:r>
+              <a:rPr lang="en-US" dirty="0" smtClean="0"/>
+              <a:t>)</a:t>
+            </a:r>
+            <a:endParaRPr lang="en-US" dirty="0"/>
+          </a:p>
+        </p:txBody>
+      </p:sp>
+      <p:pic>
+        <p:nvPicPr>
+          <p:cNvPr id="34818" name="Picture 2"/>
+          <p:cNvPicPr>
+            <a:picLocks noChangeAspect="1" noChangeArrowheads="1"/>
+          </p:cNvPicPr>
+          <p:nvPr/>
+        </p:nvPicPr>
+        <p:blipFill>
+          <a:blip r:embed="rId2" cstate="print"/>
+          <a:srcRect/>
+          <a:stretch>
+            <a:fillRect/>
+          </a:stretch>
+        </p:blipFill>
+        <p:spPr bwMode="auto">
+          <a:xfrm>
+            <a:off x="1403648" y="2708920"/>
+            <a:ext cx="7085587" cy="1440160"/>
+          </a:xfrm>
+          <a:prstGeom prst="rect">
+            <a:avLst/>
+          </a:prstGeom>
+          <a:noFill/>
+          <a:ln w="9525">
+            <a:noFill/>
+            <a:miter lim="800000"/>
+            <a:headEnd/>
+            <a:tailEnd/>
+          </a:ln>
+        </p:spPr>
+      </p:pic>
+    </p:spTree>
+  </p:cSld>
+  <p:clrMapOvr>
+    <a:masterClrMapping/>
+  </p:clrMapOvr>
+</p:sld>
+</file>
+
+<file path=ppt/slides/slide22.xml><?xml version="1.0" encoding="utf-8"?>
+<p:sld xmlns:a="http://schemas.openxmlformats.org/drawingml/2006/main" xmlns:r="http://schemas.openxmlformats.org/officeDocument/2006/relationships" xmlns:p="http://schemas.openxmlformats.org/presentationml/2006/main">
+  <p:cSld>
+    <p:spTree>
+      <p:nvGrpSpPr>
+        <p:cNvPr id="1" name=""/>
+        <p:cNvGrpSpPr/>
+        <p:nvPr/>
+      </p:nvGrpSpPr>
+      <p:grpSpPr>
+        <a:xfrm>
+          <a:off x="0" y="0"/>
+          <a:ext cx="0" cy="0"/>
+          <a:chOff x="0" y="0"/>
+          <a:chExt cx="0" cy="0"/>
+        </a:xfrm>
+      </p:grpSpPr>
+      <p:sp>
+        <p:nvSpPr>
+          <p:cNvPr id="2" name="Title 1"/>
+          <p:cNvSpPr>
+            <a:spLocks noGrp="1"/>
+          </p:cNvSpPr>
+          <p:nvPr>
+            <p:ph type="title"/>
+          </p:nvPr>
+        </p:nvSpPr>
+        <p:spPr/>
+        <p:txBody>
+          <a:bodyPr/>
+          <a:lstStyle/>
+          <a:p>
+            <a:r>
+              <a:rPr lang="en-US" dirty="0" smtClean="0"/>
+              <a:t>Operator (Inc/Dec)</a:t>
+            </a:r>
+            <a:endParaRPr lang="en-US" dirty="0"/>
+          </a:p>
+        </p:txBody>
+      </p:sp>
+      <p:pic>
+        <p:nvPicPr>
+          <p:cNvPr id="35843" name="Picture 3"/>
+          <p:cNvPicPr>
+            <a:picLocks noChangeAspect="1" noChangeArrowheads="1"/>
+          </p:cNvPicPr>
+          <p:nvPr/>
+        </p:nvPicPr>
+        <p:blipFill>
+          <a:blip r:embed="rId2" cstate="print"/>
+          <a:srcRect/>
+          <a:stretch>
+            <a:fillRect/>
+          </a:stretch>
+        </p:blipFill>
+        <p:spPr bwMode="auto">
+          <a:xfrm>
+            <a:off x="1691680" y="1556792"/>
+            <a:ext cx="6408712" cy="4651485"/>
+          </a:xfrm>
+          <a:prstGeom prst="rect">
+            <a:avLst/>
+          </a:prstGeom>
+          <a:noFill/>
+          <a:ln w="9525">
+            <a:noFill/>
+            <a:miter lim="800000"/>
+            <a:headEnd/>
+            <a:tailEnd/>
+          </a:ln>
+        </p:spPr>
+      </p:pic>
+    </p:spTree>
+  </p:cSld>
+  <p:clrMapOvr>
+    <a:masterClrMapping/>
+  </p:clrMapOvr>
+</p:sld>
+</file>
+
+<file path=ppt/slides/slide23.xml><?xml version="1.0" encoding="utf-8"?>
+<p:sld xmlns:a="http://schemas.openxmlformats.org/drawingml/2006/main" xmlns:r="http://schemas.openxmlformats.org/officeDocument/2006/relationships" xmlns:p="http://schemas.openxmlformats.org/presentationml/2006/main">
+  <p:cSld>
+    <p:spTree>
+      <p:nvGrpSpPr>
+        <p:cNvPr id="1" name=""/>
+        <p:cNvGrpSpPr/>
+        <p:nvPr/>
+      </p:nvGrpSpPr>
+      <p:grpSpPr>
+        <a:xfrm>
+          <a:off x="0" y="0"/>
+          <a:ext cx="0" cy="0"/>
+          <a:chOff x="0" y="0"/>
+          <a:chExt cx="0" cy="0"/>
+        </a:xfrm>
+      </p:grpSpPr>
+      <p:sp>
+        <p:nvSpPr>
+          <p:cNvPr id="2" name="Title 1"/>
+          <p:cNvSpPr>
+            <a:spLocks noGrp="1"/>
+          </p:cNvSpPr>
+          <p:nvPr>
+            <p:ph type="title"/>
+          </p:nvPr>
+        </p:nvSpPr>
+        <p:spPr/>
+        <p:txBody>
+          <a:bodyPr/>
+          <a:lstStyle/>
+          <a:p>
+            <a:r>
+              <a:rPr lang="en-US" dirty="0" smtClean="0"/>
+              <a:t>Operator (Floating Point)</a:t>
+            </a:r>
+            <a:endParaRPr lang="en-US" dirty="0"/>
+          </a:p>
+        </p:txBody>
+      </p:sp>
+      <p:pic>
+        <p:nvPicPr>
+          <p:cNvPr id="31747" name="Picture 3"/>
+          <p:cNvPicPr>
+            <a:picLocks noChangeAspect="1" noChangeArrowheads="1"/>
+          </p:cNvPicPr>
+          <p:nvPr/>
+        </p:nvPicPr>
+        <p:blipFill>
+          <a:blip r:embed="rId2" cstate="print"/>
+          <a:srcRect/>
+          <a:stretch>
+            <a:fillRect/>
+          </a:stretch>
+        </p:blipFill>
+        <p:spPr bwMode="auto">
+          <a:xfrm>
+            <a:off x="1403648" y="1844824"/>
+            <a:ext cx="6696744" cy="3852509"/>
+          </a:xfrm>
+          <a:prstGeom prst="rect">
+            <a:avLst/>
+          </a:prstGeom>
+          <a:noFill/>
+          <a:ln w="9525">
+            <a:noFill/>
+            <a:miter lim="800000"/>
+            <a:headEnd/>
+            <a:tailEnd/>
+          </a:ln>
+        </p:spPr>
+      </p:pic>
+    </p:spTree>
+  </p:cSld>
+  <p:clrMapOvr>
+    <a:masterClrMapping/>
+  </p:clrMapOvr>
+</p:sld>
+</file>
+
 <file path=ppt/slides/slide3.xml><?xml version="1.0" encoding="utf-8"?>
 <p:sld xmlns:a="http://schemas.openxmlformats.org/drawingml/2006/main" xmlns:r="http://schemas.openxmlformats.org/officeDocument/2006/relationships" xmlns:p="http://schemas.openxmlformats.org/presentationml/2006/main">
   <p:cSld>
@@ -4797,7 +6404,7 @@
           <a:p>
             <a:r>
               <a:rPr lang="en-US" dirty="0" smtClean="0"/>
-              <a:t>Java Source</a:t>
+              <a:t>Java Compilation Unit</a:t>
             </a:r>
             <a:endParaRPr lang="en-US" dirty="0"/>
           </a:p>
@@ -4852,7 +6459,7 @@
         </p:blipFill>
         <p:spPr bwMode="auto">
           <a:xfrm>
-            <a:off x="1043608" y="3033712"/>
+            <a:off x="899592" y="2420888"/>
             <a:ext cx="2190750" cy="790575"/>
           </a:xfrm>
           <a:prstGeom prst="rect">
@@ -4884,7 +6491,7 @@
         </p:blipFill>
         <p:spPr bwMode="auto">
           <a:xfrm>
-            <a:off x="197954" y="4509120"/>
+            <a:off x="197954" y="3284984"/>
             <a:ext cx="8748092" cy="1733550"/>
           </a:xfrm>
           <a:prstGeom prst="rect">
@@ -4907,8 +6514,8 @@
         </p:nvCxnSpPr>
         <p:spPr>
           <a:xfrm flipH="1">
-            <a:off x="1403648" y="1844824"/>
-            <a:ext cx="720080" cy="1224136"/>
+            <a:off x="1403648" y="1988840"/>
+            <a:ext cx="720080" cy="576064"/>
           </a:xfrm>
           <a:prstGeom prst="straightConnector1">
             <a:avLst/>
@@ -4940,8 +6547,8 @@
         </p:nvCxnSpPr>
         <p:spPr>
           <a:xfrm flipH="1">
-            <a:off x="1547664" y="1988840"/>
-            <a:ext cx="3240360" cy="1008112"/>
+            <a:off x="1475656" y="1988840"/>
+            <a:ext cx="3312368" cy="576064"/>
           </a:xfrm>
           <a:prstGeom prst="straightConnector1">
             <a:avLst/>
@@ -4973,8 +6580,8 @@
         </p:nvCxnSpPr>
         <p:spPr>
           <a:xfrm flipH="1" flipV="1">
-            <a:off x="2339752" y="3933056"/>
-            <a:ext cx="1224136" cy="936104"/>
+            <a:off x="1475656" y="2564904"/>
+            <a:ext cx="4104456" cy="1152128"/>
           </a:xfrm>
           <a:prstGeom prst="straightConnector1">
             <a:avLst/>
@@ -5006,8 +6613,8 @@
         </p:nvCxnSpPr>
         <p:spPr>
           <a:xfrm flipH="1" flipV="1">
-            <a:off x="2987824" y="3789040"/>
-            <a:ext cx="2664296" cy="1080120"/>
+            <a:off x="1331640" y="2564904"/>
+            <a:ext cx="2088232" cy="1080120"/>
           </a:xfrm>
           <a:prstGeom prst="straightConnector1">
             <a:avLst/>
@@ -5039,8 +6646,8 @@
         </p:nvCxnSpPr>
         <p:spPr>
           <a:xfrm flipH="1">
-            <a:off x="1115616" y="1988840"/>
-            <a:ext cx="5904656" cy="2520280"/>
+            <a:off x="899592" y="1988840"/>
+            <a:ext cx="6120680" cy="1440160"/>
           </a:xfrm>
           <a:prstGeom prst="straightConnector1">
             <a:avLst/>
@@ -5067,6 +6674,38 @@
           </a:fontRef>
         </p:style>
       </p:cxnSp>
+      <p:pic>
+        <p:nvPicPr>
+          <p:cNvPr id="1030" name="Picture 6"/>
+          <p:cNvPicPr>
+            <a:picLocks noChangeAspect="1" noChangeArrowheads="1"/>
+          </p:cNvPicPr>
+          <p:nvPr/>
+        </p:nvPicPr>
+        <p:blipFill>
+          <a:blip r:embed="rId5" cstate="print"/>
+          <a:srcRect/>
+          <a:stretch>
+            <a:fillRect/>
+          </a:stretch>
+        </p:blipFill>
+        <p:spPr bwMode="auto">
+          <a:xfrm>
+            <a:off x="539552" y="5085184"/>
+            <a:ext cx="5114925" cy="962025"/>
+          </a:xfrm>
+          <a:prstGeom prst="rect">
+            <a:avLst/>
+          </a:prstGeom>
+          <a:noFill/>
+          <a:ln w="9525">
+            <a:noFill/>
+            <a:miter lim="800000"/>
+            <a:headEnd/>
+            <a:tailEnd/>
+          </a:ln>
+        </p:spPr>
+      </p:pic>
     </p:spTree>
   </p:cSld>
   <p:clrMapOvr>
@@ -5116,7 +6755,7 @@
           <a:p>
             <a:r>
               <a:rPr lang="en-US" dirty="0" smtClean="0"/>
-              <a:t>Simple Java Program</a:t>
+              <a:t>Java Keywords</a:t>
             </a:r>
             <a:endParaRPr lang="en-US" dirty="0"/>
           </a:p>
@@ -5124,7 +6763,7 @@
       </p:sp>
       <p:pic>
         <p:nvPicPr>
-          <p:cNvPr id="2050" name="Picture 2"/>
+          <p:cNvPr id="5122" name="Picture 2"/>
           <p:cNvPicPr>
             <a:picLocks noChangeAspect="1" noChangeArrowheads="1"/>
           </p:cNvPicPr>
@@ -5139,8 +6778,88 @@
         </p:blipFill>
         <p:spPr bwMode="auto">
           <a:xfrm>
-            <a:off x="337828" y="2492896"/>
-            <a:ext cx="8806172" cy="2453803"/>
+            <a:off x="357187" y="2052637"/>
+            <a:ext cx="8429625" cy="2752725"/>
+          </a:xfrm>
+          <a:prstGeom prst="rect">
+            <a:avLst/>
+          </a:prstGeom>
+          <a:noFill/>
+          <a:ln w="9525">
+            <a:noFill/>
+            <a:miter lim="800000"/>
+            <a:headEnd/>
+            <a:tailEnd/>
+          </a:ln>
+        </p:spPr>
+      </p:pic>
+    </p:spTree>
+  </p:cSld>
+  <p:clrMapOvr>
+    <a:masterClrMapping/>
+  </p:clrMapOvr>
+</p:sld>
+</file>
+
+<file path=ppt/slides/slide9.xml><?xml version="1.0" encoding="utf-8"?>
+<p:sld xmlns:a="http://schemas.openxmlformats.org/drawingml/2006/main" xmlns:r="http://schemas.openxmlformats.org/officeDocument/2006/relationships" xmlns:p="http://schemas.openxmlformats.org/presentationml/2006/main">
+  <p:cSld>
+    <p:spTree>
+      <p:nvGrpSpPr>
+        <p:cNvPr id="1" name=""/>
+        <p:cNvGrpSpPr/>
+        <p:nvPr/>
+      </p:nvGrpSpPr>
+      <p:grpSpPr>
+        <a:xfrm>
+          <a:off x="0" y="0"/>
+          <a:ext cx="0" cy="0"/>
+          <a:chOff x="0" y="0"/>
+          <a:chExt cx="0" cy="0"/>
+        </a:xfrm>
+      </p:grpSpPr>
+      <p:sp>
+        <p:nvSpPr>
+          <p:cNvPr id="2" name="Title 1"/>
+          <p:cNvSpPr>
+            <a:spLocks noGrp="1"/>
+          </p:cNvSpPr>
+          <p:nvPr>
+            <p:ph type="title"/>
+          </p:nvPr>
+        </p:nvSpPr>
+        <p:spPr/>
+        <p:txBody>
+          <a:bodyPr/>
+          <a:lstStyle/>
+          <a:p>
+            <a:r>
+              <a:rPr lang="en-US" dirty="0" smtClean="0"/>
+              <a:t>Simple Java Program</a:t>
+            </a:r>
+            <a:endParaRPr lang="en-US" dirty="0"/>
+          </a:p>
+        </p:txBody>
+      </p:sp>
+      <p:pic>
+        <p:nvPicPr>
+          <p:cNvPr id="2051" name="Picture 3"/>
+          <p:cNvPicPr>
+            <a:picLocks noChangeAspect="1" noChangeArrowheads="1"/>
+          </p:cNvPicPr>
+          <p:nvPr/>
+        </p:nvPicPr>
+        <p:blipFill>
+          <a:blip r:embed="rId2" cstate="print"/>
+          <a:srcRect/>
+          <a:stretch>
+            <a:fillRect/>
+          </a:stretch>
+        </p:blipFill>
+        <p:spPr bwMode="auto">
+          <a:xfrm>
+            <a:off x="611560" y="2204864"/>
+            <a:ext cx="7514723" cy="2448272"/>
           </a:xfrm>
           <a:prstGeom prst="rect">
             <a:avLst/>
@@ -5166,95 +6885,6 @@
       </p:par>
     </p:tnLst>
   </p:timing>
-</p:sld>
-</file>
-
-<file path=ppt/slides/slide9.xml><?xml version="1.0" encoding="utf-8"?>
-<p:sld xmlns:a="http://schemas.openxmlformats.org/drawingml/2006/main" xmlns:r="http://schemas.openxmlformats.org/officeDocument/2006/relationships" xmlns:p="http://schemas.openxmlformats.org/presentationml/2006/main">
-  <p:cSld>
-    <p:spTree>
-      <p:nvGrpSpPr>
-        <p:cNvPr id="1" name=""/>
-        <p:cNvGrpSpPr/>
-        <p:nvPr/>
-      </p:nvGrpSpPr>
-      <p:grpSpPr>
-        <a:xfrm>
-          <a:off x="0" y="0"/>
-          <a:ext cx="0" cy="0"/>
-          <a:chOff x="0" y="0"/>
-          <a:chExt cx="0" cy="0"/>
-        </a:xfrm>
-      </p:grpSpPr>
-      <p:sp>
-        <p:nvSpPr>
-          <p:cNvPr id="2" name="Title 1"/>
-          <p:cNvSpPr>
-            <a:spLocks noGrp="1"/>
-          </p:cNvSpPr>
-          <p:nvPr>
-            <p:ph type="title"/>
-          </p:nvPr>
-        </p:nvSpPr>
-        <p:spPr/>
-        <p:txBody>
-          <a:bodyPr/>
-          <a:lstStyle/>
-          <a:p>
-            <a:r>
-              <a:rPr lang="en-US" dirty="0" smtClean="0"/>
-              <a:t>Type?</a:t>
-            </a:r>
-            <a:endParaRPr lang="en-US" dirty="0"/>
-          </a:p>
-        </p:txBody>
-      </p:sp>
-      <p:sp>
-        <p:nvSpPr>
-          <p:cNvPr id="3" name="Content Placeholder 2"/>
-          <p:cNvSpPr>
-            <a:spLocks noGrp="1"/>
-          </p:cNvSpPr>
-          <p:nvPr>
-            <p:ph idx="1"/>
-          </p:nvPr>
-        </p:nvSpPr>
-        <p:spPr/>
-        <p:txBody>
-          <a:bodyPr/>
-          <a:lstStyle/>
-          <a:p>
-            <a:r>
-              <a:rPr lang="en-US" dirty="0" smtClean="0"/>
-              <a:t>Variable</a:t>
-            </a:r>
-          </a:p>
-          <a:p>
-            <a:r>
-              <a:rPr lang="en-US" dirty="0" smtClean="0"/>
-              <a:t>Argument</a:t>
-            </a:r>
-          </a:p>
-          <a:p>
-            <a:r>
-              <a:rPr lang="en-US" dirty="0" smtClean="0"/>
-              <a:t>Return Type</a:t>
-            </a:r>
-          </a:p>
-          <a:p>
-            <a:r>
-              <a:rPr lang="en-US" dirty="0" smtClean="0"/>
-              <a:t>Operation</a:t>
-            </a:r>
-            <a:endParaRPr lang="en-US" dirty="0"/>
-          </a:p>
-        </p:txBody>
-      </p:sp>
-    </p:spTree>
-  </p:cSld>
-  <p:clrMapOvr>
-    <a:masterClrMapping/>
-  </p:clrMapOvr>
 </p:sld>
 </file>
 

--- a/src/main/resources/Dasar-Dasar Pemograman Java.pptx
+++ b/src/main/resources/Dasar-Dasar Pemograman Java.pptx
@@ -28,6 +28,7 @@
     <p:sldId id="277" r:id="rId22"/>
     <p:sldId id="278" r:id="rId23"/>
     <p:sldId id="274" r:id="rId24"/>
+    <p:sldId id="279" r:id="rId25"/>
   </p:sldIdLst>
   <p:sldSz cx="9144000" cy="6858000" type="screen4x3"/>
   <p:notesSz cx="6858000" cy="9144000"/>
@@ -4539,8 +4540,8 @@
           <p:nvPr/>
         </p:nvGraphicFramePr>
         <p:xfrm>
-          <a:off x="1007604" y="1844824"/>
-          <a:ext cx="7128792" cy="4063999"/>
+          <a:off x="233518" y="1196752"/>
+          <a:ext cx="8676964" cy="5407894"/>
         </p:xfrm>
         <a:graphic>
           <a:graphicData uri="http://schemas.openxmlformats.org/drawingml/2006/table">
@@ -4549,9 +4550,9 @@
                 <a:tableStyleId>{5940675A-B579-460E-94D1-54222C63F5DA}</a:tableStyleId>
               </a:tblPr>
               <a:tblGrid>
-                <a:gridCol w="2376264"/>
-                <a:gridCol w="3456384"/>
-                <a:gridCol w="1296144"/>
+                <a:gridCol w="2892321"/>
+                <a:gridCol w="4207013"/>
+                <a:gridCol w="1577630"/>
               </a:tblGrid>
               <a:tr h="246303">
                 <a:tc>
@@ -4561,7 +4562,7 @@
                     <a:p>
                       <a:pPr algn="ctr"/>
                       <a:r>
-                        <a:rPr lang="en-US" sz="1200" dirty="0"/>
+                        <a:rPr lang="en-US" sz="1800" dirty="0"/>
                         <a:t>Category</a:t>
                       </a:r>
                     </a:p>
@@ -4575,7 +4576,7 @@
                     <a:p>
                       <a:pPr algn="ctr"/>
                       <a:r>
-                        <a:rPr lang="en-US" sz="1200" dirty="0"/>
+                        <a:rPr lang="en-US" sz="1800" dirty="0"/>
                         <a:t>Operator</a:t>
                       </a:r>
                     </a:p>
@@ -4589,10 +4590,10 @@
                     <a:p>
                       <a:pPr algn="ctr"/>
                       <a:r>
-                        <a:rPr lang="en-US" sz="1200" dirty="0" err="1"/>
+                        <a:rPr lang="en-US" sz="1800" dirty="0" err="1"/>
                         <a:t>Associativity</a:t>
                       </a:r>
-                      <a:endParaRPr lang="en-US" sz="1200" dirty="0"/>
+                      <a:endParaRPr lang="en-US" sz="1800" dirty="0"/>
                     </a:p>
                   </a:txBody>
                   <a:tcPr marL="61576" marR="61576" marT="30788" marB="30788" anchor="ctr"/>
@@ -4605,7 +4606,7 @@
                     <a:lstStyle/>
                     <a:p>
                       <a:r>
-                        <a:rPr lang="en-US" sz="1200"/>
+                        <a:rPr lang="en-US" sz="1800"/>
                         <a:t>Postfix</a:t>
                       </a:r>
                     </a:p>
@@ -4618,19 +4619,19 @@
                     <a:lstStyle/>
                     <a:p>
                       <a:r>
-                        <a:rPr lang="en-US" sz="1200" dirty="0" smtClean="0"/>
+                        <a:rPr lang="en-US" sz="1800" dirty="0" smtClean="0"/>
                         <a:t>()   []   . </a:t>
                       </a:r>
                       <a:r>
-                        <a:rPr lang="en-US" sz="1200" baseline="0" dirty="0" smtClean="0"/>
+                        <a:rPr lang="en-US" sz="1800" baseline="0" dirty="0" smtClean="0"/>
                         <a:t> </a:t>
                       </a:r>
                       <a:r>
-                        <a:rPr lang="en-US" sz="1200" dirty="0" smtClean="0"/>
+                        <a:rPr lang="en-US" sz="1800" dirty="0" smtClean="0"/>
                         <a:t>(</a:t>
                       </a:r>
                       <a:r>
-                        <a:rPr lang="en-US" sz="1200" dirty="0"/>
+                        <a:rPr lang="en-US" sz="1800" dirty="0"/>
                         <a:t>dot operator)</a:t>
                       </a:r>
                     </a:p>
@@ -4643,26 +4644,26 @@
                     <a:lstStyle/>
                     <a:p>
                       <a:r>
-                        <a:rPr lang="en-US" sz="1200" dirty="0" err="1" smtClean="0"/>
+                        <a:rPr lang="en-US" sz="1800" dirty="0" err="1" smtClean="0"/>
                         <a:t>Kiri</a:t>
                       </a:r>
                       <a:r>
-                        <a:rPr lang="en-US" sz="1200" dirty="0" smtClean="0"/>
+                        <a:rPr lang="en-US" sz="1800" dirty="0" smtClean="0"/>
                         <a:t> </a:t>
                       </a:r>
                       <a:r>
-                        <a:rPr lang="en-US" sz="1200" dirty="0" err="1" smtClean="0"/>
+                        <a:rPr lang="en-US" sz="1800" dirty="0" err="1" smtClean="0"/>
                         <a:t>ke</a:t>
                       </a:r>
                       <a:r>
-                        <a:rPr lang="en-US" sz="1200" dirty="0" smtClean="0"/>
+                        <a:rPr lang="en-US" sz="1800" dirty="0" smtClean="0"/>
                         <a:t> </a:t>
                       </a:r>
                       <a:r>
-                        <a:rPr lang="en-US" sz="1200" dirty="0" err="1" smtClean="0"/>
+                        <a:rPr lang="en-US" sz="1800" dirty="0" err="1" smtClean="0"/>
                         <a:t>Kanan</a:t>
                       </a:r>
-                      <a:endParaRPr lang="en-US" sz="1200" dirty="0"/>
+                      <a:endParaRPr lang="en-US" sz="1800" dirty="0"/>
                     </a:p>
                   </a:txBody>
                   <a:tcPr marL="61576" marR="61576" marT="30788" marB="30788" anchor="ctr"/>
@@ -4675,7 +4676,7 @@
                     <a:lstStyle/>
                     <a:p>
                       <a:r>
-                        <a:rPr lang="en-US" sz="1200" dirty="0"/>
+                        <a:rPr lang="en-US" sz="1800" dirty="0"/>
                         <a:t>Unary</a:t>
                       </a:r>
                     </a:p>
@@ -4688,19 +4689,19 @@
                     <a:lstStyle/>
                     <a:p>
                       <a:r>
-                        <a:rPr lang="en-US" sz="1200" dirty="0" smtClean="0"/>
+                        <a:rPr lang="en-US" sz="1800" dirty="0" smtClean="0"/>
                         <a:t>++    </a:t>
                       </a:r>
                       <a:r>
-                        <a:rPr lang="en-US" sz="1200" dirty="0"/>
+                        <a:rPr lang="en-US" sz="1800" dirty="0"/>
                         <a:t>- - </a:t>
                       </a:r>
                       <a:r>
-                        <a:rPr lang="en-US" sz="1200" dirty="0" smtClean="0"/>
+                        <a:rPr lang="en-US" sz="1800" dirty="0" smtClean="0"/>
                         <a:t>  !   </a:t>
                       </a:r>
                       <a:r>
-                        <a:rPr lang="en-US" sz="1200" dirty="0"/>
+                        <a:rPr lang="en-US" sz="1800" dirty="0"/>
                         <a:t>~ </a:t>
                       </a:r>
                     </a:p>
@@ -4713,26 +4714,26 @@
                     <a:lstStyle/>
                     <a:p>
                       <a:r>
-                        <a:rPr lang="en-US" sz="1200" dirty="0" err="1" smtClean="0"/>
+                        <a:rPr lang="en-US" sz="1800" dirty="0" err="1" smtClean="0"/>
                         <a:t>Kanan</a:t>
                       </a:r>
                       <a:r>
-                        <a:rPr lang="en-US" sz="1200" baseline="0" dirty="0" smtClean="0"/>
+                        <a:rPr lang="en-US" sz="1800" baseline="0" dirty="0" smtClean="0"/>
                         <a:t> </a:t>
                       </a:r>
                       <a:r>
-                        <a:rPr lang="en-US" sz="1200" baseline="0" dirty="0" err="1" smtClean="0"/>
+                        <a:rPr lang="en-US" sz="1800" baseline="0" dirty="0" err="1" smtClean="0"/>
                         <a:t>ke</a:t>
                       </a:r>
                       <a:r>
-                        <a:rPr lang="en-US" sz="1200" baseline="0" dirty="0" smtClean="0"/>
+                        <a:rPr lang="en-US" sz="1800" baseline="0" dirty="0" smtClean="0"/>
                         <a:t> </a:t>
                       </a:r>
                       <a:r>
-                        <a:rPr lang="en-US" sz="1200" baseline="0" dirty="0" err="1" smtClean="0"/>
+                        <a:rPr lang="en-US" sz="1800" baseline="0" dirty="0" err="1" smtClean="0"/>
                         <a:t>Kiri</a:t>
                       </a:r>
-                      <a:endParaRPr lang="en-US" sz="1200" dirty="0"/>
+                      <a:endParaRPr lang="en-US" sz="1800" dirty="0"/>
                     </a:p>
                   </a:txBody>
                   <a:tcPr marL="61576" marR="61576" marT="30788" marB="30788" anchor="ctr"/>
@@ -4745,7 +4746,7 @@
                     <a:lstStyle/>
                     <a:p>
                       <a:r>
-                        <a:rPr lang="en-US" sz="1200"/>
+                        <a:rPr lang="en-US" sz="1800"/>
                         <a:t>Multiplicative</a:t>
                       </a:r>
                     </a:p>
@@ -4758,11 +4759,11 @@
                     <a:lstStyle/>
                     <a:p>
                       <a:r>
-                        <a:rPr lang="en-US" sz="1200" dirty="0" smtClean="0"/>
+                        <a:rPr lang="en-US" sz="1800" dirty="0" smtClean="0"/>
                         <a:t>*    </a:t>
                       </a:r>
                       <a:r>
-                        <a:rPr lang="en-US" sz="1200" dirty="0"/>
+                        <a:rPr lang="en-US" sz="1800" dirty="0"/>
                         <a:t>/</a:t>
                       </a:r>
                     </a:p>
@@ -4775,26 +4776,26 @@
                     <a:lstStyle/>
                     <a:p>
                       <a:r>
-                        <a:rPr lang="en-US" sz="1200" dirty="0" err="1" smtClean="0"/>
+                        <a:rPr lang="en-US" sz="1800" dirty="0" err="1" smtClean="0"/>
                         <a:t>Kiri</a:t>
                       </a:r>
                       <a:r>
-                        <a:rPr lang="en-US" sz="1200" dirty="0" smtClean="0"/>
+                        <a:rPr lang="en-US" sz="1800" dirty="0" smtClean="0"/>
                         <a:t> </a:t>
                       </a:r>
                       <a:r>
-                        <a:rPr lang="en-US" sz="1200" dirty="0" err="1" smtClean="0"/>
+                        <a:rPr lang="en-US" sz="1800" dirty="0" err="1" smtClean="0"/>
                         <a:t>ke</a:t>
                       </a:r>
                       <a:r>
-                        <a:rPr lang="en-US" sz="1200" dirty="0" smtClean="0"/>
+                        <a:rPr lang="en-US" sz="1800" dirty="0" smtClean="0"/>
                         <a:t> </a:t>
                       </a:r>
                       <a:r>
-                        <a:rPr lang="en-US" sz="1200" dirty="0" err="1" smtClean="0"/>
+                        <a:rPr lang="en-US" sz="1800" dirty="0" err="1" smtClean="0"/>
                         <a:t>Kanan</a:t>
                       </a:r>
-                      <a:endParaRPr lang="en-US" sz="1200" dirty="0"/>
+                      <a:endParaRPr lang="en-US" sz="1800" dirty="0"/>
                     </a:p>
                   </a:txBody>
                   <a:tcPr marL="61576" marR="61576" marT="30788" marB="30788" anchor="ctr"/>
@@ -4807,7 +4808,7 @@
                     <a:lstStyle/>
                     <a:p>
                       <a:r>
-                        <a:rPr lang="en-US" sz="1200"/>
+                        <a:rPr lang="en-US" sz="1800"/>
                         <a:t>Additive</a:t>
                       </a:r>
                     </a:p>
@@ -4820,11 +4821,11 @@
                     <a:lstStyle/>
                     <a:p>
                       <a:r>
-                        <a:rPr lang="en-US" sz="1200" dirty="0" smtClean="0"/>
+                        <a:rPr lang="en-US" sz="1800" dirty="0" smtClean="0"/>
                         <a:t>+     </a:t>
                       </a:r>
                       <a:r>
-                        <a:rPr lang="en-US" sz="1200" dirty="0"/>
+                        <a:rPr lang="en-US" sz="1800" dirty="0"/>
                         <a:t>-</a:t>
                       </a:r>
                     </a:p>
@@ -4837,26 +4838,26 @@
                     <a:lstStyle/>
                     <a:p>
                       <a:r>
-                        <a:rPr lang="en-US" sz="1200" dirty="0" err="1" smtClean="0"/>
+                        <a:rPr lang="en-US" sz="1800" dirty="0" err="1" smtClean="0"/>
                         <a:t>Kiri</a:t>
                       </a:r>
                       <a:r>
-                        <a:rPr lang="en-US" sz="1200" dirty="0" smtClean="0"/>
+                        <a:rPr lang="en-US" sz="1800" dirty="0" smtClean="0"/>
                         <a:t> </a:t>
                       </a:r>
                       <a:r>
-                        <a:rPr lang="en-US" sz="1200" dirty="0" err="1" smtClean="0"/>
+                        <a:rPr lang="en-US" sz="1800" dirty="0" err="1" smtClean="0"/>
                         <a:t>ke</a:t>
                       </a:r>
                       <a:r>
-                        <a:rPr lang="en-US" sz="1200" dirty="0" smtClean="0"/>
+                        <a:rPr lang="en-US" sz="1800" dirty="0" smtClean="0"/>
                         <a:t> </a:t>
                       </a:r>
                       <a:r>
-                        <a:rPr lang="en-US" sz="1200" dirty="0" err="1" smtClean="0"/>
+                        <a:rPr lang="en-US" sz="1800" dirty="0" err="1" smtClean="0"/>
                         <a:t>Kanan</a:t>
                       </a:r>
-                      <a:endParaRPr lang="en-US" sz="1200" dirty="0"/>
+                      <a:endParaRPr lang="en-US" sz="1800" dirty="0"/>
                     </a:p>
                   </a:txBody>
                   <a:tcPr marL="61576" marR="61576" marT="30788" marB="30788" anchor="ctr"/>
@@ -4869,7 +4870,7 @@
                     <a:lstStyle/>
                     <a:p>
                       <a:r>
-                        <a:rPr lang="en-US" sz="1200"/>
+                        <a:rPr lang="en-US" sz="1800"/>
                         <a:t>Shift</a:t>
                       </a:r>
                     </a:p>
@@ -4882,11 +4883,11 @@
                     <a:lstStyle/>
                     <a:p>
                       <a:r>
-                        <a:rPr lang="en-US" sz="1200" dirty="0" smtClean="0"/>
+                        <a:rPr lang="en-US" sz="1800" dirty="0" smtClean="0"/>
                         <a:t>&gt;&gt;     &gt;&gt;&gt;     </a:t>
                       </a:r>
                       <a:r>
-                        <a:rPr lang="en-US" sz="1200" dirty="0"/>
+                        <a:rPr lang="en-US" sz="1800" dirty="0"/>
                         <a:t>&lt;&lt;</a:t>
                       </a:r>
                     </a:p>
@@ -4899,26 +4900,26 @@
                     <a:lstStyle/>
                     <a:p>
                       <a:r>
-                        <a:rPr lang="en-US" sz="1200" dirty="0" err="1" smtClean="0"/>
+                        <a:rPr lang="en-US" sz="1800" dirty="0" err="1" smtClean="0"/>
                         <a:t>Kiri</a:t>
                       </a:r>
                       <a:r>
-                        <a:rPr lang="en-US" sz="1200" dirty="0" smtClean="0"/>
+                        <a:rPr lang="en-US" sz="1800" dirty="0" smtClean="0"/>
                         <a:t> </a:t>
                       </a:r>
                       <a:r>
-                        <a:rPr lang="en-US" sz="1200" dirty="0" err="1" smtClean="0"/>
+                        <a:rPr lang="en-US" sz="1800" dirty="0" err="1" smtClean="0"/>
                         <a:t>ke</a:t>
                       </a:r>
                       <a:r>
-                        <a:rPr lang="en-US" sz="1200" dirty="0" smtClean="0"/>
+                        <a:rPr lang="en-US" sz="1800" dirty="0" smtClean="0"/>
                         <a:t> </a:t>
                       </a:r>
                       <a:r>
-                        <a:rPr lang="en-US" sz="1200" dirty="0" err="1" smtClean="0"/>
+                        <a:rPr lang="en-US" sz="1800" dirty="0" err="1" smtClean="0"/>
                         <a:t>Kanan</a:t>
                       </a:r>
-                      <a:endParaRPr lang="en-US" sz="1200" dirty="0"/>
+                      <a:endParaRPr lang="en-US" sz="1800" dirty="0"/>
                     </a:p>
                   </a:txBody>
                   <a:tcPr marL="61576" marR="61576" marT="30788" marB="30788" anchor="ctr"/>
@@ -4931,7 +4932,7 @@
                     <a:lstStyle/>
                     <a:p>
                       <a:r>
-                        <a:rPr lang="en-US" sz="1200"/>
+                        <a:rPr lang="en-US" sz="1800"/>
                         <a:t>Relational</a:t>
                       </a:r>
                     </a:p>
@@ -4944,18 +4945,18 @@
                     <a:lstStyle/>
                     <a:p>
                       <a:r>
-                        <a:rPr lang="en-US" sz="1200" dirty="0" smtClean="0"/>
+                        <a:rPr lang="en-US" sz="1800" dirty="0" smtClean="0"/>
                         <a:t>&gt;    &gt;=     </a:t>
                       </a:r>
                       <a:r>
-                        <a:rPr lang="en-US" sz="1200" dirty="0"/>
+                        <a:rPr lang="en-US" sz="1800" dirty="0"/>
                         <a:t>&lt; </a:t>
                       </a:r>
                       <a:r>
-                        <a:rPr lang="en-US" sz="1200" dirty="0" smtClean="0"/>
+                        <a:rPr lang="en-US" sz="1800" dirty="0" smtClean="0"/>
                         <a:t>&lt;   =</a:t>
                       </a:r>
-                      <a:endParaRPr lang="en-US" sz="1200" dirty="0"/>
+                      <a:endParaRPr lang="en-US" sz="1800" dirty="0"/>
                     </a:p>
                   </a:txBody>
                   <a:tcPr marL="61576" marR="61576" marT="30788" marB="30788" anchor="ctr"/>
@@ -4966,26 +4967,26 @@
                     <a:lstStyle/>
                     <a:p>
                       <a:r>
-                        <a:rPr lang="en-US" sz="1200" dirty="0" err="1" smtClean="0"/>
+                        <a:rPr lang="en-US" sz="1800" dirty="0" err="1" smtClean="0"/>
                         <a:t>Kiri</a:t>
                       </a:r>
                       <a:r>
-                        <a:rPr lang="en-US" sz="1200" dirty="0" smtClean="0"/>
+                        <a:rPr lang="en-US" sz="1800" dirty="0" smtClean="0"/>
                         <a:t> </a:t>
                       </a:r>
                       <a:r>
-                        <a:rPr lang="en-US" sz="1200" dirty="0" err="1" smtClean="0"/>
+                        <a:rPr lang="en-US" sz="1800" dirty="0" err="1" smtClean="0"/>
                         <a:t>ke</a:t>
                       </a:r>
                       <a:r>
-                        <a:rPr lang="en-US" sz="1200" dirty="0" smtClean="0"/>
+                        <a:rPr lang="en-US" sz="1800" dirty="0" smtClean="0"/>
                         <a:t> </a:t>
                       </a:r>
                       <a:r>
-                        <a:rPr lang="en-US" sz="1200" dirty="0" err="1" smtClean="0"/>
+                        <a:rPr lang="en-US" sz="1800" dirty="0" err="1" smtClean="0"/>
                         <a:t>Kanan</a:t>
                       </a:r>
-                      <a:endParaRPr lang="en-US" sz="1200" dirty="0"/>
+                      <a:endParaRPr lang="en-US" sz="1800" dirty="0"/>
                     </a:p>
                   </a:txBody>
                   <a:tcPr marL="61576" marR="61576" marT="30788" marB="30788" anchor="ctr"/>
@@ -4998,7 +4999,7 @@
                     <a:lstStyle/>
                     <a:p>
                       <a:r>
-                        <a:rPr lang="en-US" sz="1200"/>
+                        <a:rPr lang="en-US" sz="1800"/>
                         <a:t>Equality</a:t>
                       </a:r>
                     </a:p>
@@ -5011,10 +5012,10 @@
                     <a:lstStyle/>
                     <a:p>
                       <a:r>
-                        <a:rPr lang="en-US" sz="1200" dirty="0" smtClean="0"/>
+                        <a:rPr lang="en-US" sz="1800" dirty="0" smtClean="0"/>
                         <a:t>==               !=</a:t>
                       </a:r>
-                      <a:endParaRPr lang="en-US" sz="1200" dirty="0"/>
+                      <a:endParaRPr lang="en-US" sz="1800" dirty="0"/>
                     </a:p>
                   </a:txBody>
                   <a:tcPr marL="61576" marR="61576" marT="30788" marB="30788" anchor="ctr"/>
@@ -5025,26 +5026,26 @@
                     <a:lstStyle/>
                     <a:p>
                       <a:r>
-                        <a:rPr lang="en-US" sz="1200" dirty="0" err="1" smtClean="0"/>
+                        <a:rPr lang="en-US" sz="1800" dirty="0" err="1" smtClean="0"/>
                         <a:t>Kiri</a:t>
                       </a:r>
                       <a:r>
-                        <a:rPr lang="en-US" sz="1200" dirty="0" smtClean="0"/>
+                        <a:rPr lang="en-US" sz="1800" dirty="0" smtClean="0"/>
                         <a:t> </a:t>
                       </a:r>
                       <a:r>
-                        <a:rPr lang="en-US" sz="1200" dirty="0" err="1" smtClean="0"/>
+                        <a:rPr lang="en-US" sz="1800" dirty="0" err="1" smtClean="0"/>
                         <a:t>ke</a:t>
                       </a:r>
                       <a:r>
-                        <a:rPr lang="en-US" sz="1200" dirty="0" smtClean="0"/>
+                        <a:rPr lang="en-US" sz="1800" dirty="0" smtClean="0"/>
                         <a:t> </a:t>
                       </a:r>
                       <a:r>
-                        <a:rPr lang="en-US" sz="1200" dirty="0" err="1" smtClean="0"/>
+                        <a:rPr lang="en-US" sz="1800" dirty="0" err="1" smtClean="0"/>
                         <a:t>Kanan</a:t>
                       </a:r>
-                      <a:endParaRPr lang="en-US" sz="1200" dirty="0"/>
+                      <a:endParaRPr lang="en-US" sz="1800" dirty="0"/>
                     </a:p>
                   </a:txBody>
                   <a:tcPr marL="61576" marR="61576" marT="30788" marB="30788" anchor="ctr"/>
@@ -5057,7 +5058,7 @@
                     <a:lstStyle/>
                     <a:p>
                       <a:r>
-                        <a:rPr lang="en-US" sz="1200"/>
+                        <a:rPr lang="en-US" sz="1800"/>
                         <a:t>Bitwise AND</a:t>
                       </a:r>
                     </a:p>
@@ -5070,10 +5071,10 @@
                     <a:lstStyle/>
                     <a:p>
                       <a:r>
-                        <a:rPr lang="en-US" sz="1200" dirty="0" smtClean="0"/>
+                        <a:rPr lang="en-US" sz="1800" dirty="0" smtClean="0"/>
                         <a:t>&amp;</a:t>
                       </a:r>
-                      <a:endParaRPr lang="en-US" sz="1200" dirty="0"/>
+                      <a:endParaRPr lang="en-US" sz="1800" dirty="0"/>
                     </a:p>
                   </a:txBody>
                   <a:tcPr marL="61576" marR="61576" marT="30788" marB="30788" anchor="ctr"/>
@@ -5084,26 +5085,26 @@
                     <a:lstStyle/>
                     <a:p>
                       <a:r>
-                        <a:rPr lang="en-US" sz="1200" dirty="0" err="1" smtClean="0"/>
+                        <a:rPr lang="en-US" sz="1800" dirty="0" err="1" smtClean="0"/>
                         <a:t>Kiri</a:t>
                       </a:r>
                       <a:r>
-                        <a:rPr lang="en-US" sz="1200" dirty="0" smtClean="0"/>
+                        <a:rPr lang="en-US" sz="1800" dirty="0" smtClean="0"/>
                         <a:t> </a:t>
                       </a:r>
                       <a:r>
-                        <a:rPr lang="en-US" sz="1200" dirty="0" err="1" smtClean="0"/>
+                        <a:rPr lang="en-US" sz="1800" dirty="0" err="1" smtClean="0"/>
                         <a:t>ke</a:t>
                       </a:r>
                       <a:r>
-                        <a:rPr lang="en-US" sz="1200" dirty="0" smtClean="0"/>
+                        <a:rPr lang="en-US" sz="1800" dirty="0" smtClean="0"/>
                         <a:t> </a:t>
                       </a:r>
                       <a:r>
-                        <a:rPr lang="en-US" sz="1200" dirty="0" err="1" smtClean="0"/>
+                        <a:rPr lang="en-US" sz="1800" dirty="0" err="1" smtClean="0"/>
                         <a:t>Kanan</a:t>
                       </a:r>
-                      <a:endParaRPr lang="en-US" sz="1200" dirty="0"/>
+                      <a:endParaRPr lang="en-US" sz="1800" dirty="0"/>
                     </a:p>
                   </a:txBody>
                   <a:tcPr marL="61576" marR="61576" marT="30788" marB="30788" anchor="ctr"/>
@@ -5116,7 +5117,7 @@
                     <a:lstStyle/>
                     <a:p>
                       <a:r>
-                        <a:rPr lang="en-US" sz="1200"/>
+                        <a:rPr lang="en-US" sz="1800"/>
                         <a:t>Bitwise XOR</a:t>
                       </a:r>
                     </a:p>
@@ -5129,10 +5130,10 @@
                     <a:lstStyle/>
                     <a:p>
                       <a:r>
-                        <a:rPr lang="en-US" sz="1200" dirty="0" smtClean="0"/>
+                        <a:rPr lang="en-US" sz="1800" dirty="0" smtClean="0"/>
                         <a:t>^</a:t>
                       </a:r>
-                      <a:endParaRPr lang="en-US" sz="1200" dirty="0"/>
+                      <a:endParaRPr lang="en-US" sz="1800" dirty="0"/>
                     </a:p>
                   </a:txBody>
                   <a:tcPr marL="61576" marR="61576" marT="30788" marB="30788" anchor="ctr"/>
@@ -5143,26 +5144,26 @@
                     <a:lstStyle/>
                     <a:p>
                       <a:r>
-                        <a:rPr lang="en-US" sz="1200" dirty="0" err="1" smtClean="0"/>
+                        <a:rPr lang="en-US" sz="1800" dirty="0" err="1" smtClean="0"/>
                         <a:t>Kiri</a:t>
                       </a:r>
                       <a:r>
-                        <a:rPr lang="en-US" sz="1200" dirty="0" smtClean="0"/>
+                        <a:rPr lang="en-US" sz="1800" dirty="0" smtClean="0"/>
                         <a:t> </a:t>
                       </a:r>
                       <a:r>
-                        <a:rPr lang="en-US" sz="1200" dirty="0" err="1" smtClean="0"/>
+                        <a:rPr lang="en-US" sz="1800" dirty="0" err="1" smtClean="0"/>
                         <a:t>ke</a:t>
                       </a:r>
                       <a:r>
-                        <a:rPr lang="en-US" sz="1200" dirty="0" smtClean="0"/>
+                        <a:rPr lang="en-US" sz="1800" dirty="0" smtClean="0"/>
                         <a:t> </a:t>
                       </a:r>
                       <a:r>
-                        <a:rPr lang="en-US" sz="1200" dirty="0" err="1" smtClean="0"/>
+                        <a:rPr lang="en-US" sz="1800" dirty="0" err="1" smtClean="0"/>
                         <a:t>Kanan</a:t>
                       </a:r>
-                      <a:endParaRPr lang="en-US" sz="1200" dirty="0"/>
+                      <a:endParaRPr lang="en-US" sz="1800" dirty="0"/>
                     </a:p>
                   </a:txBody>
                   <a:tcPr marL="61576" marR="61576" marT="30788" marB="30788" anchor="ctr"/>
@@ -5175,7 +5176,7 @@
                     <a:lstStyle/>
                     <a:p>
                       <a:r>
-                        <a:rPr lang="en-US" sz="1200"/>
+                        <a:rPr lang="en-US" sz="1800"/>
                         <a:t>Bitwise OR</a:t>
                       </a:r>
                     </a:p>
@@ -5188,10 +5189,10 @@
                     <a:lstStyle/>
                     <a:p>
                       <a:r>
-                        <a:rPr lang="en-US" sz="1200" dirty="0" smtClean="0"/>
+                        <a:rPr lang="en-US" sz="1800" dirty="0" smtClean="0"/>
                         <a:t>|</a:t>
                       </a:r>
-                      <a:endParaRPr lang="en-US" sz="1200" dirty="0"/>
+                      <a:endParaRPr lang="en-US" sz="1800" dirty="0"/>
                     </a:p>
                   </a:txBody>
                   <a:tcPr marL="61576" marR="61576" marT="30788" marB="30788" anchor="ctr"/>
@@ -5202,26 +5203,26 @@
                     <a:lstStyle/>
                     <a:p>
                       <a:r>
-                        <a:rPr lang="en-US" sz="1200" dirty="0" err="1" smtClean="0"/>
+                        <a:rPr lang="en-US" sz="1800" dirty="0" err="1" smtClean="0"/>
                         <a:t>Kiri</a:t>
                       </a:r>
                       <a:r>
-                        <a:rPr lang="en-US" sz="1200" dirty="0" smtClean="0"/>
+                        <a:rPr lang="en-US" sz="1800" dirty="0" smtClean="0"/>
                         <a:t> </a:t>
                       </a:r>
                       <a:r>
-                        <a:rPr lang="en-US" sz="1200" dirty="0" err="1" smtClean="0"/>
+                        <a:rPr lang="en-US" sz="1800" dirty="0" err="1" smtClean="0"/>
                         <a:t>ke</a:t>
                       </a:r>
                       <a:r>
-                        <a:rPr lang="en-US" sz="1200" dirty="0" smtClean="0"/>
+                        <a:rPr lang="en-US" sz="1800" dirty="0" smtClean="0"/>
                         <a:t> </a:t>
                       </a:r>
                       <a:r>
-                        <a:rPr lang="en-US" sz="1200" dirty="0" err="1" smtClean="0"/>
+                        <a:rPr lang="en-US" sz="1800" dirty="0" err="1" smtClean="0"/>
                         <a:t>Kanan</a:t>
                       </a:r>
-                      <a:endParaRPr lang="en-US" sz="1200" dirty="0"/>
+                      <a:endParaRPr lang="en-US" sz="1800" dirty="0"/>
                     </a:p>
                   </a:txBody>
                   <a:tcPr marL="61576" marR="61576" marT="30788" marB="30788" anchor="ctr"/>
@@ -5234,7 +5235,7 @@
                     <a:lstStyle/>
                     <a:p>
                       <a:r>
-                        <a:rPr lang="en-US" sz="1200"/>
+                        <a:rPr lang="en-US" sz="1800"/>
                         <a:t>Logical AND</a:t>
                       </a:r>
                     </a:p>
@@ -5247,10 +5248,10 @@
                     <a:lstStyle/>
                     <a:p>
                       <a:r>
-                        <a:rPr lang="en-US" sz="1200" dirty="0" smtClean="0"/>
+                        <a:rPr lang="en-US" sz="1800" dirty="0" smtClean="0"/>
                         <a:t>&amp;&amp;</a:t>
                       </a:r>
-                      <a:endParaRPr lang="en-US" sz="1200" dirty="0"/>
+                      <a:endParaRPr lang="en-US" sz="1800" dirty="0"/>
                     </a:p>
                   </a:txBody>
                   <a:tcPr marL="61576" marR="61576" marT="30788" marB="30788" anchor="ctr"/>
@@ -5261,26 +5262,26 @@
                     <a:lstStyle/>
                     <a:p>
                       <a:r>
-                        <a:rPr lang="en-US" sz="1200" dirty="0" err="1" smtClean="0"/>
+                        <a:rPr lang="en-US" sz="1800" dirty="0" err="1" smtClean="0"/>
                         <a:t>Kiri</a:t>
                       </a:r>
                       <a:r>
-                        <a:rPr lang="en-US" sz="1200" dirty="0" smtClean="0"/>
+                        <a:rPr lang="en-US" sz="1800" dirty="0" smtClean="0"/>
                         <a:t> </a:t>
                       </a:r>
                       <a:r>
-                        <a:rPr lang="en-US" sz="1200" dirty="0" err="1" smtClean="0"/>
+                        <a:rPr lang="en-US" sz="1800" dirty="0" err="1" smtClean="0"/>
                         <a:t>ke</a:t>
                       </a:r>
                       <a:r>
-                        <a:rPr lang="en-US" sz="1200" dirty="0" smtClean="0"/>
+                        <a:rPr lang="en-US" sz="1800" dirty="0" smtClean="0"/>
                         <a:t> </a:t>
                       </a:r>
                       <a:r>
-                        <a:rPr lang="en-US" sz="1200" dirty="0" err="1" smtClean="0"/>
+                        <a:rPr lang="en-US" sz="1800" dirty="0" err="1" smtClean="0"/>
                         <a:t>Kanan</a:t>
                       </a:r>
-                      <a:endParaRPr lang="en-US" sz="1200" dirty="0"/>
+                      <a:endParaRPr lang="en-US" sz="1800" dirty="0"/>
                     </a:p>
                   </a:txBody>
                   <a:tcPr marL="61576" marR="61576" marT="30788" marB="30788" anchor="ctr"/>
@@ -5293,7 +5294,7 @@
                     <a:lstStyle/>
                     <a:p>
                       <a:r>
-                        <a:rPr lang="en-US" sz="1200"/>
+                        <a:rPr lang="en-US" sz="1800"/>
                         <a:t>Logical OR</a:t>
                       </a:r>
                     </a:p>
@@ -5306,10 +5307,10 @@
                     <a:lstStyle/>
                     <a:p>
                       <a:r>
-                        <a:rPr lang="en-US" sz="1200" dirty="0" smtClean="0"/>
+                        <a:rPr lang="en-US" sz="1800" dirty="0" smtClean="0"/>
                         <a:t>||</a:t>
                       </a:r>
-                      <a:endParaRPr lang="en-US" sz="1200" dirty="0"/>
+                      <a:endParaRPr lang="en-US" sz="1800" dirty="0"/>
                     </a:p>
                   </a:txBody>
                   <a:tcPr marL="61576" marR="61576" marT="30788" marB="30788" anchor="ctr"/>
@@ -5320,26 +5321,26 @@
                     <a:lstStyle/>
                     <a:p>
                       <a:r>
-                        <a:rPr lang="en-US" sz="1200" dirty="0" err="1" smtClean="0"/>
+                        <a:rPr lang="en-US" sz="1800" dirty="0" err="1" smtClean="0"/>
                         <a:t>Kiri</a:t>
                       </a:r>
                       <a:r>
-                        <a:rPr lang="en-US" sz="1200" dirty="0" smtClean="0"/>
+                        <a:rPr lang="en-US" sz="1800" dirty="0" smtClean="0"/>
                         <a:t> </a:t>
                       </a:r>
                       <a:r>
-                        <a:rPr lang="en-US" sz="1200" dirty="0" err="1" smtClean="0"/>
+                        <a:rPr lang="en-US" sz="1800" dirty="0" err="1" smtClean="0"/>
                         <a:t>ke</a:t>
                       </a:r>
                       <a:r>
-                        <a:rPr lang="en-US" sz="1200" dirty="0" smtClean="0"/>
+                        <a:rPr lang="en-US" sz="1800" dirty="0" smtClean="0"/>
                         <a:t> </a:t>
                       </a:r>
                       <a:r>
-                        <a:rPr lang="en-US" sz="1200" dirty="0" err="1" smtClean="0"/>
+                        <a:rPr lang="en-US" sz="1800" dirty="0" err="1" smtClean="0"/>
                         <a:t>Kanan</a:t>
                       </a:r>
-                      <a:endParaRPr lang="en-US" sz="1200" dirty="0"/>
+                      <a:endParaRPr lang="en-US" sz="1800" dirty="0"/>
                     </a:p>
                   </a:txBody>
                   <a:tcPr marL="61576" marR="61576" marT="30788" marB="30788" anchor="ctr"/>
@@ -5352,7 +5353,7 @@
                     <a:lstStyle/>
                     <a:p>
                       <a:r>
-                        <a:rPr lang="en-US" sz="1200"/>
+                        <a:rPr lang="en-US" sz="1800"/>
                         <a:t>Conditional</a:t>
                       </a:r>
                     </a:p>
@@ -5365,7 +5366,7 @@
                     <a:lstStyle/>
                     <a:p>
                       <a:r>
-                        <a:rPr lang="en-US" sz="1200" dirty="0"/>
+                        <a:rPr lang="en-US" sz="1800" dirty="0"/>
                         <a:t>?:</a:t>
                       </a:r>
                     </a:p>
@@ -5378,26 +5379,26 @@
                     <a:lstStyle/>
                     <a:p>
                       <a:r>
-                        <a:rPr lang="en-US" sz="1200" dirty="0" err="1" smtClean="0"/>
+                        <a:rPr lang="en-US" sz="1800" dirty="0" err="1" smtClean="0"/>
                         <a:t>Kanan</a:t>
                       </a:r>
                       <a:r>
-                        <a:rPr lang="en-US" sz="1200" baseline="0" dirty="0" smtClean="0"/>
+                        <a:rPr lang="en-US" sz="1800" baseline="0" dirty="0" smtClean="0"/>
                         <a:t> </a:t>
                       </a:r>
                       <a:r>
-                        <a:rPr lang="en-US" sz="1200" baseline="0" dirty="0" err="1" smtClean="0"/>
+                        <a:rPr lang="en-US" sz="1800" baseline="0" dirty="0" err="1" smtClean="0"/>
                         <a:t>ke</a:t>
                       </a:r>
                       <a:r>
-                        <a:rPr lang="en-US" sz="1200" baseline="0" dirty="0" smtClean="0"/>
+                        <a:rPr lang="en-US" sz="1800" baseline="0" dirty="0" smtClean="0"/>
                         <a:t> </a:t>
                       </a:r>
                       <a:r>
-                        <a:rPr lang="en-US" sz="1200" baseline="0" dirty="0" err="1" smtClean="0"/>
+                        <a:rPr lang="en-US" sz="1800" baseline="0" dirty="0" err="1" smtClean="0"/>
                         <a:t>Kiri</a:t>
                       </a:r>
-                      <a:endParaRPr lang="en-US" sz="1200" dirty="0"/>
+                      <a:endParaRPr lang="en-US" sz="1800" dirty="0"/>
                     </a:p>
                   </a:txBody>
                   <a:tcPr marL="61576" marR="61576" marT="30788" marB="30788" anchor="ctr"/>
@@ -5410,7 +5411,7 @@
                     <a:lstStyle/>
                     <a:p>
                       <a:r>
-                        <a:rPr lang="en-US" sz="1200"/>
+                        <a:rPr lang="en-US" sz="1800" dirty="0"/>
                         <a:t>Assignment</a:t>
                       </a:r>
                     </a:p>
@@ -5423,34 +5424,34 @@
                     <a:lstStyle/>
                     <a:p>
                       <a:r>
-                        <a:rPr lang="en-US" sz="1200" dirty="0" smtClean="0"/>
+                        <a:rPr lang="en-US" sz="1800" dirty="0" smtClean="0"/>
                         <a:t>=    +=       -=   </a:t>
                       </a:r>
                       <a:r>
-                        <a:rPr lang="en-US" sz="1200" dirty="0"/>
+                        <a:rPr lang="en-US" sz="1800" dirty="0"/>
                         <a:t>*= </a:t>
                       </a:r>
                       <a:r>
-                        <a:rPr lang="en-US" sz="1200" dirty="0" smtClean="0"/>
+                        <a:rPr lang="en-US" sz="1800" dirty="0" smtClean="0"/>
                         <a:t> </a:t>
                       </a:r>
                       <a:r>
-                        <a:rPr lang="en-US" sz="1200" baseline="0" dirty="0" smtClean="0"/>
+                        <a:rPr lang="en-US" sz="1800" baseline="0" dirty="0" smtClean="0"/>
                         <a:t> </a:t>
                       </a:r>
                       <a:r>
-                        <a:rPr lang="en-US" sz="1200" dirty="0" smtClean="0"/>
+                        <a:rPr lang="en-US" sz="1800" dirty="0" smtClean="0"/>
                         <a:t>/=   </a:t>
                       </a:r>
                       <a:r>
-                        <a:rPr lang="en-US" sz="1200" dirty="0"/>
+                        <a:rPr lang="en-US" sz="1800" dirty="0"/>
                         <a:t>%= </a:t>
                       </a:r>
                       <a:r>
-                        <a:rPr lang="en-US" sz="1200" dirty="0" smtClean="0"/>
+                        <a:rPr lang="en-US" sz="1800" dirty="0" smtClean="0"/>
                         <a:t>  &gt;&gt;=   &gt;&gt;&gt;= &lt;&lt;=    &amp;=   ^=   |= </a:t>
                       </a:r>
-                      <a:endParaRPr lang="en-US" sz="1200" dirty="0"/>
+                      <a:endParaRPr lang="en-US" sz="1800" dirty="0"/>
                     </a:p>
                   </a:txBody>
                   <a:tcPr marL="61576" marR="61576" marT="30788" marB="30788" anchor="ctr"/>
@@ -5461,26 +5462,26 @@
                     <a:lstStyle/>
                     <a:p>
                       <a:r>
-                        <a:rPr lang="en-US" sz="1200" dirty="0" err="1" smtClean="0"/>
+                        <a:rPr lang="en-US" sz="1800" dirty="0" err="1" smtClean="0"/>
                         <a:t>Kanan</a:t>
                       </a:r>
                       <a:r>
-                        <a:rPr lang="en-US" sz="1200" baseline="0" dirty="0" smtClean="0"/>
+                        <a:rPr lang="en-US" sz="1800" baseline="0" dirty="0" smtClean="0"/>
                         <a:t> </a:t>
                       </a:r>
                       <a:r>
-                        <a:rPr lang="en-US" sz="1200" baseline="0" dirty="0" err="1" smtClean="0"/>
+                        <a:rPr lang="en-US" sz="1800" baseline="0" dirty="0" err="1" smtClean="0"/>
                         <a:t>ke</a:t>
                       </a:r>
                       <a:r>
-                        <a:rPr lang="en-US" sz="1200" baseline="0" dirty="0" smtClean="0"/>
+                        <a:rPr lang="en-US" sz="1800" baseline="0" dirty="0" smtClean="0"/>
                         <a:t> </a:t>
                       </a:r>
                       <a:r>
-                        <a:rPr lang="en-US" sz="1200" baseline="0" dirty="0" err="1" smtClean="0"/>
+                        <a:rPr lang="en-US" sz="1800" baseline="0" dirty="0" err="1" smtClean="0"/>
                         <a:t>Kiri</a:t>
                       </a:r>
-                      <a:endParaRPr lang="en-US" sz="1200" dirty="0"/>
+                      <a:endParaRPr lang="en-US" sz="1800" dirty="0"/>
                     </a:p>
                   </a:txBody>
                   <a:tcPr marL="61576" marR="61576" marT="30788" marB="30788" anchor="ctr"/>
@@ -5554,7 +5555,7 @@
       </p:sp>
       <p:pic>
         <p:nvPicPr>
-          <p:cNvPr id="30724" name="Picture 4"/>
+          <p:cNvPr id="30725" name="Picture 5"/>
           <p:cNvPicPr>
             <a:picLocks noChangeAspect="1" noChangeArrowheads="1"/>
           </p:cNvPicPr>
@@ -5569,8 +5570,8 @@
         </p:blipFill>
         <p:spPr bwMode="auto">
           <a:xfrm>
-            <a:off x="1137506" y="1484784"/>
-            <a:ext cx="6868988" cy="5151741"/>
+            <a:off x="923122" y="1988840"/>
+            <a:ext cx="7297756" cy="4392488"/>
           </a:xfrm>
           <a:prstGeom prst="rect">
             <a:avLst/>
@@ -5641,7 +5642,7 @@
       </p:sp>
       <p:pic>
         <p:nvPicPr>
-          <p:cNvPr id="32771" name="Picture 3"/>
+          <p:cNvPr id="32772" name="Picture 4"/>
           <p:cNvPicPr>
             <a:picLocks noChangeAspect="1" noChangeArrowheads="1"/>
           </p:cNvPicPr>
@@ -5656,8 +5657,8 @@
         </p:blipFill>
         <p:spPr bwMode="auto">
           <a:xfrm>
-            <a:off x="899592" y="1628800"/>
-            <a:ext cx="7793176" cy="4032448"/>
+            <a:off x="1" y="1988840"/>
+            <a:ext cx="9144000" cy="3960440"/>
           </a:xfrm>
           <a:prstGeom prst="rect">
             <a:avLst/>
@@ -5796,7 +5797,7 @@
       </p:sp>
       <p:pic>
         <p:nvPicPr>
-          <p:cNvPr id="33795" name="Picture 3"/>
+          <p:cNvPr id="33796" name="Picture 4"/>
           <p:cNvPicPr>
             <a:picLocks noChangeAspect="1" noChangeArrowheads="1"/>
           </p:cNvPicPr>
@@ -5811,8 +5812,8 @@
         </p:blipFill>
         <p:spPr bwMode="auto">
           <a:xfrm>
-            <a:off x="971600" y="1628800"/>
-            <a:ext cx="7200800" cy="4442944"/>
+            <a:off x="602823" y="1556792"/>
+            <a:ext cx="7938353" cy="4176464"/>
           </a:xfrm>
           <a:prstGeom prst="rect">
             <a:avLst/>
@@ -5884,7 +5885,7 @@
       </p:sp>
       <p:pic>
         <p:nvPicPr>
-          <p:cNvPr id="34818" name="Picture 2"/>
+          <p:cNvPr id="34819" name="Picture 3"/>
           <p:cNvPicPr>
             <a:picLocks noChangeAspect="1" noChangeArrowheads="1"/>
           </p:cNvPicPr>
@@ -5899,8 +5900,8 @@
         </p:blipFill>
         <p:spPr bwMode="auto">
           <a:xfrm>
-            <a:off x="1403648" y="2708920"/>
-            <a:ext cx="7085587" cy="1440160"/>
+            <a:off x="134301" y="3212976"/>
+            <a:ext cx="8875398" cy="1351012"/>
           </a:xfrm>
           <a:prstGeom prst="rect">
             <a:avLst/>
@@ -5964,7 +5965,7 @@
       </p:sp>
       <p:pic>
         <p:nvPicPr>
-          <p:cNvPr id="35843" name="Picture 3"/>
+          <p:cNvPr id="35844" name="Picture 4"/>
           <p:cNvPicPr>
             <a:picLocks noChangeAspect="1" noChangeArrowheads="1"/>
           </p:cNvPicPr>
@@ -5979,8 +5980,8 @@
         </p:blipFill>
         <p:spPr bwMode="auto">
           <a:xfrm>
-            <a:off x="1691680" y="1556792"/>
-            <a:ext cx="6408712" cy="4651485"/>
+            <a:off x="1173090" y="1988840"/>
+            <a:ext cx="6797819" cy="3528392"/>
           </a:xfrm>
           <a:prstGeom prst="rect">
             <a:avLst/>
@@ -6044,7 +6045,7 @@
       </p:sp>
       <p:pic>
         <p:nvPicPr>
-          <p:cNvPr id="31747" name="Picture 3"/>
+          <p:cNvPr id="31748" name="Picture 4"/>
           <p:cNvPicPr>
             <a:picLocks noChangeAspect="1" noChangeArrowheads="1"/>
           </p:cNvPicPr>
@@ -6059,8 +6060,8 @@
         </p:blipFill>
         <p:spPr bwMode="auto">
           <a:xfrm>
-            <a:off x="1403648" y="1844824"/>
-            <a:ext cx="6696744" cy="3852509"/>
+            <a:off x="827584" y="1844824"/>
+            <a:ext cx="7851718" cy="4068452"/>
           </a:xfrm>
           <a:prstGeom prst="rect">
             <a:avLst/>
@@ -6074,6 +6075,54 @@
           </a:ln>
         </p:spPr>
       </p:pic>
+    </p:spTree>
+  </p:cSld>
+  <p:clrMapOvr>
+    <a:masterClrMapping/>
+  </p:clrMapOvr>
+</p:sld>
+</file>
+
+<file path=ppt/slides/slide24.xml><?xml version="1.0" encoding="utf-8"?>
+<p:sld xmlns:a="http://schemas.openxmlformats.org/drawingml/2006/main" xmlns:r="http://schemas.openxmlformats.org/officeDocument/2006/relationships" xmlns:p="http://schemas.openxmlformats.org/presentationml/2006/main">
+  <p:cSld>
+    <p:spTree>
+      <p:nvGrpSpPr>
+        <p:cNvPr id="1" name=""/>
+        <p:cNvGrpSpPr/>
+        <p:nvPr/>
+      </p:nvGrpSpPr>
+      <p:grpSpPr>
+        <a:xfrm>
+          <a:off x="0" y="0"/>
+          <a:ext cx="0" cy="0"/>
+          <a:chOff x="0" y="0"/>
+          <a:chExt cx="0" cy="0"/>
+        </a:xfrm>
+      </p:grpSpPr>
+      <p:sp>
+        <p:nvSpPr>
+          <p:cNvPr id="2" name="Title 1"/>
+          <p:cNvSpPr>
+            <a:spLocks noGrp="1"/>
+          </p:cNvSpPr>
+          <p:nvPr>
+            <p:ph type="title"/>
+          </p:nvPr>
+        </p:nvSpPr>
+        <p:spPr/>
+        <p:txBody>
+          <a:bodyPr/>
+          <a:lstStyle/>
+          <a:p>
+            <a:r>
+              <a:rPr lang="en-US" dirty="0" smtClean="0"/>
+              <a:t>Control Flow (If-Else)</a:t>
+            </a:r>
+            <a:endParaRPr lang="en-US" dirty="0"/>
+          </a:p>
+        </p:txBody>
+      </p:sp>
     </p:spTree>
   </p:cSld>
   <p:clrMapOvr>
@@ -6843,7 +6892,7 @@
       </p:sp>
       <p:pic>
         <p:nvPicPr>
-          <p:cNvPr id="2051" name="Picture 3"/>
+          <p:cNvPr id="2052" name="Picture 4"/>
           <p:cNvPicPr>
             <a:picLocks noChangeAspect="1" noChangeArrowheads="1"/>
           </p:cNvPicPr>
@@ -6858,8 +6907,8 @@
         </p:blipFill>
         <p:spPr bwMode="auto">
           <a:xfrm>
-            <a:off x="611560" y="2204864"/>
-            <a:ext cx="7514723" cy="2448272"/>
+            <a:off x="1187624" y="2595476"/>
+            <a:ext cx="7277650" cy="1667048"/>
           </a:xfrm>
           <a:prstGeom prst="rect">
             <a:avLst/>

--- a/src/main/resources/Dasar-Dasar Pemograman Java.pptx
+++ b/src/main/resources/Dasar-Dasar Pemograman Java.pptx
@@ -4,6 +4,9 @@
   <p:sldMasterIdLst>
     <p:sldMasterId id="2147483648" r:id="rId1"/>
   </p:sldMasterIdLst>
+  <p:notesMasterIdLst>
+    <p:notesMasterId r:id="rId30"/>
+  </p:notesMasterIdLst>
   <p:sldIdLst>
     <p:sldId id="256" r:id="rId2"/>
     <p:sldId id="257" r:id="rId3"/>
@@ -29,6 +32,10 @@
     <p:sldId id="278" r:id="rId23"/>
     <p:sldId id="274" r:id="rId24"/>
     <p:sldId id="279" r:id="rId25"/>
+    <p:sldId id="280" r:id="rId26"/>
+    <p:sldId id="281" r:id="rId27"/>
+    <p:sldId id="282" r:id="rId28"/>
+    <p:sldId id="283" r:id="rId29"/>
   </p:sldIdLst>
   <p:sldSz cx="9144000" cy="6858000" type="screen4x3"/>
   <p:notesSz cx="6858000" cy="9144000"/>
@@ -128,6 +135,515 @@
     </a:lvl9pPr>
   </p:defaultTextStyle>
 </p:presentation>
+</file>
+
+<file path=ppt/notesMasters/notesMaster1.xml><?xml version="1.0" encoding="utf-8"?>
+<p:notesMaster xmlns:a="http://schemas.openxmlformats.org/drawingml/2006/main" xmlns:r="http://schemas.openxmlformats.org/officeDocument/2006/relationships" xmlns:p="http://schemas.openxmlformats.org/presentationml/2006/main">
+  <p:cSld>
+    <p:bg>
+      <p:bgRef idx="1001">
+        <a:schemeClr val="bg1"/>
+      </p:bgRef>
+    </p:bg>
+    <p:spTree>
+      <p:nvGrpSpPr>
+        <p:cNvPr id="1" name=""/>
+        <p:cNvGrpSpPr/>
+        <p:nvPr/>
+      </p:nvGrpSpPr>
+      <p:grpSpPr>
+        <a:xfrm>
+          <a:off x="0" y="0"/>
+          <a:ext cx="0" cy="0"/>
+          <a:chOff x="0" y="0"/>
+          <a:chExt cx="0" cy="0"/>
+        </a:xfrm>
+      </p:grpSpPr>
+      <p:sp>
+        <p:nvSpPr>
+          <p:cNvPr id="2" name="Header Placeholder 1"/>
+          <p:cNvSpPr>
+            <a:spLocks noGrp="1"/>
+          </p:cNvSpPr>
+          <p:nvPr>
+            <p:ph type="hdr" sz="quarter"/>
+          </p:nvPr>
+        </p:nvSpPr>
+        <p:spPr>
+          <a:xfrm>
+            <a:off x="0" y="0"/>
+            <a:ext cx="2971800" cy="457200"/>
+          </a:xfrm>
+          <a:prstGeom prst="rect">
+            <a:avLst/>
+          </a:prstGeom>
+        </p:spPr>
+        <p:txBody>
+          <a:bodyPr vert="horz" lIns="91440" tIns="45720" rIns="91440" bIns="45720" rtlCol="0"/>
+          <a:lstStyle>
+            <a:lvl1pPr algn="l">
+              <a:defRPr sz="1200"/>
+            </a:lvl1pPr>
+          </a:lstStyle>
+          <a:p>
+            <a:endParaRPr lang="en-US"/>
+          </a:p>
+        </p:txBody>
+      </p:sp>
+      <p:sp>
+        <p:nvSpPr>
+          <p:cNvPr id="3" name="Date Placeholder 2"/>
+          <p:cNvSpPr>
+            <a:spLocks noGrp="1"/>
+          </p:cNvSpPr>
+          <p:nvPr>
+            <p:ph type="dt" idx="1"/>
+          </p:nvPr>
+        </p:nvSpPr>
+        <p:spPr>
+          <a:xfrm>
+            <a:off x="3884613" y="0"/>
+            <a:ext cx="2971800" cy="457200"/>
+          </a:xfrm>
+          <a:prstGeom prst="rect">
+            <a:avLst/>
+          </a:prstGeom>
+        </p:spPr>
+        <p:txBody>
+          <a:bodyPr vert="horz" lIns="91440" tIns="45720" rIns="91440" bIns="45720" rtlCol="0"/>
+          <a:lstStyle>
+            <a:lvl1pPr algn="r">
+              <a:defRPr sz="1200"/>
+            </a:lvl1pPr>
+          </a:lstStyle>
+          <a:p>
+            <a:fld id="{854E2F84-F0C3-44F7-B89D-BA9AD2B1800F}" type="datetimeFigureOut">
+              <a:rPr lang="en-US" smtClean="0"/>
+              <a:t>10/23/2016</a:t>
+            </a:fld>
+            <a:endParaRPr lang="en-US"/>
+          </a:p>
+        </p:txBody>
+      </p:sp>
+      <p:sp>
+        <p:nvSpPr>
+          <p:cNvPr id="4" name="Slide Image Placeholder 3"/>
+          <p:cNvSpPr>
+            <a:spLocks noGrp="1" noRot="1" noChangeAspect="1"/>
+          </p:cNvSpPr>
+          <p:nvPr>
+            <p:ph type="sldImg" idx="2"/>
+          </p:nvPr>
+        </p:nvSpPr>
+        <p:spPr>
+          <a:xfrm>
+            <a:off x="1143000" y="685800"/>
+            <a:ext cx="4572000" cy="3429000"/>
+          </a:xfrm>
+          <a:prstGeom prst="rect">
+            <a:avLst/>
+          </a:prstGeom>
+          <a:noFill/>
+          <a:ln w="12700">
+            <a:solidFill>
+              <a:prstClr val="black"/>
+            </a:solidFill>
+          </a:ln>
+        </p:spPr>
+        <p:txBody>
+          <a:bodyPr vert="horz" lIns="91440" tIns="45720" rIns="91440" bIns="45720" rtlCol="0" anchor="ctr"/>
+          <a:lstStyle/>
+          <a:p>
+            <a:endParaRPr lang="en-US"/>
+          </a:p>
+        </p:txBody>
+      </p:sp>
+      <p:sp>
+        <p:nvSpPr>
+          <p:cNvPr id="5" name="Notes Placeholder 4"/>
+          <p:cNvSpPr>
+            <a:spLocks noGrp="1"/>
+          </p:cNvSpPr>
+          <p:nvPr>
+            <p:ph type="body" sz="quarter" idx="3"/>
+          </p:nvPr>
+        </p:nvSpPr>
+        <p:spPr>
+          <a:xfrm>
+            <a:off x="685800" y="4343400"/>
+            <a:ext cx="5486400" cy="4114800"/>
+          </a:xfrm>
+          <a:prstGeom prst="rect">
+            <a:avLst/>
+          </a:prstGeom>
+        </p:spPr>
+        <p:txBody>
+          <a:bodyPr vert="horz" lIns="91440" tIns="45720" rIns="91440" bIns="45720" rtlCol="0">
+            <a:normAutofit/>
+          </a:bodyPr>
+          <a:lstStyle/>
+          <a:p>
+            <a:pPr lvl="0"/>
+            <a:r>
+              <a:rPr lang="en-US" smtClean="0"/>
+              <a:t>Click to edit Master text styles</a:t>
+            </a:r>
+          </a:p>
+          <a:p>
+            <a:pPr lvl="1"/>
+            <a:r>
+              <a:rPr lang="en-US" smtClean="0"/>
+              <a:t>Second level</a:t>
+            </a:r>
+          </a:p>
+          <a:p>
+            <a:pPr lvl="2"/>
+            <a:r>
+              <a:rPr lang="en-US" smtClean="0"/>
+              <a:t>Third level</a:t>
+            </a:r>
+          </a:p>
+          <a:p>
+            <a:pPr lvl="3"/>
+            <a:r>
+              <a:rPr lang="en-US" smtClean="0"/>
+              <a:t>Fourth level</a:t>
+            </a:r>
+          </a:p>
+          <a:p>
+            <a:pPr lvl="4"/>
+            <a:r>
+              <a:rPr lang="en-US" smtClean="0"/>
+              <a:t>Fifth level</a:t>
+            </a:r>
+            <a:endParaRPr lang="en-US"/>
+          </a:p>
+        </p:txBody>
+      </p:sp>
+      <p:sp>
+        <p:nvSpPr>
+          <p:cNvPr id="6" name="Footer Placeholder 5"/>
+          <p:cNvSpPr>
+            <a:spLocks noGrp="1"/>
+          </p:cNvSpPr>
+          <p:nvPr>
+            <p:ph type="ftr" sz="quarter" idx="4"/>
+          </p:nvPr>
+        </p:nvSpPr>
+        <p:spPr>
+          <a:xfrm>
+            <a:off x="0" y="8685213"/>
+            <a:ext cx="2971800" cy="457200"/>
+          </a:xfrm>
+          <a:prstGeom prst="rect">
+            <a:avLst/>
+          </a:prstGeom>
+        </p:spPr>
+        <p:txBody>
+          <a:bodyPr vert="horz" lIns="91440" tIns="45720" rIns="91440" bIns="45720" rtlCol="0" anchor="b"/>
+          <a:lstStyle>
+            <a:lvl1pPr algn="l">
+              <a:defRPr sz="1200"/>
+            </a:lvl1pPr>
+          </a:lstStyle>
+          <a:p>
+            <a:endParaRPr lang="en-US"/>
+          </a:p>
+        </p:txBody>
+      </p:sp>
+      <p:sp>
+        <p:nvSpPr>
+          <p:cNvPr id="7" name="Slide Number Placeholder 6"/>
+          <p:cNvSpPr>
+            <a:spLocks noGrp="1"/>
+          </p:cNvSpPr>
+          <p:nvPr>
+            <p:ph type="sldNum" sz="quarter" idx="5"/>
+          </p:nvPr>
+        </p:nvSpPr>
+        <p:spPr>
+          <a:xfrm>
+            <a:off x="3884613" y="8685213"/>
+            <a:ext cx="2971800" cy="457200"/>
+          </a:xfrm>
+          <a:prstGeom prst="rect">
+            <a:avLst/>
+          </a:prstGeom>
+        </p:spPr>
+        <p:txBody>
+          <a:bodyPr vert="horz" lIns="91440" tIns="45720" rIns="91440" bIns="45720" rtlCol="0" anchor="b"/>
+          <a:lstStyle>
+            <a:lvl1pPr algn="r">
+              <a:defRPr sz="1200"/>
+            </a:lvl1pPr>
+          </a:lstStyle>
+          <a:p>
+            <a:fld id="{55D898C7-636F-4D31-9783-AF32676114F7}" type="slidenum">
+              <a:rPr lang="en-US" smtClean="0"/>
+              <a:t>‹#›</a:t>
+            </a:fld>
+            <a:endParaRPr lang="en-US"/>
+          </a:p>
+        </p:txBody>
+      </p:sp>
+    </p:spTree>
+  </p:cSld>
+  <p:clrMap bg1="lt1" tx1="dk1" bg2="lt2" tx2="dk2" accent1="accent1" accent2="accent2" accent3="accent3" accent4="accent4" accent5="accent5" accent6="accent6" hlink="hlink" folHlink="folHlink"/>
+  <p:notesStyle>
+    <a:lvl1pPr marL="0" algn="l" defTabSz="914400" rtl="0" eaLnBrk="1" latinLnBrk="0" hangingPunct="1">
+      <a:defRPr sz="1200" kern="1200">
+        <a:solidFill>
+          <a:schemeClr val="tx1"/>
+        </a:solidFill>
+        <a:latin typeface="+mn-lt"/>
+        <a:ea typeface="+mn-ea"/>
+        <a:cs typeface="+mn-cs"/>
+      </a:defRPr>
+    </a:lvl1pPr>
+    <a:lvl2pPr marL="457200" algn="l" defTabSz="914400" rtl="0" eaLnBrk="1" latinLnBrk="0" hangingPunct="1">
+      <a:defRPr sz="1200" kern="1200">
+        <a:solidFill>
+          <a:schemeClr val="tx1"/>
+        </a:solidFill>
+        <a:latin typeface="+mn-lt"/>
+        <a:ea typeface="+mn-ea"/>
+        <a:cs typeface="+mn-cs"/>
+      </a:defRPr>
+    </a:lvl2pPr>
+    <a:lvl3pPr marL="914400" algn="l" defTabSz="914400" rtl="0" eaLnBrk="1" latinLnBrk="0" hangingPunct="1">
+      <a:defRPr sz="1200" kern="1200">
+        <a:solidFill>
+          <a:schemeClr val="tx1"/>
+        </a:solidFill>
+        <a:latin typeface="+mn-lt"/>
+        <a:ea typeface="+mn-ea"/>
+        <a:cs typeface="+mn-cs"/>
+      </a:defRPr>
+    </a:lvl3pPr>
+    <a:lvl4pPr marL="1371600" algn="l" defTabSz="914400" rtl="0" eaLnBrk="1" latinLnBrk="0" hangingPunct="1">
+      <a:defRPr sz="1200" kern="1200">
+        <a:solidFill>
+          <a:schemeClr val="tx1"/>
+        </a:solidFill>
+        <a:latin typeface="+mn-lt"/>
+        <a:ea typeface="+mn-ea"/>
+        <a:cs typeface="+mn-cs"/>
+      </a:defRPr>
+    </a:lvl4pPr>
+    <a:lvl5pPr marL="1828800" algn="l" defTabSz="914400" rtl="0" eaLnBrk="1" latinLnBrk="0" hangingPunct="1">
+      <a:defRPr sz="1200" kern="1200">
+        <a:solidFill>
+          <a:schemeClr val="tx1"/>
+        </a:solidFill>
+        <a:latin typeface="+mn-lt"/>
+        <a:ea typeface="+mn-ea"/>
+        <a:cs typeface="+mn-cs"/>
+      </a:defRPr>
+    </a:lvl5pPr>
+    <a:lvl6pPr marL="2286000" algn="l" defTabSz="914400" rtl="0" eaLnBrk="1" latinLnBrk="0" hangingPunct="1">
+      <a:defRPr sz="1200" kern="1200">
+        <a:solidFill>
+          <a:schemeClr val="tx1"/>
+        </a:solidFill>
+        <a:latin typeface="+mn-lt"/>
+        <a:ea typeface="+mn-ea"/>
+        <a:cs typeface="+mn-cs"/>
+      </a:defRPr>
+    </a:lvl6pPr>
+    <a:lvl7pPr marL="2743200" algn="l" defTabSz="914400" rtl="0" eaLnBrk="1" latinLnBrk="0" hangingPunct="1">
+      <a:defRPr sz="1200" kern="1200">
+        <a:solidFill>
+          <a:schemeClr val="tx1"/>
+        </a:solidFill>
+        <a:latin typeface="+mn-lt"/>
+        <a:ea typeface="+mn-ea"/>
+        <a:cs typeface="+mn-cs"/>
+      </a:defRPr>
+    </a:lvl7pPr>
+    <a:lvl8pPr marL="3200400" algn="l" defTabSz="914400" rtl="0" eaLnBrk="1" latinLnBrk="0" hangingPunct="1">
+      <a:defRPr sz="1200" kern="1200">
+        <a:solidFill>
+          <a:schemeClr val="tx1"/>
+        </a:solidFill>
+        <a:latin typeface="+mn-lt"/>
+        <a:ea typeface="+mn-ea"/>
+        <a:cs typeface="+mn-cs"/>
+      </a:defRPr>
+    </a:lvl8pPr>
+    <a:lvl9pPr marL="3657600" algn="l" defTabSz="914400" rtl="0" eaLnBrk="1" latinLnBrk="0" hangingPunct="1">
+      <a:defRPr sz="1200" kern="1200">
+        <a:solidFill>
+          <a:schemeClr val="tx1"/>
+        </a:solidFill>
+        <a:latin typeface="+mn-lt"/>
+        <a:ea typeface="+mn-ea"/>
+        <a:cs typeface="+mn-cs"/>
+      </a:defRPr>
+    </a:lvl9pPr>
+  </p:notesStyle>
+</p:notesMaster>
+</file>
+
+<file path=ppt/notesSlides/notesSlide1.xml><?xml version="1.0" encoding="utf-8"?>
+<p:notes xmlns:a="http://schemas.openxmlformats.org/drawingml/2006/main" xmlns:r="http://schemas.openxmlformats.org/officeDocument/2006/relationships" xmlns:p="http://schemas.openxmlformats.org/presentationml/2006/main">
+  <p:cSld>
+    <p:spTree>
+      <p:nvGrpSpPr>
+        <p:cNvPr id="1" name=""/>
+        <p:cNvGrpSpPr/>
+        <p:nvPr/>
+      </p:nvGrpSpPr>
+      <p:grpSpPr>
+        <a:xfrm>
+          <a:off x="0" y="0"/>
+          <a:ext cx="0" cy="0"/>
+          <a:chOff x="0" y="0"/>
+          <a:chExt cx="0" cy="0"/>
+        </a:xfrm>
+      </p:grpSpPr>
+      <p:sp>
+        <p:nvSpPr>
+          <p:cNvPr id="2" name="Slide Image Placeholder 1"/>
+          <p:cNvSpPr>
+            <a:spLocks noGrp="1" noRot="1" noChangeAspect="1"/>
+          </p:cNvSpPr>
+          <p:nvPr>
+            <p:ph type="sldImg"/>
+          </p:nvPr>
+        </p:nvSpPr>
+        <p:spPr/>
+      </p:sp>
+      <p:sp>
+        <p:nvSpPr>
+          <p:cNvPr id="3" name="Notes Placeholder 2"/>
+          <p:cNvSpPr>
+            <a:spLocks noGrp="1"/>
+          </p:cNvSpPr>
+          <p:nvPr>
+            <p:ph type="body" idx="1"/>
+          </p:nvPr>
+        </p:nvSpPr>
+        <p:spPr/>
+        <p:txBody>
+          <a:bodyPr>
+            <a:normAutofit/>
+          </a:bodyPr>
+          <a:lstStyle/>
+          <a:p>
+            <a:endParaRPr lang="en-US" dirty="0"/>
+          </a:p>
+        </p:txBody>
+      </p:sp>
+      <p:sp>
+        <p:nvSpPr>
+          <p:cNvPr id="4" name="Slide Number Placeholder 3"/>
+          <p:cNvSpPr>
+            <a:spLocks noGrp="1"/>
+          </p:cNvSpPr>
+          <p:nvPr>
+            <p:ph type="sldNum" sz="quarter" idx="10"/>
+          </p:nvPr>
+        </p:nvSpPr>
+        <p:spPr/>
+        <p:txBody>
+          <a:bodyPr/>
+          <a:lstStyle/>
+          <a:p>
+            <a:fld id="{55D898C7-636F-4D31-9783-AF32676114F7}" type="slidenum">
+              <a:rPr lang="en-US" smtClean="0"/>
+              <a:t>24</a:t>
+            </a:fld>
+            <a:endParaRPr lang="en-US"/>
+          </a:p>
+        </p:txBody>
+      </p:sp>
+    </p:spTree>
+  </p:cSld>
+  <p:clrMapOvr>
+    <a:masterClrMapping/>
+  </p:clrMapOvr>
+</p:notes>
+</file>
+
+<file path=ppt/notesSlides/notesSlide2.xml><?xml version="1.0" encoding="utf-8"?>
+<p:notes xmlns:a="http://schemas.openxmlformats.org/drawingml/2006/main" xmlns:r="http://schemas.openxmlformats.org/officeDocument/2006/relationships" xmlns:p="http://schemas.openxmlformats.org/presentationml/2006/main">
+  <p:cSld>
+    <p:spTree>
+      <p:nvGrpSpPr>
+        <p:cNvPr id="1" name=""/>
+        <p:cNvGrpSpPr/>
+        <p:nvPr/>
+      </p:nvGrpSpPr>
+      <p:grpSpPr>
+        <a:xfrm>
+          <a:off x="0" y="0"/>
+          <a:ext cx="0" cy="0"/>
+          <a:chOff x="0" y="0"/>
+          <a:chExt cx="0" cy="0"/>
+        </a:xfrm>
+      </p:grpSpPr>
+      <p:sp>
+        <p:nvSpPr>
+          <p:cNvPr id="2" name="Slide Image Placeholder 1"/>
+          <p:cNvSpPr>
+            <a:spLocks noGrp="1" noRot="1" noChangeAspect="1"/>
+          </p:cNvSpPr>
+          <p:nvPr>
+            <p:ph type="sldImg"/>
+          </p:nvPr>
+        </p:nvSpPr>
+        <p:spPr/>
+      </p:sp>
+      <p:sp>
+        <p:nvSpPr>
+          <p:cNvPr id="3" name="Notes Placeholder 2"/>
+          <p:cNvSpPr>
+            <a:spLocks noGrp="1"/>
+          </p:cNvSpPr>
+          <p:nvPr>
+            <p:ph type="body" idx="1"/>
+          </p:nvPr>
+        </p:nvSpPr>
+        <p:spPr/>
+        <p:txBody>
+          <a:bodyPr>
+            <a:normAutofit/>
+          </a:bodyPr>
+          <a:lstStyle/>
+          <a:p>
+            <a:endParaRPr lang="en-US" dirty="0"/>
+          </a:p>
+        </p:txBody>
+      </p:sp>
+      <p:sp>
+        <p:nvSpPr>
+          <p:cNvPr id="4" name="Slide Number Placeholder 3"/>
+          <p:cNvSpPr>
+            <a:spLocks noGrp="1"/>
+          </p:cNvSpPr>
+          <p:nvPr>
+            <p:ph type="sldNum" sz="quarter" idx="10"/>
+          </p:nvPr>
+        </p:nvSpPr>
+        <p:spPr/>
+        <p:txBody>
+          <a:bodyPr/>
+          <a:lstStyle/>
+          <a:p>
+            <a:fld id="{55D898C7-636F-4D31-9783-AF32676114F7}" type="slidenum">
+              <a:rPr lang="en-US" smtClean="0"/>
+              <a:t>25</a:t>
+            </a:fld>
+            <a:endParaRPr lang="en-US"/>
+          </a:p>
+        </p:txBody>
+      </p:sp>
+    </p:spTree>
+  </p:cSld>
+  <p:clrMapOvr>
+    <a:masterClrMapping/>
+  </p:clrMapOvr>
+</p:notes>
 </file>
 
 <file path=ppt/slideLayouts/slideLayout1.xml><?xml version="1.0" encoding="utf-8"?>
@@ -6045,7 +6561,7 @@
       </p:sp>
       <p:pic>
         <p:nvPicPr>
-          <p:cNvPr id="31748" name="Picture 4"/>
+          <p:cNvPr id="31749" name="Picture 5"/>
           <p:cNvPicPr>
             <a:picLocks noChangeAspect="1" noChangeArrowheads="1"/>
           </p:cNvPicPr>
@@ -6060,8 +6576,8 @@
         </p:blipFill>
         <p:spPr bwMode="auto">
           <a:xfrm>
-            <a:off x="827584" y="1844824"/>
-            <a:ext cx="7851718" cy="4068452"/>
+            <a:off x="373235" y="1988840"/>
+            <a:ext cx="8770765" cy="4022749"/>
           </a:xfrm>
           <a:prstGeom prst="rect">
             <a:avLst/>
@@ -6123,6 +6639,424 @@
           </a:p>
         </p:txBody>
       </p:sp>
+      <p:pic>
+        <p:nvPicPr>
+          <p:cNvPr id="36867" name="Picture 3"/>
+          <p:cNvPicPr>
+            <a:picLocks noChangeAspect="1" noChangeArrowheads="1"/>
+          </p:cNvPicPr>
+          <p:nvPr/>
+        </p:nvPicPr>
+        <p:blipFill>
+          <a:blip r:embed="rId3" cstate="print"/>
+          <a:srcRect/>
+          <a:stretch>
+            <a:fillRect/>
+          </a:stretch>
+        </p:blipFill>
+        <p:spPr bwMode="auto">
+          <a:xfrm>
+            <a:off x="395536" y="1176337"/>
+            <a:ext cx="8465991" cy="5493023"/>
+          </a:xfrm>
+          <a:prstGeom prst="rect">
+            <a:avLst/>
+          </a:prstGeom>
+          <a:noFill/>
+          <a:ln w="9525">
+            <a:noFill/>
+            <a:miter lim="800000"/>
+            <a:headEnd/>
+            <a:tailEnd/>
+          </a:ln>
+        </p:spPr>
+      </p:pic>
+    </p:spTree>
+  </p:cSld>
+  <p:clrMapOvr>
+    <a:masterClrMapping/>
+  </p:clrMapOvr>
+</p:sld>
+</file>
+
+<file path=ppt/slides/slide25.xml><?xml version="1.0" encoding="utf-8"?>
+<p:sld xmlns:a="http://schemas.openxmlformats.org/drawingml/2006/main" xmlns:r="http://schemas.openxmlformats.org/officeDocument/2006/relationships" xmlns:p="http://schemas.openxmlformats.org/presentationml/2006/main">
+  <p:cSld>
+    <p:spTree>
+      <p:nvGrpSpPr>
+        <p:cNvPr id="1" name=""/>
+        <p:cNvGrpSpPr/>
+        <p:nvPr/>
+      </p:nvGrpSpPr>
+      <p:grpSpPr>
+        <a:xfrm>
+          <a:off x="0" y="0"/>
+          <a:ext cx="0" cy="0"/>
+          <a:chOff x="0" y="0"/>
+          <a:chExt cx="0" cy="0"/>
+        </a:xfrm>
+      </p:grpSpPr>
+      <p:sp>
+        <p:nvSpPr>
+          <p:cNvPr id="2" name="Title 1"/>
+          <p:cNvSpPr>
+            <a:spLocks noGrp="1"/>
+          </p:cNvSpPr>
+          <p:nvPr>
+            <p:ph type="title"/>
+          </p:nvPr>
+        </p:nvSpPr>
+        <p:spPr/>
+        <p:txBody>
+          <a:bodyPr/>
+          <a:lstStyle/>
+          <a:p>
+            <a:r>
+              <a:rPr lang="en-US" dirty="0" smtClean="0"/>
+              <a:t>Control Flow (</a:t>
+            </a:r>
+            <a:r>
+              <a:rPr lang="en-US" dirty="0" err="1" smtClean="0"/>
+              <a:t>Perulangan</a:t>
+            </a:r>
+            <a:r>
+              <a:rPr lang="en-US" dirty="0" smtClean="0"/>
+              <a:t>)</a:t>
+            </a:r>
+            <a:endParaRPr lang="en-US" dirty="0"/>
+          </a:p>
+        </p:txBody>
+      </p:sp>
+      <p:pic>
+        <p:nvPicPr>
+          <p:cNvPr id="37890" name="Picture 2"/>
+          <p:cNvPicPr>
+            <a:picLocks noChangeAspect="1" noChangeArrowheads="1"/>
+          </p:cNvPicPr>
+          <p:nvPr/>
+        </p:nvPicPr>
+        <p:blipFill>
+          <a:blip r:embed="rId3" cstate="print"/>
+          <a:srcRect/>
+          <a:stretch>
+            <a:fillRect/>
+          </a:stretch>
+        </p:blipFill>
+        <p:spPr bwMode="auto">
+          <a:xfrm>
+            <a:off x="734638" y="1556792"/>
+            <a:ext cx="7674723" cy="4824536"/>
+          </a:xfrm>
+          <a:prstGeom prst="rect">
+            <a:avLst/>
+          </a:prstGeom>
+          <a:noFill/>
+          <a:ln w="9525">
+            <a:noFill/>
+            <a:miter lim="800000"/>
+            <a:headEnd/>
+            <a:tailEnd/>
+          </a:ln>
+        </p:spPr>
+      </p:pic>
+    </p:spTree>
+  </p:cSld>
+  <p:clrMapOvr>
+    <a:masterClrMapping/>
+  </p:clrMapOvr>
+</p:sld>
+</file>
+
+<file path=ppt/slides/slide26.xml><?xml version="1.0" encoding="utf-8"?>
+<p:sld xmlns:a="http://schemas.openxmlformats.org/drawingml/2006/main" xmlns:r="http://schemas.openxmlformats.org/officeDocument/2006/relationships" xmlns:p="http://schemas.openxmlformats.org/presentationml/2006/main">
+  <p:cSld>
+    <p:spTree>
+      <p:nvGrpSpPr>
+        <p:cNvPr id="1" name=""/>
+        <p:cNvGrpSpPr/>
+        <p:nvPr/>
+      </p:nvGrpSpPr>
+      <p:grpSpPr>
+        <a:xfrm>
+          <a:off x="0" y="0"/>
+          <a:ext cx="0" cy="0"/>
+          <a:chOff x="0" y="0"/>
+          <a:chExt cx="0" cy="0"/>
+        </a:xfrm>
+      </p:grpSpPr>
+      <p:sp>
+        <p:nvSpPr>
+          <p:cNvPr id="2" name="Title 1"/>
+          <p:cNvSpPr>
+            <a:spLocks noGrp="1"/>
+          </p:cNvSpPr>
+          <p:nvPr>
+            <p:ph type="title"/>
+          </p:nvPr>
+        </p:nvSpPr>
+        <p:spPr/>
+        <p:txBody>
+          <a:bodyPr/>
+          <a:lstStyle/>
+          <a:p>
+            <a:r>
+              <a:rPr lang="en-US" dirty="0" smtClean="0"/>
+              <a:t>Control Flow (Label</a:t>
+            </a:r>
+            <a:r>
+              <a:rPr lang="en-US" baseline="0" dirty="0" smtClean="0"/>
+              <a:t> Block)</a:t>
+            </a:r>
+            <a:endParaRPr lang="en-US" dirty="0"/>
+          </a:p>
+        </p:txBody>
+      </p:sp>
+      <p:pic>
+        <p:nvPicPr>
+          <p:cNvPr id="38914" name="Picture 2"/>
+          <p:cNvPicPr>
+            <a:picLocks noChangeAspect="1" noChangeArrowheads="1"/>
+          </p:cNvPicPr>
+          <p:nvPr/>
+        </p:nvPicPr>
+        <p:blipFill>
+          <a:blip r:embed="rId2" cstate="print"/>
+          <a:srcRect/>
+          <a:stretch>
+            <a:fillRect/>
+          </a:stretch>
+        </p:blipFill>
+        <p:spPr bwMode="auto">
+          <a:xfrm>
+            <a:off x="1547664" y="1700808"/>
+            <a:ext cx="5449054" cy="4437087"/>
+          </a:xfrm>
+          <a:prstGeom prst="rect">
+            <a:avLst/>
+          </a:prstGeom>
+          <a:noFill/>
+          <a:ln w="9525">
+            <a:noFill/>
+            <a:miter lim="800000"/>
+            <a:headEnd/>
+            <a:tailEnd/>
+          </a:ln>
+        </p:spPr>
+      </p:pic>
+    </p:spTree>
+  </p:cSld>
+  <p:clrMapOvr>
+    <a:masterClrMapping/>
+  </p:clrMapOvr>
+</p:sld>
+</file>
+
+<file path=ppt/slides/slide27.xml><?xml version="1.0" encoding="utf-8"?>
+<p:sld xmlns:a="http://schemas.openxmlformats.org/drawingml/2006/main" xmlns:r="http://schemas.openxmlformats.org/officeDocument/2006/relationships" xmlns:p="http://schemas.openxmlformats.org/presentationml/2006/main">
+  <p:cSld>
+    <p:spTree>
+      <p:nvGrpSpPr>
+        <p:cNvPr id="1" name=""/>
+        <p:cNvGrpSpPr/>
+        <p:nvPr/>
+      </p:nvGrpSpPr>
+      <p:grpSpPr>
+        <a:xfrm>
+          <a:off x="0" y="0"/>
+          <a:ext cx="0" cy="0"/>
+          <a:chOff x="0" y="0"/>
+          <a:chExt cx="0" cy="0"/>
+        </a:xfrm>
+      </p:grpSpPr>
+      <p:sp>
+        <p:nvSpPr>
+          <p:cNvPr id="2" name="Title 1"/>
+          <p:cNvSpPr>
+            <a:spLocks noGrp="1"/>
+          </p:cNvSpPr>
+          <p:nvPr>
+            <p:ph type="title"/>
+          </p:nvPr>
+        </p:nvSpPr>
+        <p:spPr/>
+        <p:txBody>
+          <a:bodyPr/>
+          <a:lstStyle/>
+          <a:p>
+            <a:r>
+              <a:rPr lang="en-US" sz="4400" kern="1200" dirty="0" smtClean="0">
+                <a:solidFill>
+                  <a:schemeClr val="tx1"/>
+                </a:solidFill>
+                <a:latin typeface="+mj-lt"/>
+                <a:ea typeface="+mj-ea"/>
+                <a:cs typeface="+mj-cs"/>
+              </a:rPr>
+              <a:t>Control Flow (…Label</a:t>
+            </a:r>
+            <a:r>
+              <a:rPr lang="en-US" sz="4400" kern="1200" baseline="0" dirty="0" smtClean="0">
+                <a:solidFill>
+                  <a:schemeClr val="tx1"/>
+                </a:solidFill>
+                <a:latin typeface="+mj-lt"/>
+                <a:ea typeface="+mj-ea"/>
+                <a:cs typeface="+mj-cs"/>
+              </a:rPr>
+              <a:t> Block)</a:t>
+            </a:r>
+            <a:endParaRPr lang="en-US" dirty="0"/>
+          </a:p>
+        </p:txBody>
+      </p:sp>
+      <p:pic>
+        <p:nvPicPr>
+          <p:cNvPr id="39939" name="Picture 3"/>
+          <p:cNvPicPr>
+            <a:picLocks noChangeAspect="1" noChangeArrowheads="1"/>
+          </p:cNvPicPr>
+          <p:nvPr/>
+        </p:nvPicPr>
+        <p:blipFill>
+          <a:blip r:embed="rId2" cstate="print"/>
+          <a:srcRect/>
+          <a:stretch>
+            <a:fillRect/>
+          </a:stretch>
+        </p:blipFill>
+        <p:spPr bwMode="auto">
+          <a:xfrm>
+            <a:off x="399097" y="1916832"/>
+            <a:ext cx="8345806" cy="3816424"/>
+          </a:xfrm>
+          <a:prstGeom prst="rect">
+            <a:avLst/>
+          </a:prstGeom>
+          <a:noFill/>
+          <a:ln w="9525">
+            <a:noFill/>
+            <a:miter lim="800000"/>
+            <a:headEnd/>
+            <a:tailEnd/>
+          </a:ln>
+        </p:spPr>
+      </p:pic>
+    </p:spTree>
+  </p:cSld>
+  <p:clrMapOvr>
+    <a:masterClrMapping/>
+  </p:clrMapOvr>
+</p:sld>
+</file>
+
+<file path=ppt/slides/slide28.xml><?xml version="1.0" encoding="utf-8"?>
+<p:sld xmlns:a="http://schemas.openxmlformats.org/drawingml/2006/main" xmlns:r="http://schemas.openxmlformats.org/officeDocument/2006/relationships" xmlns:p="http://schemas.openxmlformats.org/presentationml/2006/main">
+  <p:cSld>
+    <p:spTree>
+      <p:nvGrpSpPr>
+        <p:cNvPr id="1" name=""/>
+        <p:cNvGrpSpPr/>
+        <p:nvPr/>
+      </p:nvGrpSpPr>
+      <p:grpSpPr>
+        <a:xfrm>
+          <a:off x="0" y="0"/>
+          <a:ext cx="0" cy="0"/>
+          <a:chOff x="0" y="0"/>
+          <a:chExt cx="0" cy="0"/>
+        </a:xfrm>
+      </p:grpSpPr>
+      <p:sp>
+        <p:nvSpPr>
+          <p:cNvPr id="2" name="Title 1"/>
+          <p:cNvSpPr>
+            <a:spLocks noGrp="1"/>
+          </p:cNvSpPr>
+          <p:nvPr>
+            <p:ph type="title"/>
+          </p:nvPr>
+        </p:nvSpPr>
+        <p:spPr/>
+        <p:txBody>
+          <a:bodyPr/>
+          <a:lstStyle/>
+          <a:p>
+            <a:r>
+              <a:rPr lang="en-US" dirty="0" smtClean="0"/>
+              <a:t>Control Flow (…</a:t>
+            </a:r>
+            <a:r>
+              <a:rPr lang="en-US" smtClean="0"/>
+              <a:t>Label Block)</a:t>
+            </a:r>
+            <a:endParaRPr lang="en-US" dirty="0"/>
+          </a:p>
+        </p:txBody>
+      </p:sp>
+      <p:pic>
+        <p:nvPicPr>
+          <p:cNvPr id="40962" name="Picture 2"/>
+          <p:cNvPicPr>
+            <a:picLocks noChangeAspect="1" noChangeArrowheads="1"/>
+          </p:cNvPicPr>
+          <p:nvPr/>
+        </p:nvPicPr>
+        <p:blipFill>
+          <a:blip r:embed="rId2" cstate="print"/>
+          <a:srcRect/>
+          <a:stretch>
+            <a:fillRect/>
+          </a:stretch>
+        </p:blipFill>
+        <p:spPr bwMode="auto">
+          <a:xfrm>
+            <a:off x="85725" y="2276872"/>
+            <a:ext cx="4486275" cy="3384376"/>
+          </a:xfrm>
+          <a:prstGeom prst="rect">
+            <a:avLst/>
+          </a:prstGeom>
+          <a:noFill/>
+          <a:ln w="9525">
+            <a:noFill/>
+            <a:miter lim="800000"/>
+            <a:headEnd/>
+            <a:tailEnd/>
+          </a:ln>
+        </p:spPr>
+      </p:pic>
+      <p:pic>
+        <p:nvPicPr>
+          <p:cNvPr id="40963" name="Picture 3"/>
+          <p:cNvPicPr>
+            <a:picLocks noChangeAspect="1" noChangeArrowheads="1"/>
+          </p:cNvPicPr>
+          <p:nvPr/>
+        </p:nvPicPr>
+        <p:blipFill>
+          <a:blip r:embed="rId3" cstate="print"/>
+          <a:srcRect/>
+          <a:stretch>
+            <a:fillRect/>
+          </a:stretch>
+        </p:blipFill>
+        <p:spPr bwMode="auto">
+          <a:xfrm>
+            <a:off x="4572000" y="2204864"/>
+            <a:ext cx="4448175" cy="3456384"/>
+          </a:xfrm>
+          <a:prstGeom prst="rect">
+            <a:avLst/>
+          </a:prstGeom>
+          <a:noFill/>
+          <a:ln w="9525">
+            <a:noFill/>
+            <a:miter lim="800000"/>
+            <a:headEnd/>
+            <a:tailEnd/>
+          </a:ln>
+        </p:spPr>
+      </p:pic>
     </p:spTree>
   </p:cSld>
   <p:clrMapOvr>
@@ -7218,4 +8152,287 @@
   <a:objectDefaults/>
   <a:extraClrSchemeLst/>
 </a:theme>
+</file>
+
+<file path=ppt/theme/theme2.xml><?xml version="1.0" encoding="utf-8"?>
+<a:theme xmlns:a="http://schemas.openxmlformats.org/drawingml/2006/main" name="Office Theme">
+  <a:themeElements>
+    <a:clrScheme name="Office">
+      <a:dk1>
+        <a:sysClr val="windowText" lastClr="000000"/>
+      </a:dk1>
+      <a:lt1>
+        <a:sysClr val="window" lastClr="FFFFFF"/>
+      </a:lt1>
+      <a:dk2>
+        <a:srgbClr val="1F497D"/>
+      </a:dk2>
+      <a:lt2>
+        <a:srgbClr val="EEECE1"/>
+      </a:lt2>
+      <a:accent1>
+        <a:srgbClr val="4F81BD"/>
+      </a:accent1>
+      <a:accent2>
+        <a:srgbClr val="C0504D"/>
+      </a:accent2>
+      <a:accent3>
+        <a:srgbClr val="9BBB59"/>
+      </a:accent3>
+      <a:accent4>
+        <a:srgbClr val="8064A2"/>
+      </a:accent4>
+      <a:accent5>
+        <a:srgbClr val="4BACC6"/>
+      </a:accent5>
+      <a:accent6>
+        <a:srgbClr val="F79646"/>
+      </a:accent6>
+      <a:hlink>
+        <a:srgbClr val="0000FF"/>
+      </a:hlink>
+      <a:folHlink>
+        <a:srgbClr val="800080"/>
+      </a:folHlink>
+    </a:clrScheme>
+    <a:fontScheme name="Office">
+      <a:majorFont>
+        <a:latin typeface="Calibri"/>
+        <a:ea typeface=""/>
+        <a:cs typeface=""/>
+        <a:font script="Jpan" typeface="ＭＳ Ｐゴシック"/>
+        <a:font script="Hang" typeface="맑은 고딕"/>
+        <a:font script="Hans" typeface="宋体"/>
+        <a:font script="Hant" typeface="新細明體"/>
+        <a:font script="Arab" typeface="Times New Roman"/>
+        <a:font script="Hebr" typeface="Times New Roman"/>
+        <a:font script="Thai" typeface="Angsana New"/>
+        <a:font script="Ethi" typeface="Nyala"/>
+        <a:font script="Beng" typeface="Vrinda"/>
+        <a:font script="Gujr" typeface="Shruti"/>
+        <a:font script="Khmr" typeface="MoolBoran"/>
+        <a:font script="Knda" typeface="Tunga"/>
+        <a:font script="Guru" typeface="Raavi"/>
+        <a:font script="Cans" typeface="Euphemia"/>
+        <a:font script="Cher" typeface="Plantagenet Cherokee"/>
+        <a:font script="Yiii" typeface="Microsoft Yi Baiti"/>
+        <a:font script="Tibt" typeface="Microsoft Himalaya"/>
+        <a:font script="Thaa" typeface="MV Boli"/>
+        <a:font script="Deva" typeface="Mangal"/>
+        <a:font script="Telu" typeface="Gautami"/>
+        <a:font script="Taml" typeface="Latha"/>
+        <a:font script="Syrc" typeface="Estrangelo Edessa"/>
+        <a:font script="Orya" typeface="Kalinga"/>
+        <a:font script="Mlym" typeface="Kartika"/>
+        <a:font script="Laoo" typeface="DokChampa"/>
+        <a:font script="Sinh" typeface="Iskoola Pota"/>
+        <a:font script="Mong" typeface="Mongolian Baiti"/>
+        <a:font script="Viet" typeface="Times New Roman"/>
+        <a:font script="Uigh" typeface="Microsoft Uighur"/>
+      </a:majorFont>
+      <a:minorFont>
+        <a:latin typeface="Calibri"/>
+        <a:ea typeface=""/>
+        <a:cs typeface=""/>
+        <a:font script="Jpan" typeface="ＭＳ Ｐゴシック"/>
+        <a:font script="Hang" typeface="맑은 고딕"/>
+        <a:font script="Hans" typeface="宋体"/>
+        <a:font script="Hant" typeface="新細明體"/>
+        <a:font script="Arab" typeface="Arial"/>
+        <a:font script="Hebr" typeface="Arial"/>
+        <a:font script="Thai" typeface="Cordia New"/>
+        <a:font script="Ethi" typeface="Nyala"/>
+        <a:font script="Beng" typeface="Vrinda"/>
+        <a:font script="Gujr" typeface="Shruti"/>
+        <a:font script="Khmr" typeface="DaunPenh"/>
+        <a:font script="Knda" typeface="Tunga"/>
+        <a:font script="Guru" typeface="Raavi"/>
+        <a:font script="Cans" typeface="Euphemia"/>
+        <a:font script="Cher" typeface="Plantagenet Cherokee"/>
+        <a:font script="Yiii" typeface="Microsoft Yi Baiti"/>
+        <a:font script="Tibt" typeface="Microsoft Himalaya"/>
+        <a:font script="Thaa" typeface="MV Boli"/>
+        <a:font script="Deva" typeface="Mangal"/>
+        <a:font script="Telu" typeface="Gautami"/>
+        <a:font script="Taml" typeface="Latha"/>
+        <a:font script="Syrc" typeface="Estrangelo Edessa"/>
+        <a:font script="Orya" typeface="Kalinga"/>
+        <a:font script="Mlym" typeface="Kartika"/>
+        <a:font script="Laoo" typeface="DokChampa"/>
+        <a:font script="Sinh" typeface="Iskoola Pota"/>
+        <a:font script="Mong" typeface="Mongolian Baiti"/>
+        <a:font script="Viet" typeface="Arial"/>
+        <a:font script="Uigh" typeface="Microsoft Uighur"/>
+      </a:minorFont>
+    </a:fontScheme>
+    <a:fmtScheme name="Office">
+      <a:fillStyleLst>
+        <a:solidFill>
+          <a:schemeClr val="phClr"/>
+        </a:solidFill>
+        <a:gradFill rotWithShape="1">
+          <a:gsLst>
+            <a:gs pos="0">
+              <a:schemeClr val="phClr">
+                <a:tint val="50000"/>
+                <a:satMod val="300000"/>
+              </a:schemeClr>
+            </a:gs>
+            <a:gs pos="35000">
+              <a:schemeClr val="phClr">
+                <a:tint val="37000"/>
+                <a:satMod val="300000"/>
+              </a:schemeClr>
+            </a:gs>
+            <a:gs pos="100000">
+              <a:schemeClr val="phClr">
+                <a:tint val="15000"/>
+                <a:satMod val="350000"/>
+              </a:schemeClr>
+            </a:gs>
+          </a:gsLst>
+          <a:lin ang="16200000" scaled="1"/>
+        </a:gradFill>
+        <a:gradFill rotWithShape="1">
+          <a:gsLst>
+            <a:gs pos="0">
+              <a:schemeClr val="phClr">
+                <a:shade val="51000"/>
+                <a:satMod val="130000"/>
+              </a:schemeClr>
+            </a:gs>
+            <a:gs pos="80000">
+              <a:schemeClr val="phClr">
+                <a:shade val="93000"/>
+                <a:satMod val="130000"/>
+              </a:schemeClr>
+            </a:gs>
+            <a:gs pos="100000">
+              <a:schemeClr val="phClr">
+                <a:shade val="94000"/>
+                <a:satMod val="135000"/>
+              </a:schemeClr>
+            </a:gs>
+          </a:gsLst>
+          <a:lin ang="16200000" scaled="0"/>
+        </a:gradFill>
+      </a:fillStyleLst>
+      <a:lnStyleLst>
+        <a:ln w="9525" cap="flat" cmpd="sng" algn="ctr">
+          <a:solidFill>
+            <a:schemeClr val="phClr">
+              <a:shade val="95000"/>
+              <a:satMod val="105000"/>
+            </a:schemeClr>
+          </a:solidFill>
+          <a:prstDash val="solid"/>
+        </a:ln>
+        <a:ln w="25400" cap="flat" cmpd="sng" algn="ctr">
+          <a:solidFill>
+            <a:schemeClr val="phClr"/>
+          </a:solidFill>
+          <a:prstDash val="solid"/>
+        </a:ln>
+        <a:ln w="38100" cap="flat" cmpd="sng" algn="ctr">
+          <a:solidFill>
+            <a:schemeClr val="phClr"/>
+          </a:solidFill>
+          <a:prstDash val="solid"/>
+        </a:ln>
+      </a:lnStyleLst>
+      <a:effectStyleLst>
+        <a:effectStyle>
+          <a:effectLst>
+            <a:outerShdw blurRad="40000" dist="20000" dir="5400000" rotWithShape="0">
+              <a:srgbClr val="000000">
+                <a:alpha val="38000"/>
+              </a:srgbClr>
+            </a:outerShdw>
+          </a:effectLst>
+        </a:effectStyle>
+        <a:effectStyle>
+          <a:effectLst>
+            <a:outerShdw blurRad="40000" dist="23000" dir="5400000" rotWithShape="0">
+              <a:srgbClr val="000000">
+                <a:alpha val="35000"/>
+              </a:srgbClr>
+            </a:outerShdw>
+          </a:effectLst>
+        </a:effectStyle>
+        <a:effectStyle>
+          <a:effectLst>
+            <a:outerShdw blurRad="40000" dist="23000" dir="5400000" rotWithShape="0">
+              <a:srgbClr val="000000">
+                <a:alpha val="35000"/>
+              </a:srgbClr>
+            </a:outerShdw>
+          </a:effectLst>
+          <a:scene3d>
+            <a:camera prst="orthographicFront">
+              <a:rot lat="0" lon="0" rev="0"/>
+            </a:camera>
+            <a:lightRig rig="threePt" dir="t">
+              <a:rot lat="0" lon="0" rev="1200000"/>
+            </a:lightRig>
+          </a:scene3d>
+          <a:sp3d>
+            <a:bevelT w="63500" h="25400"/>
+          </a:sp3d>
+        </a:effectStyle>
+      </a:effectStyleLst>
+      <a:bgFillStyleLst>
+        <a:solidFill>
+          <a:schemeClr val="phClr"/>
+        </a:solidFill>
+        <a:gradFill rotWithShape="1">
+          <a:gsLst>
+            <a:gs pos="0">
+              <a:schemeClr val="phClr">
+                <a:tint val="40000"/>
+                <a:satMod val="350000"/>
+              </a:schemeClr>
+            </a:gs>
+            <a:gs pos="40000">
+              <a:schemeClr val="phClr">
+                <a:tint val="45000"/>
+                <a:shade val="99000"/>
+                <a:satMod val="350000"/>
+              </a:schemeClr>
+            </a:gs>
+            <a:gs pos="100000">
+              <a:schemeClr val="phClr">
+                <a:shade val="20000"/>
+                <a:satMod val="255000"/>
+              </a:schemeClr>
+            </a:gs>
+          </a:gsLst>
+          <a:path path="circle">
+            <a:fillToRect l="50000" t="-80000" r="50000" b="180000"/>
+          </a:path>
+        </a:gradFill>
+        <a:gradFill rotWithShape="1">
+          <a:gsLst>
+            <a:gs pos="0">
+              <a:schemeClr val="phClr">
+                <a:tint val="80000"/>
+                <a:satMod val="300000"/>
+              </a:schemeClr>
+            </a:gs>
+            <a:gs pos="100000">
+              <a:schemeClr val="phClr">
+                <a:shade val="30000"/>
+                <a:satMod val="200000"/>
+              </a:schemeClr>
+            </a:gs>
+          </a:gsLst>
+          <a:path path="circle">
+            <a:fillToRect l="50000" t="50000" r="50000" b="50000"/>
+          </a:path>
+        </a:gradFill>
+      </a:bgFillStyleLst>
+    </a:fmtScheme>
+  </a:themeElements>
+  <a:objectDefaults/>
+  <a:extraClrSchemeLst/>
+</a:theme>
 </file>
--- a/src/main/resources/Dasar-Dasar Pemograman Java.pptx
+++ b/src/main/resources/Dasar-Dasar Pemograman Java.pptx
@@ -5,7 +5,7 @@
     <p:sldMasterId id="2147483648" r:id="rId1"/>
   </p:sldMasterIdLst>
   <p:notesMasterIdLst>
-    <p:notesMasterId r:id="rId30"/>
+    <p:notesMasterId r:id="rId32"/>
   </p:notesMasterIdLst>
   <p:sldIdLst>
     <p:sldId id="256" r:id="rId2"/>
@@ -36,6 +36,8 @@
     <p:sldId id="281" r:id="rId27"/>
     <p:sldId id="282" r:id="rId28"/>
     <p:sldId id="283" r:id="rId29"/>
+    <p:sldId id="284" r:id="rId30"/>
+    <p:sldId id="285" r:id="rId31"/>
   </p:sldIdLst>
   <p:sldSz cx="9144000" cy="6858000" type="screen4x3"/>
   <p:notesSz cx="6858000" cy="9144000"/>
@@ -633,6 +635,87 @@
             <a:fld id="{55D898C7-636F-4D31-9783-AF32676114F7}" type="slidenum">
               <a:rPr lang="en-US" smtClean="0"/>
               <a:t>25</a:t>
+            </a:fld>
+            <a:endParaRPr lang="en-US"/>
+          </a:p>
+        </p:txBody>
+      </p:sp>
+    </p:spTree>
+  </p:cSld>
+  <p:clrMapOvr>
+    <a:masterClrMapping/>
+  </p:clrMapOvr>
+</p:notes>
+</file>
+
+<file path=ppt/notesSlides/notesSlide3.xml><?xml version="1.0" encoding="utf-8"?>
+<p:notes xmlns:a="http://schemas.openxmlformats.org/drawingml/2006/main" xmlns:r="http://schemas.openxmlformats.org/officeDocument/2006/relationships" xmlns:p="http://schemas.openxmlformats.org/presentationml/2006/main">
+  <p:cSld>
+    <p:spTree>
+      <p:nvGrpSpPr>
+        <p:cNvPr id="1" name=""/>
+        <p:cNvGrpSpPr/>
+        <p:nvPr/>
+      </p:nvGrpSpPr>
+      <p:grpSpPr>
+        <a:xfrm>
+          <a:off x="0" y="0"/>
+          <a:ext cx="0" cy="0"/>
+          <a:chOff x="0" y="0"/>
+          <a:chExt cx="0" cy="0"/>
+        </a:xfrm>
+      </p:grpSpPr>
+      <p:sp>
+        <p:nvSpPr>
+          <p:cNvPr id="2" name="Slide Image Placeholder 1"/>
+          <p:cNvSpPr>
+            <a:spLocks noGrp="1" noRot="1" noChangeAspect="1"/>
+          </p:cNvSpPr>
+          <p:nvPr>
+            <p:ph type="sldImg"/>
+          </p:nvPr>
+        </p:nvSpPr>
+        <p:spPr/>
+      </p:sp>
+      <p:sp>
+        <p:nvSpPr>
+          <p:cNvPr id="3" name="Notes Placeholder 2"/>
+          <p:cNvSpPr>
+            <a:spLocks noGrp="1"/>
+          </p:cNvSpPr>
+          <p:nvPr>
+            <p:ph type="body" idx="1"/>
+          </p:nvPr>
+        </p:nvSpPr>
+        <p:spPr/>
+        <p:txBody>
+          <a:bodyPr>
+            <a:normAutofit/>
+          </a:bodyPr>
+          <a:lstStyle/>
+          <a:p>
+            <a:endParaRPr lang="en-US" dirty="0"/>
+          </a:p>
+        </p:txBody>
+      </p:sp>
+      <p:sp>
+        <p:nvSpPr>
+          <p:cNvPr id="4" name="Slide Number Placeholder 3"/>
+          <p:cNvSpPr>
+            <a:spLocks noGrp="1"/>
+          </p:cNvSpPr>
+          <p:nvPr>
+            <p:ph type="sldNum" sz="quarter" idx="10"/>
+          </p:nvPr>
+        </p:nvSpPr>
+        <p:spPr/>
+        <p:txBody>
+          <a:bodyPr/>
+          <a:lstStyle/>
+          <a:p>
+            <a:fld id="{55D898C7-636F-4D31-9783-AF32676114F7}" type="slidenum">
+              <a:rPr lang="en-US" smtClean="0"/>
+              <a:t>28</a:t>
             </a:fld>
             <a:endParaRPr lang="en-US"/>
           </a:p>
@@ -6813,7 +6896,7 @@
       </p:sp>
       <p:pic>
         <p:nvPicPr>
-          <p:cNvPr id="38914" name="Picture 2"/>
+          <p:cNvPr id="38915" name="Picture 3"/>
           <p:cNvPicPr>
             <a:picLocks noChangeAspect="1" noChangeArrowheads="1"/>
           </p:cNvPicPr>
@@ -6828,8 +6911,8 @@
         </p:blipFill>
         <p:spPr bwMode="auto">
           <a:xfrm>
-            <a:off x="1547664" y="1700808"/>
-            <a:ext cx="5449054" cy="4437087"/>
+            <a:off x="1601738" y="1484784"/>
+            <a:ext cx="5940524" cy="4916793"/>
           </a:xfrm>
           <a:prstGeom prst="rect">
             <a:avLst/>
@@ -6911,7 +6994,7 @@
       </p:sp>
       <p:pic>
         <p:nvPicPr>
-          <p:cNvPr id="39939" name="Picture 3"/>
+          <p:cNvPr id="39941" name="Picture 5"/>
           <p:cNvPicPr>
             <a:picLocks noChangeAspect="1" noChangeArrowheads="1"/>
           </p:cNvPicPr>
@@ -6926,8 +7009,8 @@
         </p:blipFill>
         <p:spPr bwMode="auto">
           <a:xfrm>
-            <a:off x="399097" y="1916832"/>
-            <a:ext cx="8345806" cy="3816424"/>
+            <a:off x="823100" y="1700808"/>
+            <a:ext cx="7497800" cy="4392488"/>
           </a:xfrm>
           <a:prstGeom prst="rect">
             <a:avLst/>
@@ -6983,11 +7066,7 @@
           <a:p>
             <a:r>
               <a:rPr lang="en-US" dirty="0" smtClean="0"/>
-              <a:t>Control Flow (…</a:t>
-            </a:r>
-            <a:r>
-              <a:rPr lang="en-US" smtClean="0"/>
-              <a:t>Label Block)</a:t>
+              <a:t>Control Flow (…Label Block)</a:t>
             </a:r>
             <a:endParaRPr lang="en-US" dirty="0"/>
           </a:p>
@@ -6995,14 +7074,14 @@
       </p:sp>
       <p:pic>
         <p:nvPicPr>
-          <p:cNvPr id="40962" name="Picture 2"/>
+          <p:cNvPr id="40965" name="Picture 5"/>
           <p:cNvPicPr>
             <a:picLocks noChangeAspect="1" noChangeArrowheads="1"/>
           </p:cNvPicPr>
           <p:nvPr/>
         </p:nvPicPr>
         <p:blipFill>
-          <a:blip r:embed="rId2" cstate="print"/>
+          <a:blip r:embed="rId3" cstate="print"/>
           <a:srcRect/>
           <a:stretch>
             <a:fillRect/>
@@ -7010,8 +7089,8 @@
         </p:blipFill>
         <p:spPr bwMode="auto">
           <a:xfrm>
-            <a:off x="85725" y="2276872"/>
-            <a:ext cx="4486275" cy="3384376"/>
+            <a:off x="4572000" y="2276872"/>
+            <a:ext cx="4467225" cy="3384376"/>
           </a:xfrm>
           <a:prstGeom prst="rect">
             <a:avLst/>
@@ -7027,14 +7106,14 @@
       </p:pic>
       <p:pic>
         <p:nvPicPr>
-          <p:cNvPr id="40963" name="Picture 3"/>
+          <p:cNvPr id="40966" name="Picture 6"/>
           <p:cNvPicPr>
             <a:picLocks noChangeAspect="1" noChangeArrowheads="1"/>
           </p:cNvPicPr>
           <p:nvPr/>
         </p:nvPicPr>
         <p:blipFill>
-          <a:blip r:embed="rId3" cstate="print"/>
+          <a:blip r:embed="rId4" cstate="print"/>
           <a:srcRect/>
           <a:stretch>
             <a:fillRect/>
@@ -7042,8 +7121,8 @@
         </p:blipFill>
         <p:spPr bwMode="auto">
           <a:xfrm>
-            <a:off x="4572000" y="2204864"/>
-            <a:ext cx="4448175" cy="3456384"/>
+            <a:off x="47625" y="2276872"/>
+            <a:ext cx="4524375" cy="3384376"/>
           </a:xfrm>
           <a:prstGeom prst="rect">
             <a:avLst/>
@@ -7057,6 +7136,282 @@
           </a:ln>
         </p:spPr>
       </p:pic>
+    </p:spTree>
+  </p:cSld>
+  <p:clrMapOvr>
+    <a:masterClrMapping/>
+  </p:clrMapOvr>
+</p:sld>
+</file>
+
+<file path=ppt/slides/slide29.xml><?xml version="1.0" encoding="utf-8"?>
+<p:sld xmlns:a="http://schemas.openxmlformats.org/drawingml/2006/main" xmlns:r="http://schemas.openxmlformats.org/officeDocument/2006/relationships" xmlns:p="http://schemas.openxmlformats.org/presentationml/2006/main">
+  <p:cSld>
+    <p:spTree>
+      <p:nvGrpSpPr>
+        <p:cNvPr id="1" name=""/>
+        <p:cNvGrpSpPr/>
+        <p:nvPr/>
+      </p:nvGrpSpPr>
+      <p:grpSpPr>
+        <a:xfrm>
+          <a:off x="0" y="0"/>
+          <a:ext cx="0" cy="0"/>
+          <a:chOff x="0" y="0"/>
+          <a:chExt cx="0" cy="0"/>
+        </a:xfrm>
+      </p:grpSpPr>
+      <p:sp>
+        <p:nvSpPr>
+          <p:cNvPr id="2" name="Title 1"/>
+          <p:cNvSpPr>
+            <a:spLocks noGrp="1"/>
+          </p:cNvSpPr>
+          <p:nvPr>
+            <p:ph type="title"/>
+          </p:nvPr>
+        </p:nvSpPr>
+        <p:spPr/>
+        <p:txBody>
+          <a:bodyPr/>
+          <a:lstStyle/>
+          <a:p>
+            <a:r>
+              <a:rPr lang="en-US" dirty="0" smtClean="0"/>
+              <a:t>Control Flow (Exception Handling)</a:t>
+            </a:r>
+            <a:endParaRPr lang="en-US" dirty="0"/>
+          </a:p>
+        </p:txBody>
+      </p:sp>
+      <p:sp>
+        <p:nvSpPr>
+          <p:cNvPr id="4" name="Content Placeholder 3"/>
+          <p:cNvSpPr>
+            <a:spLocks noGrp="1"/>
+          </p:cNvSpPr>
+          <p:nvPr>
+            <p:ph idx="1"/>
+          </p:nvPr>
+        </p:nvSpPr>
+        <p:spPr/>
+        <p:txBody>
+          <a:bodyPr/>
+          <a:lstStyle/>
+          <a:p>
+            <a:r>
+              <a:rPr lang="en-US" dirty="0" smtClean="0"/>
+              <a:t>Java </a:t>
+            </a:r>
+            <a:r>
+              <a:rPr lang="en-US" dirty="0" err="1" smtClean="0"/>
+              <a:t>punya</a:t>
+            </a:r>
+            <a:r>
+              <a:rPr lang="en-US" dirty="0" smtClean="0"/>
+              <a:t> 2 </a:t>
+            </a:r>
+            <a:r>
+              <a:rPr lang="en-US" dirty="0" err="1" smtClean="0"/>
+              <a:t>jenis</a:t>
+            </a:r>
+            <a:r>
+              <a:rPr lang="en-US" dirty="0" smtClean="0"/>
+              <a:t> </a:t>
+            </a:r>
+            <a:r>
+              <a:rPr lang="en-US" dirty="0" err="1" smtClean="0"/>
+              <a:t>kesalahan</a:t>
+            </a:r>
+            <a:r>
+              <a:rPr lang="en-US" dirty="0" smtClean="0"/>
+              <a:t> (</a:t>
+            </a:r>
+            <a:r>
+              <a:rPr lang="en-US" dirty="0" err="1" smtClean="0"/>
+              <a:t>Throwable</a:t>
+            </a:r>
+            <a:r>
+              <a:rPr lang="en-US" dirty="0" smtClean="0"/>
+              <a:t> )</a:t>
+            </a:r>
+          </a:p>
+          <a:p>
+            <a:pPr lvl="1"/>
+            <a:r>
+              <a:rPr lang="en-US" dirty="0" smtClean="0"/>
+              <a:t>Error,  </a:t>
+            </a:r>
+            <a:r>
+              <a:rPr lang="en-US" dirty="0" err="1" smtClean="0"/>
+              <a:t>kesalahan</a:t>
+            </a:r>
+            <a:r>
+              <a:rPr lang="en-US" dirty="0" smtClean="0"/>
+              <a:t> fatal </a:t>
+            </a:r>
+            <a:r>
+              <a:rPr lang="en-US" dirty="0" err="1" smtClean="0"/>
+              <a:t>pada</a:t>
+            </a:r>
+            <a:r>
+              <a:rPr lang="en-US" dirty="0" smtClean="0"/>
+              <a:t> </a:t>
+            </a:r>
+            <a:r>
+              <a:rPr lang="en-US" dirty="0" err="1" smtClean="0"/>
+              <a:t>sistem</a:t>
+            </a:r>
+            <a:r>
+              <a:rPr lang="en-US" dirty="0" smtClean="0"/>
+              <a:t>, </a:t>
+            </a:r>
+            <a:r>
+              <a:rPr lang="en-US" dirty="0" err="1" smtClean="0"/>
+              <a:t>aplikasi</a:t>
+            </a:r>
+            <a:r>
+              <a:rPr lang="en-US" dirty="0" smtClean="0"/>
+              <a:t> </a:t>
+            </a:r>
+            <a:r>
+              <a:rPr lang="en-US" dirty="0" err="1" smtClean="0"/>
+              <a:t>tidak</a:t>
+            </a:r>
+            <a:r>
+              <a:rPr lang="en-US" dirty="0" smtClean="0"/>
+              <a:t> </a:t>
+            </a:r>
+            <a:r>
+              <a:rPr lang="en-US" dirty="0" err="1" smtClean="0"/>
+              <a:t>disarankan</a:t>
+            </a:r>
+            <a:r>
+              <a:rPr lang="en-US" dirty="0" smtClean="0"/>
+              <a:t> </a:t>
+            </a:r>
+            <a:r>
+              <a:rPr lang="en-US" dirty="0" err="1" smtClean="0"/>
+              <a:t>menanggulangi</a:t>
+            </a:r>
+            <a:r>
+              <a:rPr lang="en-US" dirty="0" smtClean="0"/>
+              <a:t> </a:t>
+            </a:r>
+            <a:r>
+              <a:rPr lang="en-US" dirty="0" err="1" smtClean="0"/>
+              <a:t>ini</a:t>
+            </a:r>
+            <a:r>
+              <a:rPr lang="en-US" dirty="0" smtClean="0"/>
+              <a:t>.</a:t>
+            </a:r>
+          </a:p>
+          <a:p>
+            <a:pPr lvl="1"/>
+            <a:r>
+              <a:rPr lang="en-US" dirty="0" smtClean="0"/>
+              <a:t>Exception, </a:t>
+            </a:r>
+            <a:r>
+              <a:rPr lang="en-US" dirty="0" err="1" smtClean="0"/>
+              <a:t>disarankan</a:t>
+            </a:r>
+            <a:r>
+              <a:rPr lang="en-US" dirty="0" smtClean="0"/>
+              <a:t> </a:t>
+            </a:r>
+            <a:r>
+              <a:rPr lang="en-US" dirty="0" err="1" smtClean="0"/>
+              <a:t>untuk</a:t>
+            </a:r>
+            <a:r>
+              <a:rPr lang="en-US" dirty="0" smtClean="0"/>
+              <a:t> </a:t>
+            </a:r>
+            <a:r>
+              <a:rPr lang="en-US" dirty="0" err="1" smtClean="0"/>
+              <a:t>ditanggulangi</a:t>
+            </a:r>
+            <a:r>
+              <a:rPr lang="en-US" dirty="0" smtClean="0"/>
+              <a:t> </a:t>
+            </a:r>
+            <a:r>
+              <a:rPr lang="en-US" dirty="0" err="1" smtClean="0"/>
+              <a:t>oleh</a:t>
+            </a:r>
+            <a:r>
+              <a:rPr lang="en-US" dirty="0" smtClean="0"/>
+              <a:t> </a:t>
+            </a:r>
+            <a:r>
+              <a:rPr lang="en-US" dirty="0" err="1" smtClean="0"/>
+              <a:t>aplikasi</a:t>
+            </a:r>
+            <a:r>
+              <a:rPr lang="en-US" dirty="0" smtClean="0"/>
+              <a:t>.</a:t>
+            </a:r>
+          </a:p>
+          <a:p>
+            <a:r>
+              <a:rPr lang="en-US" dirty="0" err="1" smtClean="0"/>
+              <a:t>Terdapat</a:t>
+            </a:r>
+            <a:r>
+              <a:rPr lang="en-US" dirty="0" smtClean="0"/>
+              <a:t> 2 </a:t>
+            </a:r>
+            <a:r>
+              <a:rPr lang="en-US" dirty="0" err="1" smtClean="0"/>
+              <a:t>jenis</a:t>
+            </a:r>
+            <a:r>
+              <a:rPr lang="en-US" dirty="0" smtClean="0"/>
+              <a:t> Exception </a:t>
+            </a:r>
+          </a:p>
+          <a:p>
+            <a:pPr lvl="1"/>
+            <a:r>
+              <a:rPr lang="en-US" dirty="0" smtClean="0"/>
+              <a:t>Run Time Exception (</a:t>
+            </a:r>
+            <a:r>
+              <a:rPr lang="en-US" dirty="0" err="1" smtClean="0"/>
+              <a:t>java.lang.RuntimeException</a:t>
+            </a:r>
+            <a:r>
+              <a:rPr lang="en-US" dirty="0" smtClean="0"/>
+              <a:t>) </a:t>
+            </a:r>
+          </a:p>
+          <a:p>
+            <a:pPr lvl="1"/>
+            <a:r>
+              <a:rPr lang="en-US" dirty="0" smtClean="0"/>
+              <a:t>Compile Time/Checked </a:t>
+            </a:r>
+            <a:r>
+              <a:rPr lang="en-US" dirty="0" err="1" smtClean="0"/>
+              <a:t>Excepition</a:t>
+            </a:r>
+            <a:r>
+              <a:rPr lang="en-US" dirty="0" smtClean="0"/>
+              <a:t>( non - </a:t>
+            </a:r>
+            <a:r>
+              <a:rPr lang="en-US" dirty="0" err="1" smtClean="0"/>
+              <a:t>java.lang.RuntimeException</a:t>
+            </a:r>
+            <a:r>
+              <a:rPr lang="en-US" dirty="0" smtClean="0"/>
+              <a:t>)</a:t>
+            </a:r>
+          </a:p>
+        </p:txBody>
+      </p:sp>
     </p:spTree>
   </p:cSld>
   <p:clrMapOvr>
@@ -7122,6 +7477,69 @@
           <a:lstStyle/>
           <a:p>
             <a:endParaRPr lang="en-US" dirty="0" smtClean="0"/>
+          </a:p>
+        </p:txBody>
+      </p:sp>
+    </p:spTree>
+  </p:cSld>
+  <p:clrMapOvr>
+    <a:masterClrMapping/>
+  </p:clrMapOvr>
+</p:sld>
+</file>
+
+<file path=ppt/slides/slide30.xml><?xml version="1.0" encoding="utf-8"?>
+<p:sld xmlns:a="http://schemas.openxmlformats.org/drawingml/2006/main" xmlns:r="http://schemas.openxmlformats.org/officeDocument/2006/relationships" xmlns:p="http://schemas.openxmlformats.org/presentationml/2006/main">
+  <p:cSld>
+    <p:spTree>
+      <p:nvGrpSpPr>
+        <p:cNvPr id="1" name=""/>
+        <p:cNvGrpSpPr/>
+        <p:nvPr/>
+      </p:nvGrpSpPr>
+      <p:grpSpPr>
+        <a:xfrm>
+          <a:off x="0" y="0"/>
+          <a:ext cx="0" cy="0"/>
+          <a:chOff x="0" y="0"/>
+          <a:chExt cx="0" cy="0"/>
+        </a:xfrm>
+      </p:grpSpPr>
+      <p:sp>
+        <p:nvSpPr>
+          <p:cNvPr id="2" name="Title 1"/>
+          <p:cNvSpPr>
+            <a:spLocks noGrp="1"/>
+          </p:cNvSpPr>
+          <p:nvPr>
+            <p:ph type="title"/>
+          </p:nvPr>
+        </p:nvSpPr>
+        <p:spPr/>
+        <p:txBody>
+          <a:bodyPr/>
+          <a:lstStyle/>
+          <a:p>
+            <a:endParaRPr lang="en-US" dirty="0"/>
+          </a:p>
+        </p:txBody>
+      </p:sp>
+      <p:sp>
+        <p:nvSpPr>
+          <p:cNvPr id="3" name="Content Placeholder 2"/>
+          <p:cNvSpPr>
+            <a:spLocks noGrp="1"/>
+          </p:cNvSpPr>
+          <p:nvPr>
+            <p:ph idx="1"/>
+          </p:nvPr>
+        </p:nvSpPr>
+        <p:spPr/>
+        <p:txBody>
+          <a:bodyPr/>
+          <a:lstStyle/>
+          <a:p>
+            <a:endParaRPr lang="en-US"/>
           </a:p>
         </p:txBody>
       </p:sp>

--- a/src/main/resources/Dasar-Dasar Pemograman Java.pptx
+++ b/src/main/resources/Dasar-Dasar Pemograman Java.pptx
@@ -7520,26 +7520,11 @@
           <a:bodyPr/>
           <a:lstStyle/>
           <a:p>
+            <a:r>
+              <a:rPr lang="en-US" dirty="0" smtClean="0"/>
+              <a:t>Control Flow (Checked Exception)</a:t>
+            </a:r>
             <a:endParaRPr lang="en-US" dirty="0"/>
-          </a:p>
-        </p:txBody>
-      </p:sp>
-      <p:sp>
-        <p:nvSpPr>
-          <p:cNvPr id="3" name="Content Placeholder 2"/>
-          <p:cNvSpPr>
-            <a:spLocks noGrp="1"/>
-          </p:cNvSpPr>
-          <p:nvPr>
-            <p:ph idx="1"/>
-          </p:nvPr>
-        </p:nvSpPr>
-        <p:spPr/>
-        <p:txBody>
-          <a:bodyPr/>
-          <a:lstStyle/>
-          <a:p>
-            <a:endParaRPr lang="en-US"/>
           </a:p>
         </p:txBody>
       </p:sp>

--- a/src/main/resources/Dasar-Dasar Pemograman Java.pptx
+++ b/src/main/resources/Dasar-Dasar Pemograman Java.pptx
@@ -7528,6 +7528,102 @@
           </a:p>
         </p:txBody>
       </p:sp>
+      <p:pic>
+        <p:nvPicPr>
+          <p:cNvPr id="43010" name="Picture 2"/>
+          <p:cNvPicPr>
+            <a:picLocks noChangeAspect="1" noChangeArrowheads="1"/>
+          </p:cNvPicPr>
+          <p:nvPr/>
+        </p:nvPicPr>
+        <p:blipFill>
+          <a:blip r:embed="rId2" cstate="print"/>
+          <a:srcRect/>
+          <a:stretch>
+            <a:fillRect/>
+          </a:stretch>
+        </p:blipFill>
+        <p:spPr bwMode="auto">
+          <a:xfrm>
+            <a:off x="755576" y="1628800"/>
+            <a:ext cx="6427816" cy="1296144"/>
+          </a:xfrm>
+          <a:prstGeom prst="rect">
+            <a:avLst/>
+          </a:prstGeom>
+          <a:noFill/>
+          <a:ln w="9525">
+            <a:noFill/>
+            <a:miter lim="800000"/>
+            <a:headEnd/>
+            <a:tailEnd/>
+          </a:ln>
+        </p:spPr>
+      </p:pic>
+      <p:pic>
+        <p:nvPicPr>
+          <p:cNvPr id="43011" name="Picture 3"/>
+          <p:cNvPicPr>
+            <a:picLocks noChangeAspect="1" noChangeArrowheads="1"/>
+          </p:cNvPicPr>
+          <p:nvPr/>
+        </p:nvPicPr>
+        <p:blipFill>
+          <a:blip r:embed="rId3" cstate="print"/>
+          <a:srcRect/>
+          <a:stretch>
+            <a:fillRect/>
+          </a:stretch>
+        </p:blipFill>
+        <p:spPr bwMode="auto">
+          <a:xfrm>
+            <a:off x="169425" y="3140968"/>
+            <a:ext cx="8974575" cy="1368152"/>
+          </a:xfrm>
+          <a:prstGeom prst="rect">
+            <a:avLst/>
+          </a:prstGeom>
+          <a:noFill/>
+          <a:ln w="9525">
+            <a:noFill/>
+            <a:miter lim="800000"/>
+            <a:headEnd/>
+            <a:tailEnd/>
+          </a:ln>
+        </p:spPr>
+      </p:pic>
+      <p:pic>
+        <p:nvPicPr>
+          <p:cNvPr id="43013" name="Picture 5"/>
+          <p:cNvPicPr>
+            <a:picLocks noChangeAspect="1" noChangeArrowheads="1"/>
+          </p:cNvPicPr>
+          <p:nvPr/>
+        </p:nvPicPr>
+        <p:blipFill>
+          <a:blip r:embed="rId4" cstate="print"/>
+          <a:srcRect/>
+          <a:stretch>
+            <a:fillRect/>
+          </a:stretch>
+        </p:blipFill>
+        <p:spPr bwMode="auto">
+          <a:xfrm>
+            <a:off x="761010" y="4941168"/>
+            <a:ext cx="7621979" cy="1440160"/>
+          </a:xfrm>
+          <a:prstGeom prst="rect">
+            <a:avLst/>
+          </a:prstGeom>
+          <a:noFill/>
+          <a:ln w="9525">
+            <a:noFill/>
+            <a:miter lim="800000"/>
+            <a:headEnd/>
+            <a:tailEnd/>
+          </a:ln>
+        </p:spPr>
+      </p:pic>
     </p:spTree>
   </p:cSld>
   <p:clrMapOvr>

--- a/src/main/resources/Dasar-Dasar Pemograman Java.pptx
+++ b/src/main/resources/Dasar-Dasar Pemograman Java.pptx
@@ -5,7 +5,7 @@
     <p:sldMasterId id="2147483648" r:id="rId1"/>
   </p:sldMasterIdLst>
   <p:notesMasterIdLst>
-    <p:notesMasterId r:id="rId32"/>
+    <p:notesMasterId r:id="rId44"/>
   </p:notesMasterIdLst>
   <p:sldIdLst>
     <p:sldId id="256" r:id="rId2"/>
@@ -17,27 +17,39 @@
     <p:sldId id="262" r:id="rId8"/>
     <p:sldId id="271" r:id="rId9"/>
     <p:sldId id="263" r:id="rId10"/>
-    <p:sldId id="264" r:id="rId11"/>
-    <p:sldId id="265" r:id="rId12"/>
-    <p:sldId id="267" r:id="rId13"/>
-    <p:sldId id="268" r:id="rId14"/>
-    <p:sldId id="269" r:id="rId15"/>
-    <p:sldId id="270" r:id="rId16"/>
-    <p:sldId id="266" r:id="rId17"/>
-    <p:sldId id="272" r:id="rId18"/>
-    <p:sldId id="273" r:id="rId19"/>
-    <p:sldId id="275" r:id="rId20"/>
-    <p:sldId id="276" r:id="rId21"/>
-    <p:sldId id="277" r:id="rId22"/>
-    <p:sldId id="278" r:id="rId23"/>
-    <p:sldId id="274" r:id="rId24"/>
-    <p:sldId id="279" r:id="rId25"/>
-    <p:sldId id="280" r:id="rId26"/>
-    <p:sldId id="281" r:id="rId27"/>
-    <p:sldId id="282" r:id="rId28"/>
-    <p:sldId id="283" r:id="rId29"/>
-    <p:sldId id="284" r:id="rId30"/>
-    <p:sldId id="285" r:id="rId31"/>
+    <p:sldId id="290" r:id="rId11"/>
+    <p:sldId id="291" r:id="rId12"/>
+    <p:sldId id="292" r:id="rId13"/>
+    <p:sldId id="293" r:id="rId14"/>
+    <p:sldId id="294" r:id="rId15"/>
+    <p:sldId id="264" r:id="rId16"/>
+    <p:sldId id="265" r:id="rId17"/>
+    <p:sldId id="267" r:id="rId18"/>
+    <p:sldId id="268" r:id="rId19"/>
+    <p:sldId id="269" r:id="rId20"/>
+    <p:sldId id="270" r:id="rId21"/>
+    <p:sldId id="266" r:id="rId22"/>
+    <p:sldId id="272" r:id="rId23"/>
+    <p:sldId id="273" r:id="rId24"/>
+    <p:sldId id="275" r:id="rId25"/>
+    <p:sldId id="276" r:id="rId26"/>
+    <p:sldId id="277" r:id="rId27"/>
+    <p:sldId id="278" r:id="rId28"/>
+    <p:sldId id="274" r:id="rId29"/>
+    <p:sldId id="289" r:id="rId30"/>
+    <p:sldId id="279" r:id="rId31"/>
+    <p:sldId id="280" r:id="rId32"/>
+    <p:sldId id="281" r:id="rId33"/>
+    <p:sldId id="282" r:id="rId34"/>
+    <p:sldId id="283" r:id="rId35"/>
+    <p:sldId id="284" r:id="rId36"/>
+    <p:sldId id="285" r:id="rId37"/>
+    <p:sldId id="286" r:id="rId38"/>
+    <p:sldId id="287" r:id="rId39"/>
+    <p:sldId id="288" r:id="rId40"/>
+    <p:sldId id="295" r:id="rId41"/>
+    <p:sldId id="297" r:id="rId42"/>
+    <p:sldId id="296" r:id="rId43"/>
   </p:sldIdLst>
   <p:sldSz cx="9144000" cy="6858000" type="screen4x3"/>
   <p:notesSz cx="6858000" cy="9144000"/>
@@ -553,7 +565,7 @@
           <a:p>
             <a:fld id="{55D898C7-636F-4D31-9783-AF32676114F7}" type="slidenum">
               <a:rPr lang="en-US" smtClean="0"/>
-              <a:t>24</a:t>
+              <a:t>30</a:t>
             </a:fld>
             <a:endParaRPr lang="en-US"/>
           </a:p>
@@ -634,7 +646,7 @@
           <a:p>
             <a:fld id="{55D898C7-636F-4D31-9783-AF32676114F7}" type="slidenum">
               <a:rPr lang="en-US" smtClean="0"/>
-              <a:t>25</a:t>
+              <a:t>31</a:t>
             </a:fld>
             <a:endParaRPr lang="en-US"/>
           </a:p>
@@ -715,7 +727,354 @@
           <a:p>
             <a:fld id="{55D898C7-636F-4D31-9783-AF32676114F7}" type="slidenum">
               <a:rPr lang="en-US" smtClean="0"/>
-              <a:t>28</a:t>
+              <a:t>34</a:t>
+            </a:fld>
+            <a:endParaRPr lang="en-US"/>
+          </a:p>
+        </p:txBody>
+      </p:sp>
+    </p:spTree>
+  </p:cSld>
+  <p:clrMapOvr>
+    <a:masterClrMapping/>
+  </p:clrMapOvr>
+</p:notes>
+</file>
+
+<file path=ppt/notesSlides/notesSlide4.xml><?xml version="1.0" encoding="utf-8"?>
+<p:notes xmlns:a="http://schemas.openxmlformats.org/drawingml/2006/main" xmlns:r="http://schemas.openxmlformats.org/officeDocument/2006/relationships" xmlns:p="http://schemas.openxmlformats.org/presentationml/2006/main">
+  <p:cSld>
+    <p:spTree>
+      <p:nvGrpSpPr>
+        <p:cNvPr id="1" name=""/>
+        <p:cNvGrpSpPr/>
+        <p:nvPr/>
+      </p:nvGrpSpPr>
+      <p:grpSpPr>
+        <a:xfrm>
+          <a:off x="0" y="0"/>
+          <a:ext cx="0" cy="0"/>
+          <a:chOff x="0" y="0"/>
+          <a:chExt cx="0" cy="0"/>
+        </a:xfrm>
+      </p:grpSpPr>
+      <p:sp>
+        <p:nvSpPr>
+          <p:cNvPr id="2" name="Slide Image Placeholder 1"/>
+          <p:cNvSpPr>
+            <a:spLocks noGrp="1" noRot="1" noChangeAspect="1"/>
+          </p:cNvSpPr>
+          <p:nvPr>
+            <p:ph type="sldImg"/>
+          </p:nvPr>
+        </p:nvSpPr>
+        <p:spPr/>
+      </p:sp>
+      <p:sp>
+        <p:nvSpPr>
+          <p:cNvPr id="3" name="Notes Placeholder 2"/>
+          <p:cNvSpPr>
+            <a:spLocks noGrp="1"/>
+          </p:cNvSpPr>
+          <p:nvPr>
+            <p:ph type="body" idx="1"/>
+          </p:nvPr>
+        </p:nvSpPr>
+        <p:spPr/>
+        <p:txBody>
+          <a:bodyPr>
+            <a:normAutofit/>
+          </a:bodyPr>
+          <a:lstStyle/>
+          <a:p>
+            <a:r>
+              <a:rPr lang="en-US" dirty="0" smtClean="0"/>
+              <a:t>Unchecked exceptions: represent defects in the program (bugs) - often invalid arguments passed to a non-private method. To quote from </a:t>
+            </a:r>
+            <a:r>
+              <a:rPr lang="en-US" i="1" dirty="0" smtClean="0"/>
+              <a:t>The Java Programming Language</a:t>
+            </a:r>
+            <a:r>
+              <a:rPr lang="en-US" dirty="0" smtClean="0"/>
+              <a:t>, by Gosling, Arnold, and Holmes: "Unchecked runtime exceptions represent conditions that, generally speaking, reflect errors in your program's logic and cannot be reasonably recovered from at run time." </a:t>
+            </a:r>
+          </a:p>
+          <a:p>
+            <a:r>
+              <a:rPr lang="en-US" dirty="0" smtClean="0"/>
+              <a:t>are subclasses of </a:t>
+            </a:r>
+            <a:r>
+              <a:rPr lang="en-US" dirty="0" err="1" smtClean="0">
+                <a:hlinkClick r:id="rId3"/>
+              </a:rPr>
+              <a:t>RuntimeException</a:t>
+            </a:r>
+            <a:r>
+              <a:rPr lang="en-US" dirty="0" smtClean="0"/>
+              <a:t>, and are usually implemented using </a:t>
+            </a:r>
+            <a:r>
+              <a:rPr lang="en-US" dirty="0" err="1" smtClean="0">
+                <a:hlinkClick r:id="rId4"/>
+              </a:rPr>
+              <a:t>IllegalArgumentException</a:t>
+            </a:r>
+            <a:r>
+              <a:rPr lang="en-US" dirty="0" smtClean="0"/>
+              <a:t>, </a:t>
+            </a:r>
+            <a:r>
+              <a:rPr lang="en-US" dirty="0" err="1" smtClean="0">
+                <a:hlinkClick r:id="rId5"/>
+              </a:rPr>
+              <a:t>NullPointerException</a:t>
+            </a:r>
+            <a:r>
+              <a:rPr lang="en-US" dirty="0" smtClean="0"/>
+              <a:t>, or </a:t>
+            </a:r>
+            <a:r>
+              <a:rPr lang="en-US" dirty="0" err="1" smtClean="0">
+                <a:hlinkClick r:id="rId6"/>
+              </a:rPr>
+              <a:t>IllegalStateException</a:t>
+            </a:r>
+            <a:endParaRPr lang="en-US" dirty="0" smtClean="0"/>
+          </a:p>
+          <a:p>
+            <a:r>
+              <a:rPr lang="en-US" dirty="0" smtClean="0"/>
+              <a:t>a method is </a:t>
+            </a:r>
+            <a:r>
+              <a:rPr lang="en-US" i="1" dirty="0" smtClean="0"/>
+              <a:t>not</a:t>
+            </a:r>
+            <a:r>
+              <a:rPr lang="en-US" dirty="0" smtClean="0"/>
+              <a:t> obliged to establish a policy for the unchecked exceptions thrown by its implementation (and they almost always do not do so)</a:t>
+            </a:r>
+          </a:p>
+          <a:p>
+            <a:r>
+              <a:rPr lang="en-US" dirty="0" smtClean="0"/>
+              <a:t>Checked exceptions: represent invalid conditions in areas outside the immediate control of the program (invalid user input, database problems, network outages, absent files)</a:t>
+            </a:r>
+          </a:p>
+          <a:p>
+            <a:r>
+              <a:rPr lang="en-US" dirty="0" smtClean="0"/>
+              <a:t>are subclasses of </a:t>
+            </a:r>
+            <a:r>
+              <a:rPr lang="en-US" dirty="0" smtClean="0">
+                <a:hlinkClick r:id="rId7"/>
+              </a:rPr>
+              <a:t>Exception</a:t>
+            </a:r>
+            <a:endParaRPr lang="en-US" dirty="0" smtClean="0"/>
+          </a:p>
+          <a:p>
+            <a:r>
+              <a:rPr lang="en-US" dirty="0" smtClean="0"/>
+              <a:t>a method is </a:t>
+            </a:r>
+            <a:r>
+              <a:rPr lang="en-US" i="1" dirty="0" smtClean="0"/>
+              <a:t>obliged</a:t>
+            </a:r>
+            <a:r>
+              <a:rPr lang="en-US" dirty="0" smtClean="0"/>
+              <a:t> to establish a policy for all checked exceptions thrown by its implementation (either pass the checked exception further up the stack, or handle it somehow)</a:t>
+            </a:r>
+          </a:p>
+          <a:p>
+            <a:endParaRPr lang="en-US" dirty="0"/>
+          </a:p>
+        </p:txBody>
+      </p:sp>
+      <p:sp>
+        <p:nvSpPr>
+          <p:cNvPr id="4" name="Slide Number Placeholder 3"/>
+          <p:cNvSpPr>
+            <a:spLocks noGrp="1"/>
+          </p:cNvSpPr>
+          <p:nvPr>
+            <p:ph type="sldNum" sz="quarter" idx="10"/>
+          </p:nvPr>
+        </p:nvSpPr>
+        <p:spPr/>
+        <p:txBody>
+          <a:bodyPr/>
+          <a:lstStyle/>
+          <a:p>
+            <a:fld id="{55D898C7-636F-4D31-9783-AF32676114F7}" type="slidenum">
+              <a:rPr lang="en-US" smtClean="0"/>
+              <a:t>35</a:t>
+            </a:fld>
+            <a:endParaRPr lang="en-US"/>
+          </a:p>
+        </p:txBody>
+      </p:sp>
+    </p:spTree>
+  </p:cSld>
+  <p:clrMapOvr>
+    <a:masterClrMapping/>
+  </p:clrMapOvr>
+</p:notes>
+</file>
+
+<file path=ppt/notesSlides/notesSlide5.xml><?xml version="1.0" encoding="utf-8"?>
+<p:notes xmlns:a="http://schemas.openxmlformats.org/drawingml/2006/main" xmlns:r="http://schemas.openxmlformats.org/officeDocument/2006/relationships" xmlns:p="http://schemas.openxmlformats.org/presentationml/2006/main">
+  <p:cSld>
+    <p:spTree>
+      <p:nvGrpSpPr>
+        <p:cNvPr id="1" name=""/>
+        <p:cNvGrpSpPr/>
+        <p:nvPr/>
+      </p:nvGrpSpPr>
+      <p:grpSpPr>
+        <a:xfrm>
+          <a:off x="0" y="0"/>
+          <a:ext cx="0" cy="0"/>
+          <a:chOff x="0" y="0"/>
+          <a:chExt cx="0" cy="0"/>
+        </a:xfrm>
+      </p:grpSpPr>
+      <p:sp>
+        <p:nvSpPr>
+          <p:cNvPr id="2" name="Slide Image Placeholder 1"/>
+          <p:cNvSpPr>
+            <a:spLocks noGrp="1" noRot="1" noChangeAspect="1"/>
+          </p:cNvSpPr>
+          <p:nvPr>
+            <p:ph type="sldImg"/>
+          </p:nvPr>
+        </p:nvSpPr>
+        <p:spPr/>
+      </p:sp>
+      <p:sp>
+        <p:nvSpPr>
+          <p:cNvPr id="3" name="Notes Placeholder 2"/>
+          <p:cNvSpPr>
+            <a:spLocks noGrp="1"/>
+          </p:cNvSpPr>
+          <p:nvPr>
+            <p:ph type="body" idx="1"/>
+          </p:nvPr>
+        </p:nvSpPr>
+        <p:spPr/>
+        <p:txBody>
+          <a:bodyPr>
+            <a:normAutofit/>
+          </a:bodyPr>
+          <a:lstStyle/>
+          <a:p>
+            <a:endParaRPr lang="en-US" dirty="0"/>
+          </a:p>
+        </p:txBody>
+      </p:sp>
+      <p:sp>
+        <p:nvSpPr>
+          <p:cNvPr id="4" name="Slide Number Placeholder 3"/>
+          <p:cNvSpPr>
+            <a:spLocks noGrp="1"/>
+          </p:cNvSpPr>
+          <p:nvPr>
+            <p:ph type="sldNum" sz="quarter" idx="10"/>
+          </p:nvPr>
+        </p:nvSpPr>
+        <p:spPr/>
+        <p:txBody>
+          <a:bodyPr/>
+          <a:lstStyle/>
+          <a:p>
+            <a:fld id="{55D898C7-636F-4D31-9783-AF32676114F7}" type="slidenum">
+              <a:rPr lang="en-US" smtClean="0"/>
+              <a:t>38</a:t>
+            </a:fld>
+            <a:endParaRPr lang="en-US"/>
+          </a:p>
+        </p:txBody>
+      </p:sp>
+    </p:spTree>
+  </p:cSld>
+  <p:clrMapOvr>
+    <a:masterClrMapping/>
+  </p:clrMapOvr>
+</p:notes>
+</file>
+
+<file path=ppt/notesSlides/notesSlide6.xml><?xml version="1.0" encoding="utf-8"?>
+<p:notes xmlns:a="http://schemas.openxmlformats.org/drawingml/2006/main" xmlns:r="http://schemas.openxmlformats.org/officeDocument/2006/relationships" xmlns:p="http://schemas.openxmlformats.org/presentationml/2006/main">
+  <p:cSld>
+    <p:spTree>
+      <p:nvGrpSpPr>
+        <p:cNvPr id="1" name=""/>
+        <p:cNvGrpSpPr/>
+        <p:nvPr/>
+      </p:nvGrpSpPr>
+      <p:grpSpPr>
+        <a:xfrm>
+          <a:off x="0" y="0"/>
+          <a:ext cx="0" cy="0"/>
+          <a:chOff x="0" y="0"/>
+          <a:chExt cx="0" cy="0"/>
+        </a:xfrm>
+      </p:grpSpPr>
+      <p:sp>
+        <p:nvSpPr>
+          <p:cNvPr id="2" name="Slide Image Placeholder 1"/>
+          <p:cNvSpPr>
+            <a:spLocks noGrp="1" noRot="1" noChangeAspect="1"/>
+          </p:cNvSpPr>
+          <p:nvPr>
+            <p:ph type="sldImg"/>
+          </p:nvPr>
+        </p:nvSpPr>
+        <p:spPr/>
+      </p:sp>
+      <p:sp>
+        <p:nvSpPr>
+          <p:cNvPr id="3" name="Notes Placeholder 2"/>
+          <p:cNvSpPr>
+            <a:spLocks noGrp="1"/>
+          </p:cNvSpPr>
+          <p:nvPr>
+            <p:ph type="body" idx="1"/>
+          </p:nvPr>
+        </p:nvSpPr>
+        <p:spPr/>
+        <p:txBody>
+          <a:bodyPr>
+            <a:normAutofit/>
+          </a:bodyPr>
+          <a:lstStyle/>
+          <a:p>
+            <a:endParaRPr lang="en-US" dirty="0"/>
+          </a:p>
+        </p:txBody>
+      </p:sp>
+      <p:sp>
+        <p:nvSpPr>
+          <p:cNvPr id="4" name="Slide Number Placeholder 3"/>
+          <p:cNvSpPr>
+            <a:spLocks noGrp="1"/>
+          </p:cNvSpPr>
+          <p:nvPr>
+            <p:ph type="sldNum" sz="quarter" idx="10"/>
+          </p:nvPr>
+        </p:nvSpPr>
+        <p:spPr/>
+        <p:txBody>
+          <a:bodyPr/>
+          <a:lstStyle/>
+          <a:p>
+            <a:fld id="{55D898C7-636F-4D31-9783-AF32676114F7}" type="slidenum">
+              <a:rPr lang="en-US" smtClean="0"/>
+              <a:t>39</a:t>
             </a:fld>
             <a:endParaRPr lang="en-US"/>
           </a:p>
@@ -3756,53 +4115,44 @@
           <a:p>
             <a:r>
               <a:rPr lang="en-US" dirty="0" smtClean="0"/>
-              <a:t>Type?</a:t>
+              <a:t>Statement</a:t>
             </a:r>
             <a:endParaRPr lang="en-US" dirty="0"/>
           </a:p>
         </p:txBody>
       </p:sp>
-      <p:sp>
-        <p:nvSpPr>
-          <p:cNvPr id="3" name="Content Placeholder 2"/>
-          <p:cNvSpPr>
-            <a:spLocks noGrp="1"/>
-          </p:cNvSpPr>
-          <p:nvPr>
-            <p:ph idx="1"/>
-          </p:nvPr>
-        </p:nvSpPr>
-        <p:spPr/>
-        <p:txBody>
-          <a:bodyPr/>
-          <a:lstStyle/>
-          <a:p>
-            <a:r>
-              <a:rPr lang="en-US" dirty="0" smtClean="0"/>
-              <a:t>Variable</a:t>
-            </a:r>
-          </a:p>
-          <a:p>
-            <a:r>
-              <a:rPr lang="en-US" dirty="0" smtClean="0"/>
-              <a:t>Argument</a:t>
-            </a:r>
-          </a:p>
-          <a:p>
-            <a:r>
-              <a:rPr lang="en-US" dirty="0" smtClean="0"/>
-              <a:t>Return Type</a:t>
-            </a:r>
-          </a:p>
-          <a:p>
-            <a:r>
-              <a:rPr lang="en-US" dirty="0" smtClean="0"/>
-              <a:t>Operation</a:t>
-            </a:r>
-            <a:endParaRPr lang="en-US" dirty="0"/>
-          </a:p>
-        </p:txBody>
-      </p:sp>
+      <p:pic>
+        <p:nvPicPr>
+          <p:cNvPr id="54275" name="Picture 3"/>
+          <p:cNvPicPr>
+            <a:picLocks noChangeAspect="1" noChangeArrowheads="1"/>
+          </p:cNvPicPr>
+          <p:nvPr/>
+        </p:nvPicPr>
+        <p:blipFill>
+          <a:blip r:embed="rId2" cstate="print"/>
+          <a:srcRect/>
+          <a:stretch>
+            <a:fillRect/>
+          </a:stretch>
+        </p:blipFill>
+        <p:spPr bwMode="auto">
+          <a:xfrm>
+            <a:off x="1259632" y="1059619"/>
+            <a:ext cx="6624736" cy="5798381"/>
+          </a:xfrm>
+          <a:prstGeom prst="rect">
+            <a:avLst/>
+          </a:prstGeom>
+          <a:noFill/>
+          <a:ln w="9525">
+            <a:noFill/>
+            <a:miter lim="800000"/>
+            <a:headEnd/>
+            <a:tailEnd/>
+          </a:ln>
+        </p:spPr>
+      </p:pic>
     </p:spTree>
   </p:cSld>
   <p:clrMapOvr>
@@ -3844,99 +4194,149 @@
           <a:lstStyle/>
           <a:p>
             <a:r>
-              <a:rPr lang="en-US" dirty="0" smtClean="0"/>
-              <a:t>Primitive Type</a:t>
+              <a:rPr lang="en-US" dirty="0" err="1" smtClean="0"/>
+              <a:t>Deklarasi</a:t>
+            </a:r>
+            <a:r>
+              <a:rPr lang="en-US" baseline="0" dirty="0" smtClean="0"/>
+              <a:t> </a:t>
+            </a:r>
+            <a:r>
+              <a:rPr lang="en-US" baseline="0" dirty="0" err="1" smtClean="0"/>
+              <a:t>Variabel</a:t>
             </a:r>
             <a:endParaRPr lang="en-US" dirty="0"/>
           </a:p>
         </p:txBody>
       </p:sp>
-      <p:sp>
-        <p:nvSpPr>
-          <p:cNvPr id="3" name="Content Placeholder 2"/>
-          <p:cNvSpPr>
-            <a:spLocks noGrp="1"/>
-          </p:cNvSpPr>
-          <p:nvPr>
-            <p:ph idx="1"/>
-          </p:nvPr>
-        </p:nvSpPr>
-        <p:spPr/>
-        <p:txBody>
-          <a:bodyPr/>
-          <a:lstStyle/>
-          <a:p>
-            <a:r>
-              <a:rPr lang="en-US" dirty="0" err="1" smtClean="0"/>
-              <a:t>Nama</a:t>
-            </a:r>
-            <a:r>
-              <a:rPr lang="en-US" dirty="0" smtClean="0"/>
-              <a:t> Type </a:t>
-            </a:r>
-            <a:r>
-              <a:rPr lang="en-US" dirty="0" err="1"/>
-              <a:t>b</a:t>
-            </a:r>
-            <a:r>
-              <a:rPr lang="en-US" dirty="0" err="1" smtClean="0"/>
-              <a:t>agian</a:t>
-            </a:r>
-            <a:r>
-              <a:rPr lang="en-US" dirty="0" smtClean="0"/>
-              <a:t> </a:t>
-            </a:r>
-            <a:r>
-              <a:rPr lang="en-US" dirty="0" err="1" smtClean="0"/>
-              <a:t>dari</a:t>
-            </a:r>
-            <a:r>
-              <a:rPr lang="en-US" dirty="0" smtClean="0"/>
-              <a:t> keyword/reserved word</a:t>
-            </a:r>
-          </a:p>
-          <a:p>
-            <a:r>
-              <a:rPr lang="en-US" dirty="0" smtClean="0"/>
-              <a:t>Pass by value</a:t>
-            </a:r>
-          </a:p>
-          <a:p>
-            <a:r>
-              <a:rPr lang="en-US" dirty="0" err="1" smtClean="0"/>
-              <a:t>operasi</a:t>
-            </a:r>
-            <a:r>
-              <a:rPr lang="en-US" dirty="0" smtClean="0"/>
-              <a:t> </a:t>
-            </a:r>
-            <a:r>
-              <a:rPr lang="en-US" dirty="0" err="1" smtClean="0"/>
-              <a:t>terdefinisi</a:t>
-            </a:r>
-            <a:r>
-              <a:rPr lang="en-US" dirty="0" smtClean="0"/>
-              <a:t> </a:t>
-            </a:r>
-            <a:r>
-              <a:rPr lang="en-US" dirty="0" err="1" smtClean="0"/>
-              <a:t>di</a:t>
-            </a:r>
-            <a:r>
-              <a:rPr lang="en-US" dirty="0" smtClean="0"/>
-              <a:t> java </a:t>
-            </a:r>
-            <a:r>
-              <a:rPr lang="en-US" dirty="0" err="1" smtClean="0"/>
-              <a:t>dan</a:t>
-            </a:r>
-            <a:r>
-              <a:rPr lang="en-US" dirty="0" smtClean="0"/>
-              <a:t> final.</a:t>
-            </a:r>
-          </a:p>
-        </p:txBody>
-      </p:sp>
+      <p:pic>
+        <p:nvPicPr>
+          <p:cNvPr id="55298" name="Picture 2"/>
+          <p:cNvPicPr>
+            <a:picLocks noChangeAspect="1" noChangeArrowheads="1"/>
+          </p:cNvPicPr>
+          <p:nvPr/>
+        </p:nvPicPr>
+        <p:blipFill>
+          <a:blip r:embed="rId2" cstate="print"/>
+          <a:srcRect/>
+          <a:stretch>
+            <a:fillRect/>
+          </a:stretch>
+        </p:blipFill>
+        <p:spPr bwMode="auto">
+          <a:xfrm>
+            <a:off x="971600" y="1268760"/>
+            <a:ext cx="5747548" cy="1296144"/>
+          </a:xfrm>
+          <a:prstGeom prst="rect">
+            <a:avLst/>
+          </a:prstGeom>
+          <a:noFill/>
+          <a:ln w="9525">
+            <a:noFill/>
+            <a:miter lim="800000"/>
+            <a:headEnd/>
+            <a:tailEnd/>
+          </a:ln>
+        </p:spPr>
+      </p:pic>
+      <p:pic>
+        <p:nvPicPr>
+          <p:cNvPr id="55299" name="Picture 3"/>
+          <p:cNvPicPr>
+            <a:picLocks noChangeAspect="1" noChangeArrowheads="1"/>
+          </p:cNvPicPr>
+          <p:nvPr/>
+        </p:nvPicPr>
+        <p:blipFill>
+          <a:blip r:embed="rId3" cstate="print"/>
+          <a:srcRect/>
+          <a:stretch>
+            <a:fillRect/>
+          </a:stretch>
+        </p:blipFill>
+        <p:spPr bwMode="auto">
+          <a:xfrm>
+            <a:off x="539552" y="2780927"/>
+            <a:ext cx="2304256" cy="3635861"/>
+          </a:xfrm>
+          <a:prstGeom prst="rect">
+            <a:avLst/>
+          </a:prstGeom>
+          <a:noFill/>
+          <a:ln w="9525">
+            <a:noFill/>
+            <a:miter lim="800000"/>
+            <a:headEnd/>
+            <a:tailEnd/>
+          </a:ln>
+        </p:spPr>
+      </p:pic>
+      <p:pic>
+        <p:nvPicPr>
+          <p:cNvPr id="55300" name="Picture 4"/>
+          <p:cNvPicPr>
+            <a:picLocks noChangeAspect="1" noChangeArrowheads="1"/>
+          </p:cNvPicPr>
+          <p:nvPr/>
+        </p:nvPicPr>
+        <p:blipFill>
+          <a:blip r:embed="rId4" cstate="print"/>
+          <a:srcRect/>
+          <a:stretch>
+            <a:fillRect/>
+          </a:stretch>
+        </p:blipFill>
+        <p:spPr bwMode="auto">
+          <a:xfrm>
+            <a:off x="3635896" y="3095625"/>
+            <a:ext cx="4352925" cy="666750"/>
+          </a:xfrm>
+          <a:prstGeom prst="rect">
+            <a:avLst/>
+          </a:prstGeom>
+          <a:noFill/>
+          <a:ln w="9525">
+            <a:noFill/>
+            <a:miter lim="800000"/>
+            <a:headEnd/>
+            <a:tailEnd/>
+          </a:ln>
+        </p:spPr>
+      </p:pic>
+      <p:pic>
+        <p:nvPicPr>
+          <p:cNvPr id="55301" name="Picture 5"/>
+          <p:cNvPicPr>
+            <a:picLocks noChangeAspect="1" noChangeArrowheads="1"/>
+          </p:cNvPicPr>
+          <p:nvPr/>
+        </p:nvPicPr>
+        <p:blipFill>
+          <a:blip r:embed="rId5" cstate="print"/>
+          <a:srcRect/>
+          <a:stretch>
+            <a:fillRect/>
+          </a:stretch>
+        </p:blipFill>
+        <p:spPr bwMode="auto">
+          <a:xfrm>
+            <a:off x="3707904" y="4005064"/>
+            <a:ext cx="3867150" cy="1200150"/>
+          </a:xfrm>
+          <a:prstGeom prst="rect">
+            <a:avLst/>
+          </a:prstGeom>
+          <a:noFill/>
+          <a:ln w="9525">
+            <a:noFill/>
+            <a:miter lim="800000"/>
+            <a:headEnd/>
+            <a:tailEnd/>
+          </a:ln>
+        </p:spPr>
+      </p:pic>
     </p:spTree>
   </p:cSld>
   <p:clrMapOvr>
@@ -3946,6 +4346,646 @@
 </file>
 
 <file path=ppt/slides/slide12.xml><?xml version="1.0" encoding="utf-8"?>
+<p:sld xmlns:a="http://schemas.openxmlformats.org/drawingml/2006/main" xmlns:r="http://schemas.openxmlformats.org/officeDocument/2006/relationships" xmlns:p="http://schemas.openxmlformats.org/presentationml/2006/main">
+  <p:cSld>
+    <p:spTree>
+      <p:nvGrpSpPr>
+        <p:cNvPr id="1" name=""/>
+        <p:cNvGrpSpPr/>
+        <p:nvPr/>
+      </p:nvGrpSpPr>
+      <p:grpSpPr>
+        <a:xfrm>
+          <a:off x="0" y="0"/>
+          <a:ext cx="0" cy="0"/>
+          <a:chOff x="0" y="0"/>
+          <a:chExt cx="0" cy="0"/>
+        </a:xfrm>
+      </p:grpSpPr>
+      <p:sp>
+        <p:nvSpPr>
+          <p:cNvPr id="2" name="Title 1"/>
+          <p:cNvSpPr>
+            <a:spLocks noGrp="1"/>
+          </p:cNvSpPr>
+          <p:nvPr>
+            <p:ph type="title"/>
+          </p:nvPr>
+        </p:nvSpPr>
+        <p:spPr/>
+        <p:txBody>
+          <a:bodyPr/>
+          <a:lstStyle/>
+          <a:p>
+            <a:r>
+              <a:rPr lang="en-US" dirty="0" smtClean="0"/>
+              <a:t>Identifier</a:t>
+            </a:r>
+            <a:endParaRPr lang="en-US" dirty="0"/>
+          </a:p>
+        </p:txBody>
+      </p:sp>
+      <p:sp>
+        <p:nvSpPr>
+          <p:cNvPr id="3" name="Rectangle 2"/>
+          <p:cNvSpPr/>
+          <p:nvPr/>
+        </p:nvSpPr>
+        <p:spPr>
+          <a:xfrm>
+            <a:off x="395536" y="1700808"/>
+            <a:ext cx="8496944" cy="3970318"/>
+          </a:xfrm>
+          <a:prstGeom prst="rect">
+            <a:avLst/>
+          </a:prstGeom>
+        </p:spPr>
+        <p:txBody>
+          <a:bodyPr wrap="square">
+            <a:spAutoFit/>
+          </a:bodyPr>
+          <a:lstStyle/>
+          <a:p>
+            <a:r>
+              <a:rPr lang="en-US" b="1" dirty="0" smtClean="0"/>
+              <a:t>Identifier</a:t>
+            </a:r>
+            <a:r>
+              <a:rPr lang="en-US" dirty="0" smtClean="0"/>
+              <a:t>:</a:t>
+            </a:r>
+          </a:p>
+          <a:p>
+            <a:r>
+              <a:rPr lang="en-US" dirty="0" err="1" smtClean="0">
+                <a:hlinkClick r:id="rId2" tooltip="IdentifierChars"/>
+              </a:rPr>
+              <a:t>IdentifierChars</a:t>
+            </a:r>
+            <a:r>
+              <a:rPr lang="en-US" dirty="0" smtClean="0"/>
+              <a:t> but not a </a:t>
+            </a:r>
+            <a:r>
+              <a:rPr lang="en-US" dirty="0" smtClean="0">
+                <a:hlinkClick r:id="rId2" tooltip="Keyword"/>
+              </a:rPr>
+              <a:t>Keyword</a:t>
+            </a:r>
+            <a:r>
+              <a:rPr lang="en-US" dirty="0" smtClean="0"/>
+              <a:t> or </a:t>
+            </a:r>
+            <a:r>
+              <a:rPr lang="en-US" dirty="0" err="1" smtClean="0">
+                <a:hlinkClick r:id="rId2" tooltip="BooleanLiteral"/>
+              </a:rPr>
+              <a:t>BooleanLiteral</a:t>
+            </a:r>
+            <a:r>
+              <a:rPr lang="en-US" dirty="0" smtClean="0"/>
+              <a:t> or </a:t>
+            </a:r>
+            <a:r>
+              <a:rPr lang="en-US" dirty="0" err="1" smtClean="0">
+                <a:hlinkClick r:id="rId2" tooltip="NullLiteral"/>
+              </a:rPr>
+              <a:t>NullLiteral</a:t>
+            </a:r>
+            <a:r>
+              <a:rPr lang="en-US" dirty="0" smtClean="0"/>
+              <a:t> </a:t>
+            </a:r>
+          </a:p>
+          <a:p>
+            <a:r>
+              <a:rPr lang="en-US" b="1" dirty="0" err="1" smtClean="0"/>
+              <a:t>IdentifierChars</a:t>
+            </a:r>
+            <a:r>
+              <a:rPr lang="en-US" dirty="0" smtClean="0"/>
+              <a:t>:</a:t>
+            </a:r>
+          </a:p>
+          <a:p>
+            <a:r>
+              <a:rPr lang="en-US" dirty="0" err="1" smtClean="0">
+                <a:hlinkClick r:id="rId2" tooltip="JavaLetter"/>
+              </a:rPr>
+              <a:t>JavaLetter</a:t>
+            </a:r>
+            <a:r>
+              <a:rPr lang="en-US" dirty="0" smtClean="0"/>
+              <a:t> {</a:t>
+            </a:r>
+            <a:r>
+              <a:rPr lang="en-US" dirty="0" err="1" smtClean="0">
+                <a:hlinkClick r:id="rId2" tooltip="JavaLetterOrDigit"/>
+              </a:rPr>
+              <a:t>JavaLetterOrDigit</a:t>
+            </a:r>
+            <a:r>
+              <a:rPr lang="en-US" dirty="0" smtClean="0"/>
+              <a:t>} </a:t>
+            </a:r>
+          </a:p>
+          <a:p>
+            <a:r>
+              <a:rPr lang="en-US" b="1" dirty="0" err="1" smtClean="0"/>
+              <a:t>JavaLetter</a:t>
+            </a:r>
+            <a:r>
+              <a:rPr lang="en-US" dirty="0" smtClean="0"/>
+              <a:t>:</a:t>
+            </a:r>
+          </a:p>
+          <a:p>
+            <a:r>
+              <a:rPr lang="en-US" dirty="0" smtClean="0"/>
+              <a:t>any Unicode character that is a "Java letter" </a:t>
+            </a:r>
+          </a:p>
+          <a:p>
+            <a:r>
+              <a:rPr lang="en-US" b="1" dirty="0" err="1" smtClean="0"/>
+              <a:t>JavaLetterOrDigit</a:t>
+            </a:r>
+            <a:r>
+              <a:rPr lang="en-US" dirty="0" smtClean="0"/>
+              <a:t>:</a:t>
+            </a:r>
+          </a:p>
+          <a:p>
+            <a:r>
+              <a:rPr lang="en-US" dirty="0" smtClean="0"/>
+              <a:t>any Unicode character that is a "Java letter-or-digit" </a:t>
+            </a:r>
+          </a:p>
+          <a:p>
+            <a:r>
+              <a:rPr lang="en-US" b="1" dirty="0" err="1" smtClean="0"/>
+              <a:t>BooleanLiteral</a:t>
+            </a:r>
+            <a:r>
+              <a:rPr lang="en-US" dirty="0" smtClean="0"/>
+              <a:t>:</a:t>
+            </a:r>
+          </a:p>
+          <a:p>
+            <a:r>
+              <a:rPr lang="en-US" dirty="0" smtClean="0"/>
+              <a:t>(one of) </a:t>
+            </a:r>
+            <a:br>
+              <a:rPr lang="en-US" dirty="0" smtClean="0"/>
+            </a:br>
+            <a:r>
+              <a:rPr lang="en-US" dirty="0" smtClean="0"/>
+              <a:t>true false </a:t>
+            </a:r>
+          </a:p>
+          <a:p>
+            <a:r>
+              <a:rPr lang="en-US" b="1" dirty="0" err="1" smtClean="0"/>
+              <a:t>NullLiteral</a:t>
+            </a:r>
+            <a:r>
+              <a:rPr lang="en-US" dirty="0" smtClean="0"/>
+              <a:t>:</a:t>
+            </a:r>
+          </a:p>
+          <a:p>
+            <a:r>
+              <a:rPr lang="en-US" dirty="0" smtClean="0"/>
+              <a:t>null</a:t>
+            </a:r>
+          </a:p>
+          <a:p>
+            <a:endParaRPr lang="en-US" dirty="0"/>
+          </a:p>
+        </p:txBody>
+      </p:sp>
+    </p:spTree>
+  </p:cSld>
+  <p:clrMapOvr>
+    <a:masterClrMapping/>
+  </p:clrMapOvr>
+</p:sld>
+</file>
+
+<file path=ppt/slides/slide13.xml><?xml version="1.0" encoding="utf-8"?>
+<p:sld xmlns:a="http://schemas.openxmlformats.org/drawingml/2006/main" xmlns:r="http://schemas.openxmlformats.org/officeDocument/2006/relationships" xmlns:p="http://schemas.openxmlformats.org/presentationml/2006/main">
+  <p:cSld>
+    <p:spTree>
+      <p:nvGrpSpPr>
+        <p:cNvPr id="1" name=""/>
+        <p:cNvGrpSpPr/>
+        <p:nvPr/>
+      </p:nvGrpSpPr>
+      <p:grpSpPr>
+        <a:xfrm>
+          <a:off x="0" y="0"/>
+          <a:ext cx="0" cy="0"/>
+          <a:chOff x="0" y="0"/>
+          <a:chExt cx="0" cy="0"/>
+        </a:xfrm>
+      </p:grpSpPr>
+      <p:sp>
+        <p:nvSpPr>
+          <p:cNvPr id="2" name="Title 1"/>
+          <p:cNvSpPr>
+            <a:spLocks noGrp="1"/>
+          </p:cNvSpPr>
+          <p:nvPr>
+            <p:ph type="title"/>
+          </p:nvPr>
+        </p:nvSpPr>
+        <p:spPr/>
+        <p:txBody>
+          <a:bodyPr/>
+          <a:lstStyle/>
+          <a:p>
+            <a:r>
+              <a:rPr lang="en-US" dirty="0" smtClean="0"/>
+              <a:t>Literal</a:t>
+            </a:r>
+            <a:endParaRPr lang="en-US" dirty="0"/>
+          </a:p>
+        </p:txBody>
+      </p:sp>
+      <p:sp>
+        <p:nvSpPr>
+          <p:cNvPr id="4" name="Content Placeholder 3"/>
+          <p:cNvSpPr>
+            <a:spLocks noGrp="1"/>
+          </p:cNvSpPr>
+          <p:nvPr>
+            <p:ph idx="1"/>
+          </p:nvPr>
+        </p:nvSpPr>
+        <p:spPr/>
+        <p:txBody>
+          <a:bodyPr/>
+          <a:lstStyle/>
+          <a:p>
+            <a:r>
+              <a:rPr lang="en-US" dirty="0" err="1" smtClean="0"/>
+              <a:t>IntegerLiteral</a:t>
+            </a:r>
+            <a:endParaRPr lang="en-US" dirty="0" smtClean="0"/>
+          </a:p>
+          <a:p>
+            <a:r>
+              <a:rPr lang="en-US" dirty="0" err="1" smtClean="0"/>
+              <a:t>FloatingPointLiteral</a:t>
+            </a:r>
+            <a:endParaRPr lang="en-US" dirty="0" smtClean="0"/>
+          </a:p>
+          <a:p>
+            <a:r>
+              <a:rPr lang="en-US" dirty="0" err="1" smtClean="0"/>
+              <a:t>BooleanLiteral</a:t>
+            </a:r>
+            <a:endParaRPr lang="en-US" dirty="0" smtClean="0"/>
+          </a:p>
+          <a:p>
+            <a:r>
+              <a:rPr lang="en-US" dirty="0" err="1" smtClean="0"/>
+              <a:t>CharacterLiteral</a:t>
+            </a:r>
+            <a:endParaRPr lang="en-US" dirty="0" smtClean="0"/>
+          </a:p>
+          <a:p>
+            <a:r>
+              <a:rPr lang="en-US" dirty="0" err="1" smtClean="0"/>
+              <a:t>StringLiteral</a:t>
+            </a:r>
+            <a:endParaRPr lang="en-US" dirty="0" smtClean="0"/>
+          </a:p>
+          <a:p>
+            <a:r>
+              <a:rPr lang="en-US" dirty="0" err="1" smtClean="0"/>
+              <a:t>NullLiteral</a:t>
+            </a:r>
+            <a:r>
+              <a:rPr lang="en-US" dirty="0" smtClean="0"/>
+              <a:t> </a:t>
+            </a:r>
+          </a:p>
+        </p:txBody>
+      </p:sp>
+    </p:spTree>
+  </p:cSld>
+  <p:clrMapOvr>
+    <a:masterClrMapping/>
+  </p:clrMapOvr>
+</p:sld>
+</file>
+
+<file path=ppt/slides/slide14.xml><?xml version="1.0" encoding="utf-8"?>
+<p:sld xmlns:a="http://schemas.openxmlformats.org/drawingml/2006/main" xmlns:r="http://schemas.openxmlformats.org/officeDocument/2006/relationships" xmlns:p="http://schemas.openxmlformats.org/presentationml/2006/main">
+  <p:cSld>
+    <p:spTree>
+      <p:nvGrpSpPr>
+        <p:cNvPr id="1" name=""/>
+        <p:cNvGrpSpPr/>
+        <p:nvPr/>
+      </p:nvGrpSpPr>
+      <p:grpSpPr>
+        <a:xfrm>
+          <a:off x="0" y="0"/>
+          <a:ext cx="0" cy="0"/>
+          <a:chOff x="0" y="0"/>
+          <a:chExt cx="0" cy="0"/>
+        </a:xfrm>
+      </p:grpSpPr>
+      <p:sp>
+        <p:nvSpPr>
+          <p:cNvPr id="2" name="Title 1"/>
+          <p:cNvSpPr>
+            <a:spLocks noGrp="1"/>
+          </p:cNvSpPr>
+          <p:nvPr>
+            <p:ph type="title"/>
+          </p:nvPr>
+        </p:nvSpPr>
+        <p:spPr/>
+        <p:txBody>
+          <a:bodyPr/>
+          <a:lstStyle/>
+          <a:p>
+            <a:r>
+              <a:rPr lang="en-US" dirty="0" err="1" smtClean="0"/>
+              <a:t>Ekpresi</a:t>
+            </a:r>
+            <a:endParaRPr lang="en-US" dirty="0"/>
+          </a:p>
+        </p:txBody>
+      </p:sp>
+      <p:pic>
+        <p:nvPicPr>
+          <p:cNvPr id="56322" name="Picture 2"/>
+          <p:cNvPicPr>
+            <a:picLocks noChangeAspect="1" noChangeArrowheads="1"/>
+          </p:cNvPicPr>
+          <p:nvPr/>
+        </p:nvPicPr>
+        <p:blipFill>
+          <a:blip r:embed="rId2" cstate="print"/>
+          <a:srcRect/>
+          <a:stretch>
+            <a:fillRect/>
+          </a:stretch>
+        </p:blipFill>
+        <p:spPr bwMode="auto">
+          <a:xfrm>
+            <a:off x="1619672" y="1162050"/>
+            <a:ext cx="5343103" cy="5695950"/>
+          </a:xfrm>
+          <a:prstGeom prst="rect">
+            <a:avLst/>
+          </a:prstGeom>
+          <a:noFill/>
+          <a:ln w="9525">
+            <a:noFill/>
+            <a:miter lim="800000"/>
+            <a:headEnd/>
+            <a:tailEnd/>
+          </a:ln>
+        </p:spPr>
+      </p:pic>
+    </p:spTree>
+  </p:cSld>
+  <p:clrMapOvr>
+    <a:masterClrMapping/>
+  </p:clrMapOvr>
+</p:sld>
+</file>
+
+<file path=ppt/slides/slide15.xml><?xml version="1.0" encoding="utf-8"?>
+<p:sld xmlns:a="http://schemas.openxmlformats.org/drawingml/2006/main" xmlns:r="http://schemas.openxmlformats.org/officeDocument/2006/relationships" xmlns:p="http://schemas.openxmlformats.org/presentationml/2006/main">
+  <p:cSld>
+    <p:spTree>
+      <p:nvGrpSpPr>
+        <p:cNvPr id="1" name=""/>
+        <p:cNvGrpSpPr/>
+        <p:nvPr/>
+      </p:nvGrpSpPr>
+      <p:grpSpPr>
+        <a:xfrm>
+          <a:off x="0" y="0"/>
+          <a:ext cx="0" cy="0"/>
+          <a:chOff x="0" y="0"/>
+          <a:chExt cx="0" cy="0"/>
+        </a:xfrm>
+      </p:grpSpPr>
+      <p:sp>
+        <p:nvSpPr>
+          <p:cNvPr id="2" name="Title 1"/>
+          <p:cNvSpPr>
+            <a:spLocks noGrp="1"/>
+          </p:cNvSpPr>
+          <p:nvPr>
+            <p:ph type="title"/>
+          </p:nvPr>
+        </p:nvSpPr>
+        <p:spPr/>
+        <p:txBody>
+          <a:bodyPr/>
+          <a:lstStyle/>
+          <a:p>
+            <a:r>
+              <a:rPr lang="en-US" dirty="0" smtClean="0"/>
+              <a:t>Type?</a:t>
+            </a:r>
+            <a:endParaRPr lang="en-US" dirty="0"/>
+          </a:p>
+        </p:txBody>
+      </p:sp>
+      <p:sp>
+        <p:nvSpPr>
+          <p:cNvPr id="3" name="Content Placeholder 2"/>
+          <p:cNvSpPr>
+            <a:spLocks noGrp="1"/>
+          </p:cNvSpPr>
+          <p:nvPr>
+            <p:ph idx="1"/>
+          </p:nvPr>
+        </p:nvSpPr>
+        <p:spPr/>
+        <p:txBody>
+          <a:bodyPr/>
+          <a:lstStyle/>
+          <a:p>
+            <a:r>
+              <a:rPr lang="en-US" dirty="0" smtClean="0"/>
+              <a:t>Variable</a:t>
+            </a:r>
+          </a:p>
+          <a:p>
+            <a:r>
+              <a:rPr lang="en-US" dirty="0" smtClean="0"/>
+              <a:t>Argument</a:t>
+            </a:r>
+          </a:p>
+          <a:p>
+            <a:r>
+              <a:rPr lang="en-US" dirty="0" smtClean="0"/>
+              <a:t>Return Type</a:t>
+            </a:r>
+          </a:p>
+          <a:p>
+            <a:r>
+              <a:rPr lang="en-US" dirty="0" smtClean="0"/>
+              <a:t>Operation</a:t>
+            </a:r>
+            <a:endParaRPr lang="en-US" dirty="0"/>
+          </a:p>
+        </p:txBody>
+      </p:sp>
+    </p:spTree>
+  </p:cSld>
+  <p:clrMapOvr>
+    <a:masterClrMapping/>
+  </p:clrMapOvr>
+</p:sld>
+</file>
+
+<file path=ppt/slides/slide16.xml><?xml version="1.0" encoding="utf-8"?>
+<p:sld xmlns:a="http://schemas.openxmlformats.org/drawingml/2006/main" xmlns:r="http://schemas.openxmlformats.org/officeDocument/2006/relationships" xmlns:p="http://schemas.openxmlformats.org/presentationml/2006/main">
+  <p:cSld>
+    <p:spTree>
+      <p:nvGrpSpPr>
+        <p:cNvPr id="1" name=""/>
+        <p:cNvGrpSpPr/>
+        <p:nvPr/>
+      </p:nvGrpSpPr>
+      <p:grpSpPr>
+        <a:xfrm>
+          <a:off x="0" y="0"/>
+          <a:ext cx="0" cy="0"/>
+          <a:chOff x="0" y="0"/>
+          <a:chExt cx="0" cy="0"/>
+        </a:xfrm>
+      </p:grpSpPr>
+      <p:sp>
+        <p:nvSpPr>
+          <p:cNvPr id="2" name="Title 1"/>
+          <p:cNvSpPr>
+            <a:spLocks noGrp="1"/>
+          </p:cNvSpPr>
+          <p:nvPr>
+            <p:ph type="title"/>
+          </p:nvPr>
+        </p:nvSpPr>
+        <p:spPr/>
+        <p:txBody>
+          <a:bodyPr/>
+          <a:lstStyle/>
+          <a:p>
+            <a:r>
+              <a:rPr lang="en-US" dirty="0" smtClean="0"/>
+              <a:t>Primitive Type</a:t>
+            </a:r>
+            <a:endParaRPr lang="en-US" dirty="0"/>
+          </a:p>
+        </p:txBody>
+      </p:sp>
+      <p:sp>
+        <p:nvSpPr>
+          <p:cNvPr id="3" name="Content Placeholder 2"/>
+          <p:cNvSpPr>
+            <a:spLocks noGrp="1"/>
+          </p:cNvSpPr>
+          <p:nvPr>
+            <p:ph idx="1"/>
+          </p:nvPr>
+        </p:nvSpPr>
+        <p:spPr/>
+        <p:txBody>
+          <a:bodyPr/>
+          <a:lstStyle/>
+          <a:p>
+            <a:r>
+              <a:rPr lang="en-US" dirty="0" err="1" smtClean="0"/>
+              <a:t>Nama</a:t>
+            </a:r>
+            <a:r>
+              <a:rPr lang="en-US" dirty="0" smtClean="0"/>
+              <a:t> Type </a:t>
+            </a:r>
+            <a:r>
+              <a:rPr lang="en-US" dirty="0" err="1"/>
+              <a:t>b</a:t>
+            </a:r>
+            <a:r>
+              <a:rPr lang="en-US" dirty="0" err="1" smtClean="0"/>
+              <a:t>agian</a:t>
+            </a:r>
+            <a:r>
+              <a:rPr lang="en-US" dirty="0" smtClean="0"/>
+              <a:t> </a:t>
+            </a:r>
+            <a:r>
+              <a:rPr lang="en-US" dirty="0" err="1" smtClean="0"/>
+              <a:t>dari</a:t>
+            </a:r>
+            <a:r>
+              <a:rPr lang="en-US" dirty="0" smtClean="0"/>
+              <a:t> keyword/reserved word</a:t>
+            </a:r>
+          </a:p>
+          <a:p>
+            <a:r>
+              <a:rPr lang="en-US" dirty="0" smtClean="0"/>
+              <a:t>Pass by value</a:t>
+            </a:r>
+          </a:p>
+          <a:p>
+            <a:r>
+              <a:rPr lang="en-US" dirty="0" err="1" smtClean="0"/>
+              <a:t>operasi</a:t>
+            </a:r>
+            <a:r>
+              <a:rPr lang="en-US" dirty="0" smtClean="0"/>
+              <a:t> </a:t>
+            </a:r>
+            <a:r>
+              <a:rPr lang="en-US" dirty="0" err="1" smtClean="0"/>
+              <a:t>terdefinisi</a:t>
+            </a:r>
+            <a:r>
+              <a:rPr lang="en-US" dirty="0" smtClean="0"/>
+              <a:t> </a:t>
+            </a:r>
+            <a:r>
+              <a:rPr lang="en-US" dirty="0" err="1" smtClean="0"/>
+              <a:t>di</a:t>
+            </a:r>
+            <a:r>
+              <a:rPr lang="en-US" dirty="0" smtClean="0"/>
+              <a:t> java </a:t>
+            </a:r>
+            <a:r>
+              <a:rPr lang="en-US" dirty="0" err="1" smtClean="0"/>
+              <a:t>dan</a:t>
+            </a:r>
+            <a:r>
+              <a:rPr lang="en-US" dirty="0" smtClean="0"/>
+              <a:t> final.</a:t>
+            </a:r>
+          </a:p>
+        </p:txBody>
+      </p:sp>
+    </p:spTree>
+  </p:cSld>
+  <p:clrMapOvr>
+    <a:masterClrMapping/>
+  </p:clrMapOvr>
+</p:sld>
+</file>
+
+<file path=ppt/slides/slide17.xml><?xml version="1.0" encoding="utf-8"?>
 <p:sld xmlns:a="http://schemas.openxmlformats.org/drawingml/2006/main" xmlns:r="http://schemas.openxmlformats.org/officeDocument/2006/relationships" xmlns:p="http://schemas.openxmlformats.org/presentationml/2006/main">
   <p:cSld>
     <p:spTree>
@@ -4033,7 +5073,7 @@
 </p:sld>
 </file>
 
-<file path=ppt/slides/slide13.xml><?xml version="1.0" encoding="utf-8"?>
+<file path=ppt/slides/slide18.xml><?xml version="1.0" encoding="utf-8"?>
 <p:sld xmlns:a="http://schemas.openxmlformats.org/drawingml/2006/main" xmlns:r="http://schemas.openxmlformats.org/officeDocument/2006/relationships" xmlns:p="http://schemas.openxmlformats.org/presentationml/2006/main">
   <p:cSld>
     <p:spTree>
@@ -4274,7 +5314,7 @@
 </p:sld>
 </file>
 
-<file path=ppt/slides/slide14.xml><?xml version="1.0" encoding="utf-8"?>
+<file path=ppt/slides/slide19.xml><?xml version="1.0" encoding="utf-8"?>
 <p:sld xmlns:a="http://schemas.openxmlformats.org/drawingml/2006/main" xmlns:r="http://schemas.openxmlformats.org/officeDocument/2006/relationships" xmlns:p="http://schemas.openxmlformats.org/presentationml/2006/main">
   <p:cSld>
     <p:spTree>
@@ -4635,7 +5675,7 @@
 </p:sld>
 </file>
 
-<file path=ppt/slides/slide15.xml><?xml version="1.0" encoding="utf-8"?>
+<file path=ppt/slides/slide2.xml><?xml version="1.0" encoding="utf-8"?>
 <p:sld xmlns:a="http://schemas.openxmlformats.org/drawingml/2006/main" xmlns:r="http://schemas.openxmlformats.org/officeDocument/2006/relationships" xmlns:p="http://schemas.openxmlformats.org/presentationml/2006/main">
   <p:cSld>
     <p:spTree>
@@ -4669,7 +5709,7 @@
           <a:p>
             <a:r>
               <a:rPr lang="en-US" dirty="0" smtClean="0"/>
-              <a:t>Primitive Type (wrapper)</a:t>
+              <a:t>Java?</a:t>
             </a:r>
             <a:endParaRPr lang="en-US" dirty="0"/>
           </a:p>
@@ -4677,278 +5717,20 @@
       </p:sp>
       <p:sp>
         <p:nvSpPr>
-          <p:cNvPr id="7" name="Content Placeholder 6"/>
-          <p:cNvSpPr>
-            <a:spLocks noGrp="1"/>
-          </p:cNvSpPr>
-          <p:nvPr>
-            <p:ph idx="1"/>
-          </p:nvPr>
-        </p:nvSpPr>
-        <p:spPr/>
-        <p:txBody>
-          <a:bodyPr>
-            <a:normAutofit fontScale="85000" lnSpcReduction="20000"/>
-          </a:bodyPr>
-          <a:lstStyle/>
-          <a:p>
-            <a:r>
-              <a:rPr lang="en-US" dirty="0" err="1" smtClean="0"/>
-              <a:t>Setiap</a:t>
-            </a:r>
-            <a:r>
-              <a:rPr lang="en-US" dirty="0" smtClean="0"/>
-              <a:t> primitive type </a:t>
-            </a:r>
-            <a:r>
-              <a:rPr lang="en-US" dirty="0" err="1" smtClean="0"/>
-              <a:t>memiliki</a:t>
-            </a:r>
-            <a:r>
-              <a:rPr lang="en-US" dirty="0" smtClean="0"/>
-              <a:t> </a:t>
-            </a:r>
-            <a:r>
-              <a:rPr lang="en-US" dirty="0" err="1" smtClean="0"/>
-              <a:t>padanan</a:t>
-            </a:r>
-            <a:r>
-              <a:rPr lang="en-US" dirty="0" smtClean="0"/>
-              <a:t> Reference Type </a:t>
-            </a:r>
-            <a:r>
-              <a:rPr lang="en-US" dirty="0" err="1" smtClean="0"/>
-              <a:t>yg</a:t>
-            </a:r>
-            <a:r>
-              <a:rPr lang="en-US" dirty="0" smtClean="0"/>
-              <a:t> </a:t>
-            </a:r>
-            <a:r>
-              <a:rPr lang="en-US" dirty="0" err="1" smtClean="0"/>
-              <a:t>berperan</a:t>
-            </a:r>
-            <a:r>
-              <a:rPr lang="en-US" dirty="0" smtClean="0"/>
-              <a:t> </a:t>
-            </a:r>
-            <a:r>
-              <a:rPr lang="en-US" dirty="0" err="1" smtClean="0"/>
-              <a:t>memberikan</a:t>
-            </a:r>
-            <a:r>
-              <a:rPr lang="en-US" dirty="0" smtClean="0"/>
-              <a:t> fitur2 </a:t>
-            </a:r>
-            <a:r>
-              <a:rPr lang="en-US" dirty="0" err="1" smtClean="0"/>
-              <a:t>tambahan</a:t>
-            </a:r>
-            <a:r>
-              <a:rPr lang="en-US" dirty="0" smtClean="0"/>
-              <a:t>.</a:t>
-            </a:r>
-          </a:p>
-          <a:p>
-            <a:pPr lvl="1"/>
-            <a:r>
-              <a:rPr lang="en-US" dirty="0" err="1" smtClean="0"/>
-              <a:t>boolean</a:t>
-            </a:r>
-            <a:r>
-              <a:rPr lang="en-US" dirty="0" smtClean="0"/>
-              <a:t> </a:t>
-            </a:r>
-            <a:r>
-              <a:rPr lang="en-US" dirty="0" smtClean="0">
-                <a:sym typeface="Wingdings" pitchFamily="2" charset="2"/>
-              </a:rPr>
-              <a:t></a:t>
-            </a:r>
-            <a:r>
-              <a:rPr lang="en-US" dirty="0" smtClean="0"/>
-              <a:t> Boolean</a:t>
-            </a:r>
-          </a:p>
-          <a:p>
-            <a:pPr lvl="1"/>
-            <a:r>
-              <a:rPr lang="en-US" dirty="0"/>
-              <a:t>b</a:t>
-            </a:r>
-            <a:r>
-              <a:rPr lang="en-US" dirty="0" smtClean="0"/>
-              <a:t>yte </a:t>
-            </a:r>
-            <a:r>
-              <a:rPr lang="en-US" dirty="0" smtClean="0">
-                <a:sym typeface="Wingdings" pitchFamily="2" charset="2"/>
-              </a:rPr>
-              <a:t> Byte</a:t>
-            </a:r>
-          </a:p>
-          <a:p>
-            <a:pPr lvl="1"/>
-            <a:r>
-              <a:rPr lang="en-US" dirty="0" smtClean="0">
-                <a:sym typeface="Wingdings" pitchFamily="2" charset="2"/>
-              </a:rPr>
-              <a:t>short  Short</a:t>
-            </a:r>
-          </a:p>
-          <a:p>
-            <a:pPr lvl="1"/>
-            <a:r>
-              <a:rPr lang="en-US" dirty="0" smtClean="0">
-                <a:sym typeface="Wingdings" pitchFamily="2" charset="2"/>
-              </a:rPr>
-              <a:t>char  Character</a:t>
-            </a:r>
-            <a:endParaRPr lang="en-US" dirty="0" smtClean="0"/>
-          </a:p>
-          <a:p>
-            <a:pPr lvl="1"/>
-            <a:r>
-              <a:rPr lang="en-US" dirty="0" err="1" smtClean="0"/>
-              <a:t>int</a:t>
-            </a:r>
-            <a:r>
-              <a:rPr lang="en-US" dirty="0" smtClean="0"/>
-              <a:t> </a:t>
-            </a:r>
-            <a:r>
-              <a:rPr lang="en-US" dirty="0" smtClean="0">
-                <a:sym typeface="Wingdings" pitchFamily="2" charset="2"/>
-              </a:rPr>
-              <a:t></a:t>
-            </a:r>
-            <a:r>
-              <a:rPr lang="en-US" dirty="0" smtClean="0"/>
-              <a:t> Integer</a:t>
-            </a:r>
-          </a:p>
-          <a:p>
-            <a:pPr lvl="1"/>
-            <a:r>
-              <a:rPr lang="en-US" dirty="0" smtClean="0"/>
-              <a:t>long </a:t>
-            </a:r>
-            <a:r>
-              <a:rPr lang="en-US" dirty="0" smtClean="0">
-                <a:sym typeface="Wingdings" pitchFamily="2" charset="2"/>
-              </a:rPr>
-              <a:t></a:t>
-            </a:r>
-            <a:r>
-              <a:rPr lang="en-US" dirty="0" smtClean="0"/>
-              <a:t> Long</a:t>
-            </a:r>
-          </a:p>
-          <a:p>
-            <a:pPr lvl="1"/>
-            <a:r>
-              <a:rPr lang="en-US" dirty="0"/>
-              <a:t>f</a:t>
-            </a:r>
-            <a:r>
-              <a:rPr lang="en-US" dirty="0" smtClean="0"/>
-              <a:t>loat </a:t>
-            </a:r>
-            <a:r>
-              <a:rPr lang="en-US" dirty="0" smtClean="0">
-                <a:sym typeface="Wingdings" pitchFamily="2" charset="2"/>
-              </a:rPr>
-              <a:t> Float</a:t>
-            </a:r>
-          </a:p>
-          <a:p>
-            <a:pPr lvl="1"/>
-            <a:r>
-              <a:rPr lang="en-US" dirty="0" smtClean="0">
-                <a:sym typeface="Wingdings" pitchFamily="2" charset="2"/>
-              </a:rPr>
-              <a:t>double  Double</a:t>
-            </a:r>
-          </a:p>
-          <a:p>
-            <a:r>
-              <a:rPr lang="en-US" dirty="0" smtClean="0"/>
-              <a:t>Boxing = </a:t>
-            </a:r>
-            <a:r>
-              <a:rPr lang="en-US" dirty="0" err="1" smtClean="0"/>
-              <a:t>perubahan</a:t>
-            </a:r>
-            <a:r>
-              <a:rPr lang="en-US" dirty="0" smtClean="0"/>
-              <a:t> </a:t>
-            </a:r>
-            <a:r>
-              <a:rPr lang="en-US" dirty="0" err="1" smtClean="0"/>
-              <a:t>dari</a:t>
-            </a:r>
-            <a:r>
-              <a:rPr lang="en-US" dirty="0" smtClean="0"/>
-              <a:t> primitive </a:t>
-            </a:r>
-            <a:r>
-              <a:rPr lang="en-US" dirty="0" err="1" smtClean="0"/>
-              <a:t>ke</a:t>
-            </a:r>
-            <a:r>
-              <a:rPr lang="en-US" dirty="0" smtClean="0"/>
-              <a:t> reference </a:t>
-            </a:r>
-            <a:r>
-              <a:rPr lang="en-US" dirty="0"/>
-              <a:t>t</a:t>
-            </a:r>
-            <a:r>
-              <a:rPr lang="en-US" dirty="0" smtClean="0"/>
-              <a:t>ype</a:t>
-            </a:r>
-          </a:p>
-          <a:p>
-            <a:r>
-              <a:rPr lang="en-US" dirty="0" err="1" smtClean="0"/>
-              <a:t>Unboxing</a:t>
-            </a:r>
-            <a:r>
-              <a:rPr lang="en-US" dirty="0" smtClean="0"/>
-              <a:t> = </a:t>
-            </a:r>
-            <a:r>
-              <a:rPr lang="en-US" dirty="0" err="1" smtClean="0"/>
-              <a:t>perubahan</a:t>
-            </a:r>
-            <a:r>
-              <a:rPr lang="en-US" dirty="0" smtClean="0"/>
-              <a:t> </a:t>
-            </a:r>
-            <a:r>
-              <a:rPr lang="en-US" dirty="0" err="1" smtClean="0"/>
-              <a:t>dari</a:t>
-            </a:r>
-            <a:r>
-              <a:rPr lang="en-US" dirty="0" smtClean="0"/>
-              <a:t> reference </a:t>
-            </a:r>
-            <a:r>
-              <a:rPr lang="en-US" dirty="0"/>
-              <a:t>t</a:t>
-            </a:r>
-            <a:r>
-              <a:rPr lang="en-US" dirty="0" smtClean="0"/>
-              <a:t>ype </a:t>
-            </a:r>
-            <a:r>
-              <a:rPr lang="en-US" dirty="0" err="1" smtClean="0"/>
-              <a:t>ke</a:t>
-            </a:r>
-            <a:r>
-              <a:rPr lang="en-US" dirty="0" smtClean="0"/>
-              <a:t> primitive</a:t>
-            </a:r>
+          <p:cNvPr id="4" name="Text Placeholder 3"/>
+          <p:cNvSpPr>
+            <a:spLocks noGrp="1"/>
+          </p:cNvSpPr>
+          <p:nvPr>
+            <p:ph type="body" idx="1"/>
+          </p:nvPr>
+        </p:nvSpPr>
+        <p:spPr/>
+        <p:txBody>
+          <a:bodyPr/>
+          <a:lstStyle/>
+          <a:p>
+            <a:endParaRPr lang="en-US"/>
           </a:p>
         </p:txBody>
       </p:sp>
@@ -4960,7 +5742,7 @@
 </p:sld>
 </file>
 
-<file path=ppt/slides/slide16.xml><?xml version="1.0" encoding="utf-8"?>
+<file path=ppt/slides/slide20.xml><?xml version="1.0" encoding="utf-8"?>
 <p:sld xmlns:a="http://schemas.openxmlformats.org/drawingml/2006/main" xmlns:r="http://schemas.openxmlformats.org/officeDocument/2006/relationships" xmlns:p="http://schemas.openxmlformats.org/presentationml/2006/main">
   <p:cSld>
     <p:spTree>
@@ -4994,7 +5776,7 @@
           <a:p>
             <a:r>
               <a:rPr lang="en-US" dirty="0" smtClean="0"/>
-              <a:t>Reference Type</a:t>
+              <a:t>Primitive Type (wrapper)</a:t>
             </a:r>
             <a:endParaRPr lang="en-US" dirty="0"/>
           </a:p>
@@ -5002,7 +5784,7 @@
       </p:sp>
       <p:sp>
         <p:nvSpPr>
-          <p:cNvPr id="3" name="Content Placeholder 2"/>
+          <p:cNvPr id="7" name="Content Placeholder 6"/>
           <p:cNvSpPr>
             <a:spLocks noGrp="1"/>
           </p:cNvSpPr>
@@ -5012,20 +5794,22 @@
         </p:nvSpPr>
         <p:spPr/>
         <p:txBody>
-          <a:bodyPr/>
-          <a:lstStyle/>
-          <a:p>
-            <a:r>
-              <a:rPr lang="en-US" dirty="0" err="1" smtClean="0"/>
-              <a:t>Nama</a:t>
-            </a:r>
-            <a:r>
-              <a:rPr lang="en-US" dirty="0" smtClean="0"/>
-              <a:t> Type </a:t>
-            </a:r>
-            <a:r>
-              <a:rPr lang="en-US" dirty="0" err="1" smtClean="0"/>
-              <a:t>sesuai</a:t>
+          <a:bodyPr>
+            <a:normAutofit fontScale="85000" lnSpcReduction="20000"/>
+          </a:bodyPr>
+          <a:lstStyle/>
+          <a:p>
+            <a:r>
+              <a:rPr lang="en-US" dirty="0" err="1" smtClean="0"/>
+              <a:t>Setiap</a:t>
+            </a:r>
+            <a:r>
+              <a:rPr lang="en-US" dirty="0" smtClean="0"/>
+              <a:t> primitive type </a:t>
+            </a:r>
+            <a:r>
+              <a:rPr lang="en-US" dirty="0" err="1" smtClean="0"/>
+              <a:t>memiliki</a:t>
             </a:r>
             <a:r>
               <a:rPr lang="en-US" dirty="0" smtClean="0"/>
@@ -5033,39 +5817,174 @@
             </a:r>
             <a:r>
               <a:rPr lang="en-US" dirty="0" err="1" smtClean="0"/>
-              <a:t>aturan</a:t>
+              <a:t>padanan</a:t>
+            </a:r>
+            <a:r>
+              <a:rPr lang="en-US" dirty="0" smtClean="0"/>
+              <a:t> Reference Type </a:t>
+            </a:r>
+            <a:r>
+              <a:rPr lang="en-US" dirty="0" err="1" smtClean="0"/>
+              <a:t>yg</a:t>
             </a:r>
             <a:r>
               <a:rPr lang="en-US" dirty="0" smtClean="0"/>
               <a:t> </a:t>
             </a:r>
             <a:r>
+              <a:rPr lang="en-US" dirty="0" err="1" smtClean="0"/>
+              <a:t>berperan</a:t>
+            </a:r>
+            <a:r>
+              <a:rPr lang="en-US" dirty="0" smtClean="0"/>
+              <a:t> </a:t>
+            </a:r>
+            <a:r>
+              <a:rPr lang="en-US" dirty="0" err="1" smtClean="0"/>
+              <a:t>memberikan</a:t>
+            </a:r>
+            <a:r>
+              <a:rPr lang="en-US" dirty="0" smtClean="0"/>
+              <a:t> fitur2 </a:t>
+            </a:r>
+            <a:r>
+              <a:rPr lang="en-US" dirty="0" err="1" smtClean="0"/>
+              <a:t>tambahan</a:t>
+            </a:r>
+            <a:r>
+              <a:rPr lang="en-US" dirty="0" smtClean="0"/>
+              <a:t>.</a:t>
+            </a:r>
+          </a:p>
+          <a:p>
+            <a:pPr lvl="1"/>
+            <a:r>
+              <a:rPr lang="en-US" dirty="0" err="1" smtClean="0"/>
+              <a:t>boolean</a:t>
+            </a:r>
+            <a:r>
+              <a:rPr lang="en-US" dirty="0" smtClean="0"/>
+              <a:t> </a:t>
+            </a:r>
+            <a:r>
+              <a:rPr lang="en-US" dirty="0" smtClean="0">
+                <a:sym typeface="Wingdings" pitchFamily="2" charset="2"/>
+              </a:rPr>
+              <a:t></a:t>
+            </a:r>
+            <a:r>
+              <a:rPr lang="en-US" dirty="0" smtClean="0"/>
+              <a:t> Boolean</a:t>
+            </a:r>
+          </a:p>
+          <a:p>
+            <a:pPr lvl="1"/>
+            <a:r>
               <a:rPr lang="en-US" dirty="0"/>
-              <a:t>i</a:t>
-            </a:r>
-            <a:r>
-              <a:rPr lang="en-US" dirty="0" smtClean="0"/>
-              <a:t>dentifier java</a:t>
-            </a:r>
-          </a:p>
-          <a:p>
-            <a:r>
-              <a:rPr lang="en-US" dirty="0" smtClean="0"/>
-              <a:t>Pass By Reference</a:t>
-            </a:r>
-          </a:p>
-          <a:p>
-            <a:r>
-              <a:rPr lang="en-US" dirty="0" err="1" smtClean="0"/>
-              <a:t>Operasi</a:t>
+              <a:t>b</a:t>
+            </a:r>
+            <a:r>
+              <a:rPr lang="en-US" dirty="0" smtClean="0"/>
+              <a:t>yte </a:t>
+            </a:r>
+            <a:r>
+              <a:rPr lang="en-US" dirty="0" smtClean="0">
+                <a:sym typeface="Wingdings" pitchFamily="2" charset="2"/>
+              </a:rPr>
+              <a:t> Byte</a:t>
+            </a:r>
+          </a:p>
+          <a:p>
+            <a:pPr lvl="1"/>
+            <a:r>
+              <a:rPr lang="en-US" dirty="0" smtClean="0">
+                <a:sym typeface="Wingdings" pitchFamily="2" charset="2"/>
+              </a:rPr>
+              <a:t>short  Short</a:t>
+            </a:r>
+          </a:p>
+          <a:p>
+            <a:pPr lvl="1"/>
+            <a:r>
+              <a:rPr lang="en-US" dirty="0" smtClean="0">
+                <a:sym typeface="Wingdings" pitchFamily="2" charset="2"/>
+              </a:rPr>
+              <a:t>char  Character</a:t>
+            </a:r>
+            <a:endParaRPr lang="en-US" dirty="0" smtClean="0"/>
+          </a:p>
+          <a:p>
+            <a:pPr lvl="1"/>
+            <a:r>
+              <a:rPr lang="en-US" dirty="0" err="1" smtClean="0"/>
+              <a:t>int</a:t>
             </a:r>
             <a:r>
               <a:rPr lang="en-US" dirty="0" smtClean="0"/>
               <a:t> </a:t>
             </a:r>
             <a:r>
-              <a:rPr lang="en-US" dirty="0" err="1" smtClean="0"/>
-              <a:t>di</a:t>
+              <a:rPr lang="en-US" dirty="0" smtClean="0">
+                <a:sym typeface="Wingdings" pitchFamily="2" charset="2"/>
+              </a:rPr>
+              <a:t></a:t>
+            </a:r>
+            <a:r>
+              <a:rPr lang="en-US" dirty="0" smtClean="0"/>
+              <a:t> Integer</a:t>
+            </a:r>
+          </a:p>
+          <a:p>
+            <a:pPr lvl="1"/>
+            <a:r>
+              <a:rPr lang="en-US" dirty="0" smtClean="0"/>
+              <a:t>long </a:t>
+            </a:r>
+            <a:r>
+              <a:rPr lang="en-US" dirty="0" smtClean="0">
+                <a:sym typeface="Wingdings" pitchFamily="2" charset="2"/>
+              </a:rPr>
+              <a:t></a:t>
+            </a:r>
+            <a:r>
+              <a:rPr lang="en-US" dirty="0" smtClean="0"/>
+              <a:t> Long</a:t>
+            </a:r>
+          </a:p>
+          <a:p>
+            <a:pPr lvl="1"/>
+            <a:r>
+              <a:rPr lang="en-US" dirty="0"/>
+              <a:t>f</a:t>
+            </a:r>
+            <a:r>
+              <a:rPr lang="en-US" dirty="0" smtClean="0"/>
+              <a:t>loat </a:t>
+            </a:r>
+            <a:r>
+              <a:rPr lang="en-US" dirty="0" smtClean="0">
+                <a:sym typeface="Wingdings" pitchFamily="2" charset="2"/>
+              </a:rPr>
+              <a:t> Float</a:t>
+            </a:r>
+          </a:p>
+          <a:p>
+            <a:pPr lvl="1"/>
+            <a:r>
+              <a:rPr lang="en-US" dirty="0" smtClean="0">
+                <a:sym typeface="Wingdings" pitchFamily="2" charset="2"/>
+              </a:rPr>
+              <a:t>double  Double</a:t>
+            </a:r>
+          </a:p>
+          <a:p>
+            <a:r>
+              <a:rPr lang="en-US" dirty="0" smtClean="0"/>
+              <a:t>Boxing = </a:t>
+            </a:r>
+            <a:r>
+              <a:rPr lang="en-US" dirty="0" err="1" smtClean="0"/>
+              <a:t>perubahan</a:t>
             </a:r>
             <a:r>
               <a:rPr lang="en-US" dirty="0" smtClean="0"/>
@@ -5073,11 +5992,69 @@
             </a:r>
             <a:r>
               <a:rPr lang="en-US" dirty="0" err="1" smtClean="0"/>
-              <a:t>definisikan</a:t>
-            </a:r>
-            <a:r>
-              <a:rPr lang="en-US" dirty="0" smtClean="0"/>
-              <a:t>.</a:t>
+              <a:t>dari</a:t>
+            </a:r>
+            <a:r>
+              <a:rPr lang="en-US" dirty="0" smtClean="0"/>
+              <a:t> primitive </a:t>
+            </a:r>
+            <a:r>
+              <a:rPr lang="en-US" dirty="0" err="1" smtClean="0"/>
+              <a:t>ke</a:t>
+            </a:r>
+            <a:r>
+              <a:rPr lang="en-US" dirty="0" smtClean="0"/>
+              <a:t> reference </a:t>
+            </a:r>
+            <a:r>
+              <a:rPr lang="en-US" dirty="0"/>
+              <a:t>t</a:t>
+            </a:r>
+            <a:r>
+              <a:rPr lang="en-US" dirty="0" smtClean="0"/>
+              <a:t>ype</a:t>
+            </a:r>
+          </a:p>
+          <a:p>
+            <a:r>
+              <a:rPr lang="en-US" dirty="0" err="1" smtClean="0"/>
+              <a:t>Unboxing</a:t>
+            </a:r>
+            <a:r>
+              <a:rPr lang="en-US" dirty="0" smtClean="0"/>
+              <a:t> = </a:t>
+            </a:r>
+            <a:r>
+              <a:rPr lang="en-US" dirty="0" err="1" smtClean="0"/>
+              <a:t>perubahan</a:t>
+            </a:r>
+            <a:r>
+              <a:rPr lang="en-US" dirty="0" smtClean="0"/>
+              <a:t> </a:t>
+            </a:r>
+            <a:r>
+              <a:rPr lang="en-US" dirty="0" err="1" smtClean="0"/>
+              <a:t>dari</a:t>
+            </a:r>
+            <a:r>
+              <a:rPr lang="en-US" dirty="0" smtClean="0"/>
+              <a:t> reference </a:t>
+            </a:r>
+            <a:r>
+              <a:rPr lang="en-US" dirty="0"/>
+              <a:t>t</a:t>
+            </a:r>
+            <a:r>
+              <a:rPr lang="en-US" dirty="0" smtClean="0"/>
+              <a:t>ype </a:t>
+            </a:r>
+            <a:r>
+              <a:rPr lang="en-US" dirty="0" err="1" smtClean="0"/>
+              <a:t>ke</a:t>
+            </a:r>
+            <a:r>
+              <a:rPr lang="en-US" dirty="0" smtClean="0"/>
+              <a:t> primitive</a:t>
             </a:r>
           </a:p>
         </p:txBody>
@@ -5090,7 +6067,137 @@
 </p:sld>
 </file>
 
-<file path=ppt/slides/slide17.xml><?xml version="1.0" encoding="utf-8"?>
+<file path=ppt/slides/slide21.xml><?xml version="1.0" encoding="utf-8"?>
+<p:sld xmlns:a="http://schemas.openxmlformats.org/drawingml/2006/main" xmlns:r="http://schemas.openxmlformats.org/officeDocument/2006/relationships" xmlns:p="http://schemas.openxmlformats.org/presentationml/2006/main">
+  <p:cSld>
+    <p:spTree>
+      <p:nvGrpSpPr>
+        <p:cNvPr id="1" name=""/>
+        <p:cNvGrpSpPr/>
+        <p:nvPr/>
+      </p:nvGrpSpPr>
+      <p:grpSpPr>
+        <a:xfrm>
+          <a:off x="0" y="0"/>
+          <a:ext cx="0" cy="0"/>
+          <a:chOff x="0" y="0"/>
+          <a:chExt cx="0" cy="0"/>
+        </a:xfrm>
+      </p:grpSpPr>
+      <p:sp>
+        <p:nvSpPr>
+          <p:cNvPr id="2" name="Title 1"/>
+          <p:cNvSpPr>
+            <a:spLocks noGrp="1"/>
+          </p:cNvSpPr>
+          <p:nvPr>
+            <p:ph type="title"/>
+          </p:nvPr>
+        </p:nvSpPr>
+        <p:spPr/>
+        <p:txBody>
+          <a:bodyPr/>
+          <a:lstStyle/>
+          <a:p>
+            <a:r>
+              <a:rPr lang="en-US" dirty="0" smtClean="0"/>
+              <a:t>Reference Type</a:t>
+            </a:r>
+            <a:endParaRPr lang="en-US" dirty="0"/>
+          </a:p>
+        </p:txBody>
+      </p:sp>
+      <p:sp>
+        <p:nvSpPr>
+          <p:cNvPr id="3" name="Content Placeholder 2"/>
+          <p:cNvSpPr>
+            <a:spLocks noGrp="1"/>
+          </p:cNvSpPr>
+          <p:nvPr>
+            <p:ph idx="1"/>
+          </p:nvPr>
+        </p:nvSpPr>
+        <p:spPr/>
+        <p:txBody>
+          <a:bodyPr/>
+          <a:lstStyle/>
+          <a:p>
+            <a:r>
+              <a:rPr lang="en-US" dirty="0" err="1" smtClean="0"/>
+              <a:t>Nama</a:t>
+            </a:r>
+            <a:r>
+              <a:rPr lang="en-US" dirty="0" smtClean="0"/>
+              <a:t> Type </a:t>
+            </a:r>
+            <a:r>
+              <a:rPr lang="en-US" dirty="0" err="1" smtClean="0"/>
+              <a:t>sesuai</a:t>
+            </a:r>
+            <a:r>
+              <a:rPr lang="en-US" dirty="0" smtClean="0"/>
+              <a:t> </a:t>
+            </a:r>
+            <a:r>
+              <a:rPr lang="en-US" dirty="0" err="1" smtClean="0"/>
+              <a:t>aturan</a:t>
+            </a:r>
+            <a:r>
+              <a:rPr lang="en-US" dirty="0" smtClean="0"/>
+              <a:t> </a:t>
+            </a:r>
+            <a:r>
+              <a:rPr lang="en-US" dirty="0"/>
+              <a:t>i</a:t>
+            </a:r>
+            <a:r>
+              <a:rPr lang="en-US" dirty="0" smtClean="0"/>
+              <a:t>dentifier java</a:t>
+            </a:r>
+          </a:p>
+          <a:p>
+            <a:r>
+              <a:rPr lang="en-US" dirty="0" smtClean="0"/>
+              <a:t>Pass By Reference</a:t>
+            </a:r>
+          </a:p>
+          <a:p>
+            <a:r>
+              <a:rPr lang="en-US" dirty="0" err="1" smtClean="0"/>
+              <a:t>Operasi</a:t>
+            </a:r>
+            <a:r>
+              <a:rPr lang="en-US" dirty="0" smtClean="0"/>
+              <a:t> </a:t>
+            </a:r>
+            <a:r>
+              <a:rPr lang="en-US" dirty="0" err="1" smtClean="0"/>
+              <a:t>di</a:t>
+            </a:r>
+            <a:r>
+              <a:rPr lang="en-US" dirty="0" smtClean="0"/>
+              <a:t> </a:t>
+            </a:r>
+            <a:r>
+              <a:rPr lang="en-US" dirty="0" err="1" smtClean="0"/>
+              <a:t>definisikan</a:t>
+            </a:r>
+            <a:r>
+              <a:rPr lang="en-US" dirty="0" smtClean="0"/>
+              <a:t>.</a:t>
+            </a:r>
+          </a:p>
+        </p:txBody>
+      </p:sp>
+    </p:spTree>
+  </p:cSld>
+  <p:clrMapOvr>
+    <a:masterClrMapping/>
+  </p:clrMapOvr>
+</p:sld>
+</file>
+
+<file path=ppt/slides/slide22.xml><?xml version="1.0" encoding="utf-8"?>
 <p:sld xmlns:a="http://schemas.openxmlformats.org/drawingml/2006/main" xmlns:r="http://schemas.openxmlformats.org/officeDocument/2006/relationships" xmlns:p="http://schemas.openxmlformats.org/presentationml/2006/main">
   <p:cSld>
     <p:spTree>
@@ -6098,7 +7205,7 @@
 </p:sld>
 </file>
 
-<file path=ppt/slides/slide18.xml><?xml version="1.0" encoding="utf-8"?>
+<file path=ppt/slides/slide23.xml><?xml version="1.0" encoding="utf-8"?>
 <p:sld xmlns:a="http://schemas.openxmlformats.org/drawingml/2006/main" xmlns:r="http://schemas.openxmlformats.org/officeDocument/2006/relationships" xmlns:p="http://schemas.openxmlformats.org/presentationml/2006/main">
   <p:cSld>
     <p:spTree>
@@ -6199,7 +7306,7 @@
 </p:sld>
 </file>
 
-<file path=ppt/slides/slide19.xml><?xml version="1.0" encoding="utf-8"?>
+<file path=ppt/slides/slide24.xml><?xml version="1.0" encoding="utf-8"?>
 <p:sld xmlns:a="http://schemas.openxmlformats.org/drawingml/2006/main" xmlns:r="http://schemas.openxmlformats.org/officeDocument/2006/relationships" xmlns:p="http://schemas.openxmlformats.org/presentationml/2006/main">
   <p:cSld>
     <p:spTree>
@@ -6279,74 +7386,7 @@
 </p:sld>
 </file>
 
-<file path=ppt/slides/slide2.xml><?xml version="1.0" encoding="utf-8"?>
-<p:sld xmlns:a="http://schemas.openxmlformats.org/drawingml/2006/main" xmlns:r="http://schemas.openxmlformats.org/officeDocument/2006/relationships" xmlns:p="http://schemas.openxmlformats.org/presentationml/2006/main">
-  <p:cSld>
-    <p:spTree>
-      <p:nvGrpSpPr>
-        <p:cNvPr id="1" name=""/>
-        <p:cNvGrpSpPr/>
-        <p:nvPr/>
-      </p:nvGrpSpPr>
-      <p:grpSpPr>
-        <a:xfrm>
-          <a:off x="0" y="0"/>
-          <a:ext cx="0" cy="0"/>
-          <a:chOff x="0" y="0"/>
-          <a:chExt cx="0" cy="0"/>
-        </a:xfrm>
-      </p:grpSpPr>
-      <p:sp>
-        <p:nvSpPr>
-          <p:cNvPr id="2" name="Title 1"/>
-          <p:cNvSpPr>
-            <a:spLocks noGrp="1"/>
-          </p:cNvSpPr>
-          <p:nvPr>
-            <p:ph type="title"/>
-          </p:nvPr>
-        </p:nvSpPr>
-        <p:spPr/>
-        <p:txBody>
-          <a:bodyPr/>
-          <a:lstStyle/>
-          <a:p>
-            <a:r>
-              <a:rPr lang="en-US" dirty="0" smtClean="0"/>
-              <a:t>Java?</a:t>
-            </a:r>
-            <a:endParaRPr lang="en-US" dirty="0"/>
-          </a:p>
-        </p:txBody>
-      </p:sp>
-      <p:sp>
-        <p:nvSpPr>
-          <p:cNvPr id="4" name="Text Placeholder 3"/>
-          <p:cNvSpPr>
-            <a:spLocks noGrp="1"/>
-          </p:cNvSpPr>
-          <p:nvPr>
-            <p:ph type="body" idx="1"/>
-          </p:nvPr>
-        </p:nvSpPr>
-        <p:spPr/>
-        <p:txBody>
-          <a:bodyPr/>
-          <a:lstStyle/>
-          <a:p>
-            <a:endParaRPr lang="en-US"/>
-          </a:p>
-        </p:txBody>
-      </p:sp>
-    </p:spTree>
-  </p:cSld>
-  <p:clrMapOvr>
-    <a:masterClrMapping/>
-  </p:clrMapOvr>
-</p:sld>
-</file>
-
-<file path=ppt/slides/slide20.xml><?xml version="1.0" encoding="utf-8"?>
+<file path=ppt/slides/slide25.xml><?xml version="1.0" encoding="utf-8"?>
 <p:sld xmlns:a="http://schemas.openxmlformats.org/drawingml/2006/main" xmlns:r="http://schemas.openxmlformats.org/officeDocument/2006/relationships" xmlns:p="http://schemas.openxmlformats.org/presentationml/2006/main">
   <p:cSld>
     <p:spTree>
@@ -6434,7 +7474,7 @@
 </p:sld>
 </file>
 
-<file path=ppt/slides/slide21.xml><?xml version="1.0" encoding="utf-8"?>
+<file path=ppt/slides/slide26.xml><?xml version="1.0" encoding="utf-8"?>
 <p:sld xmlns:a="http://schemas.openxmlformats.org/drawingml/2006/main" xmlns:r="http://schemas.openxmlformats.org/officeDocument/2006/relationships" xmlns:p="http://schemas.openxmlformats.org/presentationml/2006/main">
   <p:cSld>
     <p:spTree>
@@ -6522,7 +7562,7 @@
 </p:sld>
 </file>
 
-<file path=ppt/slides/slide22.xml><?xml version="1.0" encoding="utf-8"?>
+<file path=ppt/slides/slide27.xml><?xml version="1.0" encoding="utf-8"?>
 <p:sld xmlns:a="http://schemas.openxmlformats.org/drawingml/2006/main" xmlns:r="http://schemas.openxmlformats.org/officeDocument/2006/relationships" xmlns:p="http://schemas.openxmlformats.org/presentationml/2006/main">
   <p:cSld>
     <p:spTree>
@@ -6602,7 +7642,7 @@
 </p:sld>
 </file>
 
-<file path=ppt/slides/slide23.xml><?xml version="1.0" encoding="utf-8"?>
+<file path=ppt/slides/slide28.xml><?xml version="1.0" encoding="utf-8"?>
 <p:sld xmlns:a="http://schemas.openxmlformats.org/drawingml/2006/main" xmlns:r="http://schemas.openxmlformats.org/officeDocument/2006/relationships" xmlns:p="http://schemas.openxmlformats.org/presentationml/2006/main">
   <p:cSld>
     <p:spTree>
@@ -6682,7 +7722,7 @@
 </p:sld>
 </file>
 
-<file path=ppt/slides/slide24.xml><?xml version="1.0" encoding="utf-8"?>
+<file path=ppt/slides/slide29.xml><?xml version="1.0" encoding="utf-8"?>
 <p:sld xmlns:a="http://schemas.openxmlformats.org/drawingml/2006/main" xmlns:r="http://schemas.openxmlformats.org/officeDocument/2006/relationships" xmlns:p="http://schemas.openxmlformats.org/presentationml/2006/main">
   <p:cSld>
     <p:spTree>
@@ -6711,12 +7751,263 @@
         </p:nvSpPr>
         <p:spPr/>
         <p:txBody>
+          <a:bodyPr>
+            <a:normAutofit/>
+          </a:bodyPr>
+          <a:lstStyle/>
+          <a:p>
+            <a:r>
+              <a:rPr lang="en-US" dirty="0" smtClean="0"/>
+              <a:t>Control Flow (If-Else)</a:t>
+            </a:r>
+            <a:endParaRPr lang="en-US" dirty="0"/>
+          </a:p>
+        </p:txBody>
+      </p:sp>
+      <p:pic>
+        <p:nvPicPr>
+          <p:cNvPr id="46082" name="Picture 2"/>
+          <p:cNvPicPr>
+            <a:picLocks noChangeAspect="1" noChangeArrowheads="1"/>
+          </p:cNvPicPr>
+          <p:nvPr/>
+        </p:nvPicPr>
+        <p:blipFill>
+          <a:blip r:embed="rId2" cstate="print"/>
+          <a:srcRect/>
+          <a:stretch>
+            <a:fillRect/>
+          </a:stretch>
+        </p:blipFill>
+        <p:spPr bwMode="auto">
+          <a:xfrm>
+            <a:off x="1619672" y="1268760"/>
+            <a:ext cx="4962525" cy="828675"/>
+          </a:xfrm>
+          <a:prstGeom prst="rect">
+            <a:avLst/>
+          </a:prstGeom>
+          <a:noFill/>
+          <a:ln w="9525">
+            <a:noFill/>
+            <a:miter lim="800000"/>
+            <a:headEnd/>
+            <a:tailEnd/>
+          </a:ln>
+        </p:spPr>
+      </p:pic>
+      <p:sp>
+        <p:nvSpPr>
+          <p:cNvPr id="5" name="Rectangle 4"/>
+          <p:cNvSpPr/>
+          <p:nvPr/>
+        </p:nvSpPr>
+        <p:spPr>
+          <a:xfrm>
+            <a:off x="503548" y="5949280"/>
+            <a:ext cx="8136904" cy="369332"/>
+          </a:xfrm>
+          <a:prstGeom prst="rect">
+            <a:avLst/>
+          </a:prstGeom>
+        </p:spPr>
+        <p:txBody>
+          <a:bodyPr wrap="square">
+            <a:spAutoFit/>
+          </a:bodyPr>
+          <a:lstStyle/>
+          <a:p>
+            <a:r>
+              <a:rPr lang="en-US" dirty="0" smtClean="0"/>
+              <a:t>The Expression must have type </a:t>
+            </a:r>
+            <a:r>
+              <a:rPr lang="en-US" dirty="0" err="1" smtClean="0"/>
+              <a:t>boolean</a:t>
+            </a:r>
+            <a:r>
+              <a:rPr lang="en-US" dirty="0" smtClean="0"/>
+              <a:t> or Boolean, or a compile-time error occurs. </a:t>
+            </a:r>
+            <a:endParaRPr lang="en-US" dirty="0"/>
+          </a:p>
+        </p:txBody>
+      </p:sp>
+      <p:pic>
+        <p:nvPicPr>
+          <p:cNvPr id="46084" name="Picture 4"/>
+          <p:cNvPicPr>
+            <a:picLocks noChangeAspect="1" noChangeArrowheads="1"/>
+          </p:cNvPicPr>
+          <p:nvPr/>
+        </p:nvPicPr>
+        <p:blipFill>
+          <a:blip r:embed="rId3" cstate="print"/>
+          <a:srcRect/>
+          <a:stretch>
+            <a:fillRect/>
+          </a:stretch>
+        </p:blipFill>
+        <p:spPr bwMode="auto">
+          <a:xfrm>
+            <a:off x="611560" y="1988840"/>
+            <a:ext cx="3960440" cy="4069030"/>
+          </a:xfrm>
+          <a:prstGeom prst="rect">
+            <a:avLst/>
+          </a:prstGeom>
+          <a:noFill/>
+          <a:ln w="9525">
+            <a:noFill/>
+            <a:miter lim="800000"/>
+            <a:headEnd/>
+            <a:tailEnd/>
+          </a:ln>
+        </p:spPr>
+      </p:pic>
+      <p:pic>
+        <p:nvPicPr>
+          <p:cNvPr id="46085" name="Picture 5"/>
+          <p:cNvPicPr>
+            <a:picLocks noChangeAspect="1" noChangeArrowheads="1"/>
+          </p:cNvPicPr>
+          <p:nvPr/>
+        </p:nvPicPr>
+        <p:blipFill>
+          <a:blip r:embed="rId4" cstate="print"/>
+          <a:srcRect/>
+          <a:stretch>
+            <a:fillRect/>
+          </a:stretch>
+        </p:blipFill>
+        <p:spPr bwMode="auto">
+          <a:xfrm>
+            <a:off x="4788024" y="1988840"/>
+            <a:ext cx="3593304" cy="3941043"/>
+          </a:xfrm>
+          <a:prstGeom prst="rect">
+            <a:avLst/>
+          </a:prstGeom>
+          <a:noFill/>
+          <a:ln w="9525">
+            <a:noFill/>
+            <a:miter lim="800000"/>
+            <a:headEnd/>
+            <a:tailEnd/>
+          </a:ln>
+        </p:spPr>
+      </p:pic>
+    </p:spTree>
+  </p:cSld>
+  <p:clrMapOvr>
+    <a:masterClrMapping/>
+  </p:clrMapOvr>
+</p:sld>
+</file>
+
+<file path=ppt/slides/slide3.xml><?xml version="1.0" encoding="utf-8"?>
+<p:sld xmlns:a="http://schemas.openxmlformats.org/drawingml/2006/main" xmlns:r="http://schemas.openxmlformats.org/officeDocument/2006/relationships" xmlns:p="http://schemas.openxmlformats.org/presentationml/2006/main">
+  <p:cSld>
+    <p:spTree>
+      <p:nvGrpSpPr>
+        <p:cNvPr id="1" name=""/>
+        <p:cNvGrpSpPr/>
+        <p:nvPr/>
+      </p:nvGrpSpPr>
+      <p:grpSpPr>
+        <a:xfrm>
+          <a:off x="0" y="0"/>
+          <a:ext cx="0" cy="0"/>
+          <a:chOff x="0" y="0"/>
+          <a:chExt cx="0" cy="0"/>
+        </a:xfrm>
+      </p:grpSpPr>
+      <p:sp>
+        <p:nvSpPr>
+          <p:cNvPr id="2" name="Title 1"/>
+          <p:cNvSpPr>
+            <a:spLocks noGrp="1"/>
+          </p:cNvSpPr>
+          <p:nvPr>
+            <p:ph type="title"/>
+          </p:nvPr>
+        </p:nvSpPr>
+        <p:spPr/>
+        <p:txBody>
           <a:bodyPr/>
           <a:lstStyle/>
           <a:p>
-            <a:r>
-              <a:rPr lang="en-US" dirty="0" smtClean="0"/>
-              <a:t>Control Flow (If-Else)</a:t>
+            <a:pPr lvl="0"/>
+            <a:r>
+              <a:rPr lang="en-US" dirty="0" smtClean="0"/>
+              <a:t>JVM</a:t>
+            </a:r>
+            <a:endParaRPr lang="en-US" dirty="0"/>
+          </a:p>
+        </p:txBody>
+      </p:sp>
+      <p:sp>
+        <p:nvSpPr>
+          <p:cNvPr id="3" name="Content Placeholder 2"/>
+          <p:cNvSpPr>
+            <a:spLocks noGrp="1"/>
+          </p:cNvSpPr>
+          <p:nvPr>
+            <p:ph idx="1"/>
+          </p:nvPr>
+        </p:nvSpPr>
+        <p:spPr/>
+        <p:txBody>
+          <a:bodyPr/>
+          <a:lstStyle/>
+          <a:p>
+            <a:endParaRPr lang="en-US" dirty="0" smtClean="0"/>
+          </a:p>
+        </p:txBody>
+      </p:sp>
+    </p:spTree>
+  </p:cSld>
+  <p:clrMapOvr>
+    <a:masterClrMapping/>
+  </p:clrMapOvr>
+</p:sld>
+</file>
+
+<file path=ppt/slides/slide30.xml><?xml version="1.0" encoding="utf-8"?>
+<p:sld xmlns:a="http://schemas.openxmlformats.org/drawingml/2006/main" xmlns:r="http://schemas.openxmlformats.org/officeDocument/2006/relationships" xmlns:p="http://schemas.openxmlformats.org/presentationml/2006/main">
+  <p:cSld>
+    <p:spTree>
+      <p:nvGrpSpPr>
+        <p:cNvPr id="1" name=""/>
+        <p:cNvGrpSpPr/>
+        <p:nvPr/>
+      </p:nvGrpSpPr>
+      <p:grpSpPr>
+        <a:xfrm>
+          <a:off x="0" y="0"/>
+          <a:ext cx="0" cy="0"/>
+          <a:chOff x="0" y="0"/>
+          <a:chExt cx="0" cy="0"/>
+        </a:xfrm>
+      </p:grpSpPr>
+      <p:sp>
+        <p:nvSpPr>
+          <p:cNvPr id="2" name="Title 1"/>
+          <p:cNvSpPr>
+            <a:spLocks noGrp="1"/>
+          </p:cNvSpPr>
+          <p:nvPr>
+            <p:ph type="title"/>
+          </p:nvPr>
+        </p:nvSpPr>
+        <p:spPr/>
+        <p:txBody>
+          <a:bodyPr/>
+          <a:lstStyle/>
+          <a:p>
+            <a:r>
+              <a:rPr lang="en-US" dirty="0" smtClean="0"/>
+              <a:t>Control Flow (…If-Else)</a:t>
             </a:r>
             <a:endParaRPr lang="en-US" dirty="0"/>
           </a:p>
@@ -6762,7 +8053,7 @@
 </p:sld>
 </file>
 
-<file path=ppt/slides/slide25.xml><?xml version="1.0" encoding="utf-8"?>
+<file path=ppt/slides/slide31.xml><?xml version="1.0" encoding="utf-8"?>
 <p:sld xmlns:a="http://schemas.openxmlformats.org/drawingml/2006/main" xmlns:r="http://schemas.openxmlformats.org/officeDocument/2006/relationships" xmlns:p="http://schemas.openxmlformats.org/presentationml/2006/main">
   <p:cSld>
     <p:spTree>
@@ -6850,7 +8141,7 @@
 </p:sld>
 </file>
 
-<file path=ppt/slides/slide26.xml><?xml version="1.0" encoding="utf-8"?>
+<file path=ppt/slides/slide32.xml><?xml version="1.0" encoding="utf-8"?>
 <p:sld xmlns:a="http://schemas.openxmlformats.org/drawingml/2006/main" xmlns:r="http://schemas.openxmlformats.org/officeDocument/2006/relationships" xmlns:p="http://schemas.openxmlformats.org/presentationml/2006/main">
   <p:cSld>
     <p:spTree>
@@ -6934,7 +8225,7 @@
 </p:sld>
 </file>
 
-<file path=ppt/slides/slide27.xml><?xml version="1.0" encoding="utf-8"?>
+<file path=ppt/slides/slide33.xml><?xml version="1.0" encoding="utf-8"?>
 <p:sld xmlns:a="http://schemas.openxmlformats.org/drawingml/2006/main" xmlns:r="http://schemas.openxmlformats.org/officeDocument/2006/relationships" xmlns:p="http://schemas.openxmlformats.org/presentationml/2006/main">
   <p:cSld>
     <p:spTree>
@@ -7032,7 +8323,7 @@
 </p:sld>
 </file>
 
-<file path=ppt/slides/slide28.xml><?xml version="1.0" encoding="utf-8"?>
+<file path=ppt/slides/slide34.xml><?xml version="1.0" encoding="utf-8"?>
 <p:sld xmlns:a="http://schemas.openxmlformats.org/drawingml/2006/main" xmlns:r="http://schemas.openxmlformats.org/officeDocument/2006/relationships" xmlns:p="http://schemas.openxmlformats.org/presentationml/2006/main">
   <p:cSld>
     <p:spTree>
@@ -7144,7 +8435,7 @@
 </p:sld>
 </file>
 
-<file path=ppt/slides/slide29.xml><?xml version="1.0" encoding="utf-8"?>
+<file path=ppt/slides/slide35.xml><?xml version="1.0" encoding="utf-8"?>
 <p:sld xmlns:a="http://schemas.openxmlformats.org/drawingml/2006/main" xmlns:r="http://schemas.openxmlformats.org/officeDocument/2006/relationships" xmlns:p="http://schemas.openxmlformats.org/presentationml/2006/main">
   <p:cSld>
     <p:spTree>
@@ -7196,7 +8487,9 @@
         </p:nvSpPr>
         <p:spPr/>
         <p:txBody>
-          <a:bodyPr/>
+          <a:bodyPr>
+            <a:normAutofit fontScale="92500" lnSpcReduction="20000"/>
+          </a:bodyPr>
           <a:lstStyle/>
           <a:p>
             <a:r>
@@ -7356,8 +8649,12 @@
           </a:p>
           <a:p>
             <a:r>
-              <a:rPr lang="en-US" dirty="0" err="1" smtClean="0"/>
-              <a:t>Terdapat</a:t>
+              <a:rPr lang="en-US" dirty="0" smtClean="0"/>
+              <a:t>Java </a:t>
+            </a:r>
+            <a:r>
+              <a:rPr lang="en-US" dirty="0" err="1" smtClean="0"/>
+              <a:t>membagi</a:t>
             </a:r>
             <a:r>
               <a:rPr lang="en-US" dirty="0" smtClean="0"/>
@@ -7409,6 +8706,65 @@
               <a:rPr lang="en-US" dirty="0" smtClean="0"/>
               <a:t>)</a:t>
             </a:r>
+          </a:p>
+          <a:p>
+            <a:r>
+              <a:rPr lang="en-US" dirty="0" err="1" smtClean="0"/>
+              <a:t>Jangan</a:t>
+            </a:r>
+            <a:r>
+              <a:rPr lang="en-US" dirty="0" smtClean="0"/>
+              <a:t> </a:t>
+            </a:r>
+            <a:r>
+              <a:rPr lang="en-US" dirty="0" err="1" smtClean="0"/>
+              <a:t>gunakan</a:t>
+            </a:r>
+            <a:r>
+              <a:rPr lang="en-US" dirty="0" smtClean="0"/>
+              <a:t> exception </a:t>
+            </a:r>
+            <a:r>
+              <a:rPr lang="en-US" dirty="0" err="1" smtClean="0"/>
+              <a:t>untuk</a:t>
+            </a:r>
+            <a:r>
+              <a:rPr lang="en-US" dirty="0" smtClean="0"/>
+              <a:t> </a:t>
+            </a:r>
+            <a:r>
+              <a:rPr lang="en-US" dirty="0" err="1" smtClean="0"/>
+              <a:t>kesalahan</a:t>
+            </a:r>
+            <a:r>
+              <a:rPr lang="en-US" dirty="0" smtClean="0"/>
+              <a:t> </a:t>
+            </a:r>
+            <a:r>
+              <a:rPr lang="en-US" dirty="0" err="1" smtClean="0"/>
+              <a:t>logika</a:t>
+            </a:r>
+            <a:r>
+              <a:rPr lang="en-US" dirty="0" smtClean="0"/>
+              <a:t> </a:t>
+            </a:r>
+            <a:r>
+              <a:rPr lang="en-US" dirty="0" err="1" smtClean="0"/>
+              <a:t>bisnis</a:t>
+            </a:r>
+            <a:r>
+              <a:rPr lang="en-US" dirty="0" smtClean="0"/>
+              <a:t>/</a:t>
+            </a:r>
+            <a:r>
+              <a:rPr lang="en-US" dirty="0" err="1" smtClean="0"/>
+              <a:t>aplikasi</a:t>
+            </a:r>
+            <a:r>
+              <a:rPr lang="en-US" dirty="0" smtClean="0"/>
+              <a:t>.</a:t>
+            </a:r>
+            <a:endParaRPr lang="en-US" dirty="0" smtClean="0"/>
           </a:p>
         </p:txBody>
       </p:sp>
@@ -7420,75 +8776,7 @@
 </p:sld>
 </file>
 
-<file path=ppt/slides/slide3.xml><?xml version="1.0" encoding="utf-8"?>
-<p:sld xmlns:a="http://schemas.openxmlformats.org/drawingml/2006/main" xmlns:r="http://schemas.openxmlformats.org/officeDocument/2006/relationships" xmlns:p="http://schemas.openxmlformats.org/presentationml/2006/main">
-  <p:cSld>
-    <p:spTree>
-      <p:nvGrpSpPr>
-        <p:cNvPr id="1" name=""/>
-        <p:cNvGrpSpPr/>
-        <p:nvPr/>
-      </p:nvGrpSpPr>
-      <p:grpSpPr>
-        <a:xfrm>
-          <a:off x="0" y="0"/>
-          <a:ext cx="0" cy="0"/>
-          <a:chOff x="0" y="0"/>
-          <a:chExt cx="0" cy="0"/>
-        </a:xfrm>
-      </p:grpSpPr>
-      <p:sp>
-        <p:nvSpPr>
-          <p:cNvPr id="2" name="Title 1"/>
-          <p:cNvSpPr>
-            <a:spLocks noGrp="1"/>
-          </p:cNvSpPr>
-          <p:nvPr>
-            <p:ph type="title"/>
-          </p:nvPr>
-        </p:nvSpPr>
-        <p:spPr/>
-        <p:txBody>
-          <a:bodyPr/>
-          <a:lstStyle/>
-          <a:p>
-            <a:pPr lvl="0"/>
-            <a:r>
-              <a:rPr lang="en-US" dirty="0" smtClean="0"/>
-              <a:t>JVM</a:t>
-            </a:r>
-            <a:endParaRPr lang="en-US" dirty="0"/>
-          </a:p>
-        </p:txBody>
-      </p:sp>
-      <p:sp>
-        <p:nvSpPr>
-          <p:cNvPr id="3" name="Content Placeholder 2"/>
-          <p:cNvSpPr>
-            <a:spLocks noGrp="1"/>
-          </p:cNvSpPr>
-          <p:nvPr>
-            <p:ph idx="1"/>
-          </p:nvPr>
-        </p:nvSpPr>
-        <p:spPr/>
-        <p:txBody>
-          <a:bodyPr/>
-          <a:lstStyle/>
-          <a:p>
-            <a:endParaRPr lang="en-US" dirty="0" smtClean="0"/>
-          </a:p>
-        </p:txBody>
-      </p:sp>
-    </p:spTree>
-  </p:cSld>
-  <p:clrMapOvr>
-    <a:masterClrMapping/>
-  </p:clrMapOvr>
-</p:sld>
-</file>
-
-<file path=ppt/slides/slide30.xml><?xml version="1.0" encoding="utf-8"?>
+<file path=ppt/slides/slide36.xml><?xml version="1.0" encoding="utf-8"?>
 <p:sld xmlns:a="http://schemas.openxmlformats.org/drawingml/2006/main" xmlns:r="http://schemas.openxmlformats.org/officeDocument/2006/relationships" xmlns:p="http://schemas.openxmlformats.org/presentationml/2006/main">
   <p:cSld>
     <p:spTree>
@@ -7577,7 +8865,7 @@
         </p:blipFill>
         <p:spPr bwMode="auto">
           <a:xfrm>
-            <a:off x="169425" y="3140968"/>
+            <a:off x="0" y="3140968"/>
             <a:ext cx="8974575" cy="1368152"/>
           </a:xfrm>
           <a:prstGeom prst="rect">
@@ -7632,6 +8920,570 @@
 </p:sld>
 </file>
 
+<file path=ppt/slides/slide37.xml><?xml version="1.0" encoding="utf-8"?>
+<p:sld xmlns:a="http://schemas.openxmlformats.org/drawingml/2006/main" xmlns:r="http://schemas.openxmlformats.org/officeDocument/2006/relationships" xmlns:p="http://schemas.openxmlformats.org/presentationml/2006/main">
+  <p:cSld>
+    <p:spTree>
+      <p:nvGrpSpPr>
+        <p:cNvPr id="1" name=""/>
+        <p:cNvGrpSpPr/>
+        <p:nvPr/>
+      </p:nvGrpSpPr>
+      <p:grpSpPr>
+        <a:xfrm>
+          <a:off x="0" y="0"/>
+          <a:ext cx="0" cy="0"/>
+          <a:chOff x="0" y="0"/>
+          <a:chExt cx="0" cy="0"/>
+        </a:xfrm>
+      </p:grpSpPr>
+      <p:sp>
+        <p:nvSpPr>
+          <p:cNvPr id="2" name="Title 1"/>
+          <p:cNvSpPr>
+            <a:spLocks noGrp="1"/>
+          </p:cNvSpPr>
+          <p:nvPr>
+            <p:ph type="title"/>
+          </p:nvPr>
+        </p:nvSpPr>
+        <p:spPr/>
+        <p:txBody>
+          <a:bodyPr/>
+          <a:lstStyle/>
+          <a:p>
+            <a:r>
+              <a:rPr lang="en-US" dirty="0" smtClean="0"/>
+              <a:t>Control Flow (Runtime Exception)</a:t>
+            </a:r>
+            <a:endParaRPr lang="en-US" dirty="0"/>
+          </a:p>
+        </p:txBody>
+      </p:sp>
+      <p:pic>
+        <p:nvPicPr>
+          <p:cNvPr id="44035" name="Picture 3"/>
+          <p:cNvPicPr>
+            <a:picLocks noChangeAspect="1" noChangeArrowheads="1"/>
+          </p:cNvPicPr>
+          <p:nvPr/>
+        </p:nvPicPr>
+        <p:blipFill>
+          <a:blip r:embed="rId2" cstate="print"/>
+          <a:srcRect/>
+          <a:stretch>
+            <a:fillRect/>
+          </a:stretch>
+        </p:blipFill>
+        <p:spPr bwMode="auto">
+          <a:xfrm>
+            <a:off x="1036407" y="1340768"/>
+            <a:ext cx="7071186" cy="1440160"/>
+          </a:xfrm>
+          <a:prstGeom prst="rect">
+            <a:avLst/>
+          </a:prstGeom>
+          <a:noFill/>
+          <a:ln w="9525">
+            <a:noFill/>
+            <a:miter lim="800000"/>
+            <a:headEnd/>
+            <a:tailEnd/>
+          </a:ln>
+        </p:spPr>
+      </p:pic>
+      <p:pic>
+        <p:nvPicPr>
+          <p:cNvPr id="44036" name="Picture 4"/>
+          <p:cNvPicPr>
+            <a:picLocks noChangeAspect="1" noChangeArrowheads="1"/>
+          </p:cNvPicPr>
+          <p:nvPr/>
+        </p:nvPicPr>
+        <p:blipFill>
+          <a:blip r:embed="rId3" cstate="print"/>
+          <a:srcRect/>
+          <a:stretch>
+            <a:fillRect/>
+          </a:stretch>
+        </p:blipFill>
+        <p:spPr bwMode="auto">
+          <a:xfrm>
+            <a:off x="126433" y="3212976"/>
+            <a:ext cx="8891134" cy="1347523"/>
+          </a:xfrm>
+          <a:prstGeom prst="rect">
+            <a:avLst/>
+          </a:prstGeom>
+          <a:noFill/>
+          <a:ln w="9525">
+            <a:noFill/>
+            <a:miter lim="800000"/>
+            <a:headEnd/>
+            <a:tailEnd/>
+          </a:ln>
+        </p:spPr>
+      </p:pic>
+      <p:pic>
+        <p:nvPicPr>
+          <p:cNvPr id="44037" name="Picture 5"/>
+          <p:cNvPicPr>
+            <a:picLocks noChangeAspect="1" noChangeArrowheads="1"/>
+          </p:cNvPicPr>
+          <p:nvPr/>
+        </p:nvPicPr>
+        <p:blipFill>
+          <a:blip r:embed="rId4" cstate="print"/>
+          <a:srcRect/>
+          <a:stretch>
+            <a:fillRect/>
+          </a:stretch>
+        </p:blipFill>
+        <p:spPr bwMode="auto">
+          <a:xfrm>
+            <a:off x="432020" y="4941168"/>
+            <a:ext cx="8279960" cy="1152128"/>
+          </a:xfrm>
+          <a:prstGeom prst="rect">
+            <a:avLst/>
+          </a:prstGeom>
+          <a:noFill/>
+          <a:ln w="9525">
+            <a:noFill/>
+            <a:miter lim="800000"/>
+            <a:headEnd/>
+            <a:tailEnd/>
+          </a:ln>
+        </p:spPr>
+      </p:pic>
+    </p:spTree>
+  </p:cSld>
+  <p:clrMapOvr>
+    <a:masterClrMapping/>
+  </p:clrMapOvr>
+</p:sld>
+</file>
+
+<file path=ppt/slides/slide38.xml><?xml version="1.0" encoding="utf-8"?>
+<p:sld xmlns:a="http://schemas.openxmlformats.org/drawingml/2006/main" xmlns:r="http://schemas.openxmlformats.org/officeDocument/2006/relationships" xmlns:p="http://schemas.openxmlformats.org/presentationml/2006/main">
+  <p:cSld>
+    <p:spTree>
+      <p:nvGrpSpPr>
+        <p:cNvPr id="1" name=""/>
+        <p:cNvGrpSpPr/>
+        <p:nvPr/>
+      </p:nvGrpSpPr>
+      <p:grpSpPr>
+        <a:xfrm>
+          <a:off x="0" y="0"/>
+          <a:ext cx="0" cy="0"/>
+          <a:chOff x="0" y="0"/>
+          <a:chExt cx="0" cy="0"/>
+        </a:xfrm>
+      </p:grpSpPr>
+      <p:sp>
+        <p:nvSpPr>
+          <p:cNvPr id="2" name="Title 1"/>
+          <p:cNvSpPr>
+            <a:spLocks noGrp="1"/>
+          </p:cNvSpPr>
+          <p:nvPr>
+            <p:ph type="title"/>
+          </p:nvPr>
+        </p:nvSpPr>
+        <p:spPr/>
+        <p:txBody>
+          <a:bodyPr/>
+          <a:lstStyle/>
+          <a:p>
+            <a:r>
+              <a:rPr lang="en-US" dirty="0" smtClean="0"/>
+              <a:t>Control Flow</a:t>
+            </a:r>
+            <a:r>
+              <a:rPr lang="en-US" baseline="0" dirty="0" smtClean="0"/>
+              <a:t> (switch-case)</a:t>
+            </a:r>
+            <a:endParaRPr lang="en-US" dirty="0"/>
+          </a:p>
+        </p:txBody>
+      </p:sp>
+      <p:pic>
+        <p:nvPicPr>
+          <p:cNvPr id="45059" name="Picture 3"/>
+          <p:cNvPicPr>
+            <a:picLocks noChangeAspect="1" noChangeArrowheads="1"/>
+          </p:cNvPicPr>
+          <p:nvPr/>
+        </p:nvPicPr>
+        <p:blipFill>
+          <a:blip r:embed="rId3" cstate="print"/>
+          <a:srcRect/>
+          <a:stretch>
+            <a:fillRect/>
+          </a:stretch>
+        </p:blipFill>
+        <p:spPr bwMode="auto">
+          <a:xfrm>
+            <a:off x="1257995" y="1772816"/>
+            <a:ext cx="6628009" cy="4536504"/>
+          </a:xfrm>
+          <a:prstGeom prst="rect">
+            <a:avLst/>
+          </a:prstGeom>
+          <a:noFill/>
+          <a:ln w="9525">
+            <a:noFill/>
+            <a:miter lim="800000"/>
+            <a:headEnd/>
+            <a:tailEnd/>
+          </a:ln>
+        </p:spPr>
+      </p:pic>
+    </p:spTree>
+  </p:cSld>
+  <p:clrMapOvr>
+    <a:masterClrMapping/>
+  </p:clrMapOvr>
+</p:sld>
+</file>
+
+<file path=ppt/slides/slide39.xml><?xml version="1.0" encoding="utf-8"?>
+<p:sld xmlns:a="http://schemas.openxmlformats.org/drawingml/2006/main" xmlns:r="http://schemas.openxmlformats.org/officeDocument/2006/relationships" xmlns:p="http://schemas.openxmlformats.org/presentationml/2006/main">
+  <p:cSld>
+    <p:spTree>
+      <p:nvGrpSpPr>
+        <p:cNvPr id="1" name=""/>
+        <p:cNvGrpSpPr/>
+        <p:nvPr/>
+      </p:nvGrpSpPr>
+      <p:grpSpPr>
+        <a:xfrm>
+          <a:off x="0" y="0"/>
+          <a:ext cx="0" cy="0"/>
+          <a:chOff x="0" y="0"/>
+          <a:chExt cx="0" cy="0"/>
+        </a:xfrm>
+      </p:grpSpPr>
+      <p:sp>
+        <p:nvSpPr>
+          <p:cNvPr id="2" name="Title 1"/>
+          <p:cNvSpPr>
+            <a:spLocks noGrp="1"/>
+          </p:cNvSpPr>
+          <p:nvPr>
+            <p:ph type="title"/>
+          </p:nvPr>
+        </p:nvSpPr>
+        <p:spPr/>
+        <p:txBody>
+          <a:bodyPr/>
+          <a:lstStyle/>
+          <a:p>
+            <a:r>
+              <a:rPr lang="en-US" dirty="0" smtClean="0"/>
+              <a:t>Reference</a:t>
+            </a:r>
+            <a:r>
+              <a:rPr lang="en-US" baseline="0" dirty="0" smtClean="0"/>
+              <a:t> Type </a:t>
+            </a:r>
+            <a:endParaRPr lang="en-US" dirty="0"/>
+          </a:p>
+        </p:txBody>
+      </p:sp>
+      <p:sp>
+        <p:nvSpPr>
+          <p:cNvPr id="5" name="Content Placeholder 4"/>
+          <p:cNvSpPr>
+            <a:spLocks noGrp="1"/>
+          </p:cNvSpPr>
+          <p:nvPr>
+            <p:ph idx="1"/>
+          </p:nvPr>
+        </p:nvSpPr>
+        <p:spPr/>
+        <p:txBody>
+          <a:bodyPr>
+            <a:normAutofit fontScale="92500" lnSpcReduction="20000"/>
+          </a:bodyPr>
+          <a:lstStyle/>
+          <a:p>
+            <a:r>
+              <a:rPr lang="en-US" dirty="0" smtClean="0"/>
+              <a:t>Java </a:t>
+            </a:r>
+            <a:r>
+              <a:rPr lang="en-US" dirty="0" err="1" smtClean="0"/>
+              <a:t>merupakan</a:t>
+            </a:r>
+            <a:r>
+              <a:rPr lang="en-US" dirty="0" smtClean="0"/>
+              <a:t> </a:t>
+            </a:r>
+            <a:r>
+              <a:rPr lang="en-US" dirty="0" err="1" smtClean="0"/>
+              <a:t>bahasa</a:t>
+            </a:r>
+            <a:r>
+              <a:rPr lang="en-US" dirty="0" smtClean="0"/>
+              <a:t> </a:t>
+            </a:r>
+            <a:r>
+              <a:rPr lang="en-US" dirty="0" err="1" smtClean="0"/>
+              <a:t>pemograman</a:t>
+            </a:r>
+            <a:r>
+              <a:rPr lang="en-US" dirty="0" smtClean="0"/>
+              <a:t> yang </a:t>
+            </a:r>
+            <a:r>
+              <a:rPr lang="en-US" dirty="0" err="1" smtClean="0"/>
+              <a:t>mendukung</a:t>
+            </a:r>
+            <a:r>
+              <a:rPr lang="en-US" dirty="0" smtClean="0"/>
+              <a:t> </a:t>
+            </a:r>
+            <a:r>
+              <a:rPr lang="en-US" dirty="0" err="1" smtClean="0"/>
+              <a:t>paradigma</a:t>
+            </a:r>
+            <a:r>
+              <a:rPr lang="en-US" dirty="0" smtClean="0"/>
+              <a:t> Object-Oriented Programming yang </a:t>
+            </a:r>
+            <a:r>
+              <a:rPr lang="en-US" dirty="0" err="1" smtClean="0"/>
+              <a:t>berbasis</a:t>
+            </a:r>
+            <a:r>
+              <a:rPr lang="en-US" dirty="0" smtClean="0"/>
+              <a:t> </a:t>
+            </a:r>
+            <a:r>
+              <a:rPr lang="en-US" dirty="0" err="1" smtClean="0"/>
+              <a:t>kelas</a:t>
+            </a:r>
+            <a:r>
+              <a:rPr lang="en-US" dirty="0" smtClean="0"/>
+              <a:t>.</a:t>
+            </a:r>
+          </a:p>
+          <a:p>
+            <a:r>
+              <a:rPr lang="en-US" dirty="0" err="1" smtClean="0"/>
+              <a:t>Kelas</a:t>
+            </a:r>
+            <a:r>
+              <a:rPr lang="en-US" dirty="0" smtClean="0"/>
+              <a:t> (class) </a:t>
+            </a:r>
+            <a:r>
+              <a:rPr lang="en-US" dirty="0" err="1" smtClean="0"/>
+              <a:t>di</a:t>
+            </a:r>
+            <a:r>
+              <a:rPr lang="en-US" dirty="0" smtClean="0"/>
+              <a:t> java </a:t>
+            </a:r>
+            <a:r>
+              <a:rPr lang="en-US" dirty="0" err="1" smtClean="0"/>
+              <a:t>sering</a:t>
+            </a:r>
+            <a:r>
+              <a:rPr lang="en-US" dirty="0" smtClean="0"/>
+              <a:t> </a:t>
+            </a:r>
+            <a:r>
+              <a:rPr lang="en-US" dirty="0" err="1" smtClean="0"/>
+              <a:t>juga</a:t>
+            </a:r>
+            <a:r>
+              <a:rPr lang="en-US" dirty="0" smtClean="0"/>
+              <a:t> </a:t>
+            </a:r>
+            <a:r>
+              <a:rPr lang="en-US" dirty="0" err="1" smtClean="0"/>
+              <a:t>disebut</a:t>
+            </a:r>
+            <a:r>
+              <a:rPr lang="en-US" dirty="0" smtClean="0"/>
+              <a:t> reference type, </a:t>
+            </a:r>
+            <a:r>
+              <a:rPr lang="en-US" dirty="0" err="1" smtClean="0"/>
+              <a:t>atau</a:t>
+            </a:r>
+            <a:r>
+              <a:rPr lang="en-US" dirty="0" smtClean="0"/>
+              <a:t> </a:t>
+            </a:r>
+            <a:r>
+              <a:rPr lang="en-US" dirty="0" err="1" smtClean="0"/>
+              <a:t>singkatnya</a:t>
+            </a:r>
+            <a:r>
+              <a:rPr lang="en-US" dirty="0" smtClean="0"/>
+              <a:t> type.</a:t>
+            </a:r>
+          </a:p>
+          <a:p>
+            <a:r>
+              <a:rPr lang="en-US" dirty="0" err="1" smtClean="0"/>
+              <a:t>Kelas</a:t>
+            </a:r>
+            <a:r>
+              <a:rPr lang="en-US" dirty="0" smtClean="0"/>
+              <a:t> </a:t>
+            </a:r>
+            <a:r>
+              <a:rPr lang="en-US" dirty="0" err="1" smtClean="0"/>
+              <a:t>merupakan</a:t>
+            </a:r>
+            <a:r>
+              <a:rPr lang="en-US" dirty="0" smtClean="0"/>
+              <a:t> “</a:t>
+            </a:r>
+            <a:r>
+              <a:rPr lang="en-US" dirty="0" err="1" smtClean="0"/>
+              <a:t>cetak-biru</a:t>
+            </a:r>
+            <a:r>
+              <a:rPr lang="en-US" dirty="0" smtClean="0"/>
+              <a:t>” </a:t>
+            </a:r>
+            <a:r>
+              <a:rPr lang="en-US" dirty="0" err="1" smtClean="0"/>
+              <a:t>untuk</a:t>
+            </a:r>
+            <a:r>
+              <a:rPr lang="en-US" dirty="0" smtClean="0"/>
+              <a:t> </a:t>
+            </a:r>
+            <a:r>
+              <a:rPr lang="en-US" dirty="0" err="1" smtClean="0"/>
+              <a:t>sebuah</a:t>
+            </a:r>
+            <a:r>
+              <a:rPr lang="en-US" dirty="0" smtClean="0"/>
+              <a:t> object.</a:t>
+            </a:r>
+          </a:p>
+          <a:p>
+            <a:r>
+              <a:rPr lang="en-US" dirty="0" err="1" smtClean="0"/>
+              <a:t>Selain</a:t>
+            </a:r>
+            <a:r>
+              <a:rPr lang="en-US" dirty="0" smtClean="0"/>
+              <a:t> </a:t>
+            </a:r>
+            <a:r>
+              <a:rPr lang="en-US" dirty="0" err="1" smtClean="0"/>
+              <a:t>Kelas</a:t>
+            </a:r>
+            <a:r>
+              <a:rPr lang="en-US" dirty="0" smtClean="0"/>
+              <a:t> java </a:t>
+            </a:r>
+            <a:r>
+              <a:rPr lang="en-US" dirty="0" err="1" smtClean="0"/>
+              <a:t>juga</a:t>
+            </a:r>
+            <a:r>
+              <a:rPr lang="en-US" dirty="0" smtClean="0"/>
+              <a:t> </a:t>
+            </a:r>
+            <a:r>
+              <a:rPr lang="en-US" dirty="0" err="1" smtClean="0"/>
+              <a:t>mengenal</a:t>
+            </a:r>
+            <a:r>
+              <a:rPr lang="en-US" dirty="0" smtClean="0"/>
+              <a:t> interface, variable </a:t>
+            </a:r>
+            <a:r>
+              <a:rPr lang="en-US" dirty="0" err="1" smtClean="0"/>
+              <a:t>dan</a:t>
+            </a:r>
+            <a:r>
+              <a:rPr lang="en-US" dirty="0" smtClean="0"/>
+              <a:t> array.</a:t>
+            </a:r>
+          </a:p>
+          <a:p>
+            <a:r>
+              <a:rPr lang="en-US" dirty="0" smtClean="0"/>
+              <a:t>Java </a:t>
+            </a:r>
+            <a:r>
+              <a:rPr lang="en-US" dirty="0" err="1" smtClean="0"/>
+              <a:t>memiliki</a:t>
+            </a:r>
+            <a:r>
+              <a:rPr lang="en-US" dirty="0" smtClean="0"/>
+              <a:t> </a:t>
+            </a:r>
+            <a:r>
+              <a:rPr lang="en-US" dirty="0" err="1" smtClean="0"/>
+              <a:t>beberapa</a:t>
+            </a:r>
+            <a:r>
+              <a:rPr lang="en-US" dirty="0" smtClean="0"/>
+              <a:t> </a:t>
+            </a:r>
+            <a:r>
+              <a:rPr lang="en-US" dirty="0" err="1" smtClean="0"/>
+              <a:t>Kelas</a:t>
+            </a:r>
+            <a:r>
+              <a:rPr lang="en-US" dirty="0" smtClean="0"/>
+              <a:t> yang </a:t>
+            </a:r>
+            <a:r>
+              <a:rPr lang="en-US" dirty="0" err="1" smtClean="0"/>
+              <a:t>istimewa</a:t>
+            </a:r>
+            <a:r>
+              <a:rPr lang="en-US" dirty="0" smtClean="0"/>
+              <a:t> </a:t>
+            </a:r>
+            <a:r>
+              <a:rPr lang="en-US" dirty="0" err="1" smtClean="0"/>
+              <a:t>seperti</a:t>
+            </a:r>
+            <a:r>
+              <a:rPr lang="en-US" dirty="0" smtClean="0"/>
+              <a:t> Object, Array, </a:t>
+            </a:r>
+            <a:r>
+              <a:rPr lang="en-US" dirty="0" err="1" smtClean="0"/>
+              <a:t>Enum</a:t>
+            </a:r>
+            <a:r>
+              <a:rPr lang="en-US" dirty="0" smtClean="0"/>
+              <a:t> </a:t>
+            </a:r>
+            <a:r>
+              <a:rPr lang="en-US" dirty="0" err="1" smtClean="0"/>
+              <a:t>dkk</a:t>
+            </a:r>
+            <a:r>
+              <a:rPr lang="en-US" dirty="0" smtClean="0"/>
+              <a:t>.</a:t>
+            </a:r>
+          </a:p>
+        </p:txBody>
+      </p:sp>
+    </p:spTree>
+  </p:cSld>
+  <p:clrMapOvr>
+    <a:masterClrMapping/>
+  </p:clrMapOvr>
+</p:sld>
+</file>
+
 <file path=ppt/slides/slide4.xml><?xml version="1.0" encoding="utf-8"?>
 <p:sld xmlns:a="http://schemas.openxmlformats.org/drawingml/2006/main" xmlns:r="http://schemas.openxmlformats.org/officeDocument/2006/relationships" xmlns:p="http://schemas.openxmlformats.org/presentationml/2006/main">
   <p:cSld>
@@ -7692,6 +9544,417 @@
           </a:p>
         </p:txBody>
       </p:sp>
+    </p:spTree>
+  </p:cSld>
+  <p:clrMapOvr>
+    <a:masterClrMapping/>
+  </p:clrMapOvr>
+</p:sld>
+</file>
+
+<file path=ppt/slides/slide40.xml><?xml version="1.0" encoding="utf-8"?>
+<p:sld xmlns:a="http://schemas.openxmlformats.org/drawingml/2006/main" xmlns:r="http://schemas.openxmlformats.org/officeDocument/2006/relationships" xmlns:p="http://schemas.openxmlformats.org/presentationml/2006/main">
+  <p:cSld>
+    <p:spTree>
+      <p:nvGrpSpPr>
+        <p:cNvPr id="1" name=""/>
+        <p:cNvGrpSpPr/>
+        <p:nvPr/>
+      </p:nvGrpSpPr>
+      <p:grpSpPr>
+        <a:xfrm>
+          <a:off x="0" y="0"/>
+          <a:ext cx="0" cy="0"/>
+          <a:chOff x="0" y="0"/>
+          <a:chExt cx="0" cy="0"/>
+        </a:xfrm>
+      </p:grpSpPr>
+      <p:sp>
+        <p:nvSpPr>
+          <p:cNvPr id="2" name="Title 1"/>
+          <p:cNvSpPr>
+            <a:spLocks noGrp="1"/>
+          </p:cNvSpPr>
+          <p:nvPr>
+            <p:ph type="title"/>
+          </p:nvPr>
+        </p:nvSpPr>
+        <p:spPr/>
+        <p:txBody>
+          <a:bodyPr/>
+          <a:lstStyle/>
+          <a:p>
+            <a:r>
+              <a:rPr lang="en-US" dirty="0" err="1" smtClean="0"/>
+              <a:t>Deklarasi</a:t>
+            </a:r>
+            <a:r>
+              <a:rPr lang="en-US" dirty="0" smtClean="0"/>
+              <a:t> </a:t>
+            </a:r>
+            <a:r>
+              <a:rPr lang="en-US" dirty="0" err="1" smtClean="0"/>
+              <a:t>Kelas</a:t>
+            </a:r>
+            <a:endParaRPr lang="en-US" dirty="0"/>
+          </a:p>
+        </p:txBody>
+      </p:sp>
+      <p:pic>
+        <p:nvPicPr>
+          <p:cNvPr id="57346" name="Picture 2"/>
+          <p:cNvPicPr>
+            <a:picLocks noChangeAspect="1" noChangeArrowheads="1"/>
+          </p:cNvPicPr>
+          <p:nvPr/>
+        </p:nvPicPr>
+        <p:blipFill>
+          <a:blip r:embed="rId2" cstate="print"/>
+          <a:srcRect/>
+          <a:stretch>
+            <a:fillRect/>
+          </a:stretch>
+        </p:blipFill>
+        <p:spPr bwMode="auto">
+          <a:xfrm>
+            <a:off x="273546" y="1916832"/>
+            <a:ext cx="8596908" cy="1512168"/>
+          </a:xfrm>
+          <a:prstGeom prst="rect">
+            <a:avLst/>
+          </a:prstGeom>
+          <a:noFill/>
+          <a:ln w="9525">
+            <a:noFill/>
+            <a:miter lim="800000"/>
+            <a:headEnd/>
+            <a:tailEnd/>
+          </a:ln>
+        </p:spPr>
+      </p:pic>
+      <p:pic>
+        <p:nvPicPr>
+          <p:cNvPr id="57347" name="Picture 3"/>
+          <p:cNvPicPr>
+            <a:picLocks noChangeAspect="1" noChangeArrowheads="1"/>
+          </p:cNvPicPr>
+          <p:nvPr/>
+        </p:nvPicPr>
+        <p:blipFill>
+          <a:blip r:embed="rId3" cstate="print"/>
+          <a:srcRect/>
+          <a:stretch>
+            <a:fillRect/>
+          </a:stretch>
+        </p:blipFill>
+        <p:spPr bwMode="auto">
+          <a:xfrm>
+            <a:off x="1187624" y="3933056"/>
+            <a:ext cx="6476512" cy="1944216"/>
+          </a:xfrm>
+          <a:prstGeom prst="rect">
+            <a:avLst/>
+          </a:prstGeom>
+          <a:noFill/>
+          <a:ln w="9525">
+            <a:noFill/>
+            <a:miter lim="800000"/>
+            <a:headEnd/>
+            <a:tailEnd/>
+          </a:ln>
+        </p:spPr>
+      </p:pic>
+    </p:spTree>
+  </p:cSld>
+  <p:clrMapOvr>
+    <a:masterClrMapping/>
+  </p:clrMapOvr>
+</p:sld>
+</file>
+
+<file path=ppt/slides/slide41.xml><?xml version="1.0" encoding="utf-8"?>
+<p:sld xmlns:a="http://schemas.openxmlformats.org/drawingml/2006/main" xmlns:r="http://schemas.openxmlformats.org/officeDocument/2006/relationships" xmlns:p="http://schemas.openxmlformats.org/presentationml/2006/main">
+  <p:cSld>
+    <p:spTree>
+      <p:nvGrpSpPr>
+        <p:cNvPr id="1" name=""/>
+        <p:cNvGrpSpPr/>
+        <p:nvPr/>
+      </p:nvGrpSpPr>
+      <p:grpSpPr>
+        <a:xfrm>
+          <a:off x="0" y="0"/>
+          <a:ext cx="0" cy="0"/>
+          <a:chOff x="0" y="0"/>
+          <a:chExt cx="0" cy="0"/>
+        </a:xfrm>
+      </p:grpSpPr>
+      <p:sp>
+        <p:nvSpPr>
+          <p:cNvPr id="2" name="Title 1"/>
+          <p:cNvSpPr>
+            <a:spLocks noGrp="1"/>
+          </p:cNvSpPr>
+          <p:nvPr>
+            <p:ph type="title"/>
+          </p:nvPr>
+        </p:nvSpPr>
+        <p:spPr/>
+        <p:txBody>
+          <a:bodyPr/>
+          <a:lstStyle/>
+          <a:p>
+            <a:r>
+              <a:rPr lang="en-US" dirty="0" err="1" smtClean="0"/>
+              <a:t>Deklarasi</a:t>
+            </a:r>
+            <a:r>
+              <a:rPr lang="en-US" dirty="0" smtClean="0"/>
+              <a:t> </a:t>
+            </a:r>
+            <a:r>
+              <a:rPr lang="en-US" dirty="0" err="1" smtClean="0"/>
+              <a:t>Variabel</a:t>
+            </a:r>
+            <a:r>
+              <a:rPr lang="en-US" baseline="0" dirty="0" smtClean="0"/>
+              <a:t> </a:t>
+            </a:r>
+            <a:r>
+              <a:rPr lang="en-US" baseline="0" dirty="0" err="1" smtClean="0"/>
+              <a:t>Kelas</a:t>
+            </a:r>
+            <a:endParaRPr lang="en-US" dirty="0"/>
+          </a:p>
+        </p:txBody>
+      </p:sp>
+    </p:spTree>
+  </p:cSld>
+  <p:clrMapOvr>
+    <a:masterClrMapping/>
+  </p:clrMapOvr>
+</p:sld>
+</file>
+
+<file path=ppt/slides/slide42.xml><?xml version="1.0" encoding="utf-8"?>
+<p:sld xmlns:a="http://schemas.openxmlformats.org/drawingml/2006/main" xmlns:r="http://schemas.openxmlformats.org/officeDocument/2006/relationships" xmlns:p="http://schemas.openxmlformats.org/presentationml/2006/main">
+  <p:cSld>
+    <p:spTree>
+      <p:nvGrpSpPr>
+        <p:cNvPr id="1" name=""/>
+        <p:cNvGrpSpPr/>
+        <p:nvPr/>
+      </p:nvGrpSpPr>
+      <p:grpSpPr>
+        <a:xfrm>
+          <a:off x="0" y="0"/>
+          <a:ext cx="0" cy="0"/>
+          <a:chOff x="0" y="0"/>
+          <a:chExt cx="0" cy="0"/>
+        </a:xfrm>
+      </p:grpSpPr>
+      <p:sp>
+        <p:nvSpPr>
+          <p:cNvPr id="2" name="Title 1"/>
+          <p:cNvSpPr>
+            <a:spLocks noGrp="1"/>
+          </p:cNvSpPr>
+          <p:nvPr>
+            <p:ph type="title"/>
+          </p:nvPr>
+        </p:nvSpPr>
+        <p:spPr/>
+        <p:txBody>
+          <a:bodyPr/>
+          <a:lstStyle/>
+          <a:p>
+            <a:r>
+              <a:rPr lang="en-US" dirty="0" err="1" smtClean="0"/>
+              <a:t>Deklarasi</a:t>
+            </a:r>
+            <a:r>
+              <a:rPr lang="en-US" dirty="0" smtClean="0"/>
+              <a:t> </a:t>
+            </a:r>
+            <a:r>
+              <a:rPr lang="en-US" dirty="0" err="1" smtClean="0"/>
+              <a:t>Metode</a:t>
+            </a:r>
+            <a:r>
+              <a:rPr lang="en-US" dirty="0" smtClean="0"/>
+              <a:t> </a:t>
+            </a:r>
+            <a:r>
+              <a:rPr lang="en-US" dirty="0" err="1" smtClean="0"/>
+              <a:t>Kelas</a:t>
+            </a:r>
+            <a:endParaRPr lang="en-US" dirty="0"/>
+          </a:p>
+        </p:txBody>
+      </p:sp>
+      <p:pic>
+        <p:nvPicPr>
+          <p:cNvPr id="58370" name="Picture 2"/>
+          <p:cNvPicPr>
+            <a:picLocks noChangeAspect="1" noChangeArrowheads="1"/>
+          </p:cNvPicPr>
+          <p:nvPr/>
+        </p:nvPicPr>
+        <p:blipFill>
+          <a:blip r:embed="rId2" cstate="print"/>
+          <a:srcRect/>
+          <a:stretch>
+            <a:fillRect/>
+          </a:stretch>
+        </p:blipFill>
+        <p:spPr bwMode="auto">
+          <a:xfrm>
+            <a:off x="279750" y="1772816"/>
+            <a:ext cx="8584499" cy="1152128"/>
+          </a:xfrm>
+          <a:prstGeom prst="rect">
+            <a:avLst/>
+          </a:prstGeom>
+          <a:noFill/>
+          <a:ln w="9525">
+            <a:noFill/>
+            <a:miter lim="800000"/>
+            <a:headEnd/>
+            <a:tailEnd/>
+          </a:ln>
+        </p:spPr>
+      </p:pic>
+      <p:sp>
+        <p:nvSpPr>
+          <p:cNvPr id="4" name="Rectangular Callout 3"/>
+          <p:cNvSpPr/>
+          <p:nvPr/>
+        </p:nvSpPr>
+        <p:spPr>
+          <a:xfrm>
+            <a:off x="1043608" y="2924944"/>
+            <a:ext cx="1800200" cy="504056"/>
+          </a:xfrm>
+          <a:prstGeom prst="wedgeRectCallout">
+            <a:avLst>
+              <a:gd name="adj1" fmla="val 11136"/>
+              <a:gd name="adj2" fmla="val -134972"/>
+            </a:avLst>
+          </a:prstGeom>
+        </p:spPr>
+        <p:style>
+          <a:lnRef idx="2">
+            <a:schemeClr val="accent1">
+              <a:shade val="50000"/>
+            </a:schemeClr>
+          </a:lnRef>
+          <a:fillRef idx="1">
+            <a:schemeClr val="accent1"/>
+          </a:fillRef>
+          <a:effectRef idx="0">
+            <a:schemeClr val="accent1"/>
+          </a:effectRef>
+          <a:fontRef idx="minor">
+            <a:schemeClr val="lt1"/>
+          </a:fontRef>
+        </p:style>
+        <p:txBody>
+          <a:bodyPr rtlCol="0" anchor="ctr"/>
+          <a:lstStyle/>
+          <a:p>
+            <a:pPr algn="ctr"/>
+            <a:r>
+              <a:rPr lang="en-US" dirty="0" smtClean="0"/>
+              <a:t>Type </a:t>
+            </a:r>
+            <a:r>
+              <a:rPr lang="en-US" dirty="0" err="1" smtClean="0"/>
+              <a:t>kembalian</a:t>
+            </a:r>
+            <a:r>
+              <a:rPr lang="en-US" dirty="0" smtClean="0"/>
+              <a:t> </a:t>
+            </a:r>
+            <a:r>
+              <a:rPr lang="en-US" dirty="0" err="1" smtClean="0"/>
+              <a:t>dari</a:t>
+            </a:r>
+            <a:r>
+              <a:rPr lang="en-US" dirty="0" smtClean="0"/>
+              <a:t> </a:t>
+            </a:r>
+            <a:r>
+              <a:rPr lang="en-US" dirty="0" err="1" smtClean="0"/>
+              <a:t>metode</a:t>
+            </a:r>
+            <a:endParaRPr lang="en-US" dirty="0"/>
+          </a:p>
+        </p:txBody>
+      </p:sp>
+      <p:pic>
+        <p:nvPicPr>
+          <p:cNvPr id="58371" name="Picture 3"/>
+          <p:cNvPicPr>
+            <a:picLocks noChangeAspect="1" noChangeArrowheads="1"/>
+          </p:cNvPicPr>
+          <p:nvPr/>
+        </p:nvPicPr>
+        <p:blipFill>
+          <a:blip r:embed="rId3" cstate="print"/>
+          <a:srcRect/>
+          <a:stretch>
+            <a:fillRect/>
+          </a:stretch>
+        </p:blipFill>
+        <p:spPr bwMode="auto">
+          <a:xfrm>
+            <a:off x="683568" y="3861048"/>
+            <a:ext cx="2881167" cy="1368152"/>
+          </a:xfrm>
+          <a:prstGeom prst="rect">
+            <a:avLst/>
+          </a:prstGeom>
+          <a:noFill/>
+          <a:ln w="9525">
+            <a:noFill/>
+            <a:miter lim="800000"/>
+            <a:headEnd/>
+            <a:tailEnd/>
+          </a:ln>
+        </p:spPr>
+      </p:pic>
+      <p:pic>
+        <p:nvPicPr>
+          <p:cNvPr id="58372" name="Picture 4"/>
+          <p:cNvPicPr>
+            <a:picLocks noChangeAspect="1" noChangeArrowheads="1"/>
+          </p:cNvPicPr>
+          <p:nvPr/>
+        </p:nvPicPr>
+        <p:blipFill>
+          <a:blip r:embed="rId4" cstate="print"/>
+          <a:srcRect/>
+          <a:stretch>
+            <a:fillRect/>
+          </a:stretch>
+        </p:blipFill>
+        <p:spPr bwMode="auto">
+          <a:xfrm>
+            <a:off x="4860032" y="3861048"/>
+            <a:ext cx="3785715" cy="1224136"/>
+          </a:xfrm>
+          <a:prstGeom prst="rect">
+            <a:avLst/>
+          </a:prstGeom>
+          <a:noFill/>
+          <a:ln w="9525">
+            <a:noFill/>
+            <a:miter lim="800000"/>
+            <a:headEnd/>
+            <a:tailEnd/>
+          </a:ln>
+        </p:spPr>
+      </p:pic>
     </p:spTree>
   </p:cSld>
   <p:clrMapOvr>

--- a/src/main/resources/Dasar-Dasar Pemograman Java.pptx
+++ b/src/main/resources/Dasar-Dasar Pemograman Java.pptx
@@ -5,7 +5,7 @@
     <p:sldMasterId id="2147483648" r:id="rId1"/>
   </p:sldMasterIdLst>
   <p:notesMasterIdLst>
-    <p:notesMasterId r:id="rId44"/>
+    <p:notesMasterId r:id="rId46"/>
   </p:notesMasterIdLst>
   <p:sldIdLst>
     <p:sldId id="256" r:id="rId2"/>
@@ -48,8 +48,10 @@
     <p:sldId id="287" r:id="rId39"/>
     <p:sldId id="288" r:id="rId40"/>
     <p:sldId id="295" r:id="rId41"/>
-    <p:sldId id="297" r:id="rId42"/>
-    <p:sldId id="296" r:id="rId43"/>
+    <p:sldId id="298" r:id="rId42"/>
+    <p:sldId id="297" r:id="rId43"/>
+    <p:sldId id="296" r:id="rId44"/>
+    <p:sldId id="299" r:id="rId45"/>
   </p:sldIdLst>
   <p:sldSz cx="9144000" cy="6858000" type="screen4x3"/>
   <p:notesSz cx="6858000" cy="9144000"/>
@@ -9602,7 +9604,7 @@
       </p:sp>
       <p:pic>
         <p:nvPicPr>
-          <p:cNvPr id="57346" name="Picture 2"/>
+          <p:cNvPr id="57349" name="Picture 5"/>
           <p:cNvPicPr>
             <a:picLocks noChangeAspect="1" noChangeArrowheads="1"/>
           </p:cNvPicPr>
@@ -9617,8 +9619,8 @@
         </p:blipFill>
         <p:spPr bwMode="auto">
           <a:xfrm>
-            <a:off x="273546" y="1916832"/>
-            <a:ext cx="8596908" cy="1512168"/>
+            <a:off x="2902723" y="1844824"/>
+            <a:ext cx="3338553" cy="1152128"/>
           </a:xfrm>
           <a:prstGeom prst="rect">
             <a:avLst/>
@@ -9634,7 +9636,7 @@
       </p:pic>
       <p:pic>
         <p:nvPicPr>
-          <p:cNvPr id="57347" name="Picture 3"/>
+          <p:cNvPr id="57350" name="Picture 6"/>
           <p:cNvPicPr>
             <a:picLocks noChangeAspect="1" noChangeArrowheads="1"/>
           </p:cNvPicPr>
@@ -9649,8 +9651,40 @@
         </p:blipFill>
         <p:spPr bwMode="auto">
           <a:xfrm>
-            <a:off x="1187624" y="3933056"/>
-            <a:ext cx="6476512" cy="1944216"/>
+            <a:off x="215516" y="3212976"/>
+            <a:ext cx="8712968" cy="1152128"/>
+          </a:xfrm>
+          <a:prstGeom prst="rect">
+            <a:avLst/>
+          </a:prstGeom>
+          <a:noFill/>
+          <a:ln w="9525">
+            <a:noFill/>
+            <a:miter lim="800000"/>
+            <a:headEnd/>
+            <a:tailEnd/>
+          </a:ln>
+        </p:spPr>
+      </p:pic>
+      <p:pic>
+        <p:nvPicPr>
+          <p:cNvPr id="57352" name="Picture 8"/>
+          <p:cNvPicPr>
+            <a:picLocks noChangeAspect="1" noChangeArrowheads="1"/>
+          </p:cNvPicPr>
+          <p:nvPr/>
+        </p:nvPicPr>
+        <p:blipFill>
+          <a:blip r:embed="rId4" cstate="print"/>
+          <a:srcRect/>
+          <a:stretch>
+            <a:fillRect/>
+          </a:stretch>
+        </p:blipFill>
+        <p:spPr bwMode="auto">
+          <a:xfrm>
+            <a:off x="251520" y="4797152"/>
+            <a:ext cx="6762750" cy="1019175"/>
           </a:xfrm>
           <a:prstGeom prst="rect">
             <a:avLst/>
@@ -9705,16 +9739,12 @@
           <a:lstStyle/>
           <a:p>
             <a:r>
+              <a:rPr lang="en-US" dirty="0" smtClean="0"/>
+              <a:t>…</a:t>
+            </a:r>
+            <a:r>
               <a:rPr lang="en-US" dirty="0" err="1" smtClean="0"/>
               <a:t>Deklarasi</a:t>
-            </a:r>
-            <a:r>
-              <a:rPr lang="en-US" dirty="0" smtClean="0"/>
-              <a:t> </a:t>
-            </a:r>
-            <a:r>
-              <a:rPr lang="en-US" dirty="0" err="1" smtClean="0"/>
-              <a:t>Variabel</a:t>
             </a:r>
             <a:r>
               <a:rPr lang="en-US" baseline="0" dirty="0" smtClean="0"/>
@@ -9728,6 +9758,70 @@
           </a:p>
         </p:txBody>
       </p:sp>
+      <p:pic>
+        <p:nvPicPr>
+          <p:cNvPr id="59394" name="Picture 2"/>
+          <p:cNvPicPr>
+            <a:picLocks noChangeAspect="1" noChangeArrowheads="1"/>
+          </p:cNvPicPr>
+          <p:nvPr/>
+        </p:nvPicPr>
+        <p:blipFill>
+          <a:blip r:embed="rId2" cstate="print"/>
+          <a:srcRect/>
+          <a:stretch>
+            <a:fillRect/>
+          </a:stretch>
+        </p:blipFill>
+        <p:spPr bwMode="auto">
+          <a:xfrm>
+            <a:off x="1507830" y="1556792"/>
+            <a:ext cx="6128340" cy="1440160"/>
+          </a:xfrm>
+          <a:prstGeom prst="rect">
+            <a:avLst/>
+          </a:prstGeom>
+          <a:noFill/>
+          <a:ln w="9525">
+            <a:noFill/>
+            <a:miter lim="800000"/>
+            <a:headEnd/>
+            <a:tailEnd/>
+          </a:ln>
+        </p:spPr>
+      </p:pic>
+      <p:pic>
+        <p:nvPicPr>
+          <p:cNvPr id="59396" name="Picture 4"/>
+          <p:cNvPicPr>
+            <a:picLocks noChangeAspect="1" noChangeArrowheads="1"/>
+          </p:cNvPicPr>
+          <p:nvPr/>
+        </p:nvPicPr>
+        <p:blipFill>
+          <a:blip r:embed="rId3" cstate="print"/>
+          <a:srcRect/>
+          <a:stretch>
+            <a:fillRect/>
+          </a:stretch>
+        </p:blipFill>
+        <p:spPr bwMode="auto">
+          <a:xfrm>
+            <a:off x="2466915" y="3429000"/>
+            <a:ext cx="4210170" cy="2442938"/>
+          </a:xfrm>
+          <a:prstGeom prst="rect">
+            <a:avLst/>
+          </a:prstGeom>
+          <a:noFill/>
+          <a:ln w="9525">
+            <a:noFill/>
+            <a:miter lim="800000"/>
+            <a:headEnd/>
+            <a:tailEnd/>
+          </a:ln>
+        </p:spPr>
+      </p:pic>
     </p:spTree>
   </p:cSld>
   <p:clrMapOvr>
@@ -9737,6 +9831,166 @@
 </file>
 
 <file path=ppt/slides/slide42.xml><?xml version="1.0" encoding="utf-8"?>
+<p:sld xmlns:a="http://schemas.openxmlformats.org/drawingml/2006/main" xmlns:r="http://schemas.openxmlformats.org/officeDocument/2006/relationships" xmlns:p="http://schemas.openxmlformats.org/presentationml/2006/main">
+  <p:cSld>
+    <p:spTree>
+      <p:nvGrpSpPr>
+        <p:cNvPr id="1" name=""/>
+        <p:cNvGrpSpPr/>
+        <p:nvPr/>
+      </p:nvGrpSpPr>
+      <p:grpSpPr>
+        <a:xfrm>
+          <a:off x="0" y="0"/>
+          <a:ext cx="0" cy="0"/>
+          <a:chOff x="0" y="0"/>
+          <a:chExt cx="0" cy="0"/>
+        </a:xfrm>
+      </p:grpSpPr>
+      <p:sp>
+        <p:nvSpPr>
+          <p:cNvPr id="2" name="Title 1"/>
+          <p:cNvSpPr>
+            <a:spLocks noGrp="1"/>
+          </p:cNvSpPr>
+          <p:nvPr>
+            <p:ph type="title"/>
+          </p:nvPr>
+        </p:nvSpPr>
+        <p:spPr/>
+        <p:txBody>
+          <a:bodyPr/>
+          <a:lstStyle/>
+          <a:p>
+            <a:r>
+              <a:rPr lang="en-US" dirty="0" err="1" smtClean="0"/>
+              <a:t>Deklarasi</a:t>
+            </a:r>
+            <a:r>
+              <a:rPr lang="en-US" dirty="0" smtClean="0"/>
+              <a:t> </a:t>
+            </a:r>
+            <a:r>
+              <a:rPr lang="en-US" dirty="0" err="1" smtClean="0"/>
+              <a:t>Variabel</a:t>
+            </a:r>
+            <a:r>
+              <a:rPr lang="en-US" baseline="0" dirty="0" smtClean="0"/>
+              <a:t> </a:t>
+            </a:r>
+            <a:r>
+              <a:rPr lang="en-US" baseline="0" dirty="0" err="1" smtClean="0"/>
+              <a:t>Kelas</a:t>
+            </a:r>
+            <a:endParaRPr lang="en-US" dirty="0"/>
+          </a:p>
+        </p:txBody>
+      </p:sp>
+      <p:pic>
+        <p:nvPicPr>
+          <p:cNvPr id="60420" name="Picture 4"/>
+          <p:cNvPicPr>
+            <a:picLocks noChangeAspect="1" noChangeArrowheads="1"/>
+          </p:cNvPicPr>
+          <p:nvPr/>
+        </p:nvPicPr>
+        <p:blipFill>
+          <a:blip r:embed="rId2" cstate="print"/>
+          <a:srcRect/>
+          <a:stretch>
+            <a:fillRect/>
+          </a:stretch>
+        </p:blipFill>
+        <p:spPr bwMode="auto">
+          <a:xfrm>
+            <a:off x="1806893" y="1700808"/>
+            <a:ext cx="5530214" cy="1152128"/>
+          </a:xfrm>
+          <a:prstGeom prst="rect">
+            <a:avLst/>
+          </a:prstGeom>
+          <a:noFill/>
+          <a:ln w="9525">
+            <a:noFill/>
+            <a:miter lim="800000"/>
+            <a:headEnd/>
+            <a:tailEnd/>
+          </a:ln>
+        </p:spPr>
+      </p:pic>
+      <p:pic>
+        <p:nvPicPr>
+          <p:cNvPr id="60421" name="Picture 5"/>
+          <p:cNvPicPr>
+            <a:picLocks noChangeAspect="1" noChangeArrowheads="1"/>
+          </p:cNvPicPr>
+          <p:nvPr/>
+        </p:nvPicPr>
+        <p:blipFill>
+          <a:blip r:embed="rId3" cstate="print"/>
+          <a:srcRect/>
+          <a:stretch>
+            <a:fillRect/>
+          </a:stretch>
+        </p:blipFill>
+        <p:spPr bwMode="auto">
+          <a:xfrm>
+            <a:off x="1825851" y="3140968"/>
+            <a:ext cx="5492297" cy="843116"/>
+          </a:xfrm>
+          <a:prstGeom prst="rect">
+            <a:avLst/>
+          </a:prstGeom>
+          <a:noFill/>
+          <a:ln w="9525">
+            <a:noFill/>
+            <a:miter lim="800000"/>
+            <a:headEnd/>
+            <a:tailEnd/>
+          </a:ln>
+        </p:spPr>
+      </p:pic>
+      <p:pic>
+        <p:nvPicPr>
+          <p:cNvPr id="60422" name="Picture 6"/>
+          <p:cNvPicPr>
+            <a:picLocks noChangeAspect="1" noChangeArrowheads="1"/>
+          </p:cNvPicPr>
+          <p:nvPr/>
+        </p:nvPicPr>
+        <p:blipFill>
+          <a:blip r:embed="rId4" cstate="print"/>
+          <a:srcRect/>
+          <a:stretch>
+            <a:fillRect/>
+          </a:stretch>
+        </p:blipFill>
+        <p:spPr bwMode="auto">
+          <a:xfrm>
+            <a:off x="2060051" y="4437112"/>
+            <a:ext cx="5023897" cy="1512168"/>
+          </a:xfrm>
+          <a:prstGeom prst="rect">
+            <a:avLst/>
+          </a:prstGeom>
+          <a:noFill/>
+          <a:ln w="9525">
+            <a:noFill/>
+            <a:miter lim="800000"/>
+            <a:headEnd/>
+            <a:tailEnd/>
+          </a:ln>
+        </p:spPr>
+      </p:pic>
+    </p:spTree>
+  </p:cSld>
+  <p:clrMapOvr>
+    <a:masterClrMapping/>
+  </p:clrMapOvr>
+</p:sld>
+</file>
+
+<file path=ppt/slides/slide43.xml><?xml version="1.0" encoding="utf-8"?>
 <p:sld xmlns:a="http://schemas.openxmlformats.org/drawingml/2006/main" xmlns:r="http://schemas.openxmlformats.org/officeDocument/2006/relationships" xmlns:p="http://schemas.openxmlformats.org/presentationml/2006/main">
   <p:cSld>
     <p:spTree>
@@ -9824,73 +10078,6 @@
           </a:ln>
         </p:spPr>
       </p:pic>
-      <p:sp>
-        <p:nvSpPr>
-          <p:cNvPr id="4" name="Rectangular Callout 3"/>
-          <p:cNvSpPr/>
-          <p:nvPr/>
-        </p:nvSpPr>
-        <p:spPr>
-          <a:xfrm>
-            <a:off x="1043608" y="2924944"/>
-            <a:ext cx="1800200" cy="504056"/>
-          </a:xfrm>
-          <a:prstGeom prst="wedgeRectCallout">
-            <a:avLst>
-              <a:gd name="adj1" fmla="val 11136"/>
-              <a:gd name="adj2" fmla="val -134972"/>
-            </a:avLst>
-          </a:prstGeom>
-        </p:spPr>
-        <p:style>
-          <a:lnRef idx="2">
-            <a:schemeClr val="accent1">
-              <a:shade val="50000"/>
-            </a:schemeClr>
-          </a:lnRef>
-          <a:fillRef idx="1">
-            <a:schemeClr val="accent1"/>
-          </a:fillRef>
-          <a:effectRef idx="0">
-            <a:schemeClr val="accent1"/>
-          </a:effectRef>
-          <a:fontRef idx="minor">
-            <a:schemeClr val="lt1"/>
-          </a:fontRef>
-        </p:style>
-        <p:txBody>
-          <a:bodyPr rtlCol="0" anchor="ctr"/>
-          <a:lstStyle/>
-          <a:p>
-            <a:pPr algn="ctr"/>
-            <a:r>
-              <a:rPr lang="en-US" dirty="0" smtClean="0"/>
-              <a:t>Type </a:t>
-            </a:r>
-            <a:r>
-              <a:rPr lang="en-US" dirty="0" err="1" smtClean="0"/>
-              <a:t>kembalian</a:t>
-            </a:r>
-            <a:r>
-              <a:rPr lang="en-US" dirty="0" smtClean="0"/>
-              <a:t> </a:t>
-            </a:r>
-            <a:r>
-              <a:rPr lang="en-US" dirty="0" err="1" smtClean="0"/>
-              <a:t>dari</a:t>
-            </a:r>
-            <a:r>
-              <a:rPr lang="en-US" dirty="0" smtClean="0"/>
-              <a:t> </a:t>
-            </a:r>
-            <a:r>
-              <a:rPr lang="en-US" dirty="0" err="1" smtClean="0"/>
-              <a:t>metode</a:t>
-            </a:r>
-            <a:endParaRPr lang="en-US" dirty="0"/>
-          </a:p>
-        </p:txBody>
-      </p:sp>
       <p:pic>
         <p:nvPicPr>
           <p:cNvPr id="58371" name="Picture 3"/>
@@ -9955,6 +10142,50 @@
           </a:ln>
         </p:spPr>
       </p:pic>
+    </p:spTree>
+  </p:cSld>
+  <p:clrMapOvr>
+    <a:masterClrMapping/>
+  </p:clrMapOvr>
+</p:sld>
+</file>
+
+<file path=ppt/slides/slide44.xml><?xml version="1.0" encoding="utf-8"?>
+<p:sld xmlns:a="http://schemas.openxmlformats.org/drawingml/2006/main" xmlns:r="http://schemas.openxmlformats.org/officeDocument/2006/relationships" xmlns:p="http://schemas.openxmlformats.org/presentationml/2006/main">
+  <p:cSld>
+    <p:spTree>
+      <p:nvGrpSpPr>
+        <p:cNvPr id="1" name=""/>
+        <p:cNvGrpSpPr/>
+        <p:nvPr/>
+      </p:nvGrpSpPr>
+      <p:grpSpPr>
+        <a:xfrm>
+          <a:off x="0" y="0"/>
+          <a:ext cx="0" cy="0"/>
+          <a:chOff x="0" y="0"/>
+          <a:chExt cx="0" cy="0"/>
+        </a:xfrm>
+      </p:grpSpPr>
+      <p:sp>
+        <p:nvSpPr>
+          <p:cNvPr id="2" name="Title 1"/>
+          <p:cNvSpPr>
+            <a:spLocks noGrp="1"/>
+          </p:cNvSpPr>
+          <p:nvPr>
+            <p:ph type="title"/>
+          </p:nvPr>
+        </p:nvSpPr>
+        <p:spPr/>
+        <p:txBody>
+          <a:bodyPr/>
+          <a:lstStyle/>
+          <a:p>
+            <a:endParaRPr lang="en-US" dirty="0"/>
+          </a:p>
+        </p:txBody>
+      </p:sp>
     </p:spTree>
   </p:cSld>
   <p:clrMapOvr>

--- a/src/main/resources/Dasar-Dasar Pemograman Java.pptx
+++ b/src/main/resources/Dasar-Dasar Pemograman Java.pptx
@@ -5,7 +5,7 @@
     <p:sldMasterId id="2147483648" r:id="rId1"/>
   </p:sldMasterIdLst>
   <p:notesMasterIdLst>
-    <p:notesMasterId r:id="rId46"/>
+    <p:notesMasterId r:id="rId50"/>
   </p:notesMasterIdLst>
   <p:sldIdLst>
     <p:sldId id="256" r:id="rId2"/>
@@ -52,6 +52,10 @@
     <p:sldId id="297" r:id="rId43"/>
     <p:sldId id="296" r:id="rId44"/>
     <p:sldId id="299" r:id="rId45"/>
+    <p:sldId id="300" r:id="rId46"/>
+    <p:sldId id="303" r:id="rId47"/>
+    <p:sldId id="301" r:id="rId48"/>
+    <p:sldId id="302" r:id="rId49"/>
   </p:sldIdLst>
   <p:sldSz cx="9144000" cy="6858000" type="screen4x3"/>
   <p:notesSz cx="6858000" cy="9144000"/>
@@ -10182,6 +10186,392 @@
           <a:bodyPr/>
           <a:lstStyle/>
           <a:p>
+            <a:r>
+              <a:rPr lang="en-US" dirty="0" smtClean="0"/>
+              <a:t>Sample</a:t>
+            </a:r>
+            <a:r>
+              <a:rPr lang="en-US" baseline="0" dirty="0" smtClean="0"/>
+              <a:t> Field Declaration</a:t>
+            </a:r>
+            <a:endParaRPr lang="en-US" dirty="0"/>
+          </a:p>
+        </p:txBody>
+      </p:sp>
+      <p:pic>
+        <p:nvPicPr>
+          <p:cNvPr id="61443" name="Picture 3"/>
+          <p:cNvPicPr>
+            <a:picLocks noChangeAspect="1" noChangeArrowheads="1"/>
+          </p:cNvPicPr>
+          <p:nvPr/>
+        </p:nvPicPr>
+        <p:blipFill>
+          <a:blip r:embed="rId2" cstate="print"/>
+          <a:srcRect/>
+          <a:stretch>
+            <a:fillRect/>
+          </a:stretch>
+        </p:blipFill>
+        <p:spPr bwMode="auto">
+          <a:xfrm>
+            <a:off x="1522953" y="1844824"/>
+            <a:ext cx="6098094" cy="3888432"/>
+          </a:xfrm>
+          <a:prstGeom prst="rect">
+            <a:avLst/>
+          </a:prstGeom>
+          <a:noFill/>
+          <a:ln w="9525">
+            <a:noFill/>
+            <a:miter lim="800000"/>
+            <a:headEnd/>
+            <a:tailEnd/>
+          </a:ln>
+        </p:spPr>
+      </p:pic>
+    </p:spTree>
+  </p:cSld>
+  <p:clrMapOvr>
+    <a:masterClrMapping/>
+  </p:clrMapOvr>
+</p:sld>
+</file>
+
+<file path=ppt/slides/slide45.xml><?xml version="1.0" encoding="utf-8"?>
+<p:sld xmlns:a="http://schemas.openxmlformats.org/drawingml/2006/main" xmlns:r="http://schemas.openxmlformats.org/officeDocument/2006/relationships" xmlns:p="http://schemas.openxmlformats.org/presentationml/2006/main">
+  <p:cSld>
+    <p:spTree>
+      <p:nvGrpSpPr>
+        <p:cNvPr id="1" name=""/>
+        <p:cNvGrpSpPr/>
+        <p:nvPr/>
+      </p:nvGrpSpPr>
+      <p:grpSpPr>
+        <a:xfrm>
+          <a:off x="0" y="0"/>
+          <a:ext cx="0" cy="0"/>
+          <a:chOff x="0" y="0"/>
+          <a:chExt cx="0" cy="0"/>
+        </a:xfrm>
+      </p:grpSpPr>
+      <p:sp>
+        <p:nvSpPr>
+          <p:cNvPr id="2" name="Title 1"/>
+          <p:cNvSpPr>
+            <a:spLocks noGrp="1"/>
+          </p:cNvSpPr>
+          <p:nvPr>
+            <p:ph type="title"/>
+          </p:nvPr>
+        </p:nvSpPr>
+        <p:spPr/>
+        <p:txBody>
+          <a:bodyPr/>
+          <a:lstStyle/>
+          <a:p>
+            <a:r>
+              <a:rPr lang="en-US" dirty="0" smtClean="0"/>
+              <a:t>Sample Method Declaration</a:t>
+            </a:r>
+            <a:endParaRPr lang="en-US" dirty="0"/>
+          </a:p>
+        </p:txBody>
+      </p:sp>
+      <p:pic>
+        <p:nvPicPr>
+          <p:cNvPr id="62466" name="Picture 2"/>
+          <p:cNvPicPr>
+            <a:picLocks noChangeAspect="1" noChangeArrowheads="1"/>
+          </p:cNvPicPr>
+          <p:nvPr/>
+        </p:nvPicPr>
+        <p:blipFill>
+          <a:blip r:embed="rId2" cstate="print"/>
+          <a:srcRect/>
+          <a:stretch>
+            <a:fillRect/>
+          </a:stretch>
+        </p:blipFill>
+        <p:spPr bwMode="auto">
+          <a:xfrm>
+            <a:off x="1475656" y="1844824"/>
+            <a:ext cx="5832648" cy="4323767"/>
+          </a:xfrm>
+          <a:prstGeom prst="rect">
+            <a:avLst/>
+          </a:prstGeom>
+          <a:noFill/>
+          <a:ln w="9525">
+            <a:noFill/>
+            <a:miter lim="800000"/>
+            <a:headEnd/>
+            <a:tailEnd/>
+          </a:ln>
+        </p:spPr>
+      </p:pic>
+    </p:spTree>
+  </p:cSld>
+  <p:clrMapOvr>
+    <a:masterClrMapping/>
+  </p:clrMapOvr>
+</p:sld>
+</file>
+
+<file path=ppt/slides/slide46.xml><?xml version="1.0" encoding="utf-8"?>
+<p:sld xmlns:a="http://schemas.openxmlformats.org/drawingml/2006/main" xmlns:r="http://schemas.openxmlformats.org/officeDocument/2006/relationships" xmlns:p="http://schemas.openxmlformats.org/presentationml/2006/main">
+  <p:cSld>
+    <p:spTree>
+      <p:nvGrpSpPr>
+        <p:cNvPr id="1" name=""/>
+        <p:cNvGrpSpPr/>
+        <p:nvPr/>
+      </p:nvGrpSpPr>
+      <p:grpSpPr>
+        <a:xfrm>
+          <a:off x="0" y="0"/>
+          <a:ext cx="0" cy="0"/>
+          <a:chOff x="0" y="0"/>
+          <a:chExt cx="0" cy="0"/>
+        </a:xfrm>
+      </p:grpSpPr>
+      <p:sp>
+        <p:nvSpPr>
+          <p:cNvPr id="2" name="Title 1"/>
+          <p:cNvSpPr>
+            <a:spLocks noGrp="1"/>
+          </p:cNvSpPr>
+          <p:nvPr>
+            <p:ph type="title"/>
+          </p:nvPr>
+        </p:nvSpPr>
+        <p:spPr/>
+        <p:txBody>
+          <a:bodyPr/>
+          <a:lstStyle/>
+          <a:p>
+            <a:r>
+              <a:rPr lang="en-US" smtClean="0"/>
+              <a:t>Method</a:t>
+            </a:r>
+            <a:r>
+              <a:rPr lang="en-US" baseline="0" smtClean="0"/>
+              <a:t> Overloading</a:t>
+            </a:r>
+            <a:endParaRPr lang="en-US" dirty="0"/>
+          </a:p>
+        </p:txBody>
+      </p:sp>
+      <p:sp>
+        <p:nvSpPr>
+          <p:cNvPr id="3" name="Content Placeholder 2"/>
+          <p:cNvSpPr>
+            <a:spLocks noGrp="1"/>
+          </p:cNvSpPr>
+          <p:nvPr>
+            <p:ph idx="1"/>
+          </p:nvPr>
+        </p:nvSpPr>
+        <p:spPr/>
+        <p:txBody>
+          <a:bodyPr/>
+          <a:lstStyle/>
+          <a:p>
+            <a:r>
+              <a:rPr lang="en-US" dirty="0" err="1" smtClean="0"/>
+              <a:t>Beberapa</a:t>
+            </a:r>
+            <a:r>
+              <a:rPr lang="en-US" dirty="0" smtClean="0"/>
+              <a:t> </a:t>
+            </a:r>
+            <a:r>
+              <a:rPr lang="en-US" dirty="0" err="1" smtClean="0"/>
+              <a:t>metode</a:t>
+            </a:r>
+            <a:r>
+              <a:rPr lang="en-US" dirty="0" smtClean="0"/>
+              <a:t> </a:t>
+            </a:r>
+            <a:r>
+              <a:rPr lang="en-US" dirty="0" err="1" smtClean="0"/>
+              <a:t>memiliki</a:t>
+            </a:r>
+            <a:r>
+              <a:rPr lang="en-US" dirty="0" smtClean="0"/>
+              <a:t> </a:t>
+            </a:r>
+            <a:r>
+              <a:rPr lang="en-US" dirty="0" err="1" smtClean="0"/>
+              <a:t>nama</a:t>
+            </a:r>
+            <a:r>
+              <a:rPr lang="en-US" dirty="0" smtClean="0"/>
+              <a:t> </a:t>
+            </a:r>
+            <a:r>
+              <a:rPr lang="en-US" dirty="0" err="1" smtClean="0"/>
+              <a:t>sama</a:t>
+            </a:r>
+            <a:r>
+              <a:rPr lang="en-US" dirty="0" smtClean="0"/>
+              <a:t>, </a:t>
+            </a:r>
+            <a:r>
+              <a:rPr lang="en-US" dirty="0" err="1" smtClean="0"/>
+              <a:t>dan</a:t>
+            </a:r>
+            <a:r>
+              <a:rPr lang="en-US" dirty="0" smtClean="0"/>
+              <a:t> </a:t>
+            </a:r>
+            <a:r>
+              <a:rPr lang="en-US" dirty="0" err="1" smtClean="0"/>
+              <a:t>bedakan</a:t>
+            </a:r>
+            <a:r>
+              <a:rPr lang="en-US" dirty="0" smtClean="0"/>
+              <a:t> </a:t>
+            </a:r>
+            <a:r>
+              <a:rPr lang="en-US" dirty="0" err="1" smtClean="0"/>
+              <a:t>berdasarkan</a:t>
+            </a:r>
+            <a:r>
+              <a:rPr lang="en-US" dirty="0" smtClean="0"/>
+              <a:t> </a:t>
+            </a:r>
+            <a:r>
+              <a:rPr lang="en-US" dirty="0" err="1" smtClean="0"/>
+              <a:t>parameternya</a:t>
+            </a:r>
+            <a:r>
+              <a:rPr lang="en-US" dirty="0" smtClean="0"/>
+              <a:t>.</a:t>
+            </a:r>
+          </a:p>
+        </p:txBody>
+      </p:sp>
+    </p:spTree>
+  </p:cSld>
+  <p:clrMapOvr>
+    <a:masterClrMapping/>
+  </p:clrMapOvr>
+</p:sld>
+</file>
+
+<file path=ppt/slides/slide47.xml><?xml version="1.0" encoding="utf-8"?>
+<p:sld xmlns:a="http://schemas.openxmlformats.org/drawingml/2006/main" xmlns:r="http://schemas.openxmlformats.org/officeDocument/2006/relationships" xmlns:p="http://schemas.openxmlformats.org/presentationml/2006/main">
+  <p:cSld>
+    <p:spTree>
+      <p:nvGrpSpPr>
+        <p:cNvPr id="1" name=""/>
+        <p:cNvGrpSpPr/>
+        <p:nvPr/>
+      </p:nvGrpSpPr>
+      <p:grpSpPr>
+        <a:xfrm>
+          <a:off x="0" y="0"/>
+          <a:ext cx="0" cy="0"/>
+          <a:chOff x="0" y="0"/>
+          <a:chExt cx="0" cy="0"/>
+        </a:xfrm>
+      </p:grpSpPr>
+      <p:sp>
+        <p:nvSpPr>
+          <p:cNvPr id="2" name="Title 1"/>
+          <p:cNvSpPr>
+            <a:spLocks noGrp="1"/>
+          </p:cNvSpPr>
+          <p:nvPr>
+            <p:ph type="title"/>
+          </p:nvPr>
+        </p:nvSpPr>
+        <p:spPr/>
+        <p:txBody>
+          <a:bodyPr/>
+          <a:lstStyle/>
+          <a:p>
+            <a:r>
+              <a:rPr lang="en-US" dirty="0" smtClean="0"/>
+              <a:t>Static</a:t>
+            </a:r>
+            <a:endParaRPr lang="en-US" dirty="0"/>
+          </a:p>
+        </p:txBody>
+      </p:sp>
+      <p:pic>
+        <p:nvPicPr>
+          <p:cNvPr id="63490" name="Picture 2"/>
+          <p:cNvPicPr>
+            <a:picLocks noChangeAspect="1" noChangeArrowheads="1"/>
+          </p:cNvPicPr>
+          <p:nvPr/>
+        </p:nvPicPr>
+        <p:blipFill>
+          <a:blip r:embed="rId2" cstate="print"/>
+          <a:srcRect/>
+          <a:stretch>
+            <a:fillRect/>
+          </a:stretch>
+        </p:blipFill>
+        <p:spPr bwMode="auto">
+          <a:xfrm>
+            <a:off x="2123728" y="1628800"/>
+            <a:ext cx="4896544" cy="4896544"/>
+          </a:xfrm>
+          <a:prstGeom prst="rect">
+            <a:avLst/>
+          </a:prstGeom>
+          <a:noFill/>
+          <a:ln w="9525">
+            <a:noFill/>
+            <a:miter lim="800000"/>
+            <a:headEnd/>
+            <a:tailEnd/>
+          </a:ln>
+        </p:spPr>
+      </p:pic>
+    </p:spTree>
+  </p:cSld>
+  <p:clrMapOvr>
+    <a:masterClrMapping/>
+  </p:clrMapOvr>
+</p:sld>
+</file>
+
+<file path=ppt/slides/slide48.xml><?xml version="1.0" encoding="utf-8"?>
+<p:sld xmlns:a="http://schemas.openxmlformats.org/drawingml/2006/main" xmlns:r="http://schemas.openxmlformats.org/officeDocument/2006/relationships" xmlns:p="http://schemas.openxmlformats.org/presentationml/2006/main">
+  <p:cSld>
+    <p:spTree>
+      <p:nvGrpSpPr>
+        <p:cNvPr id="1" name=""/>
+        <p:cNvGrpSpPr/>
+        <p:nvPr/>
+      </p:nvGrpSpPr>
+      <p:grpSpPr>
+        <a:xfrm>
+          <a:off x="0" y="0"/>
+          <a:ext cx="0" cy="0"/>
+          <a:chOff x="0" y="0"/>
+          <a:chExt cx="0" cy="0"/>
+        </a:xfrm>
+      </p:grpSpPr>
+      <p:sp>
+        <p:nvSpPr>
+          <p:cNvPr id="2" name="Title 1"/>
+          <p:cNvSpPr>
+            <a:spLocks noGrp="1"/>
+          </p:cNvSpPr>
+          <p:nvPr>
+            <p:ph type="title"/>
+          </p:nvPr>
+        </p:nvSpPr>
+        <p:spPr/>
+        <p:txBody>
+          <a:bodyPr/>
+          <a:lstStyle/>
+          <a:p>
             <a:endParaRPr lang="en-US" dirty="0"/>
           </a:p>
         </p:txBody>

--- a/src/main/resources/Dasar-Dasar Pemograman Java.pptx
+++ b/src/main/resources/Dasar-Dasar Pemograman Java.pptx
@@ -5,7 +5,7 @@
     <p:sldMasterId id="2147483648" r:id="rId1"/>
   </p:sldMasterIdLst>
   <p:notesMasterIdLst>
-    <p:notesMasterId r:id="rId82"/>
+    <p:notesMasterId r:id="rId83"/>
   </p:notesMasterIdLst>
   <p:sldIdLst>
     <p:sldId id="256" r:id="rId2"/>
@@ -66,28 +66,29 @@
     <p:sldId id="307" r:id="rId57"/>
     <p:sldId id="310" r:id="rId58"/>
     <p:sldId id="311" r:id="rId59"/>
-    <p:sldId id="312" r:id="rId60"/>
-    <p:sldId id="313" r:id="rId61"/>
-    <p:sldId id="314" r:id="rId62"/>
-    <p:sldId id="318" r:id="rId63"/>
-    <p:sldId id="319" r:id="rId64"/>
-    <p:sldId id="320" r:id="rId65"/>
-    <p:sldId id="321" r:id="rId66"/>
-    <p:sldId id="322" r:id="rId67"/>
-    <p:sldId id="323" r:id="rId68"/>
-    <p:sldId id="324" r:id="rId69"/>
-    <p:sldId id="325" r:id="rId70"/>
-    <p:sldId id="326" r:id="rId71"/>
-    <p:sldId id="327" r:id="rId72"/>
-    <p:sldId id="328" r:id="rId73"/>
-    <p:sldId id="329" r:id="rId74"/>
-    <p:sldId id="330" r:id="rId75"/>
-    <p:sldId id="331" r:id="rId76"/>
-    <p:sldId id="332" r:id="rId77"/>
-    <p:sldId id="334" r:id="rId78"/>
-    <p:sldId id="333" r:id="rId79"/>
-    <p:sldId id="335" r:id="rId80"/>
-    <p:sldId id="338" r:id="rId81"/>
+    <p:sldId id="339" r:id="rId60"/>
+    <p:sldId id="312" r:id="rId61"/>
+    <p:sldId id="313" r:id="rId62"/>
+    <p:sldId id="314" r:id="rId63"/>
+    <p:sldId id="318" r:id="rId64"/>
+    <p:sldId id="319" r:id="rId65"/>
+    <p:sldId id="320" r:id="rId66"/>
+    <p:sldId id="321" r:id="rId67"/>
+    <p:sldId id="322" r:id="rId68"/>
+    <p:sldId id="323" r:id="rId69"/>
+    <p:sldId id="324" r:id="rId70"/>
+    <p:sldId id="325" r:id="rId71"/>
+    <p:sldId id="326" r:id="rId72"/>
+    <p:sldId id="327" r:id="rId73"/>
+    <p:sldId id="328" r:id="rId74"/>
+    <p:sldId id="329" r:id="rId75"/>
+    <p:sldId id="330" r:id="rId76"/>
+    <p:sldId id="331" r:id="rId77"/>
+    <p:sldId id="332" r:id="rId78"/>
+    <p:sldId id="334" r:id="rId79"/>
+    <p:sldId id="333" r:id="rId80"/>
+    <p:sldId id="335" r:id="rId81"/>
+    <p:sldId id="338" r:id="rId82"/>
   </p:sldIdLst>
   <p:sldSz cx="9144000" cy="6858000" type="screen4x3"/>
   <p:notesSz cx="6858000" cy="9144000"/>
@@ -271,7 +272,8 @@
           <a:p>
             <a:fld id="{854E2F84-F0C3-44F7-B89D-BA9AD2B1800F}" type="datetimeFigureOut">
               <a:rPr lang="en-US" smtClean="0"/>
-              <a:t>10/23/2016</a:t>
+              <a:pPr/>
+              <a:t>10/24/2016</a:t>
             </a:fld>
             <a:endParaRPr lang="en-US"/>
           </a:p>
@@ -432,6 +434,7 @@
           <a:p>
             <a:fld id="{55D898C7-636F-4D31-9783-AF32676114F7}" type="slidenum">
               <a:rPr lang="en-US" smtClean="0"/>
+              <a:pPr/>
               <a:t>‹#›</a:t>
             </a:fld>
             <a:endParaRPr lang="en-US"/>
@@ -603,6 +606,7 @@
           <a:p>
             <a:fld id="{55D898C7-636F-4D31-9783-AF32676114F7}" type="slidenum">
               <a:rPr lang="en-US" smtClean="0"/>
+              <a:pPr/>
               <a:t>32</a:t>
             </a:fld>
             <a:endParaRPr lang="en-US"/>
@@ -654,7 +658,7 @@
             <a:fld id="{1C0ADBA5-360B-4207-9091-20ECFFB5F6AB}" type="slidenum">
               <a:rPr lang="en-US"/>
               <a:pPr/>
-              <a:t>64</a:t>
+              <a:t>65</a:t>
             </a:fld>
             <a:endParaRPr lang="en-US"/>
           </a:p>
@@ -664,7 +668,7 @@
         <p:nvSpPr>
           <p:cNvPr id="10242" name="Rectangle 2"/>
           <p:cNvSpPr>
-            <a:spLocks noRot="1" noChangeArrowheads="1" noTextEdit="1"/>
+            <a:spLocks noGrp="1" noRot="1" noChangeAspect="1" noChangeArrowheads="1" noTextEdit="1"/>
           </p:cNvSpPr>
           <p:nvPr>
             <p:ph type="sldImg"/>
@@ -759,7 +763,7 @@
             <a:fld id="{78702238-3B66-47B1-8D42-DC75995D1CEA}" type="slidenum">
               <a:rPr lang="en-US"/>
               <a:pPr/>
-              <a:t>65</a:t>
+              <a:t>66</a:t>
             </a:fld>
             <a:endParaRPr lang="en-US"/>
           </a:p>
@@ -769,7 +773,7 @@
         <p:nvSpPr>
           <p:cNvPr id="12290" name="Rectangle 2"/>
           <p:cNvSpPr>
-            <a:spLocks noRot="1" noChangeArrowheads="1" noTextEdit="1"/>
+            <a:spLocks noGrp="1" noRot="1" noChangeAspect="1" noChangeArrowheads="1" noTextEdit="1"/>
           </p:cNvSpPr>
           <p:nvPr>
             <p:ph type="sldImg"/>
@@ -1016,7 +1020,7 @@
             <a:fld id="{3859C0A4-2EA4-45DE-82DB-EDD8650CEFD9}" type="slidenum">
               <a:rPr lang="en-US"/>
               <a:pPr/>
-              <a:t>66</a:t>
+              <a:t>67</a:t>
             </a:fld>
             <a:endParaRPr lang="en-US"/>
           </a:p>
@@ -1026,7 +1030,7 @@
         <p:nvSpPr>
           <p:cNvPr id="15362" name="Rectangle 2"/>
           <p:cNvSpPr>
-            <a:spLocks noRot="1" noChangeArrowheads="1" noTextEdit="1"/>
+            <a:spLocks noGrp="1" noRot="1" noChangeAspect="1" noChangeArrowheads="1" noTextEdit="1"/>
           </p:cNvSpPr>
           <p:nvPr>
             <p:ph type="sldImg"/>
@@ -1229,7 +1233,7 @@
             <a:fld id="{FEB00A3C-CBE5-4780-9FBF-AFF1DCF423BE}" type="slidenum">
               <a:rPr lang="en-US"/>
               <a:pPr/>
-              <a:t>67</a:t>
+              <a:t>68</a:t>
             </a:fld>
             <a:endParaRPr lang="en-US"/>
           </a:p>
@@ -1239,7 +1243,7 @@
         <p:nvSpPr>
           <p:cNvPr id="17410" name="Rectangle 2"/>
           <p:cNvSpPr>
-            <a:spLocks noRot="1" noChangeArrowheads="1" noTextEdit="1"/>
+            <a:spLocks noGrp="1" noRot="1" noChangeAspect="1" noChangeArrowheads="1" noTextEdit="1"/>
           </p:cNvSpPr>
           <p:nvPr>
             <p:ph type="sldImg"/>
@@ -1486,7 +1490,7 @@
             <a:fld id="{C94A35E3-DAA2-4157-9415-C83626574F18}" type="slidenum">
               <a:rPr lang="en-US"/>
               <a:pPr/>
-              <a:t>68</a:t>
+              <a:t>69</a:t>
             </a:fld>
             <a:endParaRPr lang="en-US"/>
           </a:p>
@@ -1496,7 +1500,7 @@
         <p:nvSpPr>
           <p:cNvPr id="19458" name="Rectangle 2"/>
           <p:cNvSpPr>
-            <a:spLocks noRot="1" noChangeArrowheads="1" noTextEdit="1"/>
+            <a:spLocks noGrp="1" noRot="1" noChangeAspect="1" noChangeArrowheads="1" noTextEdit="1"/>
           </p:cNvSpPr>
           <p:nvPr>
             <p:ph type="sldImg"/>
@@ -1765,7 +1769,7 @@
             <a:fld id="{30E379C4-F71D-4307-9363-646767D5847C}" type="slidenum">
               <a:rPr lang="en-US"/>
               <a:pPr/>
-              <a:t>69</a:t>
+              <a:t>70</a:t>
             </a:fld>
             <a:endParaRPr lang="en-US"/>
           </a:p>
@@ -1775,7 +1779,7 @@
         <p:nvSpPr>
           <p:cNvPr id="21506" name="Rectangle 2"/>
           <p:cNvSpPr>
-            <a:spLocks noRot="1" noChangeArrowheads="1" noTextEdit="1"/>
+            <a:spLocks noGrp="1" noRot="1" noChangeAspect="1" noChangeArrowheads="1" noTextEdit="1"/>
           </p:cNvSpPr>
           <p:nvPr>
             <p:ph type="sldImg"/>
@@ -2116,7 +2120,7 @@
             <a:fld id="{CDD1F8DA-0F37-4AAE-AC27-AAF373EB2168}" type="slidenum">
               <a:rPr lang="en-US"/>
               <a:pPr/>
-              <a:t>70</a:t>
+              <a:t>71</a:t>
             </a:fld>
             <a:endParaRPr lang="en-US"/>
           </a:p>
@@ -2126,7 +2130,7 @@
         <p:nvSpPr>
           <p:cNvPr id="27650" name="Rectangle 2"/>
           <p:cNvSpPr>
-            <a:spLocks noRot="1" noChangeArrowheads="1" noTextEdit="1"/>
+            <a:spLocks noGrp="1" noRot="1" noChangeAspect="1" noChangeArrowheads="1" noTextEdit="1"/>
           </p:cNvSpPr>
           <p:nvPr>
             <p:ph type="sldImg"/>
@@ -2235,7 +2239,7 @@
             <a:fld id="{211D4059-217D-4E3E-9AFE-C784D8C5EF2D}" type="slidenum">
               <a:rPr lang="en-US"/>
               <a:pPr/>
-              <a:t>71</a:t>
+              <a:t>72</a:t>
             </a:fld>
             <a:endParaRPr lang="en-US"/>
           </a:p>
@@ -2245,7 +2249,7 @@
         <p:nvSpPr>
           <p:cNvPr id="30722" name="Rectangle 2"/>
           <p:cNvSpPr>
-            <a:spLocks noRot="1" noChangeArrowheads="1" noTextEdit="1"/>
+            <a:spLocks noGrp="1" noRot="1" noChangeAspect="1" noChangeArrowheads="1" noTextEdit="1"/>
           </p:cNvSpPr>
           <p:nvPr>
             <p:ph type="sldImg"/>
@@ -2337,7 +2341,7 @@
             <a:fld id="{36842F34-215E-4591-B01C-069F6295547B}" type="slidenum">
               <a:rPr lang="en-US"/>
               <a:pPr/>
-              <a:t>72</a:t>
+              <a:t>73</a:t>
             </a:fld>
             <a:endParaRPr lang="en-US"/>
           </a:p>
@@ -2347,7 +2351,7 @@
         <p:nvSpPr>
           <p:cNvPr id="31746" name="Rectangle 2"/>
           <p:cNvSpPr>
-            <a:spLocks noRot="1" noChangeArrowheads="1" noTextEdit="1"/>
+            <a:spLocks noGrp="1" noRot="1" noChangeAspect="1" noChangeArrowheads="1" noTextEdit="1"/>
           </p:cNvSpPr>
           <p:nvPr>
             <p:ph type="sldImg"/>
@@ -2430,7 +2434,7 @@
             <a:fld id="{8120069A-3744-4B32-8105-944F2ADD455D}" type="slidenum">
               <a:rPr lang="en-US"/>
               <a:pPr/>
-              <a:t>73</a:t>
+              <a:t>74</a:t>
             </a:fld>
             <a:endParaRPr lang="en-US"/>
           </a:p>
@@ -2440,7 +2444,7 @@
         <p:nvSpPr>
           <p:cNvPr id="33794" name="Rectangle 2"/>
           <p:cNvSpPr>
-            <a:spLocks noRot="1" noChangeArrowheads="1" noTextEdit="1"/>
+            <a:spLocks noGrp="1" noRot="1" noChangeAspect="1" noChangeArrowheads="1" noTextEdit="1"/>
           </p:cNvSpPr>
           <p:nvPr>
             <p:ph type="sldImg"/>
@@ -2565,6 +2569,7 @@
           <a:p>
             <a:fld id="{55D898C7-636F-4D31-9783-AF32676114F7}" type="slidenum">
               <a:rPr lang="en-US" smtClean="0"/>
+              <a:pPr/>
               <a:t>33</a:t>
             </a:fld>
             <a:endParaRPr lang="en-US"/>
@@ -2616,7 +2621,7 @@
             <a:fld id="{775A10DD-9652-460E-9307-0AB117DF4951}" type="slidenum">
               <a:rPr lang="en-US"/>
               <a:pPr/>
-              <a:t>74</a:t>
+              <a:t>75</a:t>
             </a:fld>
             <a:endParaRPr lang="en-US"/>
           </a:p>
@@ -2626,7 +2631,7 @@
         <p:nvSpPr>
           <p:cNvPr id="35842" name="Rectangle 2"/>
           <p:cNvSpPr>
-            <a:spLocks noRot="1" noChangeArrowheads="1" noTextEdit="1"/>
+            <a:spLocks noGrp="1" noRot="1" noChangeAspect="1" noChangeArrowheads="1" noTextEdit="1"/>
           </p:cNvSpPr>
           <p:nvPr>
             <p:ph type="sldImg"/>
@@ -2823,7 +2828,7 @@
             <a:fld id="{47FF55A3-6ED8-4C29-BEB5-6A3EBD05F82A}" type="slidenum">
               <a:rPr lang="en-US"/>
               <a:pPr/>
-              <a:t>75</a:t>
+              <a:t>76</a:t>
             </a:fld>
             <a:endParaRPr lang="en-US"/>
           </a:p>
@@ -2833,7 +2838,7 @@
         <p:nvSpPr>
           <p:cNvPr id="37890" name="Rectangle 2"/>
           <p:cNvSpPr>
-            <a:spLocks noRot="1" noChangeArrowheads="1" noTextEdit="1"/>
+            <a:spLocks noGrp="1" noRot="1" noChangeAspect="1" noChangeArrowheads="1" noTextEdit="1"/>
           </p:cNvSpPr>
           <p:nvPr>
             <p:ph type="sldImg"/>
@@ -3019,6 +3024,7 @@
           <a:p>
             <a:fld id="{55D898C7-636F-4D31-9783-AF32676114F7}" type="slidenum">
               <a:rPr lang="en-US" smtClean="0"/>
+              <a:pPr/>
               <a:t>36</a:t>
             </a:fld>
             <a:endParaRPr lang="en-US"/>
@@ -3204,6 +3210,7 @@
           <a:p>
             <a:fld id="{55D898C7-636F-4D31-9783-AF32676114F7}" type="slidenum">
               <a:rPr lang="en-US" smtClean="0"/>
+              <a:pPr/>
               <a:t>37</a:t>
             </a:fld>
             <a:endParaRPr lang="en-US"/>
@@ -3285,6 +3292,7 @@
           <a:p>
             <a:fld id="{55D898C7-636F-4D31-9783-AF32676114F7}" type="slidenum">
               <a:rPr lang="en-US" smtClean="0"/>
+              <a:pPr/>
               <a:t>40</a:t>
             </a:fld>
             <a:endParaRPr lang="en-US"/>
@@ -3366,6 +3374,7 @@
           <a:p>
             <a:fld id="{55D898C7-636F-4D31-9783-AF32676114F7}" type="slidenum">
               <a:rPr lang="en-US" smtClean="0"/>
+              <a:pPr/>
               <a:t>41</a:t>
             </a:fld>
             <a:endParaRPr lang="en-US"/>
@@ -3447,6 +3456,7 @@
           <a:p>
             <a:fld id="{55D898C7-636F-4D31-9783-AF32676114F7}" type="slidenum">
               <a:rPr lang="en-US" smtClean="0"/>
+              <a:pPr/>
               <a:t>52</a:t>
             </a:fld>
             <a:endParaRPr lang="en-US"/>
@@ -3498,7 +3508,7 @@
             <a:fld id="{52EB5B63-8D3F-43A8-9114-3430424A4B8F}" type="slidenum">
               <a:rPr lang="en-US"/>
               <a:pPr/>
-              <a:t>62</a:t>
+              <a:t>63</a:t>
             </a:fld>
             <a:endParaRPr lang="en-US"/>
           </a:p>
@@ -3508,7 +3518,7 @@
         <p:nvSpPr>
           <p:cNvPr id="6146" name="Rectangle 2"/>
           <p:cNvSpPr>
-            <a:spLocks noRot="1" noChangeArrowheads="1" noTextEdit="1"/>
+            <a:spLocks noGrp="1" noRot="1" noChangeAspect="1" noChangeArrowheads="1" noTextEdit="1"/>
           </p:cNvSpPr>
           <p:nvPr>
             <p:ph type="sldImg"/>
@@ -3588,7 +3598,7 @@
             <a:fld id="{05EF6BB8-13A9-4DF4-9E8B-80CBA3F90B83}" type="slidenum">
               <a:rPr lang="en-US"/>
               <a:pPr/>
-              <a:t>63</a:t>
+              <a:t>64</a:t>
             </a:fld>
             <a:endParaRPr lang="en-US"/>
           </a:p>
@@ -3598,7 +3608,7 @@
         <p:nvSpPr>
           <p:cNvPr id="8194" name="Rectangle 2"/>
           <p:cNvSpPr>
-            <a:spLocks noRot="1" noChangeArrowheads="1" noTextEdit="1"/>
+            <a:spLocks noGrp="1" noRot="1" noChangeAspect="1" noChangeArrowheads="1" noTextEdit="1"/>
           </p:cNvSpPr>
           <p:nvPr>
             <p:ph type="sldImg"/>
@@ -3819,7 +3829,8 @@
           <a:p>
             <a:fld id="{FB8D564A-EE6F-48D2-B554-72BC7E40630F}" type="datetimeFigureOut">
               <a:rPr lang="en-US" smtClean="0"/>
-              <a:t>10/22/2016</a:t>
+              <a:pPr/>
+              <a:t>10/24/2016</a:t>
             </a:fld>
             <a:endParaRPr lang="en-US"/>
           </a:p>
@@ -3861,6 +3872,7 @@
           <a:p>
             <a:fld id="{A8AF8165-6E5F-45A5-9D17-FACB0B582EF7}" type="slidenum">
               <a:rPr lang="en-US" smtClean="0"/>
+              <a:pPr/>
               <a:t>‹#›</a:t>
             </a:fld>
             <a:endParaRPr lang="en-US"/>
@@ -3984,7 +3996,8 @@
           <a:p>
             <a:fld id="{FB8D564A-EE6F-48D2-B554-72BC7E40630F}" type="datetimeFigureOut">
               <a:rPr lang="en-US" smtClean="0"/>
-              <a:t>10/22/2016</a:t>
+              <a:pPr/>
+              <a:t>10/24/2016</a:t>
             </a:fld>
             <a:endParaRPr lang="en-US"/>
           </a:p>
@@ -4026,6 +4039,7 @@
           <a:p>
             <a:fld id="{A8AF8165-6E5F-45A5-9D17-FACB0B582EF7}" type="slidenum">
               <a:rPr lang="en-US" smtClean="0"/>
+              <a:pPr/>
               <a:t>‹#›</a:t>
             </a:fld>
             <a:endParaRPr lang="en-US"/>
@@ -4159,7 +4173,8 @@
           <a:p>
             <a:fld id="{FB8D564A-EE6F-48D2-B554-72BC7E40630F}" type="datetimeFigureOut">
               <a:rPr lang="en-US" smtClean="0"/>
-              <a:t>10/22/2016</a:t>
+              <a:pPr/>
+              <a:t>10/24/2016</a:t>
             </a:fld>
             <a:endParaRPr lang="en-US"/>
           </a:p>
@@ -4201,6 +4216,7 @@
           <a:p>
             <a:fld id="{A8AF8165-6E5F-45A5-9D17-FACB0B582EF7}" type="slidenum">
               <a:rPr lang="en-US" smtClean="0"/>
+              <a:pPr/>
               <a:t>‹#›</a:t>
             </a:fld>
             <a:endParaRPr lang="en-US"/>
@@ -4324,7 +4340,8 @@
           <a:p>
             <a:fld id="{FB8D564A-EE6F-48D2-B554-72BC7E40630F}" type="datetimeFigureOut">
               <a:rPr lang="en-US" smtClean="0"/>
-              <a:t>10/22/2016</a:t>
+              <a:pPr/>
+              <a:t>10/24/2016</a:t>
             </a:fld>
             <a:endParaRPr lang="en-US"/>
           </a:p>
@@ -4366,6 +4383,7 @@
           <a:p>
             <a:fld id="{A8AF8165-6E5F-45A5-9D17-FACB0B582EF7}" type="slidenum">
               <a:rPr lang="en-US" smtClean="0"/>
+              <a:pPr/>
               <a:t>‹#›</a:t>
             </a:fld>
             <a:endParaRPr lang="en-US"/>
@@ -4565,7 +4583,8 @@
           <a:p>
             <a:fld id="{FB8D564A-EE6F-48D2-B554-72BC7E40630F}" type="datetimeFigureOut">
               <a:rPr lang="en-US" smtClean="0"/>
-              <a:t>10/22/2016</a:t>
+              <a:pPr/>
+              <a:t>10/24/2016</a:t>
             </a:fld>
             <a:endParaRPr lang="en-US"/>
           </a:p>
@@ -4607,6 +4626,7 @@
           <a:p>
             <a:fld id="{A8AF8165-6E5F-45A5-9D17-FACB0B582EF7}" type="slidenum">
               <a:rPr lang="en-US" smtClean="0"/>
+              <a:pPr/>
               <a:t>‹#›</a:t>
             </a:fld>
             <a:endParaRPr lang="en-US"/>
@@ -4848,7 +4868,8 @@
           <a:p>
             <a:fld id="{FB8D564A-EE6F-48D2-B554-72BC7E40630F}" type="datetimeFigureOut">
               <a:rPr lang="en-US" smtClean="0"/>
-              <a:t>10/22/2016</a:t>
+              <a:pPr/>
+              <a:t>10/24/2016</a:t>
             </a:fld>
             <a:endParaRPr lang="en-US"/>
           </a:p>
@@ -4890,6 +4911,7 @@
           <a:p>
             <a:fld id="{A8AF8165-6E5F-45A5-9D17-FACB0B582EF7}" type="slidenum">
               <a:rPr lang="en-US" smtClean="0"/>
+              <a:pPr/>
               <a:t>‹#›</a:t>
             </a:fld>
             <a:endParaRPr lang="en-US"/>
@@ -5265,7 +5287,8 @@
           <a:p>
             <a:fld id="{FB8D564A-EE6F-48D2-B554-72BC7E40630F}" type="datetimeFigureOut">
               <a:rPr lang="en-US" smtClean="0"/>
-              <a:t>10/22/2016</a:t>
+              <a:pPr/>
+              <a:t>10/24/2016</a:t>
             </a:fld>
             <a:endParaRPr lang="en-US"/>
           </a:p>
@@ -5307,6 +5330,7 @@
           <a:p>
             <a:fld id="{A8AF8165-6E5F-45A5-9D17-FACB0B582EF7}" type="slidenum">
               <a:rPr lang="en-US" smtClean="0"/>
+              <a:pPr/>
               <a:t>‹#›</a:t>
             </a:fld>
             <a:endParaRPr lang="en-US"/>
@@ -5378,7 +5402,8 @@
           <a:p>
             <a:fld id="{FB8D564A-EE6F-48D2-B554-72BC7E40630F}" type="datetimeFigureOut">
               <a:rPr lang="en-US" smtClean="0"/>
-              <a:t>10/22/2016</a:t>
+              <a:pPr/>
+              <a:t>10/24/2016</a:t>
             </a:fld>
             <a:endParaRPr lang="en-US"/>
           </a:p>
@@ -5420,6 +5445,7 @@
           <a:p>
             <a:fld id="{A8AF8165-6E5F-45A5-9D17-FACB0B582EF7}" type="slidenum">
               <a:rPr lang="en-US" smtClean="0"/>
+              <a:pPr/>
               <a:t>‹#›</a:t>
             </a:fld>
             <a:endParaRPr lang="en-US"/>
@@ -5468,7 +5494,8 @@
           <a:p>
             <a:fld id="{FB8D564A-EE6F-48D2-B554-72BC7E40630F}" type="datetimeFigureOut">
               <a:rPr lang="en-US" smtClean="0"/>
-              <a:t>10/22/2016</a:t>
+              <a:pPr/>
+              <a:t>10/24/2016</a:t>
             </a:fld>
             <a:endParaRPr lang="en-US"/>
           </a:p>
@@ -5510,6 +5537,7 @@
           <a:p>
             <a:fld id="{A8AF8165-6E5F-45A5-9D17-FACB0B582EF7}" type="slidenum">
               <a:rPr lang="en-US" smtClean="0"/>
+              <a:pPr/>
               <a:t>‹#›</a:t>
             </a:fld>
             <a:endParaRPr lang="en-US"/>
@@ -5740,7 +5768,8 @@
           <a:p>
             <a:fld id="{FB8D564A-EE6F-48D2-B554-72BC7E40630F}" type="datetimeFigureOut">
               <a:rPr lang="en-US" smtClean="0"/>
-              <a:t>10/22/2016</a:t>
+              <a:pPr/>
+              <a:t>10/24/2016</a:t>
             </a:fld>
             <a:endParaRPr lang="en-US"/>
           </a:p>
@@ -5782,6 +5811,7 @@
           <a:p>
             <a:fld id="{A8AF8165-6E5F-45A5-9D17-FACB0B582EF7}" type="slidenum">
               <a:rPr lang="en-US" smtClean="0"/>
+              <a:pPr/>
               <a:t>‹#›</a:t>
             </a:fld>
             <a:endParaRPr lang="en-US"/>
@@ -5988,7 +6018,8 @@
           <a:p>
             <a:fld id="{FB8D564A-EE6F-48D2-B554-72BC7E40630F}" type="datetimeFigureOut">
               <a:rPr lang="en-US" smtClean="0"/>
-              <a:t>10/22/2016</a:t>
+              <a:pPr/>
+              <a:t>10/24/2016</a:t>
             </a:fld>
             <a:endParaRPr lang="en-US"/>
           </a:p>
@@ -6030,6 +6061,7 @@
           <a:p>
             <a:fld id="{A8AF8165-6E5F-45A5-9D17-FACB0B582EF7}" type="slidenum">
               <a:rPr lang="en-US" smtClean="0"/>
+              <a:pPr/>
               <a:t>‹#›</a:t>
             </a:fld>
             <a:endParaRPr lang="en-US"/>
@@ -6196,7 +6228,8 @@
           <a:p>
             <a:fld id="{FB8D564A-EE6F-48D2-B554-72BC7E40630F}" type="datetimeFigureOut">
               <a:rPr lang="en-US" smtClean="0"/>
-              <a:t>10/22/2016</a:t>
+              <a:pPr/>
+              <a:t>10/24/2016</a:t>
             </a:fld>
             <a:endParaRPr lang="en-US"/>
           </a:p>
@@ -6274,6 +6307,7 @@
           <a:p>
             <a:fld id="{A8AF8165-6E5F-45A5-9D17-FACB0B582EF7}" type="slidenum">
               <a:rPr lang="en-US" smtClean="0"/>
+              <a:pPr/>
               <a:t>‹#›</a:t>
             </a:fld>
             <a:endParaRPr lang="en-US"/>
@@ -8261,25 +8295,38 @@
           </a:p>
         </p:txBody>
       </p:sp>
-      <p:sp>
-        <p:nvSpPr>
-          <p:cNvPr id="4" name="Text Placeholder 3"/>
-          <p:cNvSpPr>
-            <a:spLocks noGrp="1"/>
-          </p:cNvSpPr>
-          <p:nvPr>
-            <p:ph type="body" idx="1"/>
-          </p:nvPr>
-        </p:nvSpPr>
-        <p:spPr/>
-        <p:txBody>
-          <a:bodyPr/>
-          <a:lstStyle/>
-          <a:p>
-            <a:endParaRPr lang="en-US"/>
-          </a:p>
-        </p:txBody>
-      </p:sp>
+      <p:pic>
+        <p:nvPicPr>
+          <p:cNvPr id="1026" name="Picture 2"/>
+          <p:cNvPicPr>
+            <a:picLocks noChangeAspect="1" noChangeArrowheads="1"/>
+          </p:cNvPicPr>
+          <p:nvPr/>
+        </p:nvPicPr>
+        <p:blipFill>
+          <a:blip r:embed="rId2" cstate="print"/>
+          <a:srcRect/>
+          <a:stretch>
+            <a:fillRect/>
+          </a:stretch>
+        </p:blipFill>
+        <p:spPr bwMode="auto">
+          <a:xfrm>
+            <a:off x="690984" y="1340768"/>
+            <a:ext cx="7762031" cy="5089178"/>
+          </a:xfrm>
+          <a:prstGeom prst="rect">
+            <a:avLst/>
+          </a:prstGeom>
+          <a:noFill/>
+          <a:ln w="9525">
+            <a:noFill/>
+            <a:miter lim="800000"/>
+            <a:headEnd/>
+            <a:tailEnd/>
+          </a:ln>
+        </p:spPr>
+      </p:pic>
     </p:spTree>
   </p:cSld>
   <p:clrMapOvr>
@@ -9336,11 +9383,7 @@
                       </a:r>
                       <a:r>
                         <a:rPr lang="en-US" sz="1800" baseline="0" dirty="0" smtClean="0"/>
-                        <a:t> </a:t>
-                      </a:r>
-                      <a:r>
-                        <a:rPr lang="en-US" sz="1800" baseline="0" dirty="0" smtClean="0"/>
-                        <a:t>UNICODE-16 </a:t>
+                        <a:t> UNICODE-16 </a:t>
                       </a:r>
                       <a:r>
                         <a:rPr lang="en-US" sz="1800" baseline="0" dirty="0" err="1" smtClean="0"/>
@@ -11346,10 +11389,347 @@
         </p:nvSpPr>
         <p:spPr/>
         <p:txBody>
-          <a:bodyPr/>
+          <a:bodyPr>
+            <a:noAutofit/>
+          </a:bodyPr>
           <a:lstStyle/>
           <a:p>
-            <a:endParaRPr lang="en-US" dirty="0" smtClean="0"/>
+            <a:pPr>
+              <a:buNone/>
+            </a:pPr>
+            <a:r>
+              <a:rPr lang="en-US" sz="1100" b="1" dirty="0" smtClean="0">
+                <a:hlinkClick r:id="rId2"/>
+              </a:rPr>
+              <a:t>NAME </a:t>
+            </a:r>
+            <a:endParaRPr lang="en-US" sz="1100" b="1" dirty="0" smtClean="0"/>
+          </a:p>
+          <a:p>
+            <a:pPr>
+              <a:buNone/>
+            </a:pPr>
+            <a:r>
+              <a:rPr lang="en-US" sz="1100" dirty="0" smtClean="0"/>
+              <a:t>java − Java interpreter</a:t>
+            </a:r>
+          </a:p>
+          <a:p>
+            <a:pPr>
+              <a:buNone/>
+            </a:pPr>
+            <a:r>
+              <a:rPr lang="en-US" sz="1100" b="1" dirty="0" smtClean="0">
+                <a:hlinkClick r:id="rId2"/>
+              </a:rPr>
+              <a:t>SYNOPSIS </a:t>
+            </a:r>
+            <a:endParaRPr lang="en-US" sz="1100" b="1" dirty="0" smtClean="0"/>
+          </a:p>
+          <a:p>
+            <a:pPr>
+              <a:buNone/>
+            </a:pPr>
+            <a:r>
+              <a:rPr lang="en-US" sz="1100" b="1" dirty="0" smtClean="0"/>
+              <a:t>java</a:t>
+            </a:r>
+            <a:r>
+              <a:rPr lang="en-US" sz="1100" dirty="0" smtClean="0"/>
+              <a:t> [ </a:t>
+            </a:r>
+            <a:r>
+              <a:rPr lang="en-US" sz="1100" i="1" dirty="0" smtClean="0"/>
+              <a:t>options</a:t>
+            </a:r>
+            <a:r>
+              <a:rPr lang="en-US" sz="1100" dirty="0" smtClean="0"/>
+              <a:t> ] </a:t>
+            </a:r>
+            <a:r>
+              <a:rPr lang="en-US" sz="1100" i="1" dirty="0" smtClean="0"/>
+              <a:t>class</a:t>
+            </a:r>
+            <a:r>
+              <a:rPr lang="en-US" sz="1100" dirty="0" smtClean="0"/>
+              <a:t> [ </a:t>
+            </a:r>
+            <a:r>
+              <a:rPr lang="en-US" sz="1100" i="1" dirty="0" smtClean="0"/>
+              <a:t>argument ...</a:t>
+            </a:r>
+            <a:r>
+              <a:rPr lang="en-US" sz="1100" dirty="0" smtClean="0"/>
+              <a:t> ]</a:t>
+            </a:r>
+          </a:p>
+          <a:p>
+            <a:pPr>
+              <a:buNone/>
+            </a:pPr>
+            <a:r>
+              <a:rPr lang="en-US" sz="1100" b="1" dirty="0" smtClean="0"/>
+              <a:t>java</a:t>
+            </a:r>
+            <a:r>
+              <a:rPr lang="en-US" sz="1100" dirty="0" smtClean="0"/>
+              <a:t> [ </a:t>
+            </a:r>
+            <a:r>
+              <a:rPr lang="en-US" sz="1100" i="1" dirty="0" smtClean="0"/>
+              <a:t>options</a:t>
+            </a:r>
+            <a:r>
+              <a:rPr lang="en-US" sz="1100" dirty="0" smtClean="0"/>
+              <a:t> ] </a:t>
+            </a:r>
+            <a:r>
+              <a:rPr lang="en-US" sz="1100" b="1" dirty="0" smtClean="0"/>
+              <a:t>−jar</a:t>
+            </a:r>
+            <a:r>
+              <a:rPr lang="en-US" sz="1100" dirty="0" smtClean="0"/>
+              <a:t> </a:t>
+            </a:r>
+            <a:r>
+              <a:rPr lang="en-US" sz="1100" i="1" dirty="0" smtClean="0"/>
+              <a:t>file.jar</a:t>
+            </a:r>
+            <a:r>
+              <a:rPr lang="en-US" sz="1100" dirty="0" smtClean="0"/>
+              <a:t> </a:t>
+            </a:r>
+            <a:br>
+              <a:rPr lang="en-US" sz="1100" dirty="0" smtClean="0"/>
+            </a:br>
+            <a:r>
+              <a:rPr lang="en-US" sz="1100" dirty="0" smtClean="0"/>
+              <a:t>[ </a:t>
+            </a:r>
+            <a:r>
+              <a:rPr lang="en-US" sz="1100" i="1" dirty="0" smtClean="0"/>
+              <a:t>argument ...</a:t>
+            </a:r>
+            <a:r>
+              <a:rPr lang="en-US" sz="1100" dirty="0" smtClean="0"/>
+              <a:t> ]</a:t>
+            </a:r>
+          </a:p>
+          <a:p>
+            <a:pPr>
+              <a:buNone/>
+            </a:pPr>
+            <a:r>
+              <a:rPr lang="en-US" sz="1100" b="1" dirty="0" smtClean="0">
+                <a:hlinkClick r:id="rId2"/>
+              </a:rPr>
+              <a:t>PARAMETERS </a:t>
+            </a:r>
+            <a:endParaRPr lang="en-US" sz="1100" b="1" dirty="0" smtClean="0"/>
+          </a:p>
+          <a:p>
+            <a:pPr>
+              <a:buNone/>
+            </a:pPr>
+            <a:r>
+              <a:rPr lang="en-US" sz="1100" dirty="0" smtClean="0"/>
+              <a:t>Options may be in any order. For a discussion of parameters which apply to a specific option, see </a:t>
+            </a:r>
+            <a:r>
+              <a:rPr lang="en-US" sz="1100" b="1" dirty="0" smtClean="0"/>
+              <a:t>OPTIONS</a:t>
+            </a:r>
+            <a:r>
+              <a:rPr lang="en-US" sz="1100" dirty="0" smtClean="0"/>
+              <a:t> below.</a:t>
+            </a:r>
+          </a:p>
+          <a:p>
+            <a:pPr>
+              <a:buNone/>
+            </a:pPr>
+            <a:r>
+              <a:rPr lang="en-US" sz="1100" i="1" dirty="0" smtClean="0"/>
+              <a:t>options</a:t>
+            </a:r>
+            <a:endParaRPr lang="en-US" sz="1100" dirty="0" smtClean="0"/>
+          </a:p>
+          <a:p>
+            <a:pPr>
+              <a:buNone/>
+            </a:pPr>
+            <a:r>
+              <a:rPr lang="en-US" sz="1100" dirty="0" smtClean="0"/>
+              <a:t>Command-line options. See </a:t>
+            </a:r>
+            <a:r>
+              <a:rPr lang="en-US" sz="1100" b="1" dirty="0" smtClean="0"/>
+              <a:t>OPTIONS</a:t>
+            </a:r>
+            <a:r>
+              <a:rPr lang="en-US" sz="1100" dirty="0" smtClean="0"/>
+              <a:t> below.</a:t>
+            </a:r>
+          </a:p>
+          <a:p>
+            <a:pPr>
+              <a:buNone/>
+            </a:pPr>
+            <a:r>
+              <a:rPr lang="en-US" sz="1100" i="1" dirty="0" smtClean="0"/>
+              <a:t>class</a:t>
+            </a:r>
+            <a:endParaRPr lang="en-US" sz="1100" dirty="0" smtClean="0"/>
+          </a:p>
+          <a:p>
+            <a:pPr>
+              <a:buNone/>
+            </a:pPr>
+            <a:r>
+              <a:rPr lang="en-US" sz="1100" dirty="0" smtClean="0"/>
+              <a:t>Name of the class to be invoked.</a:t>
+            </a:r>
+          </a:p>
+          <a:p>
+            <a:pPr>
+              <a:buNone/>
+            </a:pPr>
+            <a:r>
+              <a:rPr lang="en-US" sz="1100" i="1" dirty="0" smtClean="0"/>
+              <a:t>file.jar</a:t>
+            </a:r>
+            <a:endParaRPr lang="en-US" sz="1100" dirty="0" smtClean="0"/>
+          </a:p>
+          <a:p>
+            <a:pPr>
+              <a:buNone/>
+            </a:pPr>
+            <a:r>
+              <a:rPr lang="en-US" sz="1100" dirty="0" smtClean="0"/>
+              <a:t>Name of the jar file to be invoked. Used only with the </a:t>
+            </a:r>
+            <a:r>
+              <a:rPr lang="en-US" sz="1100" b="1" dirty="0" smtClean="0"/>
+              <a:t>−jar</a:t>
+            </a:r>
+            <a:r>
+              <a:rPr lang="en-US" sz="1100" dirty="0" smtClean="0"/>
+              <a:t> option.</a:t>
+            </a:r>
+          </a:p>
+          <a:p>
+            <a:pPr>
+              <a:buNone/>
+            </a:pPr>
+            <a:r>
+              <a:rPr lang="en-US" sz="1100" b="1" dirty="0" smtClean="0">
+                <a:hlinkClick r:id="rId2"/>
+              </a:rPr>
+              <a:t>DESCRIPTION </a:t>
+            </a:r>
+            <a:endParaRPr lang="en-US" sz="1100" b="1" dirty="0" smtClean="0"/>
+          </a:p>
+          <a:p>
+            <a:pPr>
+              <a:buNone/>
+            </a:pPr>
+            <a:r>
+              <a:rPr lang="en-US" sz="1100" dirty="0" smtClean="0"/>
+              <a:t>The </a:t>
+            </a:r>
+            <a:r>
+              <a:rPr lang="en-US" sz="1100" b="1" dirty="0" smtClean="0"/>
+              <a:t>java</a:t>
+            </a:r>
+            <a:r>
+              <a:rPr lang="en-US" sz="1100" dirty="0" smtClean="0"/>
+              <a:t> utility launches a Java application. It does this by starting a Java runtime environment, loading a specified class, and invoking that class’s </a:t>
+            </a:r>
+            <a:r>
+              <a:rPr lang="en-US" sz="1100" b="1" dirty="0" smtClean="0"/>
+              <a:t>main</a:t>
+            </a:r>
+            <a:r>
+              <a:rPr lang="en-US" sz="1100" dirty="0" smtClean="0"/>
+              <a:t> method. The method must have the following signature:</a:t>
+            </a:r>
+          </a:p>
+          <a:p>
+            <a:pPr>
+              <a:buNone/>
+            </a:pPr>
+            <a:r>
+              <a:rPr lang="en-US" sz="1100" b="1" dirty="0" smtClean="0"/>
+              <a:t>public static void main(String </a:t>
+            </a:r>
+            <a:r>
+              <a:rPr lang="en-US" sz="1100" b="1" dirty="0" err="1" smtClean="0"/>
+              <a:t>args</a:t>
+            </a:r>
+            <a:r>
+              <a:rPr lang="en-US" sz="1100" b="1" dirty="0" smtClean="0"/>
+              <a:t>[])</a:t>
+            </a:r>
+            <a:endParaRPr lang="en-US" sz="1100" dirty="0" smtClean="0"/>
+          </a:p>
+          <a:p>
+            <a:pPr>
+              <a:buNone/>
+            </a:pPr>
+            <a:r>
+              <a:rPr lang="en-US" sz="1100" dirty="0" smtClean="0"/>
+              <a:t>The method must be declared </a:t>
+            </a:r>
+            <a:r>
+              <a:rPr lang="en-US" sz="1100" b="1" dirty="0" smtClean="0"/>
+              <a:t>public</a:t>
+            </a:r>
+            <a:r>
+              <a:rPr lang="en-US" sz="1100" dirty="0" smtClean="0"/>
+              <a:t> and </a:t>
+            </a:r>
+            <a:r>
+              <a:rPr lang="en-US" sz="1100" b="1" dirty="0" smtClean="0"/>
+              <a:t>static</a:t>
+            </a:r>
+            <a:r>
+              <a:rPr lang="en-US" sz="1100" dirty="0" smtClean="0"/>
+              <a:t>, it must not return any value, and it must accept a </a:t>
+            </a:r>
+            <a:r>
+              <a:rPr lang="en-US" sz="1100" b="1" dirty="0" smtClean="0"/>
+              <a:t>String</a:t>
+            </a:r>
+            <a:r>
+              <a:rPr lang="en-US" sz="1100" dirty="0" smtClean="0"/>
+              <a:t> array as a parameter. By default, the first non-option argument is the name of the class to be invoked. A fully-qualified class name should be used. If the </a:t>
+            </a:r>
+            <a:r>
+              <a:rPr lang="en-US" sz="1100" b="1" dirty="0" smtClean="0"/>
+              <a:t>−jar</a:t>
+            </a:r>
+            <a:r>
+              <a:rPr lang="en-US" sz="1100" dirty="0" smtClean="0"/>
+              <a:t> option is specified, the first non-option argument is the name of a JAR archive containing class and resource files for the application, with the startup class indicated by the Main-Class manifest header.</a:t>
+            </a:r>
+          </a:p>
+          <a:p>
+            <a:pPr>
+              <a:buNone/>
+            </a:pPr>
+            <a:r>
+              <a:rPr lang="en-US" sz="1100" dirty="0" smtClean="0"/>
+              <a:t>The Java runtime searches for the startup class, and other classes used, in three sets of locations: the bootstrap class path, the installed extensions, and the user class path.</a:t>
+            </a:r>
+          </a:p>
+          <a:p>
+            <a:pPr>
+              <a:buNone/>
+            </a:pPr>
+            <a:r>
+              <a:rPr lang="en-US" sz="1100" dirty="0" smtClean="0"/>
+              <a:t>Non-option arguments after the class name or JAR file name are passed to the main function.</a:t>
+            </a:r>
           </a:p>
         </p:txBody>
       </p:sp>
@@ -12415,7 +12795,6 @@
               <a:rPr lang="en-US" dirty="0" smtClean="0"/>
               <a:t>.</a:t>
             </a:r>
-            <a:endParaRPr lang="en-US" dirty="0" smtClean="0"/>
           </a:p>
         </p:txBody>
       </p:sp>
@@ -12763,14 +13142,498 @@
             <a:spLocks noGrp="1"/>
           </p:cNvSpPr>
           <p:nvPr>
-            <p:ph idx="1"/>
+            <p:ph sz="half" idx="1"/>
           </p:nvPr>
         </p:nvSpPr>
         <p:spPr/>
         <p:txBody>
-          <a:bodyPr/>
+          <a:bodyPr>
+            <a:normAutofit fontScale="47500" lnSpcReduction="20000"/>
+          </a:bodyPr>
           <a:lstStyle/>
           <a:p>
+            <a:pPr>
+              <a:buNone/>
+            </a:pPr>
+            <a:r>
+              <a:rPr lang="en-US" b="1" dirty="0" smtClean="0">
+                <a:hlinkClick r:id="rId2"/>
+              </a:rPr>
+              <a:t>NAME </a:t>
+            </a:r>
+            <a:endParaRPr lang="en-US" b="1" dirty="0" smtClean="0"/>
+          </a:p>
+          <a:p>
+            <a:pPr>
+              <a:buNone/>
+            </a:pPr>
+            <a:r>
+              <a:rPr lang="en-US" dirty="0" err="1" smtClean="0"/>
+              <a:t>javac</a:t>
+            </a:r>
+            <a:r>
+              <a:rPr lang="en-US" dirty="0" smtClean="0"/>
+              <a:t> − </a:t>
+            </a:r>
+            <a:r>
+              <a:rPr lang="en-US" dirty="0" err="1" smtClean="0"/>
+              <a:t>javac</a:t>
+            </a:r>
+            <a:endParaRPr lang="en-US" dirty="0" smtClean="0"/>
+          </a:p>
+          <a:p>
+            <a:pPr>
+              <a:buNone/>
+            </a:pPr>
+            <a:r>
+              <a:rPr lang="en-US" b="1" dirty="0" smtClean="0">
+                <a:hlinkClick r:id="rId2"/>
+              </a:rPr>
+              <a:t>SYNOPSIS </a:t>
+            </a:r>
+            <a:endParaRPr lang="en-US" b="1" dirty="0" smtClean="0"/>
+          </a:p>
+          <a:p>
+            <a:pPr>
+              <a:buNone/>
+            </a:pPr>
+            <a:r>
+              <a:rPr lang="en-US" b="1" dirty="0" err="1" smtClean="0"/>
+              <a:t>javac</a:t>
+            </a:r>
+            <a:r>
+              <a:rPr lang="en-US" dirty="0" smtClean="0"/>
+              <a:t> </a:t>
+            </a:r>
+            <a:r>
+              <a:rPr lang="en-US" i="1" dirty="0" smtClean="0"/>
+              <a:t>&lt;options&gt; &lt;</a:t>
+            </a:r>
+            <a:r>
+              <a:rPr lang="en-US" i="1" dirty="0" err="1" smtClean="0"/>
+              <a:t>sourcefiles</a:t>
+            </a:r>
+            <a:r>
+              <a:rPr lang="en-US" i="1" dirty="0" smtClean="0"/>
+              <a:t>&gt;</a:t>
+            </a:r>
+            <a:r>
+              <a:rPr lang="en-US" dirty="0" smtClean="0"/>
+              <a:t>...</a:t>
+            </a:r>
+          </a:p>
+          <a:p>
+            <a:pPr>
+              <a:buNone/>
+            </a:pPr>
+            <a:r>
+              <a:rPr lang="en-US" b="1" dirty="0" smtClean="0">
+                <a:hlinkClick r:id="rId2"/>
+              </a:rPr>
+              <a:t>DESCRIPTION </a:t>
+            </a:r>
+            <a:endParaRPr lang="en-US" b="1" dirty="0" smtClean="0"/>
+          </a:p>
+          <a:p>
+            <a:pPr>
+              <a:buNone/>
+            </a:pPr>
+            <a:r>
+              <a:rPr lang="en-US" dirty="0" smtClean="0"/>
+              <a:t>This is the </a:t>
+            </a:r>
+            <a:r>
+              <a:rPr lang="en-US" dirty="0" err="1" smtClean="0"/>
+              <a:t>jikes</a:t>
+            </a:r>
+            <a:r>
+              <a:rPr lang="en-US" dirty="0" smtClean="0"/>
+              <a:t> java compiler.</a:t>
+            </a:r>
+          </a:p>
+          <a:p>
+            <a:pPr>
+              <a:buNone/>
+            </a:pPr>
+            <a:r>
+              <a:rPr lang="en-US" b="1" dirty="0" smtClean="0"/>
+              <a:t>where options include:</a:t>
+            </a:r>
+            <a:endParaRPr lang="en-US" dirty="0" smtClean="0"/>
+          </a:p>
+          <a:p>
+            <a:pPr>
+              <a:buNone/>
+            </a:pPr>
+            <a:r>
+              <a:rPr lang="en-US" b="1" dirty="0" smtClean="0"/>
+              <a:t>−g</a:t>
+            </a:r>
+            <a:endParaRPr lang="en-US" dirty="0" smtClean="0"/>
+          </a:p>
+          <a:p>
+            <a:pPr>
+              <a:buNone/>
+            </a:pPr>
+            <a:r>
+              <a:rPr lang="en-US" dirty="0" smtClean="0"/>
+              <a:t>Generate all debugging info</a:t>
+            </a:r>
+          </a:p>
+          <a:p>
+            <a:pPr>
+              <a:buNone/>
+            </a:pPr>
+            <a:r>
+              <a:rPr lang="en-US" b="1" dirty="0" smtClean="0"/>
+              <a:t>−g:none</a:t>
+            </a:r>
+            <a:endParaRPr lang="en-US" dirty="0" smtClean="0"/>
+          </a:p>
+          <a:p>
+            <a:pPr>
+              <a:buNone/>
+            </a:pPr>
+            <a:r>
+              <a:rPr lang="en-US" dirty="0" smtClean="0"/>
+              <a:t>Generate no debugging info</a:t>
+            </a:r>
+          </a:p>
+          <a:p>
+            <a:pPr>
+              <a:buNone/>
+            </a:pPr>
+            <a:r>
+              <a:rPr lang="en-US" b="1" dirty="0" smtClean="0"/>
+              <a:t>−g:{</a:t>
+            </a:r>
+            <a:r>
+              <a:rPr lang="en-US" b="1" dirty="0" err="1" smtClean="0"/>
+              <a:t>lines,vars,source</a:t>
+            </a:r>
+            <a:r>
+              <a:rPr lang="en-US" b="1" dirty="0" smtClean="0"/>
+              <a:t>}</a:t>
+            </a:r>
+            <a:endParaRPr lang="en-US" dirty="0" smtClean="0"/>
+          </a:p>
+          <a:p>
+            <a:pPr>
+              <a:buNone/>
+            </a:pPr>
+            <a:r>
+              <a:rPr lang="en-US" dirty="0" smtClean="0"/>
+              <a:t>Generate only some debugging info</a:t>
+            </a:r>
+          </a:p>
+          <a:p>
+            <a:pPr>
+              <a:buNone/>
+            </a:pPr>
+            <a:r>
+              <a:rPr lang="en-US" b="1" dirty="0" smtClean="0"/>
+              <a:t>−</a:t>
+            </a:r>
+            <a:r>
+              <a:rPr lang="en-US" b="1" dirty="0" err="1" smtClean="0"/>
+              <a:t>nowarn</a:t>
+            </a:r>
+            <a:endParaRPr lang="en-US" dirty="0" smtClean="0"/>
+          </a:p>
+          <a:p>
+            <a:pPr>
+              <a:buNone/>
+            </a:pPr>
+            <a:r>
+              <a:rPr lang="en-US" dirty="0" smtClean="0"/>
+              <a:t>Generate no warnings</a:t>
+            </a:r>
+          </a:p>
+          <a:p>
+            <a:pPr>
+              <a:buNone/>
+            </a:pPr>
+            <a:r>
+              <a:rPr lang="en-US" b="1" dirty="0" smtClean="0"/>
+              <a:t>−verbose</a:t>
+            </a:r>
+            <a:endParaRPr lang="en-US" dirty="0" smtClean="0"/>
+          </a:p>
+          <a:p>
+            <a:pPr>
+              <a:buNone/>
+            </a:pPr>
+            <a:r>
+              <a:rPr lang="en-US" dirty="0" smtClean="0"/>
+              <a:t>Output messages about what the compiler is doing</a:t>
+            </a:r>
+          </a:p>
+        </p:txBody>
+      </p:sp>
+      <p:sp>
+        <p:nvSpPr>
+          <p:cNvPr id="4" name="Content Placeholder 3"/>
+          <p:cNvSpPr>
+            <a:spLocks noGrp="1"/>
+          </p:cNvSpPr>
+          <p:nvPr>
+            <p:ph sz="half" idx="2"/>
+          </p:nvPr>
+        </p:nvSpPr>
+        <p:spPr/>
+        <p:txBody>
+          <a:bodyPr>
+            <a:normAutofit fontScale="47500" lnSpcReduction="20000"/>
+          </a:bodyPr>
+          <a:lstStyle/>
+          <a:p>
+            <a:pPr>
+              <a:buNone/>
+            </a:pPr>
+            <a:r>
+              <a:rPr lang="en-US" b="1" dirty="0" smtClean="0"/>
+              <a:t>−deprecation</a:t>
+            </a:r>
+            <a:endParaRPr lang="en-US" dirty="0" smtClean="0"/>
+          </a:p>
+          <a:p>
+            <a:pPr>
+              <a:buNone/>
+            </a:pPr>
+            <a:r>
+              <a:rPr lang="en-US" dirty="0" smtClean="0"/>
+              <a:t>Output source locations where deprecated APIs are used</a:t>
+            </a:r>
+          </a:p>
+          <a:p>
+            <a:pPr>
+              <a:buNone/>
+            </a:pPr>
+            <a:r>
+              <a:rPr lang="en-US" b="1" dirty="0" smtClean="0"/>
+              <a:t>−</a:t>
+            </a:r>
+            <a:r>
+              <a:rPr lang="en-US" b="1" dirty="0" err="1" smtClean="0"/>
+              <a:t>classpath</a:t>
+            </a:r>
+            <a:r>
+              <a:rPr lang="en-US" dirty="0" smtClean="0"/>
+              <a:t> &lt;path&gt;</a:t>
+            </a:r>
+          </a:p>
+          <a:p>
+            <a:pPr>
+              <a:buNone/>
+            </a:pPr>
+            <a:r>
+              <a:rPr lang="en-US" dirty="0" smtClean="0"/>
+              <a:t>Specify where to find user class files</a:t>
+            </a:r>
+          </a:p>
+          <a:p>
+            <a:pPr>
+              <a:buNone/>
+            </a:pPr>
+            <a:r>
+              <a:rPr lang="en-US" b="1" dirty="0" smtClean="0"/>
+              <a:t>−</a:t>
+            </a:r>
+            <a:r>
+              <a:rPr lang="en-US" b="1" dirty="0" err="1" smtClean="0"/>
+              <a:t>sourcepath</a:t>
+            </a:r>
+            <a:r>
+              <a:rPr lang="en-US" dirty="0" smtClean="0"/>
+              <a:t> &lt;path&gt;</a:t>
+            </a:r>
+          </a:p>
+          <a:p>
+            <a:pPr>
+              <a:buNone/>
+            </a:pPr>
+            <a:r>
+              <a:rPr lang="en-US" dirty="0" smtClean="0"/>
+              <a:t>Specify where to find input source files</a:t>
+            </a:r>
+          </a:p>
+          <a:p>
+            <a:pPr>
+              <a:buNone/>
+            </a:pPr>
+            <a:r>
+              <a:rPr lang="en-US" b="1" dirty="0" smtClean="0"/>
+              <a:t>−</a:t>
+            </a:r>
+            <a:r>
+              <a:rPr lang="en-US" b="1" dirty="0" err="1" smtClean="0"/>
+              <a:t>bootclasspath</a:t>
+            </a:r>
+            <a:r>
+              <a:rPr lang="en-US" dirty="0" smtClean="0"/>
+              <a:t> &lt;path&gt;</a:t>
+            </a:r>
+          </a:p>
+          <a:p>
+            <a:pPr>
+              <a:buNone/>
+            </a:pPr>
+            <a:r>
+              <a:rPr lang="en-US" dirty="0" smtClean="0"/>
+              <a:t>Override location of bootstrap class files</a:t>
+            </a:r>
+          </a:p>
+          <a:p>
+            <a:pPr>
+              <a:buNone/>
+            </a:pPr>
+            <a:r>
+              <a:rPr lang="en-US" b="1" dirty="0" smtClean="0"/>
+              <a:t>−</a:t>
+            </a:r>
+            <a:r>
+              <a:rPr lang="en-US" b="1" dirty="0" err="1" smtClean="0"/>
+              <a:t>extdirs</a:t>
+            </a:r>
+            <a:r>
+              <a:rPr lang="en-US" dirty="0" smtClean="0"/>
+              <a:t> &lt;</a:t>
+            </a:r>
+            <a:r>
+              <a:rPr lang="en-US" dirty="0" err="1" smtClean="0"/>
+              <a:t>dirs</a:t>
+            </a:r>
+            <a:r>
+              <a:rPr lang="en-US" dirty="0" smtClean="0"/>
+              <a:t>&gt;</a:t>
+            </a:r>
+          </a:p>
+          <a:p>
+            <a:pPr>
+              <a:buNone/>
+            </a:pPr>
+            <a:r>
+              <a:rPr lang="en-US" dirty="0" smtClean="0"/>
+              <a:t>Override location of installed extensions</a:t>
+            </a:r>
+          </a:p>
+          <a:p>
+            <a:pPr>
+              <a:buNone/>
+            </a:pPr>
+            <a:r>
+              <a:rPr lang="en-US" b="1" dirty="0" smtClean="0"/>
+              <a:t>−d</a:t>
+            </a:r>
+            <a:r>
+              <a:rPr lang="en-US" dirty="0" smtClean="0"/>
+              <a:t> &lt;directory&gt;</a:t>
+            </a:r>
+          </a:p>
+          <a:p>
+            <a:pPr>
+              <a:buNone/>
+            </a:pPr>
+            <a:r>
+              <a:rPr lang="en-US" dirty="0" smtClean="0"/>
+              <a:t>Specify where to place generated class files</a:t>
+            </a:r>
+          </a:p>
+          <a:p>
+            <a:pPr>
+              <a:buNone/>
+            </a:pPr>
+            <a:r>
+              <a:rPr lang="en-US" b="1" dirty="0" smtClean="0"/>
+              <a:t>−encoding</a:t>
+            </a:r>
+            <a:r>
+              <a:rPr lang="en-US" dirty="0" smtClean="0"/>
+              <a:t> &lt;encoding&gt;</a:t>
+            </a:r>
+          </a:p>
+          <a:p>
+            <a:pPr>
+              <a:buNone/>
+            </a:pPr>
+            <a:r>
+              <a:rPr lang="en-US" dirty="0" smtClean="0"/>
+              <a:t>Specify character encoding used by source files</a:t>
+            </a:r>
+          </a:p>
+          <a:p>
+            <a:pPr>
+              <a:buNone/>
+            </a:pPr>
+            <a:r>
+              <a:rPr lang="en-US" b="1" dirty="0" smtClean="0"/>
+              <a:t>−source</a:t>
+            </a:r>
+            <a:r>
+              <a:rPr lang="en-US" dirty="0" smtClean="0"/>
+              <a:t> &lt;release&gt;</a:t>
+            </a:r>
+          </a:p>
+          <a:p>
+            <a:pPr>
+              <a:buNone/>
+            </a:pPr>
+            <a:r>
+              <a:rPr lang="en-US" dirty="0" smtClean="0"/>
+              <a:t>Provide source compatibility with specified release</a:t>
+            </a:r>
+          </a:p>
+          <a:p>
+            <a:pPr>
+              <a:buNone/>
+            </a:pPr>
+            <a:r>
+              <a:rPr lang="en-US" b="1" dirty="0" smtClean="0"/>
+              <a:t>−target</a:t>
+            </a:r>
+            <a:r>
+              <a:rPr lang="en-US" dirty="0" smtClean="0"/>
+              <a:t> &lt;release&gt;</a:t>
+            </a:r>
+          </a:p>
+          <a:p>
+            <a:pPr>
+              <a:buNone/>
+            </a:pPr>
+            <a:r>
+              <a:rPr lang="en-US" dirty="0" smtClean="0"/>
+              <a:t>Generate class files for specific VM version</a:t>
+            </a:r>
+          </a:p>
+          <a:p>
+            <a:pPr>
+              <a:buNone/>
+            </a:pPr>
+            <a:r>
+              <a:rPr lang="en-US" b="1" dirty="0" smtClean="0"/>
+              <a:t>−help</a:t>
+            </a:r>
+            <a:endParaRPr lang="en-US" dirty="0" smtClean="0"/>
+          </a:p>
+          <a:p>
+            <a:pPr>
+              <a:buNone/>
+            </a:pPr>
+            <a:r>
+              <a:rPr lang="en-US" dirty="0" smtClean="0"/>
+              <a:t>Print a synopsis of standard options</a:t>
+            </a:r>
+          </a:p>
+          <a:p>
+            <a:pPr>
+              <a:buNone/>
+            </a:pPr>
+            <a:endParaRPr lang="en-US" dirty="0" smtClean="0"/>
+          </a:p>
+          <a:p>
+            <a:pPr>
+              <a:buNone/>
+            </a:pPr>
             <a:endParaRPr lang="en-US" dirty="0"/>
           </a:p>
         </p:txBody>
@@ -14334,20 +15197,650 @@
       </p:sp>
       <p:sp>
         <p:nvSpPr>
-          <p:cNvPr id="3" name="Content Placeholder 2"/>
+          <p:cNvPr id="4" name="Content Placeholder 3"/>
           <p:cNvSpPr>
             <a:spLocks noGrp="1"/>
           </p:cNvSpPr>
           <p:nvPr>
-            <p:ph idx="1"/>
+            <p:ph sz="half" idx="1"/>
           </p:nvPr>
         </p:nvSpPr>
         <p:spPr/>
         <p:txBody>
-          <a:bodyPr/>
+          <a:bodyPr>
+            <a:normAutofit fontScale="40000" lnSpcReduction="20000"/>
+          </a:bodyPr>
           <a:lstStyle/>
           <a:p>
-            <a:endParaRPr lang="en-US"/>
+            <a:pPr>
+              <a:buNone/>
+            </a:pPr>
+            <a:r>
+              <a:rPr lang="en-US" b="1" dirty="0" smtClean="0">
+                <a:hlinkClick r:id="rId2"/>
+              </a:rPr>
+              <a:t>NAME </a:t>
+            </a:r>
+            <a:endParaRPr lang="en-US" b="1" dirty="0" smtClean="0"/>
+          </a:p>
+          <a:p>
+            <a:pPr>
+              <a:buNone/>
+            </a:pPr>
+            <a:r>
+              <a:rPr lang="en-US" dirty="0" err="1" smtClean="0"/>
+              <a:t>javadoc</a:t>
+            </a:r>
+            <a:r>
+              <a:rPr lang="en-US" dirty="0" smtClean="0"/>
+              <a:t> − </a:t>
+            </a:r>
+            <a:r>
+              <a:rPr lang="en-US" dirty="0" err="1" smtClean="0"/>
+              <a:t>javadoc</a:t>
+            </a:r>
+            <a:endParaRPr lang="en-US" dirty="0" smtClean="0"/>
+          </a:p>
+          <a:p>
+            <a:pPr>
+              <a:buNone/>
+            </a:pPr>
+            <a:r>
+              <a:rPr lang="en-US" b="1" dirty="0" smtClean="0">
+                <a:hlinkClick r:id="rId2"/>
+              </a:rPr>
+              <a:t>SYNOPSIS </a:t>
+            </a:r>
+            <a:endParaRPr lang="en-US" b="1" dirty="0" smtClean="0"/>
+          </a:p>
+          <a:p>
+            <a:pPr>
+              <a:buNone/>
+            </a:pPr>
+            <a:r>
+              <a:rPr lang="en-US" b="1" dirty="0" err="1" smtClean="0"/>
+              <a:t>javadoc</a:t>
+            </a:r>
+            <a:r>
+              <a:rPr lang="en-US" dirty="0" smtClean="0"/>
+              <a:t> </a:t>
+            </a:r>
+            <a:r>
+              <a:rPr lang="en-US" i="1" dirty="0" smtClean="0"/>
+              <a:t>&lt;options&gt; &lt;</a:t>
+            </a:r>
+            <a:r>
+              <a:rPr lang="en-US" i="1" dirty="0" err="1" smtClean="0"/>
+              <a:t>packagenames</a:t>
+            </a:r>
+            <a:r>
+              <a:rPr lang="en-US" i="1" dirty="0" smtClean="0"/>
+              <a:t>&gt; | &lt;</a:t>
+            </a:r>
+            <a:r>
+              <a:rPr lang="en-US" i="1" dirty="0" err="1" smtClean="0"/>
+              <a:t>sourcefiles</a:t>
+            </a:r>
+            <a:r>
+              <a:rPr lang="en-US" i="1" dirty="0" smtClean="0"/>
+              <a:t>&gt; | &lt;</a:t>
+            </a:r>
+            <a:r>
+              <a:rPr lang="en-US" i="1" dirty="0" err="1" smtClean="0"/>
+              <a:t>classnames</a:t>
+            </a:r>
+            <a:r>
+              <a:rPr lang="en-US" i="1" dirty="0" smtClean="0"/>
+              <a:t>&gt; | &lt;@files&gt;</a:t>
+            </a:r>
+            <a:endParaRPr lang="en-US" dirty="0" smtClean="0"/>
+          </a:p>
+          <a:p>
+            <a:pPr>
+              <a:buNone/>
+            </a:pPr>
+            <a:r>
+              <a:rPr lang="en-US" b="1" dirty="0" smtClean="0">
+                <a:hlinkClick r:id="rId2"/>
+              </a:rPr>
+              <a:t>DESCRIPTION </a:t>
+            </a:r>
+            <a:endParaRPr lang="en-US" b="1" dirty="0" smtClean="0"/>
+          </a:p>
+          <a:p>
+            <a:pPr>
+              <a:buNone/>
+            </a:pPr>
+            <a:r>
+              <a:rPr lang="en-US" dirty="0" smtClean="0"/>
+              <a:t>Tool to create documentation from Java source files.</a:t>
+            </a:r>
+          </a:p>
+          <a:p>
+            <a:pPr>
+              <a:buNone/>
+            </a:pPr>
+            <a:r>
+              <a:rPr lang="en-US" b="1" dirty="0" smtClean="0"/>
+              <a:t>where options include: </a:t>
+            </a:r>
+            <a:br>
+              <a:rPr lang="en-US" b="1" dirty="0" smtClean="0"/>
+            </a:br>
+            <a:r>
+              <a:rPr lang="en-US" b="1" dirty="0" smtClean="0"/>
+              <a:t>−overview</a:t>
+            </a:r>
+            <a:r>
+              <a:rPr lang="en-US" dirty="0" smtClean="0"/>
+              <a:t> &lt;file&gt; Read overview documentation from HTML file </a:t>
+            </a:r>
+            <a:r>
+              <a:rPr lang="en-US" b="1" dirty="0" smtClean="0"/>
+              <a:t/>
+            </a:r>
+            <a:br>
+              <a:rPr lang="en-US" b="1" dirty="0" smtClean="0"/>
+            </a:br>
+            <a:r>
+              <a:rPr lang="en-US" b="1" dirty="0" smtClean="0"/>
+              <a:t>−public</a:t>
+            </a:r>
+            <a:r>
+              <a:rPr lang="en-US" dirty="0" smtClean="0"/>
+              <a:t> Show only public classes and members </a:t>
+            </a:r>
+            <a:r>
+              <a:rPr lang="en-US" b="1" dirty="0" smtClean="0"/>
+              <a:t/>
+            </a:r>
+            <a:br>
+              <a:rPr lang="en-US" b="1" dirty="0" smtClean="0"/>
+            </a:br>
+            <a:r>
+              <a:rPr lang="en-US" b="1" dirty="0" smtClean="0"/>
+              <a:t>−protected</a:t>
+            </a:r>
+            <a:r>
+              <a:rPr lang="en-US" dirty="0" smtClean="0"/>
+              <a:t> Show protected/public classes and members </a:t>
+            </a:r>
+            <a:br>
+              <a:rPr lang="en-US" dirty="0" smtClean="0"/>
+            </a:br>
+            <a:r>
+              <a:rPr lang="en-US" dirty="0" smtClean="0"/>
+              <a:t>(default) </a:t>
+            </a:r>
+            <a:r>
+              <a:rPr lang="en-US" b="1" dirty="0" smtClean="0"/>
+              <a:t/>
+            </a:r>
+            <a:br>
+              <a:rPr lang="en-US" b="1" dirty="0" smtClean="0"/>
+            </a:br>
+            <a:r>
+              <a:rPr lang="en-US" b="1" dirty="0" smtClean="0"/>
+              <a:t>−package</a:t>
+            </a:r>
+            <a:r>
+              <a:rPr lang="en-US" dirty="0" smtClean="0"/>
+              <a:t> Show package/protected/public classes and </a:t>
+            </a:r>
+            <a:br>
+              <a:rPr lang="en-US" dirty="0" smtClean="0"/>
+            </a:br>
+            <a:r>
+              <a:rPr lang="en-US" dirty="0" smtClean="0"/>
+              <a:t>members </a:t>
+            </a:r>
+            <a:r>
+              <a:rPr lang="en-US" b="1" dirty="0" smtClean="0"/>
+              <a:t/>
+            </a:r>
+            <a:br>
+              <a:rPr lang="en-US" b="1" dirty="0" smtClean="0"/>
+            </a:br>
+            <a:r>
+              <a:rPr lang="en-US" b="1" dirty="0" smtClean="0"/>
+              <a:t>−private</a:t>
+            </a:r>
+            <a:r>
+              <a:rPr lang="en-US" dirty="0" smtClean="0"/>
+              <a:t> Show all classes and members </a:t>
+            </a:r>
+            <a:r>
+              <a:rPr lang="en-US" b="1" dirty="0" smtClean="0"/>
+              <a:t/>
+            </a:r>
+            <a:br>
+              <a:rPr lang="en-US" b="1" dirty="0" smtClean="0"/>
+            </a:br>
+            <a:r>
+              <a:rPr lang="en-US" b="1" dirty="0" smtClean="0"/>
+              <a:t>−help</a:t>
+            </a:r>
+            <a:r>
+              <a:rPr lang="en-US" dirty="0" smtClean="0"/>
+              <a:t> Display command line options and exit </a:t>
+            </a:r>
+            <a:r>
+              <a:rPr lang="en-US" b="1" dirty="0" smtClean="0"/>
+              <a:t/>
+            </a:r>
+            <a:br>
+              <a:rPr lang="en-US" b="1" dirty="0" smtClean="0"/>
+            </a:br>
+            <a:r>
+              <a:rPr lang="en-US" b="1" dirty="0" smtClean="0"/>
+              <a:t>−</a:t>
+            </a:r>
+            <a:r>
+              <a:rPr lang="en-US" b="1" dirty="0" err="1" smtClean="0"/>
+              <a:t>doclet</a:t>
+            </a:r>
+            <a:r>
+              <a:rPr lang="en-US" dirty="0" smtClean="0"/>
+              <a:t> &lt;class&gt; Generate output via alternate </a:t>
+            </a:r>
+            <a:r>
+              <a:rPr lang="en-US" dirty="0" err="1" smtClean="0"/>
+              <a:t>doclet</a:t>
+            </a:r>
+            <a:r>
+              <a:rPr lang="en-US" dirty="0" smtClean="0"/>
+              <a:t> </a:t>
+            </a:r>
+            <a:r>
+              <a:rPr lang="en-US" b="1" dirty="0" smtClean="0"/>
+              <a:t/>
+            </a:r>
+            <a:br>
+              <a:rPr lang="en-US" b="1" dirty="0" smtClean="0"/>
+            </a:br>
+            <a:r>
+              <a:rPr lang="en-US" b="1" dirty="0" smtClean="0"/>
+              <a:t>−</a:t>
+            </a:r>
+            <a:r>
+              <a:rPr lang="en-US" b="1" dirty="0" err="1" smtClean="0"/>
+              <a:t>docletpath</a:t>
+            </a:r>
+            <a:r>
+              <a:rPr lang="en-US" dirty="0" smtClean="0"/>
+              <a:t> &lt;path&gt; Specify where to find </a:t>
+            </a:r>
+            <a:r>
+              <a:rPr lang="en-US" dirty="0" err="1" smtClean="0"/>
+              <a:t>doclet</a:t>
+            </a:r>
+            <a:r>
+              <a:rPr lang="en-US" dirty="0" smtClean="0"/>
+              <a:t> class files </a:t>
+            </a:r>
+            <a:r>
+              <a:rPr lang="en-US" b="1" dirty="0" smtClean="0"/>
+              <a:t/>
+            </a:r>
+            <a:br>
+              <a:rPr lang="en-US" b="1" dirty="0" smtClean="0"/>
+            </a:br>
+            <a:r>
+              <a:rPr lang="en-US" b="1" dirty="0" smtClean="0"/>
+              <a:t>−</a:t>
+            </a:r>
+            <a:r>
+              <a:rPr lang="en-US" b="1" dirty="0" err="1" smtClean="0"/>
+              <a:t>sourcepath</a:t>
+            </a:r>
+            <a:r>
+              <a:rPr lang="en-US" dirty="0" smtClean="0"/>
+              <a:t> &lt;</a:t>
+            </a:r>
+            <a:r>
+              <a:rPr lang="en-US" dirty="0" err="1" smtClean="0"/>
+              <a:t>pathlist</a:t>
+            </a:r>
+            <a:r>
+              <a:rPr lang="en-US" dirty="0" smtClean="0"/>
+              <a:t>&gt; Specify where to find source files </a:t>
+            </a:r>
+            <a:r>
+              <a:rPr lang="en-US" b="1" dirty="0" smtClean="0"/>
+              <a:t/>
+            </a:r>
+            <a:br>
+              <a:rPr lang="en-US" b="1" dirty="0" smtClean="0"/>
+            </a:br>
+            <a:r>
+              <a:rPr lang="en-US" b="1" dirty="0" smtClean="0"/>
+              <a:t>−</a:t>
+            </a:r>
+            <a:r>
+              <a:rPr lang="en-US" b="1" dirty="0" err="1" smtClean="0"/>
+              <a:t>classpath</a:t>
+            </a:r>
+            <a:r>
+              <a:rPr lang="en-US" dirty="0" smtClean="0"/>
+              <a:t> &lt;</a:t>
+            </a:r>
+            <a:r>
+              <a:rPr lang="en-US" dirty="0" err="1" smtClean="0"/>
+              <a:t>pathlist</a:t>
+            </a:r>
+            <a:r>
+              <a:rPr lang="en-US" dirty="0" smtClean="0"/>
+              <a:t>&gt; Specify where to find user class files </a:t>
+            </a:r>
+            <a:r>
+              <a:rPr lang="en-US" b="1" dirty="0" smtClean="0"/>
+              <a:t/>
+            </a:r>
+            <a:br>
+              <a:rPr lang="en-US" b="1" dirty="0" smtClean="0"/>
+            </a:br>
+            <a:r>
+              <a:rPr lang="en-US" b="1" dirty="0" smtClean="0"/>
+              <a:t>−exclude</a:t>
+            </a:r>
+            <a:r>
+              <a:rPr lang="en-US" dirty="0" smtClean="0"/>
+              <a:t> &lt;</a:t>
+            </a:r>
+            <a:r>
+              <a:rPr lang="en-US" dirty="0" err="1" smtClean="0"/>
+              <a:t>pkglist</a:t>
+            </a:r>
+            <a:r>
+              <a:rPr lang="en-US" dirty="0" smtClean="0"/>
+              <a:t>&gt; Specify a list of packages to exclude </a:t>
+            </a:r>
+            <a:r>
+              <a:rPr lang="en-US" b="1" dirty="0" smtClean="0"/>
+              <a:t/>
+            </a:r>
+            <a:br>
+              <a:rPr lang="en-US" b="1" dirty="0" smtClean="0"/>
+            </a:br>
+            <a:r>
+              <a:rPr lang="en-US" b="1" dirty="0" smtClean="0"/>
+              <a:t>−</a:t>
+            </a:r>
+            <a:r>
+              <a:rPr lang="en-US" b="1" dirty="0" err="1" smtClean="0"/>
+              <a:t>subpackages</a:t>
+            </a:r>
+            <a:r>
+              <a:rPr lang="en-US" dirty="0" smtClean="0"/>
+              <a:t> &lt;</a:t>
+            </a:r>
+            <a:r>
+              <a:rPr lang="en-US" dirty="0" err="1" smtClean="0"/>
+              <a:t>subpkglist</a:t>
+            </a:r>
+            <a:r>
+              <a:rPr lang="en-US" dirty="0" smtClean="0"/>
+              <a:t>&gt; Specify </a:t>
+            </a:r>
+            <a:r>
+              <a:rPr lang="en-US" dirty="0" err="1" smtClean="0"/>
+              <a:t>subpackages</a:t>
+            </a:r>
+            <a:r>
+              <a:rPr lang="en-US" dirty="0" smtClean="0"/>
+              <a:t> to recursively load </a:t>
+            </a:r>
+            <a:r>
+              <a:rPr lang="en-US" b="1" dirty="0" smtClean="0"/>
+              <a:t/>
+            </a:r>
+            <a:br>
+              <a:rPr lang="en-US" b="1" dirty="0" smtClean="0"/>
+            </a:br>
+            <a:r>
+              <a:rPr lang="en-US" b="1" dirty="0" smtClean="0"/>
+              <a:t>−</a:t>
+            </a:r>
+            <a:r>
+              <a:rPr lang="en-US" b="1" dirty="0" err="1" smtClean="0"/>
+              <a:t>breakiterator</a:t>
+            </a:r>
+            <a:r>
+              <a:rPr lang="en-US" dirty="0" smtClean="0"/>
+              <a:t> Compute 1st sentence with </a:t>
+            </a:r>
+            <a:r>
+              <a:rPr lang="en-US" dirty="0" err="1" smtClean="0"/>
+              <a:t>BreakIterator</a:t>
+            </a:r>
+            <a:r>
+              <a:rPr lang="en-US" dirty="0" smtClean="0"/>
+              <a:t> </a:t>
+            </a:r>
+            <a:r>
+              <a:rPr lang="en-US" b="1" dirty="0" smtClean="0"/>
+              <a:t/>
+            </a:r>
+            <a:br>
+              <a:rPr lang="en-US" b="1" dirty="0" smtClean="0"/>
+            </a:br>
+            <a:r>
+              <a:rPr lang="en-US" b="1" dirty="0" smtClean="0"/>
+              <a:t>−</a:t>
+            </a:r>
+            <a:r>
+              <a:rPr lang="en-US" b="1" dirty="0" err="1" smtClean="0"/>
+              <a:t>bootclasspath</a:t>
+            </a:r>
+            <a:r>
+              <a:rPr lang="en-US" dirty="0" smtClean="0"/>
+              <a:t> &lt;</a:t>
+            </a:r>
+            <a:r>
+              <a:rPr lang="en-US" dirty="0" err="1" smtClean="0"/>
+              <a:t>pathlist</a:t>
+            </a:r>
+            <a:r>
+              <a:rPr lang="en-US" dirty="0" smtClean="0"/>
+              <a:t>&gt; Override location of class files loaded  by the bootstrap class loader</a:t>
+            </a:r>
+          </a:p>
+          <a:p>
+            <a:pPr>
+              <a:buNone/>
+            </a:pPr>
+            <a:endParaRPr lang="en-US" dirty="0" smtClean="0"/>
+          </a:p>
+          <a:p>
+            <a:pPr>
+              <a:buNone/>
+            </a:pPr>
+            <a:endParaRPr lang="en-US" dirty="0"/>
+          </a:p>
+        </p:txBody>
+      </p:sp>
+      <p:sp>
+        <p:nvSpPr>
+          <p:cNvPr id="5" name="Content Placeholder 4"/>
+          <p:cNvSpPr>
+            <a:spLocks noGrp="1"/>
+          </p:cNvSpPr>
+          <p:nvPr>
+            <p:ph sz="half" idx="2"/>
+          </p:nvPr>
+        </p:nvSpPr>
+        <p:spPr/>
+        <p:txBody>
+          <a:bodyPr>
+            <a:normAutofit fontScale="40000" lnSpcReduction="20000"/>
+          </a:bodyPr>
+          <a:lstStyle/>
+          <a:p>
+            <a:pPr>
+              <a:buNone/>
+            </a:pPr>
+            <a:r>
+              <a:rPr lang="en-US" b="1" dirty="0" smtClean="0"/>
+              <a:t>−source</a:t>
+            </a:r>
+            <a:r>
+              <a:rPr lang="en-US" dirty="0" smtClean="0"/>
+              <a:t> &lt;release&gt; Provide source compatibility with specified release </a:t>
+            </a:r>
+            <a:r>
+              <a:rPr lang="en-US" b="1" dirty="0" smtClean="0"/>
+              <a:t/>
+            </a:r>
+            <a:br>
+              <a:rPr lang="en-US" b="1" dirty="0" smtClean="0"/>
+            </a:br>
+            <a:r>
+              <a:rPr lang="en-US" b="1" dirty="0" smtClean="0"/>
+              <a:t>−</a:t>
+            </a:r>
+            <a:r>
+              <a:rPr lang="en-US" b="1" dirty="0" err="1" smtClean="0"/>
+              <a:t>extdirs</a:t>
+            </a:r>
+            <a:r>
+              <a:rPr lang="en-US" dirty="0" smtClean="0"/>
+              <a:t> &lt;</a:t>
+            </a:r>
+            <a:r>
+              <a:rPr lang="en-US" dirty="0" err="1" smtClean="0"/>
+              <a:t>dirlist</a:t>
+            </a:r>
+            <a:r>
+              <a:rPr lang="en-US" dirty="0" smtClean="0"/>
+              <a:t>&gt; Override location of installed extensions </a:t>
+            </a:r>
+            <a:r>
+              <a:rPr lang="en-US" b="1" dirty="0" smtClean="0"/>
+              <a:t/>
+            </a:r>
+            <a:br>
+              <a:rPr lang="en-US" b="1" dirty="0" smtClean="0"/>
+            </a:br>
+            <a:r>
+              <a:rPr lang="en-US" b="1" dirty="0" smtClean="0"/>
+              <a:t>−verbose</a:t>
+            </a:r>
+            <a:r>
+              <a:rPr lang="en-US" dirty="0" smtClean="0"/>
+              <a:t> Output messages about what </a:t>
+            </a:r>
+            <a:r>
+              <a:rPr lang="en-US" dirty="0" err="1" smtClean="0"/>
+              <a:t>Javadoc</a:t>
+            </a:r>
+            <a:r>
+              <a:rPr lang="en-US" dirty="0" smtClean="0"/>
+              <a:t> is doing </a:t>
+            </a:r>
+            <a:r>
+              <a:rPr lang="en-US" b="1" dirty="0" smtClean="0"/>
+              <a:t/>
+            </a:r>
+            <a:br>
+              <a:rPr lang="en-US" b="1" dirty="0" smtClean="0"/>
+            </a:br>
+            <a:r>
+              <a:rPr lang="en-US" b="1" dirty="0" smtClean="0"/>
+              <a:t>−locale</a:t>
+            </a:r>
+            <a:r>
+              <a:rPr lang="en-US" dirty="0" smtClean="0"/>
+              <a:t> &lt;name&gt; Locale to be used, e.g. </a:t>
+            </a:r>
+            <a:r>
+              <a:rPr lang="en-US" dirty="0" err="1" smtClean="0"/>
+              <a:t>en_US</a:t>
+            </a:r>
+            <a:r>
+              <a:rPr lang="en-US" dirty="0" smtClean="0"/>
+              <a:t> or </a:t>
+            </a:r>
+            <a:r>
+              <a:rPr lang="en-US" dirty="0" err="1" smtClean="0"/>
+              <a:t>en_US_WIN</a:t>
+            </a:r>
+            <a:r>
+              <a:rPr lang="en-US" dirty="0" smtClean="0"/>
+              <a:t> </a:t>
+            </a:r>
+            <a:r>
+              <a:rPr lang="en-US" b="1" dirty="0" smtClean="0"/>
+              <a:t/>
+            </a:r>
+            <a:br>
+              <a:rPr lang="en-US" b="1" dirty="0" smtClean="0"/>
+            </a:br>
+            <a:r>
+              <a:rPr lang="en-US" b="1" dirty="0" smtClean="0"/>
+              <a:t>−encoding</a:t>
+            </a:r>
+            <a:r>
+              <a:rPr lang="en-US" dirty="0" smtClean="0"/>
+              <a:t> &lt;name&gt; Source file encoding name </a:t>
+            </a:r>
+            <a:r>
+              <a:rPr lang="en-US" b="1" dirty="0" smtClean="0"/>
+              <a:t/>
+            </a:r>
+            <a:br>
+              <a:rPr lang="en-US" b="1" dirty="0" smtClean="0"/>
+            </a:br>
+            <a:r>
+              <a:rPr lang="en-US" b="1" dirty="0" smtClean="0"/>
+              <a:t>−J</a:t>
+            </a:r>
+            <a:r>
+              <a:rPr lang="en-US" dirty="0" smtClean="0"/>
+              <a:t>&lt;flag&gt; Pass &lt;flag&gt; directly to the runtime</a:t>
+            </a:r>
+          </a:p>
+          <a:p>
+            <a:pPr>
+              <a:buNone/>
+            </a:pPr>
+            <a:r>
+              <a:rPr lang="en-US" b="1" dirty="0" smtClean="0"/>
+              <a:t>System provided by Standard </a:t>
+            </a:r>
+            <a:r>
+              <a:rPr lang="en-US" b="1" dirty="0" err="1" smtClean="0"/>
+              <a:t>doclet</a:t>
+            </a:r>
+            <a:r>
+              <a:rPr lang="en-US" b="1" dirty="0" smtClean="0"/>
+              <a:t>: </a:t>
+            </a:r>
+            <a:br>
+              <a:rPr lang="en-US" b="1" dirty="0" smtClean="0"/>
+            </a:br>
+            <a:r>
+              <a:rPr lang="en-US" b="1" dirty="0" smtClean="0"/>
+              <a:t>−d</a:t>
+            </a:r>
+            <a:r>
+              <a:rPr lang="en-US" dirty="0" smtClean="0"/>
+              <a:t> &lt;directory&gt; Destination directory for output </a:t>
+            </a:r>
+            <a:br>
+              <a:rPr lang="en-US" dirty="0" smtClean="0"/>
+            </a:br>
+            <a:r>
+              <a:rPr lang="en-US" dirty="0" smtClean="0"/>
+              <a:t>files </a:t>
+            </a:r>
+            <a:r>
+              <a:rPr lang="en-US" b="1" dirty="0" smtClean="0"/>
+              <a:t/>
+            </a:r>
+            <a:br>
+              <a:rPr lang="en-US" b="1" dirty="0" smtClean="0"/>
+            </a:br>
+            <a:endParaRPr lang="en-US" dirty="0"/>
           </a:p>
         </p:txBody>
       </p:sp>
@@ -16870,192 +18363,38 @@
           <a:p>
             <a:r>
               <a:rPr lang="en-US" dirty="0" smtClean="0"/>
-              <a:t>Collections (List)</a:t>
+              <a:t>Collections</a:t>
             </a:r>
             <a:endParaRPr lang="en-US" dirty="0"/>
           </a:p>
         </p:txBody>
       </p:sp>
-      <p:sp>
-        <p:nvSpPr>
-          <p:cNvPr id="3" name="Content Placeholder 2"/>
-          <p:cNvSpPr>
-            <a:spLocks noGrp="1"/>
-          </p:cNvSpPr>
-          <p:nvPr>
-            <p:ph idx="1"/>
-          </p:nvPr>
-        </p:nvSpPr>
-        <p:spPr/>
-        <p:txBody>
-          <a:bodyPr/>
-          <a:lstStyle/>
-          <a:p>
-            <a:r>
-              <a:rPr lang="en-US" dirty="0" err="1"/>
-              <a:t>S</a:t>
-            </a:r>
-            <a:r>
-              <a:rPr lang="en-US" dirty="0" err="1" smtClean="0"/>
-              <a:t>eperti</a:t>
-            </a:r>
-            <a:r>
-              <a:rPr lang="en-US" dirty="0" smtClean="0"/>
-              <a:t> array </a:t>
-            </a:r>
-            <a:r>
-              <a:rPr lang="en-US" dirty="0" err="1" smtClean="0"/>
-              <a:t>hanya</a:t>
-            </a:r>
-            <a:r>
-              <a:rPr lang="en-US" dirty="0" smtClean="0"/>
-              <a:t> </a:t>
-            </a:r>
-            <a:r>
-              <a:rPr lang="en-US" dirty="0" err="1" smtClean="0"/>
-              <a:t>bisa</a:t>
-            </a:r>
-            <a:r>
-              <a:rPr lang="en-US" dirty="0" smtClean="0"/>
-              <a:t> </a:t>
-            </a:r>
-            <a:r>
-              <a:rPr lang="en-US" dirty="0" err="1" smtClean="0"/>
-              <a:t>memiliki</a:t>
-            </a:r>
-            <a:r>
-              <a:rPr lang="en-US" dirty="0" smtClean="0"/>
-              <a:t> </a:t>
-            </a:r>
-            <a:r>
-              <a:rPr lang="en-US" dirty="0" err="1" smtClean="0"/>
-              <a:t>kapasitas</a:t>
-            </a:r>
-            <a:r>
-              <a:rPr lang="en-US" dirty="0" smtClean="0"/>
-              <a:t> </a:t>
-            </a:r>
-            <a:r>
-              <a:rPr lang="en-US" dirty="0" err="1" smtClean="0"/>
-              <a:t>secara</a:t>
-            </a:r>
-            <a:r>
-              <a:rPr lang="en-US" dirty="0" smtClean="0"/>
-              <a:t> </a:t>
-            </a:r>
-            <a:r>
-              <a:rPr lang="en-US" dirty="0" err="1" smtClean="0"/>
-              <a:t>dinamik</a:t>
-            </a:r>
-            <a:r>
-              <a:rPr lang="en-US" dirty="0" smtClean="0"/>
-              <a:t>.</a:t>
-            </a:r>
-          </a:p>
-          <a:p>
-            <a:r>
-              <a:rPr lang="en-US" dirty="0" err="1"/>
-              <a:t>M</a:t>
-            </a:r>
-            <a:r>
-              <a:rPr lang="en-US" dirty="0" err="1" smtClean="0"/>
-              <a:t>emiliki</a:t>
-            </a:r>
-            <a:r>
-              <a:rPr lang="en-US" dirty="0" smtClean="0"/>
-              <a:t> </a:t>
-            </a:r>
-            <a:r>
-              <a:rPr lang="en-US" dirty="0" err="1" smtClean="0"/>
-              <a:t>berbagai</a:t>
-            </a:r>
-            <a:r>
-              <a:rPr lang="en-US" dirty="0" smtClean="0"/>
-              <a:t> </a:t>
-            </a:r>
-            <a:r>
-              <a:rPr lang="en-US" dirty="0" err="1" smtClean="0"/>
-              <a:t>jenis</a:t>
-            </a:r>
-            <a:r>
-              <a:rPr lang="en-US" dirty="0" smtClean="0"/>
-              <a:t> </a:t>
-            </a:r>
-            <a:r>
-              <a:rPr lang="en-US" dirty="0" err="1" smtClean="0"/>
-              <a:t>implementasi</a:t>
-            </a:r>
-            <a:r>
-              <a:rPr lang="en-US" dirty="0" smtClean="0"/>
-              <a:t> </a:t>
-            </a:r>
-            <a:r>
-              <a:rPr lang="en-US" dirty="0" err="1" smtClean="0"/>
-              <a:t>dengan</a:t>
-            </a:r>
-            <a:r>
-              <a:rPr lang="en-US" dirty="0" smtClean="0"/>
-              <a:t> </a:t>
-            </a:r>
-            <a:r>
-              <a:rPr lang="en-US" dirty="0" err="1" smtClean="0"/>
-              <a:t>karakteristik</a:t>
-            </a:r>
-            <a:r>
-              <a:rPr lang="en-US" dirty="0" smtClean="0"/>
-              <a:t> yang </a:t>
-            </a:r>
-            <a:r>
-              <a:rPr lang="en-US" dirty="0" err="1" smtClean="0"/>
-              <a:t>lebih</a:t>
-            </a:r>
-            <a:r>
-              <a:rPr lang="en-US" dirty="0" smtClean="0"/>
-              <a:t> </a:t>
-            </a:r>
-            <a:r>
-              <a:rPr lang="en-US" dirty="0" err="1" smtClean="0"/>
-              <a:t>kaya</a:t>
-            </a:r>
-            <a:r>
-              <a:rPr lang="en-US" dirty="0" smtClean="0"/>
-              <a:t>.</a:t>
-            </a:r>
-          </a:p>
-          <a:p>
-            <a:r>
-              <a:rPr lang="en-US" dirty="0" err="1" smtClean="0"/>
-              <a:t>Bisa</a:t>
-            </a:r>
-            <a:r>
-              <a:rPr lang="en-US" dirty="0" smtClean="0"/>
-              <a:t> </a:t>
-            </a:r>
-            <a:r>
-              <a:rPr lang="en-US" dirty="0" err="1" smtClean="0"/>
-              <a:t>memiliki</a:t>
-            </a:r>
-            <a:r>
-              <a:rPr lang="en-US" dirty="0" smtClean="0"/>
-              <a:t> </a:t>
-            </a:r>
-            <a:r>
-              <a:rPr lang="en-US" dirty="0" err="1" smtClean="0"/>
-              <a:t>duplikasi</a:t>
-            </a:r>
-            <a:r>
-              <a:rPr lang="en-US" dirty="0" smtClean="0"/>
-              <a:t>.</a:t>
-            </a:r>
-          </a:p>
-          <a:p>
-            <a:r>
-              <a:rPr lang="en-US" dirty="0" smtClean="0"/>
-              <a:t>Ordered.</a:t>
-            </a:r>
-          </a:p>
-        </p:txBody>
-      </p:sp>
+      <p:pic>
+        <p:nvPicPr>
+          <p:cNvPr id="1028" name="Picture 4" descr="Image result for java.util map"/>
+          <p:cNvPicPr>
+            <a:picLocks noChangeAspect="1" noChangeArrowheads="1"/>
+          </p:cNvPicPr>
+          <p:nvPr/>
+        </p:nvPicPr>
+        <p:blipFill>
+          <a:blip r:embed="rId2" cstate="print"/>
+          <a:srcRect/>
+          <a:stretch>
+            <a:fillRect/>
+          </a:stretch>
+        </p:blipFill>
+        <p:spPr bwMode="auto">
+          <a:xfrm>
+            <a:off x="947737" y="1340768"/>
+            <a:ext cx="7248525" cy="4467226"/>
+          </a:xfrm>
+          <a:prstGeom prst="rect">
+            <a:avLst/>
+          </a:prstGeom>
+          <a:noFill/>
+        </p:spPr>
+      </p:pic>
     </p:spTree>
   </p:cSld>
   <p:clrMapOvr>
@@ -17182,7 +18521,7 @@
           <a:p>
             <a:r>
               <a:rPr lang="en-US" dirty="0" smtClean="0"/>
-              <a:t>Collection (Set)</a:t>
+              <a:t>Collections (List)</a:t>
             </a:r>
             <a:endParaRPr lang="en-US" dirty="0"/>
           </a:p>
@@ -17203,7 +18542,168 @@
           <a:bodyPr/>
           <a:lstStyle/>
           <a:p>
-            <a:endParaRPr lang="en-US"/>
+            <a:r>
+              <a:rPr lang="en-US" dirty="0" err="1"/>
+              <a:t>S</a:t>
+            </a:r>
+            <a:r>
+              <a:rPr lang="en-US" dirty="0" err="1" smtClean="0"/>
+              <a:t>eperti</a:t>
+            </a:r>
+            <a:r>
+              <a:rPr lang="en-US" dirty="0" smtClean="0"/>
+              <a:t> array </a:t>
+            </a:r>
+            <a:r>
+              <a:rPr lang="en-US" dirty="0" err="1" smtClean="0"/>
+              <a:t>hanya</a:t>
+            </a:r>
+            <a:r>
+              <a:rPr lang="en-US" dirty="0" smtClean="0"/>
+              <a:t> </a:t>
+            </a:r>
+            <a:r>
+              <a:rPr lang="en-US" dirty="0" err="1" smtClean="0"/>
+              <a:t>bisa</a:t>
+            </a:r>
+            <a:r>
+              <a:rPr lang="en-US" dirty="0" smtClean="0"/>
+              <a:t> </a:t>
+            </a:r>
+            <a:r>
+              <a:rPr lang="en-US" dirty="0" err="1" smtClean="0"/>
+              <a:t>memiliki</a:t>
+            </a:r>
+            <a:r>
+              <a:rPr lang="en-US" dirty="0" smtClean="0"/>
+              <a:t> </a:t>
+            </a:r>
+            <a:r>
+              <a:rPr lang="en-US" dirty="0" err="1" smtClean="0"/>
+              <a:t>kapasitas</a:t>
+            </a:r>
+            <a:r>
+              <a:rPr lang="en-US" dirty="0" smtClean="0"/>
+              <a:t> </a:t>
+            </a:r>
+            <a:r>
+              <a:rPr lang="en-US" dirty="0" err="1" smtClean="0"/>
+              <a:t>secara</a:t>
+            </a:r>
+            <a:r>
+              <a:rPr lang="en-US" dirty="0" smtClean="0"/>
+              <a:t> </a:t>
+            </a:r>
+            <a:r>
+              <a:rPr lang="en-US" dirty="0" err="1" smtClean="0"/>
+              <a:t>dinamik</a:t>
+            </a:r>
+            <a:r>
+              <a:rPr lang="en-US" dirty="0" smtClean="0"/>
+              <a:t>.</a:t>
+            </a:r>
+          </a:p>
+          <a:p>
+            <a:r>
+              <a:rPr lang="en-US" dirty="0" err="1"/>
+              <a:t>M</a:t>
+            </a:r>
+            <a:r>
+              <a:rPr lang="en-US" dirty="0" err="1" smtClean="0"/>
+              <a:t>emiliki</a:t>
+            </a:r>
+            <a:r>
+              <a:rPr lang="en-US" dirty="0" smtClean="0"/>
+              <a:t> </a:t>
+            </a:r>
+            <a:r>
+              <a:rPr lang="en-US" dirty="0" err="1" smtClean="0"/>
+              <a:t>berbagai</a:t>
+            </a:r>
+            <a:r>
+              <a:rPr lang="en-US" dirty="0" smtClean="0"/>
+              <a:t> </a:t>
+            </a:r>
+            <a:r>
+              <a:rPr lang="en-US" dirty="0" err="1" smtClean="0"/>
+              <a:t>jenis</a:t>
+            </a:r>
+            <a:r>
+              <a:rPr lang="en-US" dirty="0" smtClean="0"/>
+              <a:t> </a:t>
+            </a:r>
+            <a:r>
+              <a:rPr lang="en-US" dirty="0" err="1" smtClean="0"/>
+              <a:t>implementasi</a:t>
+            </a:r>
+            <a:r>
+              <a:rPr lang="en-US" dirty="0" smtClean="0"/>
+              <a:t> </a:t>
+            </a:r>
+            <a:r>
+              <a:rPr lang="en-US" dirty="0" err="1" smtClean="0"/>
+              <a:t>dengan</a:t>
+            </a:r>
+            <a:r>
+              <a:rPr lang="en-US" dirty="0" smtClean="0"/>
+              <a:t> </a:t>
+            </a:r>
+            <a:r>
+              <a:rPr lang="en-US" dirty="0" err="1" smtClean="0"/>
+              <a:t>karakteristik</a:t>
+            </a:r>
+            <a:r>
+              <a:rPr lang="en-US" dirty="0" smtClean="0"/>
+              <a:t> yang </a:t>
+            </a:r>
+            <a:r>
+              <a:rPr lang="en-US" dirty="0" err="1" smtClean="0"/>
+              <a:t>lebih</a:t>
+            </a:r>
+            <a:r>
+              <a:rPr lang="en-US" dirty="0" smtClean="0"/>
+              <a:t> </a:t>
+            </a:r>
+            <a:r>
+              <a:rPr lang="en-US" dirty="0" err="1" smtClean="0"/>
+              <a:t>kaya</a:t>
+            </a:r>
+            <a:r>
+              <a:rPr lang="en-US" dirty="0" smtClean="0"/>
+              <a:t>.</a:t>
+            </a:r>
+          </a:p>
+          <a:p>
+            <a:r>
+              <a:rPr lang="en-US" dirty="0" err="1" smtClean="0"/>
+              <a:t>Bisa</a:t>
+            </a:r>
+            <a:r>
+              <a:rPr lang="en-US" dirty="0" smtClean="0"/>
+              <a:t> </a:t>
+            </a:r>
+            <a:r>
+              <a:rPr lang="en-US" dirty="0" err="1" smtClean="0"/>
+              <a:t>memiliki</a:t>
+            </a:r>
+            <a:r>
+              <a:rPr lang="en-US" dirty="0" smtClean="0"/>
+              <a:t> </a:t>
+            </a:r>
+            <a:r>
+              <a:rPr lang="en-US" dirty="0" err="1" smtClean="0"/>
+              <a:t>duplikasi</a:t>
+            </a:r>
+            <a:r>
+              <a:rPr lang="en-US" dirty="0" smtClean="0"/>
+              <a:t>.</a:t>
+            </a:r>
+          </a:p>
+          <a:p>
+            <a:r>
+              <a:rPr lang="en-US" dirty="0" smtClean="0"/>
+              <a:t>Ordered.</a:t>
+            </a:r>
           </a:p>
         </p:txBody>
       </p:sp>
@@ -17249,11 +18749,7 @@
           <a:p>
             <a:r>
               <a:rPr lang="en-US" dirty="0" smtClean="0"/>
-              <a:t>Collection</a:t>
-            </a:r>
-            <a:r>
-              <a:rPr lang="en-US" baseline="0" dirty="0" smtClean="0"/>
-              <a:t> (Map)</a:t>
+              <a:t>Collection (Set)</a:t>
             </a:r>
             <a:endParaRPr lang="en-US" dirty="0"/>
           </a:p>
@@ -17274,7 +18770,97 @@
           <a:bodyPr/>
           <a:lstStyle/>
           <a:p>
-            <a:endParaRPr lang="en-US"/>
+            <a:r>
+              <a:rPr lang="en-US" dirty="0" err="1" smtClean="0"/>
+              <a:t>Seperti</a:t>
+            </a:r>
+            <a:r>
+              <a:rPr lang="en-US" dirty="0" smtClean="0"/>
+              <a:t> List </a:t>
+            </a:r>
+            <a:r>
+              <a:rPr lang="en-US" dirty="0" err="1" smtClean="0"/>
+              <a:t>tapi</a:t>
+            </a:r>
+            <a:r>
+              <a:rPr lang="en-US" dirty="0" smtClean="0"/>
+              <a:t> </a:t>
+            </a:r>
+            <a:r>
+              <a:rPr lang="en-US" dirty="0" err="1" smtClean="0"/>
+              <a:t>elementnya</a:t>
+            </a:r>
+            <a:r>
+              <a:rPr lang="en-US" dirty="0" smtClean="0"/>
+              <a:t> unique </a:t>
+            </a:r>
+            <a:r>
+              <a:rPr lang="en-US" dirty="0" err="1" smtClean="0"/>
+              <a:t>dengan</a:t>
+            </a:r>
+            <a:r>
+              <a:rPr lang="en-US" dirty="0" smtClean="0"/>
+              <a:t> </a:t>
+            </a:r>
+            <a:r>
+              <a:rPr lang="en-US" dirty="0" err="1" smtClean="0"/>
+              <a:t>perbandingan</a:t>
+            </a:r>
+            <a:r>
+              <a:rPr lang="en-US" dirty="0" smtClean="0"/>
+              <a:t> e1.equals(e2).</a:t>
+            </a:r>
+          </a:p>
+          <a:p>
+            <a:r>
+              <a:rPr lang="en-US" dirty="0" err="1" smtClean="0"/>
+              <a:t>Hanya</a:t>
+            </a:r>
+            <a:r>
+              <a:rPr lang="en-US" dirty="0" smtClean="0"/>
+              <a:t> </a:t>
+            </a:r>
+            <a:r>
+              <a:rPr lang="en-US" dirty="0" err="1" smtClean="0"/>
+              <a:t>boleh</a:t>
+            </a:r>
+            <a:r>
+              <a:rPr lang="en-US" dirty="0" smtClean="0"/>
+              <a:t> </a:t>
+            </a:r>
+            <a:r>
+              <a:rPr lang="en-US" dirty="0" err="1" smtClean="0"/>
+              <a:t>memiliki</a:t>
+            </a:r>
+            <a:r>
+              <a:rPr lang="en-US" dirty="0" smtClean="0"/>
+              <a:t> </a:t>
+            </a:r>
+            <a:r>
+              <a:rPr lang="en-US" dirty="0" err="1" smtClean="0"/>
+              <a:t>satu</a:t>
+            </a:r>
+            <a:r>
+              <a:rPr lang="en-US" dirty="0" smtClean="0"/>
+              <a:t> null, </a:t>
+            </a:r>
+            <a:r>
+              <a:rPr lang="en-US" dirty="0" err="1" smtClean="0"/>
+              <a:t>jika</a:t>
+            </a:r>
+            <a:r>
+              <a:rPr lang="en-US" dirty="0" smtClean="0"/>
+              <a:t> null </a:t>
+            </a:r>
+            <a:r>
+              <a:rPr lang="en-US" dirty="0" err="1" smtClean="0"/>
+              <a:t>diperbolehkan</a:t>
+            </a:r>
+            <a:r>
+              <a:rPr lang="en-US" dirty="0" smtClean="0"/>
+              <a:t>.</a:t>
+            </a:r>
+            <a:endParaRPr lang="en-US" dirty="0"/>
           </a:p>
         </p:txBody>
       </p:sp>
@@ -17305,9 +18891,9 @@
       </p:grpSpPr>
       <p:sp>
         <p:nvSpPr>
-          <p:cNvPr id="4098" name="Rectangle 2"/>
-          <p:cNvSpPr>
-            <a:spLocks noGrp="1" noChangeArrowheads="1"/>
+          <p:cNvPr id="2" name="Title 1"/>
+          <p:cNvSpPr>
+            <a:spLocks noGrp="1"/>
           </p:cNvSpPr>
           <p:nvPr>
             <p:ph type="title"/>
@@ -17320,7 +18906,11 @@
           <a:p>
             <a:r>
               <a:rPr lang="en-US" dirty="0" smtClean="0"/>
-              <a:t>I/O (Stream)</a:t>
+              <a:t>Collection</a:t>
+            </a:r>
+            <a:r>
+              <a:rPr lang="en-US" baseline="0" dirty="0" smtClean="0"/>
+              <a:t> (Map)</a:t>
             </a:r>
             <a:endParaRPr lang="en-US" dirty="0"/>
           </a:p>
@@ -17328,12 +18918,12 @@
       </p:sp>
       <p:sp>
         <p:nvSpPr>
-          <p:cNvPr id="4099" name="Rectangle 3"/>
-          <p:cNvSpPr>
-            <a:spLocks noGrp="1" noChangeArrowheads="1"/>
-          </p:cNvSpPr>
-          <p:nvPr>
-            <p:ph type="body" idx="1"/>
+          <p:cNvPr id="3" name="Content Placeholder 2"/>
+          <p:cNvSpPr>
+            <a:spLocks noGrp="1"/>
+          </p:cNvSpPr>
+          <p:nvPr>
+            <p:ph idx="1"/>
           </p:nvPr>
         </p:nvSpPr>
         <p:spPr/>
@@ -17341,349 +18931,163 @@
           <a:bodyPr/>
           <a:lstStyle/>
           <a:p>
-            <a:pPr>
-              <a:lnSpc>
-                <a:spcPct val="90000"/>
-              </a:lnSpc>
-            </a:pPr>
-            <a:r>
-              <a:rPr lang="en-US" sz="2400" dirty="0" err="1" smtClean="0"/>
-              <a:t>di</a:t>
-            </a:r>
-            <a:r>
-              <a:rPr lang="en-US" sz="2400" dirty="0" smtClean="0"/>
-              <a:t> Java IO </a:t>
-            </a:r>
-            <a:r>
-              <a:rPr lang="en-US" sz="2400" dirty="0" err="1" smtClean="0"/>
-              <a:t>disebut</a:t>
-            </a:r>
-            <a:r>
-              <a:rPr lang="en-US" sz="2400" dirty="0" smtClean="0"/>
-              <a:t> </a:t>
-            </a:r>
-            <a:r>
-              <a:rPr lang="en-US" sz="2400" dirty="0" err="1" smtClean="0"/>
+            <a:r>
+              <a:rPr lang="en-US" dirty="0" err="1" smtClean="0"/>
+              <a:t>Berbentuk</a:t>
+            </a:r>
+            <a:r>
+              <a:rPr lang="en-US" dirty="0" smtClean="0"/>
+              <a:t> dictionary/</a:t>
+            </a:r>
+            <a:r>
+              <a:rPr lang="en-US" dirty="0" err="1" smtClean="0"/>
+              <a:t>kamus</a:t>
+            </a:r>
+            <a:r>
+              <a:rPr lang="en-US" dirty="0" smtClean="0"/>
+              <a:t>, key =&gt; value </a:t>
+            </a:r>
+          </a:p>
+          <a:p>
+            <a:r>
+              <a:rPr lang="en-US" dirty="0" err="1" smtClean="0"/>
+              <a:t>P</a:t>
+            </a:r>
+            <a:r>
+              <a:rPr lang="en-US" dirty="0" err="1" smtClean="0"/>
+              <a:t>encarian</a:t>
+            </a:r>
+            <a:r>
+              <a:rPr lang="en-US" dirty="0" smtClean="0"/>
+              <a:t> </a:t>
+            </a:r>
+            <a:r>
+              <a:rPr lang="en-US" dirty="0" err="1" smtClean="0"/>
+              <a:t>menggunakan</a:t>
+            </a:r>
+            <a:r>
+              <a:rPr lang="en-US" dirty="0" smtClean="0"/>
+              <a:t> </a:t>
+            </a:r>
+            <a:r>
+              <a:rPr lang="en-US" dirty="0" err="1" smtClean="0"/>
+              <a:t>kunci</a:t>
+            </a:r>
+            <a:r>
+              <a:rPr lang="en-US" dirty="0" smtClean="0"/>
+              <a:t> </a:t>
+            </a:r>
+            <a:r>
+              <a:rPr lang="en-US" dirty="0" err="1" smtClean="0"/>
               <a:t>dengan</a:t>
             </a:r>
             <a:r>
-              <a:rPr lang="en-US" sz="2400" dirty="0" smtClean="0"/>
-              <a:t> Stream. </a:t>
-            </a:r>
-            <a:r>
-              <a:rPr lang="en-US" sz="2400" dirty="0"/>
-              <a:t>Streams </a:t>
-            </a:r>
-            <a:r>
-              <a:rPr lang="en-US" sz="2400" dirty="0" err="1" smtClean="0"/>
-              <a:t>adalah</a:t>
-            </a:r>
-            <a:r>
-              <a:rPr lang="en-US" sz="2400" dirty="0" smtClean="0"/>
-              <a:t> </a:t>
-            </a:r>
-            <a:r>
-              <a:rPr lang="en-US" sz="2400" dirty="0" err="1" smtClean="0"/>
-              <a:t>serangkaian</a:t>
-            </a:r>
-            <a:r>
-              <a:rPr lang="en-US" sz="2400" dirty="0" smtClean="0"/>
-              <a:t> data </a:t>
-            </a:r>
-            <a:r>
-              <a:rPr lang="en-US" sz="2400" dirty="0" err="1" smtClean="0"/>
-              <a:t>terurut</a:t>
-            </a:r>
-            <a:r>
-              <a:rPr lang="en-US" sz="2400" dirty="0" smtClean="0"/>
-              <a:t> yang </a:t>
-            </a:r>
-            <a:r>
-              <a:rPr lang="en-US" sz="2400" dirty="0" err="1" smtClean="0"/>
+              <a:rPr lang="en-US" dirty="0" smtClean="0"/>
+              <a:t> </a:t>
+            </a:r>
+            <a:r>
+              <a:rPr lang="en-US" dirty="0" err="1" smtClean="0"/>
+              <a:t>prinsip</a:t>
+            </a:r>
+            <a:r>
+              <a:rPr lang="en-US" dirty="0" smtClean="0"/>
+              <a:t> </a:t>
+            </a:r>
+            <a:r>
+              <a:rPr lang="en-US" dirty="0" smtClean="0"/>
+              <a:t>“</a:t>
+            </a:r>
+            <a:r>
+              <a:rPr lang="en-US" dirty="0" err="1" smtClean="0"/>
+              <a:t>kembalian</a:t>
+            </a:r>
+            <a:r>
+              <a:rPr lang="en-US" dirty="0" smtClean="0"/>
+              <a:t> true </a:t>
+            </a:r>
+            <a:r>
+              <a:rPr lang="en-US" dirty="0" err="1" smtClean="0"/>
+              <a:t>jika</a:t>
+            </a:r>
+            <a:r>
+              <a:rPr lang="en-US" dirty="0" smtClean="0"/>
+              <a:t> </a:t>
+            </a:r>
+            <a:r>
+              <a:rPr lang="en-US" dirty="0" err="1" smtClean="0"/>
+              <a:t>dan</a:t>
+            </a:r>
+            <a:r>
+              <a:rPr lang="en-US" dirty="0" smtClean="0"/>
+              <a:t> </a:t>
+            </a:r>
+            <a:r>
+              <a:rPr lang="en-US" dirty="0" err="1" smtClean="0"/>
+              <a:t>hanya</a:t>
+            </a:r>
+            <a:r>
+              <a:rPr lang="en-US" dirty="0" smtClean="0"/>
+              <a:t> </a:t>
+            </a:r>
+            <a:r>
+              <a:rPr lang="en-US" dirty="0" err="1" smtClean="0"/>
+              <a:t>jika</a:t>
+            </a:r>
+            <a:r>
+              <a:rPr lang="en-US" dirty="0" smtClean="0"/>
+              <a:t> map </a:t>
+            </a:r>
+            <a:r>
+              <a:rPr lang="en-US" dirty="0" err="1" smtClean="0"/>
+              <a:t>ini</a:t>
+            </a:r>
+            <a:r>
+              <a:rPr lang="en-US" dirty="0" smtClean="0"/>
+              <a:t> </a:t>
+            </a:r>
+            <a:r>
+              <a:rPr lang="en-US" dirty="0" err="1" smtClean="0"/>
               <a:t>memiliki</a:t>
             </a:r>
             <a:r>
-              <a:rPr lang="en-US" sz="2400" dirty="0" smtClean="0"/>
-              <a:t> </a:t>
-            </a:r>
-            <a:r>
-              <a:rPr lang="en-US" sz="2400" dirty="0" err="1" smtClean="0"/>
-              <a:t>sumber</a:t>
-            </a:r>
-            <a:r>
-              <a:rPr lang="en-US" sz="2400" dirty="0" smtClean="0"/>
-              <a:t> </a:t>
-            </a:r>
-            <a:r>
-              <a:rPr lang="en-US" sz="2400" dirty="0"/>
-              <a:t>(input streams</a:t>
-            </a:r>
-            <a:r>
-              <a:rPr lang="en-US" sz="2400" dirty="0" smtClean="0"/>
-              <a:t>) </a:t>
-            </a:r>
-            <a:r>
-              <a:rPr lang="en-US" sz="2400" dirty="0" err="1" smtClean="0"/>
-              <a:t>atau</a:t>
-            </a:r>
-            <a:r>
-              <a:rPr lang="en-US" sz="2400" dirty="0" smtClean="0"/>
-              <a:t> </a:t>
-            </a:r>
-            <a:r>
-              <a:rPr lang="en-US" sz="2400" dirty="0" err="1" smtClean="0"/>
-              <a:t>tujuan</a:t>
-            </a:r>
-            <a:r>
-              <a:rPr lang="en-US" sz="2400" dirty="0" smtClean="0"/>
-              <a:t> </a:t>
-            </a:r>
-            <a:r>
-              <a:rPr lang="en-US" sz="2400" dirty="0"/>
-              <a:t>(output streams). </a:t>
-            </a:r>
-          </a:p>
-          <a:p>
-            <a:pPr>
-              <a:lnSpc>
-                <a:spcPct val="90000"/>
-              </a:lnSpc>
-            </a:pPr>
-            <a:r>
-              <a:rPr lang="en-US" sz="2400" dirty="0" smtClean="0"/>
-              <a:t>Java API </a:t>
-            </a:r>
-            <a:r>
-              <a:rPr lang="en-US" sz="2400" dirty="0" err="1" smtClean="0"/>
-              <a:t>menyediakan</a:t>
-            </a:r>
-            <a:r>
-              <a:rPr lang="en-US" sz="2400" dirty="0" smtClean="0"/>
-              <a:t> </a:t>
-            </a:r>
-            <a:r>
-              <a:rPr lang="en-US" sz="2400" dirty="0" err="1" smtClean="0"/>
-              <a:t>dua</a:t>
-            </a:r>
-            <a:r>
-              <a:rPr lang="en-US" sz="2400" dirty="0" smtClean="0"/>
-              <a:t> </a:t>
-            </a:r>
-            <a:r>
-              <a:rPr lang="en-US" sz="2400" dirty="0" err="1" smtClean="0"/>
-              <a:t>jenis</a:t>
-            </a:r>
-            <a:r>
-              <a:rPr lang="en-US" sz="2400" dirty="0" smtClean="0"/>
-              <a:t> I/O, java.io, </a:t>
-            </a:r>
-            <a:r>
-              <a:rPr lang="en-US" sz="2400" dirty="0" err="1" smtClean="0"/>
-              <a:t>dan</a:t>
-            </a:r>
-            <a:r>
-              <a:rPr lang="en-US" sz="2400" dirty="0" smtClean="0"/>
-              <a:t> java.nio</a:t>
-            </a:r>
-          </a:p>
-          <a:p>
-            <a:pPr>
-              <a:lnSpc>
-                <a:spcPct val="90000"/>
-              </a:lnSpc>
-            </a:pPr>
-            <a:r>
-              <a:rPr lang="en-US" sz="2400" dirty="0" smtClean="0"/>
-              <a:t>java.nio </a:t>
-            </a:r>
-            <a:r>
-              <a:rPr lang="en-US" sz="2400" dirty="0"/>
-              <a:t>package </a:t>
-            </a:r>
-            <a:r>
-              <a:rPr lang="en-US" sz="2400" dirty="0" err="1" smtClean="0"/>
-              <a:t>dan</a:t>
-            </a:r>
-            <a:r>
-              <a:rPr lang="en-US" sz="2400" dirty="0" smtClean="0"/>
-              <a:t> </a:t>
-            </a:r>
-            <a:r>
-              <a:rPr lang="en-US" sz="2400" dirty="0" err="1" smtClean="0"/>
-              <a:t>subpackages-nya</a:t>
-            </a:r>
-            <a:r>
-              <a:rPr lang="en-US" sz="2400" dirty="0" smtClean="0"/>
-              <a:t> </a:t>
-            </a:r>
-            <a:r>
-              <a:rPr lang="en-US" sz="2400" dirty="0" err="1" smtClean="0"/>
-              <a:t>mendifinisikan</a:t>
-            </a:r>
-            <a:r>
-              <a:rPr lang="en-US" sz="2400" dirty="0" smtClean="0"/>
-              <a:t> </a:t>
-            </a:r>
-            <a:r>
-              <a:rPr lang="en-US" sz="2400" dirty="0"/>
-              <a:t>I/O </a:t>
-            </a:r>
-            <a:r>
-              <a:rPr lang="en-US" sz="2400" dirty="0" err="1" smtClean="0"/>
-              <a:t>dalam</a:t>
-            </a:r>
-            <a:r>
-              <a:rPr lang="en-US" sz="2400" dirty="0" smtClean="0"/>
-              <a:t> </a:t>
-            </a:r>
-            <a:r>
-              <a:rPr lang="en-US" sz="2400" dirty="0" err="1" smtClean="0"/>
-              <a:t>bentuk</a:t>
-            </a:r>
-            <a:r>
-              <a:rPr lang="en-US" sz="2400" dirty="0" smtClean="0"/>
-              <a:t> buffer </a:t>
-            </a:r>
-            <a:r>
-              <a:rPr lang="en-US" sz="2400" dirty="0"/>
-              <a:t>and </a:t>
-            </a:r>
-            <a:r>
-              <a:rPr lang="en-US" sz="2400" dirty="0" smtClean="0"/>
-              <a:t>channel. Buffer </a:t>
-            </a:r>
-            <a:r>
-              <a:rPr lang="en-US" sz="2400" dirty="0" err="1" smtClean="0"/>
-              <a:t>adalah</a:t>
-            </a:r>
-            <a:r>
-              <a:rPr lang="en-US" sz="2400" dirty="0" smtClean="0"/>
-              <a:t> </a:t>
-            </a:r>
-            <a:r>
-              <a:rPr lang="en-US" sz="2400" dirty="0"/>
-              <a:t>data </a:t>
-            </a:r>
-            <a:r>
-              <a:rPr lang="en-US" sz="2400" dirty="0" smtClean="0"/>
+              <a:rPr lang="en-US" dirty="0" smtClean="0"/>
+              <a:t> </a:t>
+            </a:r>
+            <a:r>
+              <a:rPr lang="en-US" dirty="0" err="1" smtClean="0"/>
+              <a:t>sebuah</a:t>
+            </a:r>
+            <a:r>
+              <a:rPr lang="en-US" dirty="0" smtClean="0"/>
+              <a:t> </a:t>
+            </a:r>
+            <a:r>
+              <a:rPr lang="en-US" dirty="0" smtClean="0"/>
+              <a:t>key k </a:t>
+            </a:r>
+            <a:r>
+              <a:rPr lang="en-US" dirty="0" smtClean="0"/>
               <a:t>yang </a:t>
             </a:r>
             <a:r>
-              <a:rPr lang="en-US" sz="2400" dirty="0" err="1" smtClean="0"/>
-              <a:t>disimpan</a:t>
-            </a:r>
-            <a:r>
-              <a:rPr lang="en-US" sz="2400" dirty="0" smtClean="0"/>
-              <a:t> (</a:t>
-            </a:r>
-            <a:r>
-              <a:rPr lang="en-US" sz="2400" dirty="0" err="1" smtClean="0"/>
-              <a:t>seperti</a:t>
-            </a:r>
-            <a:r>
-              <a:rPr lang="en-US" sz="2400" dirty="0" smtClean="0"/>
-              <a:t> array) yang </a:t>
-            </a:r>
-            <a:r>
-              <a:rPr lang="en-US" sz="2400" dirty="0" err="1" smtClean="0"/>
-              <a:t>bisa</a:t>
-            </a:r>
-            <a:r>
-              <a:rPr lang="en-US" sz="2400" dirty="0" smtClean="0"/>
-              <a:t> </a:t>
-            </a:r>
-            <a:r>
-              <a:rPr lang="en-US" sz="2400" dirty="0" err="1" smtClean="0"/>
-              <a:t>dibaca</a:t>
-            </a:r>
-            <a:r>
-              <a:rPr lang="en-US" sz="2400" dirty="0" smtClean="0"/>
-              <a:t> </a:t>
-            </a:r>
-            <a:r>
-              <a:rPr lang="en-US" sz="2400" dirty="0" err="1" smtClean="0"/>
-              <a:t>dan</a:t>
-            </a:r>
-            <a:r>
-              <a:rPr lang="en-US" sz="2400" dirty="0" smtClean="0"/>
-              <a:t> </a:t>
-            </a:r>
-            <a:r>
-              <a:rPr lang="en-US" sz="2400" dirty="0" err="1" smtClean="0"/>
-              <a:t>ditulis</a:t>
-            </a:r>
-            <a:r>
-              <a:rPr lang="en-US" sz="2400" dirty="0" smtClean="0"/>
-              <a:t>. Channel </a:t>
-            </a:r>
-            <a:r>
-              <a:rPr lang="en-US" sz="2400" dirty="0" err="1" smtClean="0"/>
-              <a:t>merepresentasika</a:t>
-            </a:r>
-            <a:r>
-              <a:rPr lang="en-US" sz="2400" dirty="0" smtClean="0"/>
-              <a:t> </a:t>
-            </a:r>
-            <a:r>
-              <a:rPr lang="en-US" sz="2400" dirty="0" err="1" smtClean="0"/>
-              <a:t>koneksi</a:t>
-            </a:r>
-            <a:r>
-              <a:rPr lang="en-US" sz="2400" dirty="0" smtClean="0"/>
-              <a:t> </a:t>
-            </a:r>
-            <a:r>
-              <a:rPr lang="en-US" sz="2400" dirty="0" err="1" smtClean="0"/>
-              <a:t>ke</a:t>
-            </a:r>
-            <a:r>
-              <a:rPr lang="en-US" sz="2400" dirty="0" smtClean="0"/>
-              <a:t> entity yang </a:t>
-            </a:r>
-            <a:r>
-              <a:rPr lang="en-US" sz="2400" dirty="0" err="1" smtClean="0"/>
-              <a:t>mampu</a:t>
-            </a:r>
-            <a:r>
-              <a:rPr lang="en-US" sz="2400" dirty="0" smtClean="0"/>
-              <a:t> </a:t>
-            </a:r>
-            <a:r>
-              <a:rPr lang="en-US" sz="2400" dirty="0" err="1" smtClean="0"/>
-              <a:t>melakukan</a:t>
-            </a:r>
-            <a:r>
-              <a:rPr lang="en-US" sz="2400" dirty="0" smtClean="0"/>
-              <a:t> </a:t>
-            </a:r>
-            <a:r>
-              <a:rPr lang="en-US" sz="2400" dirty="0" err="1" smtClean="0"/>
-              <a:t>operasi</a:t>
-            </a:r>
-            <a:r>
-              <a:rPr lang="en-US" sz="2400" dirty="0" smtClean="0"/>
-              <a:t> I/O </a:t>
-            </a:r>
-            <a:r>
-              <a:rPr lang="en-US" sz="2400" dirty="0" err="1" smtClean="0"/>
-              <a:t>termasuk</a:t>
-            </a:r>
-            <a:r>
-              <a:rPr lang="en-US" sz="2400" dirty="0" smtClean="0"/>
-              <a:t> buffer, file </a:t>
-            </a:r>
-            <a:r>
-              <a:rPr lang="en-US" sz="2400" dirty="0" err="1" smtClean="0"/>
-              <a:t>dan</a:t>
-            </a:r>
-            <a:r>
-              <a:rPr lang="en-US" sz="2400" dirty="0" smtClean="0"/>
-              <a:t> </a:t>
-            </a:r>
-            <a:r>
-              <a:rPr lang="en-US" sz="2400" dirty="0"/>
-              <a:t>sockets. </a:t>
-            </a:r>
+              <a:rPr lang="en-US" dirty="0" smtClean="0"/>
+              <a:t>(key==null ? k==null : </a:t>
+            </a:r>
+            <a:r>
+              <a:rPr lang="en-US" dirty="0" err="1" smtClean="0"/>
+              <a:t>key.equals</a:t>
+            </a:r>
+            <a:r>
+              <a:rPr lang="en-US" dirty="0" smtClean="0"/>
+              <a:t>(k</a:t>
+            </a:r>
+            <a:r>
+              <a:rPr lang="en-US" dirty="0" smtClean="0"/>
+              <a:t>)).“</a:t>
+            </a:r>
+          </a:p>
+          <a:p>
+            <a:endParaRPr lang="en-US" dirty="0"/>
           </a:p>
         </p:txBody>
       </p:sp>
@@ -17714,7 +19118,7 @@
       </p:grpSpPr>
       <p:sp>
         <p:nvSpPr>
-          <p:cNvPr id="7170" name="Rectangle 2"/>
+          <p:cNvPr id="4098" name="Rectangle 2"/>
           <p:cNvSpPr>
             <a:spLocks noGrp="1" noChangeArrowheads="1"/>
           </p:cNvSpPr>
@@ -17728,12 +19132,8 @@
           <a:lstStyle/>
           <a:p>
             <a:r>
-              <a:rPr lang="en-US" dirty="0" err="1" smtClean="0"/>
-              <a:t>Jenis-jenis</a:t>
-            </a:r>
-            <a:r>
-              <a:rPr lang="en-US" dirty="0" smtClean="0"/>
-              <a:t> Stream</a:t>
+              <a:rPr lang="en-US" dirty="0" smtClean="0"/>
+              <a:t>I/O (Stream)</a:t>
             </a:r>
             <a:endParaRPr lang="en-US" dirty="0"/>
           </a:p>
@@ -17741,7 +19141,7 @@
       </p:sp>
       <p:sp>
         <p:nvSpPr>
-          <p:cNvPr id="7171" name="Rectangle 3"/>
+          <p:cNvPr id="4099" name="Rectangle 3"/>
           <p:cNvSpPr>
             <a:spLocks noGrp="1" noChangeArrowheads="1"/>
           </p:cNvSpPr>
@@ -17760,12 +19160,56 @@
               </a:lnSpc>
             </a:pPr>
             <a:r>
+              <a:rPr lang="en-US" sz="2400" dirty="0" err="1" smtClean="0"/>
+              <a:t>di</a:t>
+            </a:r>
+            <a:r>
               <a:rPr lang="en-US" sz="2400" dirty="0" smtClean="0"/>
-              <a:t>Package </a:t>
+              <a:t> Java IO </a:t>
+            </a:r>
+            <a:r>
+              <a:rPr lang="en-US" sz="2400" dirty="0" err="1" smtClean="0"/>
+              <a:t>disebut</a:t>
+            </a:r>
+            <a:r>
+              <a:rPr lang="en-US" sz="2400" dirty="0" smtClean="0"/>
+              <a:t> </a:t>
+            </a:r>
+            <a:r>
+              <a:rPr lang="en-US" sz="2400" dirty="0" err="1" smtClean="0"/>
+              <a:t>dengan</a:t>
+            </a:r>
+            <a:r>
+              <a:rPr lang="en-US" sz="2400" dirty="0" smtClean="0"/>
+              <a:t> Stream. </a:t>
             </a:r>
             <a:r>
               <a:rPr lang="en-US" sz="2400" dirty="0"/>
-              <a:t>java.io </a:t>
+              <a:t>Streams </a:t>
+            </a:r>
+            <a:r>
+              <a:rPr lang="en-US" sz="2400" dirty="0" err="1" smtClean="0"/>
+              <a:t>adalah</a:t>
+            </a:r>
+            <a:r>
+              <a:rPr lang="en-US" sz="2400" dirty="0" smtClean="0"/>
+              <a:t> </a:t>
+            </a:r>
+            <a:r>
+              <a:rPr lang="en-US" sz="2400" dirty="0" err="1" smtClean="0"/>
+              <a:t>serangkaian</a:t>
+            </a:r>
+            <a:r>
+              <a:rPr lang="en-US" sz="2400" dirty="0" smtClean="0"/>
+              <a:t> data </a:t>
+            </a:r>
+            <a:r>
+              <a:rPr lang="en-US" sz="2400" dirty="0" err="1" smtClean="0"/>
+              <a:t>terurut</a:t>
+            </a:r>
+            <a:r>
+              <a:rPr lang="en-US" sz="2400" dirty="0" smtClean="0"/>
+              <a:t> yang </a:t>
             </a:r>
             <a:r>
               <a:rPr lang="en-US" sz="2400" dirty="0" err="1" smtClean="0"/>
@@ -17777,15 +19221,23 @@
             </a:r>
             <a:r>
               <a:rPr lang="en-US" sz="2400" dirty="0" err="1" smtClean="0"/>
-              <a:t>dua</a:t>
+              <a:t>sumber</a:t>
             </a:r>
             <a:r>
               <a:rPr lang="en-US" sz="2400" dirty="0" smtClean="0"/>
               <a:t> </a:t>
             </a:r>
             <a:r>
+              <a:rPr lang="en-US" sz="2400" dirty="0"/>
+              <a:t>(input streams</a:t>
+            </a:r>
+            <a:r>
+              <a:rPr lang="en-US" sz="2400" dirty="0" smtClean="0"/>
+              <a:t>) </a:t>
+            </a:r>
+            <a:r>
               <a:rPr lang="en-US" sz="2400" dirty="0" err="1" smtClean="0"/>
-              <a:t>bagian</a:t>
+              <a:t>atau</a:t>
             </a:r>
             <a:r>
               <a:rPr lang="en-US" sz="2400" dirty="0" smtClean="0"/>
@@ -17793,27 +19245,15 @@
             </a:r>
             <a:r>
               <a:rPr lang="en-US" sz="2400" dirty="0" err="1" smtClean="0"/>
-              <a:t>utama</a:t>
+              <a:t>tujuan</a:t>
             </a:r>
             <a:r>
               <a:rPr lang="en-US" sz="2400" dirty="0" smtClean="0"/>
-              <a:t>: </a:t>
+              <a:t> </a:t>
             </a:r>
             <a:r>
               <a:rPr lang="en-US" sz="2400" dirty="0"/>
-              <a:t>character streams </a:t>
-            </a:r>
-            <a:r>
-              <a:rPr lang="en-US" sz="2400" dirty="0" err="1" smtClean="0"/>
-              <a:t>dan</a:t>
-            </a:r>
-            <a:r>
-              <a:rPr lang="en-US" sz="2400" dirty="0" smtClean="0"/>
-              <a:t> </a:t>
-            </a:r>
-            <a:r>
-              <a:rPr lang="en-US" sz="2400" dirty="0"/>
-              <a:t>byte streams.</a:t>
+              <a:t>(output streams). </a:t>
             </a:r>
           </a:p>
           <a:p>
@@ -17823,30 +19263,41 @@
               </a:lnSpc>
             </a:pPr>
             <a:r>
-              <a:rPr lang="en-US" sz="2400" dirty="0"/>
-              <a:t>Characters </a:t>
-            </a:r>
-            <a:r>
               <a:rPr lang="en-US" sz="2400" dirty="0" smtClean="0"/>
-              <a:t>adalah16-bit UTF-16, </a:t>
+              <a:t>Java API </a:t>
             </a:r>
             <a:r>
               <a:rPr lang="en-US" sz="2400" dirty="0" err="1" smtClean="0"/>
-              <a:t>sedangkan</a:t>
+              <a:t>menyediakan</a:t>
             </a:r>
             <a:r>
               <a:rPr lang="en-US" sz="2400" dirty="0" smtClean="0"/>
               <a:t> </a:t>
             </a:r>
             <a:r>
-              <a:rPr lang="en-US" sz="2400" dirty="0"/>
-              <a:t>bytes are </a:t>
+              <a:rPr lang="en-US" sz="2400" dirty="0" err="1" smtClean="0"/>
+              <a:t>dua</a:t>
             </a:r>
             <a:r>
               <a:rPr lang="en-US" sz="2400" dirty="0" smtClean="0"/>
-              <a:t>8 bit integer. </a:t>
-            </a:r>
-            <a:endParaRPr lang="en-US" sz="2400" dirty="0"/>
+              <a:t> </a:t>
+            </a:r>
+            <a:r>
+              <a:rPr lang="en-US" sz="2400" dirty="0" err="1" smtClean="0"/>
+              <a:t>jenis</a:t>
+            </a:r>
+            <a:r>
+              <a:rPr lang="en-US" sz="2400" dirty="0" smtClean="0"/>
+              <a:t> I/O, java.io, </a:t>
+            </a:r>
+            <a:r>
+              <a:rPr lang="en-US" sz="2400" dirty="0" err="1" smtClean="0"/>
+              <a:t>dan</a:t>
+            </a:r>
+            <a:r>
+              <a:rPr lang="en-US" sz="2400" dirty="0" smtClean="0"/>
+              <a:t> java.nio</a:t>
+            </a:r>
           </a:p>
           <a:p>
             <a:pPr>
@@ -17855,11 +19306,99 @@
               </a:lnSpc>
             </a:pPr>
             <a:r>
+              <a:rPr lang="en-US" sz="2400" dirty="0" smtClean="0"/>
+              <a:t>java.nio </a:t>
+            </a:r>
+            <a:r>
+              <a:rPr lang="en-US" sz="2400" dirty="0"/>
+              <a:t>package </a:t>
+            </a:r>
+            <a:r>
+              <a:rPr lang="en-US" sz="2400" dirty="0" err="1" smtClean="0"/>
+              <a:t>dan</a:t>
+            </a:r>
+            <a:r>
+              <a:rPr lang="en-US" sz="2400" dirty="0" smtClean="0"/>
+              <a:t> </a:t>
+            </a:r>
+            <a:r>
+              <a:rPr lang="en-US" sz="2400" dirty="0" err="1" smtClean="0"/>
+              <a:t>subpackages-nya</a:t>
+            </a:r>
+            <a:r>
+              <a:rPr lang="en-US" sz="2400" dirty="0" smtClean="0"/>
+              <a:t> </a:t>
+            </a:r>
+            <a:r>
+              <a:rPr lang="en-US" sz="2400" dirty="0" err="1" smtClean="0"/>
+              <a:t>mendifinisikan</a:t>
+            </a:r>
+            <a:r>
+              <a:rPr lang="en-US" sz="2400" dirty="0" smtClean="0"/>
+              <a:t> </a:t>
+            </a:r>
+            <a:r>
               <a:rPr lang="en-US" sz="2400" dirty="0"/>
               <a:t>I/O </a:t>
             </a:r>
             <a:r>
               <a:rPr lang="en-US" sz="2400" dirty="0" err="1" smtClean="0"/>
+              <a:t>dalam</a:t>
+            </a:r>
+            <a:r>
+              <a:rPr lang="en-US" sz="2400" dirty="0" smtClean="0"/>
+              <a:t> </a:t>
+            </a:r>
+            <a:r>
+              <a:rPr lang="en-US" sz="2400" dirty="0" err="1" smtClean="0"/>
+              <a:t>bentuk</a:t>
+            </a:r>
+            <a:r>
+              <a:rPr lang="en-US" sz="2400" dirty="0" smtClean="0"/>
+              <a:t> buffer </a:t>
+            </a:r>
+            <a:r>
+              <a:rPr lang="en-US" sz="2400" dirty="0"/>
+              <a:t>and </a:t>
+            </a:r>
+            <a:r>
+              <a:rPr lang="en-US" sz="2400" dirty="0" smtClean="0"/>
+              <a:t>channel. Buffer </a:t>
+            </a:r>
+            <a:r>
+              <a:rPr lang="en-US" sz="2400" dirty="0" err="1" smtClean="0"/>
+              <a:t>adalah</a:t>
+            </a:r>
+            <a:r>
+              <a:rPr lang="en-US" sz="2400" dirty="0" smtClean="0"/>
+              <a:t> </a:t>
+            </a:r>
+            <a:r>
+              <a:rPr lang="en-US" sz="2400" dirty="0"/>
+              <a:t>data </a:t>
+            </a:r>
+            <a:r>
+              <a:rPr lang="en-US" sz="2400" dirty="0" smtClean="0"/>
+              <a:t>yang </a:t>
+            </a:r>
+            <a:r>
+              <a:rPr lang="en-US" sz="2400" dirty="0" err="1" smtClean="0"/>
+              <a:t>disimpan</a:t>
+            </a:r>
+            <a:r>
+              <a:rPr lang="en-US" sz="2400" dirty="0" smtClean="0"/>
+              <a:t> (</a:t>
+            </a:r>
+            <a:r>
+              <a:rPr lang="en-US" sz="2400" dirty="0" err="1" smtClean="0"/>
+              <a:t>seperti</a:t>
+            </a:r>
+            <a:r>
+              <a:rPr lang="en-US" sz="2400" dirty="0" smtClean="0"/>
+              <a:t> array) yang </a:t>
+            </a:r>
+            <a:r>
+              <a:rPr lang="en-US" sz="2400" dirty="0" err="1" smtClean="0"/>
               <a:t>bisa</a:t>
             </a:r>
             <a:r>
@@ -17868,58 +19407,11 @@
             </a:r>
             <a:r>
               <a:rPr lang="en-US" sz="2400" dirty="0" err="1" smtClean="0"/>
-              <a:t>berupa</a:t>
+              <a:t>dibaca</a:t>
             </a:r>
             <a:r>
               <a:rPr lang="en-US" sz="2400" dirty="0" smtClean="0"/>
               <a:t> </a:t>
-            </a:r>
-            <a:r>
-              <a:rPr lang="en-US" sz="2400" dirty="0"/>
-              <a:t>text-based </a:t>
-            </a:r>
-            <a:r>
-              <a:rPr lang="en-US" sz="2400" dirty="0" err="1" smtClean="0"/>
-              <a:t>atau</a:t>
-            </a:r>
-            <a:r>
-              <a:rPr lang="en-US" sz="2400" dirty="0" smtClean="0"/>
-              <a:t> </a:t>
-            </a:r>
-            <a:r>
-              <a:rPr lang="en-US" sz="2400" dirty="0"/>
-              <a:t>data-based (binary). </a:t>
-            </a:r>
-          </a:p>
-          <a:p>
-            <a:pPr>
-              <a:lnSpc>
-                <a:spcPct val="90000"/>
-              </a:lnSpc>
-            </a:pPr>
-            <a:r>
-              <a:rPr lang="en-US" sz="2400" dirty="0"/>
-              <a:t>B</a:t>
-            </a:r>
-            <a:r>
-              <a:rPr lang="en-US" sz="2400" dirty="0" smtClean="0"/>
-              <a:t>yte stream </a:t>
-            </a:r>
-            <a:r>
-              <a:rPr lang="en-US" sz="2400" dirty="0" err="1" smtClean="0"/>
-              <a:t>disebut</a:t>
-            </a:r>
-            <a:r>
-              <a:rPr lang="en-US" sz="2400" dirty="0" smtClean="0"/>
-              <a:t> </a:t>
-            </a:r>
-            <a:r>
-              <a:rPr lang="en-US" sz="2400" dirty="0"/>
-              <a:t>input </a:t>
-            </a:r>
-            <a:r>
-              <a:rPr lang="en-US" sz="2400" dirty="0" smtClean="0"/>
-              <a:t>stream </a:t>
             </a:r>
             <a:r>
               <a:rPr lang="en-US" sz="2400" dirty="0" err="1" smtClean="0"/>
@@ -17927,7 +19419,71 @@
             </a:r>
             <a:r>
               <a:rPr lang="en-US" sz="2400" dirty="0" smtClean="0"/>
-              <a:t> output stream, </a:t>
+              <a:t> </a:t>
+            </a:r>
+            <a:r>
+              <a:rPr lang="en-US" sz="2400" dirty="0" err="1" smtClean="0"/>
+              <a:t>ditulis</a:t>
+            </a:r>
+            <a:r>
+              <a:rPr lang="en-US" sz="2400" dirty="0" smtClean="0"/>
+              <a:t>. Channel </a:t>
+            </a:r>
+            <a:r>
+              <a:rPr lang="en-US" sz="2400" dirty="0" err="1" smtClean="0"/>
+              <a:t>merepresentasika</a:t>
+            </a:r>
+            <a:r>
+              <a:rPr lang="en-US" sz="2400" dirty="0" smtClean="0"/>
+              <a:t> </a:t>
+            </a:r>
+            <a:r>
+              <a:rPr lang="en-US" sz="2400" dirty="0" err="1" smtClean="0"/>
+              <a:t>koneksi</a:t>
+            </a:r>
+            <a:r>
+              <a:rPr lang="en-US" sz="2400" dirty="0" smtClean="0"/>
+              <a:t> </a:t>
+            </a:r>
+            <a:r>
+              <a:rPr lang="en-US" sz="2400" dirty="0" err="1" smtClean="0"/>
+              <a:t>ke</a:t>
+            </a:r>
+            <a:r>
+              <a:rPr lang="en-US" sz="2400" dirty="0" smtClean="0"/>
+              <a:t> entity yang </a:t>
+            </a:r>
+            <a:r>
+              <a:rPr lang="en-US" sz="2400" dirty="0" err="1" smtClean="0"/>
+              <a:t>mampu</a:t>
+            </a:r>
+            <a:r>
+              <a:rPr lang="en-US" sz="2400" dirty="0" smtClean="0"/>
+              <a:t> </a:t>
+            </a:r>
+            <a:r>
+              <a:rPr lang="en-US" sz="2400" dirty="0" err="1" smtClean="0"/>
+              <a:t>melakukan</a:t>
+            </a:r>
+            <a:r>
+              <a:rPr lang="en-US" sz="2400" dirty="0" smtClean="0"/>
+              <a:t> </a:t>
+            </a:r>
+            <a:r>
+              <a:rPr lang="en-US" sz="2400" dirty="0" err="1" smtClean="0"/>
+              <a:t>operasi</a:t>
+            </a:r>
+            <a:r>
+              <a:rPr lang="en-US" sz="2400" dirty="0" smtClean="0"/>
+              <a:t> I/O </a:t>
+            </a:r>
+            <a:r>
+              <a:rPr lang="en-US" sz="2400" dirty="0" err="1" smtClean="0"/>
+              <a:t>termasuk</a:t>
+            </a:r>
+            <a:r>
+              <a:rPr lang="en-US" sz="2400" dirty="0" smtClean="0"/>
+              <a:t> buffer, file </a:t>
             </a:r>
             <a:r>
               <a:rPr lang="en-US" sz="2400" dirty="0" err="1" smtClean="0"/>
@@ -17939,53 +19495,8 @@
             </a:r>
             <a:r>
               <a:rPr lang="en-US" sz="2400" dirty="0"/>
-              <a:t>character </a:t>
-            </a:r>
-            <a:r>
-              <a:rPr lang="en-US" sz="2400" dirty="0" smtClean="0"/>
-              <a:t>stream </a:t>
-            </a:r>
-            <a:r>
-              <a:rPr lang="en-US" sz="2400" dirty="0" err="1" smtClean="0"/>
-              <a:t>disebut</a:t>
-            </a:r>
-            <a:r>
-              <a:rPr lang="en-US" sz="2400" dirty="0" smtClean="0"/>
-              <a:t> reader </a:t>
-            </a:r>
-            <a:r>
-              <a:rPr lang="en-US" sz="2400" dirty="0"/>
-              <a:t>and </a:t>
-            </a:r>
-            <a:r>
-              <a:rPr lang="en-US" sz="2400" dirty="0" smtClean="0"/>
-              <a:t>writer.</a:t>
-            </a:r>
-            <a:endParaRPr lang="en-US" sz="2400" dirty="0"/>
-          </a:p>
-          <a:p>
-            <a:pPr>
-              <a:lnSpc>
-                <a:spcPct val="90000"/>
-              </a:lnSpc>
-            </a:pPr>
-            <a:r>
-              <a:rPr lang="en-US" sz="2400" dirty="0" err="1" smtClean="0"/>
-              <a:t>Hampir</a:t>
-            </a:r>
-            <a:r>
-              <a:rPr lang="en-US" sz="2400" dirty="0" smtClean="0"/>
-              <a:t> </a:t>
-            </a:r>
-            <a:r>
-              <a:rPr lang="en-US" sz="2400" dirty="0" err="1" smtClean="0"/>
-              <a:t>semua</a:t>
-            </a:r>
-            <a:r>
-              <a:rPr lang="en-US" sz="2400" dirty="0" smtClean="0"/>
-              <a:t> stream</a:t>
-            </a:r>
-            <a:endParaRPr lang="en-US" sz="2400" dirty="0"/>
+              <a:t>sockets. </a:t>
+            </a:r>
           </a:p>
         </p:txBody>
       </p:sp>
@@ -18016,6 +19527,308 @@
       </p:grpSpPr>
       <p:sp>
         <p:nvSpPr>
+          <p:cNvPr id="7170" name="Rectangle 2"/>
+          <p:cNvSpPr>
+            <a:spLocks noGrp="1" noChangeArrowheads="1"/>
+          </p:cNvSpPr>
+          <p:nvPr>
+            <p:ph type="title"/>
+          </p:nvPr>
+        </p:nvSpPr>
+        <p:spPr/>
+        <p:txBody>
+          <a:bodyPr/>
+          <a:lstStyle/>
+          <a:p>
+            <a:r>
+              <a:rPr lang="en-US" dirty="0" err="1" smtClean="0"/>
+              <a:t>Jenis-jenis</a:t>
+            </a:r>
+            <a:r>
+              <a:rPr lang="en-US" dirty="0" smtClean="0"/>
+              <a:t> Stream</a:t>
+            </a:r>
+            <a:endParaRPr lang="en-US" dirty="0"/>
+          </a:p>
+        </p:txBody>
+      </p:sp>
+      <p:sp>
+        <p:nvSpPr>
+          <p:cNvPr id="7171" name="Rectangle 3"/>
+          <p:cNvSpPr>
+            <a:spLocks noGrp="1" noChangeArrowheads="1"/>
+          </p:cNvSpPr>
+          <p:nvPr>
+            <p:ph type="body" idx="1"/>
+          </p:nvPr>
+        </p:nvSpPr>
+        <p:spPr/>
+        <p:txBody>
+          <a:bodyPr/>
+          <a:lstStyle/>
+          <a:p>
+            <a:pPr>
+              <a:lnSpc>
+                <a:spcPct val="90000"/>
+              </a:lnSpc>
+            </a:pPr>
+            <a:r>
+              <a:rPr lang="en-US" sz="2400" dirty="0" smtClean="0"/>
+              <a:t>Package </a:t>
+            </a:r>
+            <a:r>
+              <a:rPr lang="en-US" sz="2400" dirty="0"/>
+              <a:t>java.io </a:t>
+            </a:r>
+            <a:r>
+              <a:rPr lang="en-US" sz="2400" dirty="0" err="1" smtClean="0"/>
+              <a:t>memiliki</a:t>
+            </a:r>
+            <a:r>
+              <a:rPr lang="en-US" sz="2400" dirty="0" smtClean="0"/>
+              <a:t> </a:t>
+            </a:r>
+            <a:r>
+              <a:rPr lang="en-US" sz="2400" dirty="0" err="1" smtClean="0"/>
+              <a:t>dua</a:t>
+            </a:r>
+            <a:r>
+              <a:rPr lang="en-US" sz="2400" dirty="0" smtClean="0"/>
+              <a:t> </a:t>
+            </a:r>
+            <a:r>
+              <a:rPr lang="en-US" sz="2400" dirty="0" err="1" smtClean="0"/>
+              <a:t>bagian</a:t>
+            </a:r>
+            <a:r>
+              <a:rPr lang="en-US" sz="2400" dirty="0" smtClean="0"/>
+              <a:t> </a:t>
+            </a:r>
+            <a:r>
+              <a:rPr lang="en-US" sz="2400" dirty="0" err="1" smtClean="0"/>
+              <a:t>utama</a:t>
+            </a:r>
+            <a:r>
+              <a:rPr lang="en-US" sz="2400" dirty="0" smtClean="0"/>
+              <a:t>: </a:t>
+            </a:r>
+            <a:r>
+              <a:rPr lang="en-US" sz="2400" dirty="0"/>
+              <a:t>character streams </a:t>
+            </a:r>
+            <a:r>
+              <a:rPr lang="en-US" sz="2400" dirty="0" err="1" smtClean="0"/>
+              <a:t>dan</a:t>
+            </a:r>
+            <a:r>
+              <a:rPr lang="en-US" sz="2400" dirty="0" smtClean="0"/>
+              <a:t> </a:t>
+            </a:r>
+            <a:r>
+              <a:rPr lang="en-US" sz="2400" dirty="0"/>
+              <a:t>byte streams.</a:t>
+            </a:r>
+          </a:p>
+          <a:p>
+            <a:pPr>
+              <a:lnSpc>
+                <a:spcPct val="90000"/>
+              </a:lnSpc>
+            </a:pPr>
+            <a:r>
+              <a:rPr lang="en-US" sz="2400" dirty="0"/>
+              <a:t>Characters </a:t>
+            </a:r>
+            <a:r>
+              <a:rPr lang="en-US" sz="2400" dirty="0" smtClean="0"/>
+              <a:t>adalah16-bit UTF-16, </a:t>
+            </a:r>
+            <a:r>
+              <a:rPr lang="en-US" sz="2400" dirty="0" err="1" smtClean="0"/>
+              <a:t>sedangkan</a:t>
+            </a:r>
+            <a:r>
+              <a:rPr lang="en-US" sz="2400" dirty="0" smtClean="0"/>
+              <a:t> </a:t>
+            </a:r>
+            <a:r>
+              <a:rPr lang="en-US" sz="2400" dirty="0"/>
+              <a:t>bytes are </a:t>
+            </a:r>
+            <a:r>
+              <a:rPr lang="en-US" sz="2400" dirty="0" smtClean="0"/>
+              <a:t>8 bit integer. </a:t>
+            </a:r>
+            <a:endParaRPr lang="en-US" sz="2400" dirty="0"/>
+          </a:p>
+          <a:p>
+            <a:pPr>
+              <a:lnSpc>
+                <a:spcPct val="90000"/>
+              </a:lnSpc>
+            </a:pPr>
+            <a:r>
+              <a:rPr lang="en-US" sz="2400" dirty="0"/>
+              <a:t>I/O </a:t>
+            </a:r>
+            <a:r>
+              <a:rPr lang="en-US" sz="2400" dirty="0" err="1" smtClean="0"/>
+              <a:t>bisa</a:t>
+            </a:r>
+            <a:r>
+              <a:rPr lang="en-US" sz="2400" dirty="0" smtClean="0"/>
+              <a:t> </a:t>
+            </a:r>
+            <a:r>
+              <a:rPr lang="en-US" sz="2400" dirty="0" err="1" smtClean="0"/>
+              <a:t>berupa</a:t>
+            </a:r>
+            <a:r>
+              <a:rPr lang="en-US" sz="2400" dirty="0" smtClean="0"/>
+              <a:t> </a:t>
+            </a:r>
+            <a:r>
+              <a:rPr lang="en-US" sz="2400" dirty="0"/>
+              <a:t>text-based </a:t>
+            </a:r>
+            <a:r>
+              <a:rPr lang="en-US" sz="2400" dirty="0" err="1" smtClean="0"/>
+              <a:t>atau</a:t>
+            </a:r>
+            <a:r>
+              <a:rPr lang="en-US" sz="2400" dirty="0" smtClean="0"/>
+              <a:t> </a:t>
+            </a:r>
+            <a:r>
+              <a:rPr lang="en-US" sz="2400" dirty="0"/>
+              <a:t>data-based (binary). </a:t>
+            </a:r>
+          </a:p>
+          <a:p>
+            <a:pPr>
+              <a:lnSpc>
+                <a:spcPct val="90000"/>
+              </a:lnSpc>
+            </a:pPr>
+            <a:r>
+              <a:rPr lang="en-US" sz="2400" dirty="0"/>
+              <a:t>B</a:t>
+            </a:r>
+            <a:r>
+              <a:rPr lang="en-US" sz="2400" dirty="0" smtClean="0"/>
+              <a:t>yte stream </a:t>
+            </a:r>
+            <a:r>
+              <a:rPr lang="en-US" sz="2400" dirty="0" err="1" smtClean="0"/>
+              <a:t>disebut</a:t>
+            </a:r>
+            <a:r>
+              <a:rPr lang="en-US" sz="2400" dirty="0" smtClean="0"/>
+              <a:t> </a:t>
+            </a:r>
+            <a:r>
+              <a:rPr lang="en-US" sz="2400" dirty="0"/>
+              <a:t>input </a:t>
+            </a:r>
+            <a:r>
+              <a:rPr lang="en-US" sz="2400" dirty="0" smtClean="0"/>
+              <a:t>stream </a:t>
+            </a:r>
+            <a:r>
+              <a:rPr lang="en-US" sz="2400" dirty="0" err="1" smtClean="0"/>
+              <a:t>dan</a:t>
+            </a:r>
+            <a:r>
+              <a:rPr lang="en-US" sz="2400" dirty="0" smtClean="0"/>
+              <a:t> output stream, </a:t>
+            </a:r>
+            <a:r>
+              <a:rPr lang="en-US" sz="2400" dirty="0" err="1" smtClean="0"/>
+              <a:t>dan</a:t>
+            </a:r>
+            <a:r>
+              <a:rPr lang="en-US" sz="2400" dirty="0" smtClean="0"/>
+              <a:t> </a:t>
+            </a:r>
+            <a:r>
+              <a:rPr lang="en-US" sz="2400" dirty="0"/>
+              <a:t>character </a:t>
+            </a:r>
+            <a:r>
+              <a:rPr lang="en-US" sz="2400" dirty="0" smtClean="0"/>
+              <a:t>stream </a:t>
+            </a:r>
+            <a:r>
+              <a:rPr lang="en-US" sz="2400" dirty="0" err="1" smtClean="0"/>
+              <a:t>disebut</a:t>
+            </a:r>
+            <a:r>
+              <a:rPr lang="en-US" sz="2400" dirty="0" smtClean="0"/>
+              <a:t> reader </a:t>
+            </a:r>
+            <a:r>
+              <a:rPr lang="en-US" sz="2400" dirty="0"/>
+              <a:t>and </a:t>
+            </a:r>
+            <a:r>
+              <a:rPr lang="en-US" sz="2400" dirty="0" smtClean="0"/>
+              <a:t>writer.</a:t>
+            </a:r>
+            <a:endParaRPr lang="en-US" sz="2400" dirty="0"/>
+          </a:p>
+          <a:p>
+            <a:pPr>
+              <a:lnSpc>
+                <a:spcPct val="90000"/>
+              </a:lnSpc>
+            </a:pPr>
+            <a:r>
+              <a:rPr lang="en-US" sz="2400" dirty="0" err="1" smtClean="0"/>
+              <a:t>Hampir</a:t>
+            </a:r>
+            <a:r>
+              <a:rPr lang="en-US" sz="2400" dirty="0" smtClean="0"/>
+              <a:t> </a:t>
+            </a:r>
+            <a:r>
+              <a:rPr lang="en-US" sz="2400" dirty="0" err="1" smtClean="0"/>
+              <a:t>semua</a:t>
+            </a:r>
+            <a:r>
+              <a:rPr lang="en-US" sz="2400" dirty="0" smtClean="0"/>
+              <a:t> stream</a:t>
+            </a:r>
+            <a:endParaRPr lang="en-US" sz="2400" dirty="0"/>
+          </a:p>
+        </p:txBody>
+      </p:sp>
+    </p:spTree>
+  </p:cSld>
+  <p:clrMapOvr>
+    <a:masterClrMapping/>
+  </p:clrMapOvr>
+</p:sld>
+</file>
+
+<file path=ppt/slides/slide65.xml><?xml version="1.0" encoding="utf-8"?>
+<p:sld xmlns:a="http://schemas.openxmlformats.org/drawingml/2006/main" xmlns:r="http://schemas.openxmlformats.org/officeDocument/2006/relationships" xmlns:p="http://schemas.openxmlformats.org/presentationml/2006/main">
+  <p:cSld>
+    <p:spTree>
+      <p:nvGrpSpPr>
+        <p:cNvPr id="1" name=""/>
+        <p:cNvGrpSpPr/>
+        <p:nvPr/>
+      </p:nvGrpSpPr>
+      <p:grpSpPr>
+        <a:xfrm>
+          <a:off x="0" y="0"/>
+          <a:ext cx="0" cy="0"/>
+          <a:chOff x="0" y="0"/>
+          <a:chExt cx="0" cy="0"/>
+        </a:xfrm>
+      </p:grpSpPr>
+      <p:sp>
+        <p:nvSpPr>
           <p:cNvPr id="9218" name="Rectangle 2"/>
           <p:cNvSpPr>
             <a:spLocks noGrp="1" noChangeArrowheads="1"/>
@@ -18220,7 +20033,7 @@
 </p:sld>
 </file>
 
-<file path=ppt/slides/slide65.xml><?xml version="1.0" encoding="utf-8"?>
+<file path=ppt/slides/slide66.xml><?xml version="1.0" encoding="utf-8"?>
 <p:sld xmlns:a="http://schemas.openxmlformats.org/drawingml/2006/main" xmlns:r="http://schemas.openxmlformats.org/officeDocument/2006/relationships" xmlns:p="http://schemas.openxmlformats.org/presentationml/2006/main">
   <p:cSld>
     <p:spTree>
@@ -18300,7 +20113,7 @@
 </p:sld>
 </file>
 
-<file path=ppt/slides/slide66.xml><?xml version="1.0" encoding="utf-8"?>
+<file path=ppt/slides/slide67.xml><?xml version="1.0" encoding="utf-8"?>
 <p:sld xmlns:a="http://schemas.openxmlformats.org/drawingml/2006/main" xmlns:r="http://schemas.openxmlformats.org/officeDocument/2006/relationships" xmlns:p="http://schemas.openxmlformats.org/presentationml/2006/main">
   <p:cSld>
     <p:spTree>
@@ -18380,7 +20193,7 @@
 </p:sld>
 </file>
 
-<file path=ppt/slides/slide67.xml><?xml version="1.0" encoding="utf-8"?>
+<file path=ppt/slides/slide68.xml><?xml version="1.0" encoding="utf-8"?>
 <p:sld xmlns:a="http://schemas.openxmlformats.org/drawingml/2006/main" xmlns:r="http://schemas.openxmlformats.org/officeDocument/2006/relationships" xmlns:p="http://schemas.openxmlformats.org/presentationml/2006/main">
   <p:cSld>
     <p:spTree>
@@ -18453,7 +20266,7 @@
 </p:sld>
 </file>
 
-<file path=ppt/slides/slide68.xml><?xml version="1.0" encoding="utf-8"?>
+<file path=ppt/slides/slide69.xml><?xml version="1.0" encoding="utf-8"?>
 <p:sld xmlns:a="http://schemas.openxmlformats.org/drawingml/2006/main" xmlns:r="http://schemas.openxmlformats.org/officeDocument/2006/relationships" xmlns:p="http://schemas.openxmlformats.org/presentationml/2006/main">
   <p:cSld>
     <p:spTree>
@@ -18525,391 +20338,6 @@
           <a:effectLst/>
         </p:spPr>
       </p:pic>
-    </p:spTree>
-  </p:cSld>
-  <p:clrMapOvr>
-    <a:masterClrMapping/>
-  </p:clrMapOvr>
-</p:sld>
-</file>
-
-<file path=ppt/slides/slide69.xml><?xml version="1.0" encoding="utf-8"?>
-<p:sld xmlns:a="http://schemas.openxmlformats.org/drawingml/2006/main" xmlns:r="http://schemas.openxmlformats.org/officeDocument/2006/relationships" xmlns:p="http://schemas.openxmlformats.org/presentationml/2006/main">
-  <p:cSld>
-    <p:spTree>
-      <p:nvGrpSpPr>
-        <p:cNvPr id="1" name=""/>
-        <p:cNvGrpSpPr/>
-        <p:nvPr/>
-      </p:nvGrpSpPr>
-      <p:grpSpPr>
-        <a:xfrm>
-          <a:off x="0" y="0"/>
-          <a:ext cx="0" cy="0"/>
-          <a:chOff x="0" y="0"/>
-          <a:chExt cx="0" cy="0"/>
-        </a:xfrm>
-      </p:grpSpPr>
-      <p:sp>
-        <p:nvSpPr>
-          <p:cNvPr id="20482" name="Rectangle 2"/>
-          <p:cNvSpPr>
-            <a:spLocks noGrp="1" noChangeArrowheads="1"/>
-          </p:cNvSpPr>
-          <p:nvPr>
-            <p:ph type="title"/>
-          </p:nvPr>
-        </p:nvSpPr>
-        <p:spPr/>
-        <p:txBody>
-          <a:bodyPr/>
-          <a:lstStyle/>
-          <a:p>
-            <a:r>
-              <a:rPr lang="en-US" dirty="0" smtClean="0"/>
-              <a:t>Data </a:t>
-            </a:r>
-            <a:r>
-              <a:rPr lang="en-US" dirty="0"/>
-              <a:t>Byte </a:t>
-            </a:r>
-            <a:r>
-              <a:rPr lang="en-US" dirty="0" smtClean="0"/>
-              <a:t>Stream</a:t>
-            </a:r>
-            <a:endParaRPr lang="en-US" dirty="0"/>
-          </a:p>
-        </p:txBody>
-      </p:sp>
-      <p:sp>
-        <p:nvSpPr>
-          <p:cNvPr id="20483" name="Rectangle 3"/>
-          <p:cNvSpPr>
-            <a:spLocks noGrp="1" noChangeArrowheads="1"/>
-          </p:cNvSpPr>
-          <p:nvPr>
-            <p:ph type="body" idx="1"/>
-          </p:nvPr>
-        </p:nvSpPr>
-        <p:spPr/>
-        <p:txBody>
-          <a:bodyPr>
-            <a:normAutofit/>
-          </a:bodyPr>
-          <a:lstStyle/>
-          <a:p>
-            <a:pPr>
-              <a:lnSpc>
-                <a:spcPct val="80000"/>
-              </a:lnSpc>
-            </a:pPr>
-            <a:r>
-              <a:rPr lang="en-US" sz="2400" dirty="0" smtClean="0"/>
-              <a:t>Interface </a:t>
-            </a:r>
-            <a:r>
-              <a:rPr lang="en-US" sz="2400" dirty="0" err="1" smtClean="0"/>
-              <a:t>DataInput</a:t>
-            </a:r>
-            <a:r>
-              <a:rPr lang="en-US" sz="2400" dirty="0" smtClean="0"/>
-              <a:t> </a:t>
-            </a:r>
-            <a:r>
-              <a:rPr lang="en-US" sz="2400" dirty="0" err="1" smtClean="0"/>
-              <a:t>dan</a:t>
-            </a:r>
-            <a:r>
-              <a:rPr lang="en-US" sz="2400" dirty="0" smtClean="0"/>
-              <a:t> </a:t>
-            </a:r>
-            <a:r>
-              <a:rPr lang="en-US" sz="2400" dirty="0" err="1" smtClean="0"/>
-              <a:t>DataOuput</a:t>
-            </a:r>
-            <a:r>
-              <a:rPr lang="en-US" sz="2400" dirty="0" smtClean="0"/>
-              <a:t> </a:t>
-            </a:r>
-            <a:r>
-              <a:rPr lang="en-US" sz="2400" dirty="0" err="1" smtClean="0"/>
-              <a:t>memiliki</a:t>
-            </a:r>
-            <a:r>
-              <a:rPr lang="en-US" sz="2400" dirty="0" smtClean="0"/>
-              <a:t> method yang </a:t>
-            </a:r>
-            <a:r>
-              <a:rPr lang="en-US" sz="2400" dirty="0" err="1" smtClean="0"/>
-              <a:t>mentransmisikan</a:t>
-            </a:r>
-            <a:r>
-              <a:rPr lang="en-US" sz="2400" dirty="0" smtClean="0"/>
-              <a:t> primitive type </a:t>
-            </a:r>
-            <a:r>
-              <a:rPr lang="en-US" sz="2400" dirty="0" err="1" smtClean="0"/>
-              <a:t>melewati</a:t>
-            </a:r>
-            <a:r>
-              <a:rPr lang="en-US" sz="2400" dirty="0" smtClean="0"/>
-              <a:t> stream. </a:t>
-            </a:r>
-            <a:r>
-              <a:rPr lang="en-US" sz="2400" dirty="0" err="1" smtClean="0"/>
-              <a:t>DataInputStream</a:t>
-            </a:r>
-            <a:r>
-              <a:rPr lang="en-US" sz="2400" dirty="0" smtClean="0"/>
-              <a:t> </a:t>
-            </a:r>
-            <a:r>
-              <a:rPr lang="en-US" sz="2400" dirty="0" err="1" smtClean="0"/>
-              <a:t>dan</a:t>
-            </a:r>
-            <a:r>
-              <a:rPr lang="en-US" sz="2400" dirty="0" smtClean="0"/>
-              <a:t> </a:t>
-            </a:r>
-            <a:r>
-              <a:rPr lang="en-US" sz="2400" dirty="0" err="1" smtClean="0"/>
-              <a:t>DataOutputStream</a:t>
-            </a:r>
-            <a:r>
-              <a:rPr lang="en-US" sz="2400" dirty="0" smtClean="0"/>
-              <a:t> </a:t>
-            </a:r>
-            <a:r>
-              <a:rPr lang="en-US" sz="2400" dirty="0" err="1" smtClean="0"/>
-              <a:t>merupakan</a:t>
-            </a:r>
-            <a:r>
-              <a:rPr lang="en-US" sz="2400" dirty="0" smtClean="0"/>
-              <a:t> </a:t>
-            </a:r>
-            <a:r>
-              <a:rPr lang="en-US" sz="2400" dirty="0" err="1" smtClean="0"/>
-              <a:t>implementasi</a:t>
-            </a:r>
-            <a:r>
-              <a:rPr lang="en-US" sz="2400" dirty="0" smtClean="0"/>
-              <a:t> </a:t>
-            </a:r>
-            <a:r>
-              <a:rPr lang="en-US" sz="2400" dirty="0" err="1" smtClean="0"/>
-              <a:t>bawaanya</a:t>
-            </a:r>
-            <a:r>
-              <a:rPr lang="en-US" sz="2400" dirty="0" smtClean="0"/>
-              <a:t>.</a:t>
-            </a:r>
-            <a:endParaRPr lang="en-US" sz="2400" dirty="0"/>
-          </a:p>
-          <a:p>
-            <a:pPr>
-              <a:lnSpc>
-                <a:spcPct val="80000"/>
-              </a:lnSpc>
-            </a:pPr>
-            <a:r>
-              <a:rPr lang="en-US" sz="2400" dirty="0" err="1" smtClean="0"/>
-              <a:t>Untuk</a:t>
-            </a:r>
-            <a:r>
-              <a:rPr lang="en-US" sz="2400" dirty="0" smtClean="0"/>
-              <a:t> </a:t>
-            </a:r>
-            <a:r>
-              <a:rPr lang="en-US" sz="2400" dirty="0" err="1" smtClean="0"/>
-              <a:t>setiap</a:t>
-            </a:r>
-            <a:r>
-              <a:rPr lang="en-US" sz="2400" dirty="0" smtClean="0"/>
-              <a:t> Interface data </a:t>
-            </a:r>
-            <a:r>
-              <a:rPr lang="en-US" sz="2400" dirty="0" err="1" smtClean="0"/>
-              <a:t>ada</a:t>
-            </a:r>
-            <a:r>
-              <a:rPr lang="en-US" sz="2400" dirty="0" smtClean="0"/>
-              <a:t> </a:t>
-            </a:r>
-            <a:r>
-              <a:rPr lang="en-US" sz="2400" dirty="0" err="1" smtClean="0"/>
-              <a:t>pasangan</a:t>
-            </a:r>
-            <a:r>
-              <a:rPr lang="en-US" sz="2400" dirty="0" smtClean="0"/>
-              <a:t> data </a:t>
-            </a:r>
-            <a:r>
-              <a:rPr lang="en-US" sz="2400" dirty="0" err="1" smtClean="0"/>
-              <a:t>streamnya</a:t>
-            </a:r>
-            <a:r>
-              <a:rPr lang="en-US" sz="2400" dirty="0" smtClean="0"/>
-              <a:t>, </a:t>
-            </a:r>
-            <a:r>
-              <a:rPr lang="en-US" sz="2400" dirty="0" err="1" smtClean="0"/>
-              <a:t>sebagai</a:t>
-            </a:r>
-            <a:r>
-              <a:rPr lang="en-US" sz="2400" dirty="0" smtClean="0"/>
-              <a:t> </a:t>
-            </a:r>
-            <a:r>
-              <a:rPr lang="en-US" sz="2400" dirty="0" err="1" smtClean="0"/>
-              <a:t>tambahan</a:t>
-            </a:r>
-            <a:r>
-              <a:rPr lang="en-US" sz="2400" dirty="0" smtClean="0"/>
-              <a:t>  </a:t>
-            </a:r>
-            <a:r>
-              <a:rPr lang="en-US" sz="2400" dirty="0" err="1" smtClean="0"/>
-              <a:t>kelas</a:t>
-            </a:r>
-            <a:r>
-              <a:rPr lang="en-US" sz="2400" dirty="0" smtClean="0"/>
-              <a:t>  </a:t>
-            </a:r>
-            <a:r>
-              <a:rPr lang="en-US" sz="2400" dirty="0" err="1" smtClean="0"/>
-              <a:t>RandomAccessFile</a:t>
-            </a:r>
-            <a:r>
-              <a:rPr lang="en-US" sz="2400" dirty="0" smtClean="0"/>
-              <a:t> </a:t>
-            </a:r>
-            <a:r>
-              <a:rPr lang="en-US" sz="2400" dirty="0" err="1" smtClean="0"/>
-              <a:t>mengimplementasikan</a:t>
-            </a:r>
-            <a:r>
-              <a:rPr lang="en-US" sz="2400" dirty="0" smtClean="0"/>
-              <a:t> Interface  Input </a:t>
-            </a:r>
-            <a:r>
-              <a:rPr lang="en-US" sz="2400" dirty="0" err="1" smtClean="0"/>
-              <a:t>dan</a:t>
-            </a:r>
-            <a:r>
-              <a:rPr lang="en-US" sz="2400" dirty="0" smtClean="0"/>
-              <a:t> output.</a:t>
-            </a:r>
-          </a:p>
-          <a:p>
-            <a:pPr>
-              <a:lnSpc>
-                <a:spcPct val="80000"/>
-              </a:lnSpc>
-            </a:pPr>
-            <a:r>
-              <a:rPr lang="en-US" sz="2400" dirty="0" err="1" smtClean="0"/>
-              <a:t>Setiap</a:t>
-            </a:r>
-            <a:r>
-              <a:rPr lang="en-US" sz="2400" dirty="0" smtClean="0"/>
-              <a:t> </a:t>
-            </a:r>
-            <a:r>
-              <a:rPr lang="en-US" sz="2400" dirty="0" err="1" smtClean="0"/>
-              <a:t>kelas</a:t>
-            </a:r>
-            <a:r>
-              <a:rPr lang="en-US" sz="2400" dirty="0" smtClean="0"/>
-              <a:t> </a:t>
-            </a:r>
-            <a:r>
-              <a:rPr lang="en-US" sz="2400" dirty="0" err="1" smtClean="0"/>
-              <a:t>memiliki</a:t>
-            </a:r>
-            <a:r>
-              <a:rPr lang="en-US" sz="2400" dirty="0" smtClean="0"/>
-              <a:t> </a:t>
-            </a:r>
-            <a:r>
-              <a:rPr lang="en-US" sz="2400" dirty="0" err="1" smtClean="0"/>
-              <a:t>kelas</a:t>
-            </a:r>
-            <a:r>
-              <a:rPr lang="en-US" sz="2400" dirty="0" smtClean="0"/>
-              <a:t> </a:t>
-            </a:r>
-            <a:r>
-              <a:rPr lang="en-US" sz="2400" dirty="0" err="1" smtClean="0"/>
-              <a:t>pembantu</a:t>
-            </a:r>
-            <a:r>
-              <a:rPr lang="en-US" sz="2400" dirty="0" smtClean="0"/>
-              <a:t> </a:t>
-            </a:r>
-            <a:r>
-              <a:rPr lang="en-US" sz="2400" dirty="0" err="1" smtClean="0"/>
-              <a:t>untuk</a:t>
-            </a:r>
-            <a:r>
-              <a:rPr lang="en-US" sz="2400" dirty="0" smtClean="0"/>
-              <a:t> </a:t>
-            </a:r>
-            <a:r>
-              <a:rPr lang="en-US" sz="2400" dirty="0" err="1" smtClean="0"/>
-              <a:t>memfilter</a:t>
-            </a:r>
-            <a:r>
-              <a:rPr lang="en-US" sz="2400" dirty="0" smtClean="0"/>
-              <a:t> stream, </a:t>
-            </a:r>
-            <a:r>
-              <a:rPr lang="en-US" sz="2400" dirty="0" err="1" smtClean="0"/>
-              <a:t>dan</a:t>
-            </a:r>
-            <a:r>
-              <a:rPr lang="en-US" sz="2400" dirty="0" smtClean="0"/>
-              <a:t> </a:t>
-            </a:r>
-            <a:r>
-              <a:rPr lang="en-US" sz="2400" dirty="0" err="1" smtClean="0"/>
-              <a:t>kostruktor</a:t>
-            </a:r>
-            <a:r>
-              <a:rPr lang="en-US" sz="2400" dirty="0"/>
-              <a:t> </a:t>
-            </a:r>
-            <a:r>
-              <a:rPr lang="en-US" sz="2400" dirty="0" smtClean="0"/>
-              <a:t>yang </a:t>
-            </a:r>
-            <a:r>
-              <a:rPr lang="en-US" sz="2400" dirty="0" err="1" smtClean="0"/>
-              <a:t>meminta</a:t>
-            </a:r>
-            <a:r>
-              <a:rPr lang="en-US" sz="2400" dirty="0" smtClean="0"/>
-              <a:t> input/output interface </a:t>
-            </a:r>
-            <a:r>
-              <a:rPr lang="en-US" sz="2400" dirty="0" err="1" smtClean="0"/>
-              <a:t>sebagai</a:t>
-            </a:r>
-            <a:r>
-              <a:rPr lang="en-US" sz="2400" dirty="0" smtClean="0"/>
-              <a:t> </a:t>
-            </a:r>
-            <a:r>
-              <a:rPr lang="en-US" sz="2400" dirty="0" err="1" smtClean="0"/>
-              <a:t>masukan</a:t>
-            </a:r>
-            <a:r>
-              <a:rPr lang="en-US" sz="2400" dirty="0" smtClean="0"/>
-              <a:t>.</a:t>
-            </a:r>
-            <a:endParaRPr lang="en-US" sz="2400" dirty="0"/>
-          </a:p>
-        </p:txBody>
-      </p:sp>
     </p:spTree>
   </p:cSld>
   <p:clrMapOvr>
@@ -19286,6 +20714,391 @@
           <a:chExt cx="0" cy="0"/>
         </a:xfrm>
       </p:grpSpPr>
+      <p:sp>
+        <p:nvSpPr>
+          <p:cNvPr id="20482" name="Rectangle 2"/>
+          <p:cNvSpPr>
+            <a:spLocks noGrp="1" noChangeArrowheads="1"/>
+          </p:cNvSpPr>
+          <p:nvPr>
+            <p:ph type="title"/>
+          </p:nvPr>
+        </p:nvSpPr>
+        <p:spPr/>
+        <p:txBody>
+          <a:bodyPr/>
+          <a:lstStyle/>
+          <a:p>
+            <a:r>
+              <a:rPr lang="en-US" dirty="0" smtClean="0"/>
+              <a:t>Data </a:t>
+            </a:r>
+            <a:r>
+              <a:rPr lang="en-US" dirty="0"/>
+              <a:t>Byte </a:t>
+            </a:r>
+            <a:r>
+              <a:rPr lang="en-US" dirty="0" smtClean="0"/>
+              <a:t>Stream</a:t>
+            </a:r>
+            <a:endParaRPr lang="en-US" dirty="0"/>
+          </a:p>
+        </p:txBody>
+      </p:sp>
+      <p:sp>
+        <p:nvSpPr>
+          <p:cNvPr id="20483" name="Rectangle 3"/>
+          <p:cNvSpPr>
+            <a:spLocks noGrp="1" noChangeArrowheads="1"/>
+          </p:cNvSpPr>
+          <p:nvPr>
+            <p:ph type="body" idx="1"/>
+          </p:nvPr>
+        </p:nvSpPr>
+        <p:spPr/>
+        <p:txBody>
+          <a:bodyPr>
+            <a:normAutofit/>
+          </a:bodyPr>
+          <a:lstStyle/>
+          <a:p>
+            <a:pPr>
+              <a:lnSpc>
+                <a:spcPct val="80000"/>
+              </a:lnSpc>
+            </a:pPr>
+            <a:r>
+              <a:rPr lang="en-US" sz="2400" dirty="0" smtClean="0"/>
+              <a:t>Interface </a:t>
+            </a:r>
+            <a:r>
+              <a:rPr lang="en-US" sz="2400" dirty="0" err="1" smtClean="0"/>
+              <a:t>DataInput</a:t>
+            </a:r>
+            <a:r>
+              <a:rPr lang="en-US" sz="2400" dirty="0" smtClean="0"/>
+              <a:t> </a:t>
+            </a:r>
+            <a:r>
+              <a:rPr lang="en-US" sz="2400" dirty="0" err="1" smtClean="0"/>
+              <a:t>dan</a:t>
+            </a:r>
+            <a:r>
+              <a:rPr lang="en-US" sz="2400" dirty="0" smtClean="0"/>
+              <a:t> </a:t>
+            </a:r>
+            <a:r>
+              <a:rPr lang="en-US" sz="2400" dirty="0" err="1" smtClean="0"/>
+              <a:t>DataOuput</a:t>
+            </a:r>
+            <a:r>
+              <a:rPr lang="en-US" sz="2400" dirty="0" smtClean="0"/>
+              <a:t> </a:t>
+            </a:r>
+            <a:r>
+              <a:rPr lang="en-US" sz="2400" dirty="0" err="1" smtClean="0"/>
+              <a:t>memiliki</a:t>
+            </a:r>
+            <a:r>
+              <a:rPr lang="en-US" sz="2400" dirty="0" smtClean="0"/>
+              <a:t> method yang </a:t>
+            </a:r>
+            <a:r>
+              <a:rPr lang="en-US" sz="2400" dirty="0" err="1" smtClean="0"/>
+              <a:t>mentransmisikan</a:t>
+            </a:r>
+            <a:r>
+              <a:rPr lang="en-US" sz="2400" dirty="0" smtClean="0"/>
+              <a:t> primitive type </a:t>
+            </a:r>
+            <a:r>
+              <a:rPr lang="en-US" sz="2400" dirty="0" err="1" smtClean="0"/>
+              <a:t>melewati</a:t>
+            </a:r>
+            <a:r>
+              <a:rPr lang="en-US" sz="2400" dirty="0" smtClean="0"/>
+              <a:t> stream. </a:t>
+            </a:r>
+            <a:r>
+              <a:rPr lang="en-US" sz="2400" dirty="0" err="1" smtClean="0"/>
+              <a:t>DataInputStream</a:t>
+            </a:r>
+            <a:r>
+              <a:rPr lang="en-US" sz="2400" dirty="0" smtClean="0"/>
+              <a:t> </a:t>
+            </a:r>
+            <a:r>
+              <a:rPr lang="en-US" sz="2400" dirty="0" err="1" smtClean="0"/>
+              <a:t>dan</a:t>
+            </a:r>
+            <a:r>
+              <a:rPr lang="en-US" sz="2400" dirty="0" smtClean="0"/>
+              <a:t> </a:t>
+            </a:r>
+            <a:r>
+              <a:rPr lang="en-US" sz="2400" dirty="0" err="1" smtClean="0"/>
+              <a:t>DataOutputStream</a:t>
+            </a:r>
+            <a:r>
+              <a:rPr lang="en-US" sz="2400" dirty="0" smtClean="0"/>
+              <a:t> </a:t>
+            </a:r>
+            <a:r>
+              <a:rPr lang="en-US" sz="2400" dirty="0" err="1" smtClean="0"/>
+              <a:t>merupakan</a:t>
+            </a:r>
+            <a:r>
+              <a:rPr lang="en-US" sz="2400" dirty="0" smtClean="0"/>
+              <a:t> </a:t>
+            </a:r>
+            <a:r>
+              <a:rPr lang="en-US" sz="2400" dirty="0" err="1" smtClean="0"/>
+              <a:t>implementasi</a:t>
+            </a:r>
+            <a:r>
+              <a:rPr lang="en-US" sz="2400" dirty="0" smtClean="0"/>
+              <a:t> </a:t>
+            </a:r>
+            <a:r>
+              <a:rPr lang="en-US" sz="2400" dirty="0" err="1" smtClean="0"/>
+              <a:t>bawaanya</a:t>
+            </a:r>
+            <a:r>
+              <a:rPr lang="en-US" sz="2400" dirty="0" smtClean="0"/>
+              <a:t>.</a:t>
+            </a:r>
+            <a:endParaRPr lang="en-US" sz="2400" dirty="0"/>
+          </a:p>
+          <a:p>
+            <a:pPr>
+              <a:lnSpc>
+                <a:spcPct val="80000"/>
+              </a:lnSpc>
+            </a:pPr>
+            <a:r>
+              <a:rPr lang="en-US" sz="2400" dirty="0" err="1" smtClean="0"/>
+              <a:t>Untuk</a:t>
+            </a:r>
+            <a:r>
+              <a:rPr lang="en-US" sz="2400" dirty="0" smtClean="0"/>
+              <a:t> </a:t>
+            </a:r>
+            <a:r>
+              <a:rPr lang="en-US" sz="2400" dirty="0" err="1" smtClean="0"/>
+              <a:t>setiap</a:t>
+            </a:r>
+            <a:r>
+              <a:rPr lang="en-US" sz="2400" dirty="0" smtClean="0"/>
+              <a:t> Interface data </a:t>
+            </a:r>
+            <a:r>
+              <a:rPr lang="en-US" sz="2400" dirty="0" err="1" smtClean="0"/>
+              <a:t>ada</a:t>
+            </a:r>
+            <a:r>
+              <a:rPr lang="en-US" sz="2400" dirty="0" smtClean="0"/>
+              <a:t> </a:t>
+            </a:r>
+            <a:r>
+              <a:rPr lang="en-US" sz="2400" dirty="0" err="1" smtClean="0"/>
+              <a:t>pasangan</a:t>
+            </a:r>
+            <a:r>
+              <a:rPr lang="en-US" sz="2400" dirty="0" smtClean="0"/>
+              <a:t> data </a:t>
+            </a:r>
+            <a:r>
+              <a:rPr lang="en-US" sz="2400" dirty="0" err="1" smtClean="0"/>
+              <a:t>streamnya</a:t>
+            </a:r>
+            <a:r>
+              <a:rPr lang="en-US" sz="2400" dirty="0" smtClean="0"/>
+              <a:t>, </a:t>
+            </a:r>
+            <a:r>
+              <a:rPr lang="en-US" sz="2400" dirty="0" err="1" smtClean="0"/>
+              <a:t>sebagai</a:t>
+            </a:r>
+            <a:r>
+              <a:rPr lang="en-US" sz="2400" dirty="0" smtClean="0"/>
+              <a:t> </a:t>
+            </a:r>
+            <a:r>
+              <a:rPr lang="en-US" sz="2400" dirty="0" err="1" smtClean="0"/>
+              <a:t>tambahan</a:t>
+            </a:r>
+            <a:r>
+              <a:rPr lang="en-US" sz="2400" dirty="0" smtClean="0"/>
+              <a:t>  </a:t>
+            </a:r>
+            <a:r>
+              <a:rPr lang="en-US" sz="2400" dirty="0" err="1" smtClean="0"/>
+              <a:t>kelas</a:t>
+            </a:r>
+            <a:r>
+              <a:rPr lang="en-US" sz="2400" dirty="0" smtClean="0"/>
+              <a:t>  </a:t>
+            </a:r>
+            <a:r>
+              <a:rPr lang="en-US" sz="2400" dirty="0" err="1" smtClean="0"/>
+              <a:t>RandomAccessFile</a:t>
+            </a:r>
+            <a:r>
+              <a:rPr lang="en-US" sz="2400" dirty="0" smtClean="0"/>
+              <a:t> </a:t>
+            </a:r>
+            <a:r>
+              <a:rPr lang="en-US" sz="2400" dirty="0" err="1" smtClean="0"/>
+              <a:t>mengimplementasikan</a:t>
+            </a:r>
+            <a:r>
+              <a:rPr lang="en-US" sz="2400" dirty="0" smtClean="0"/>
+              <a:t> Interface  Input </a:t>
+            </a:r>
+            <a:r>
+              <a:rPr lang="en-US" sz="2400" dirty="0" err="1" smtClean="0"/>
+              <a:t>dan</a:t>
+            </a:r>
+            <a:r>
+              <a:rPr lang="en-US" sz="2400" dirty="0" smtClean="0"/>
+              <a:t> output.</a:t>
+            </a:r>
+          </a:p>
+          <a:p>
+            <a:pPr>
+              <a:lnSpc>
+                <a:spcPct val="80000"/>
+              </a:lnSpc>
+            </a:pPr>
+            <a:r>
+              <a:rPr lang="en-US" sz="2400" dirty="0" err="1" smtClean="0"/>
+              <a:t>Setiap</a:t>
+            </a:r>
+            <a:r>
+              <a:rPr lang="en-US" sz="2400" dirty="0" smtClean="0"/>
+              <a:t> </a:t>
+            </a:r>
+            <a:r>
+              <a:rPr lang="en-US" sz="2400" dirty="0" err="1" smtClean="0"/>
+              <a:t>kelas</a:t>
+            </a:r>
+            <a:r>
+              <a:rPr lang="en-US" sz="2400" dirty="0" smtClean="0"/>
+              <a:t> </a:t>
+            </a:r>
+            <a:r>
+              <a:rPr lang="en-US" sz="2400" dirty="0" err="1" smtClean="0"/>
+              <a:t>memiliki</a:t>
+            </a:r>
+            <a:r>
+              <a:rPr lang="en-US" sz="2400" dirty="0" smtClean="0"/>
+              <a:t> </a:t>
+            </a:r>
+            <a:r>
+              <a:rPr lang="en-US" sz="2400" dirty="0" err="1" smtClean="0"/>
+              <a:t>kelas</a:t>
+            </a:r>
+            <a:r>
+              <a:rPr lang="en-US" sz="2400" dirty="0" smtClean="0"/>
+              <a:t> </a:t>
+            </a:r>
+            <a:r>
+              <a:rPr lang="en-US" sz="2400" dirty="0" err="1" smtClean="0"/>
+              <a:t>pembantu</a:t>
+            </a:r>
+            <a:r>
+              <a:rPr lang="en-US" sz="2400" dirty="0" smtClean="0"/>
+              <a:t> </a:t>
+            </a:r>
+            <a:r>
+              <a:rPr lang="en-US" sz="2400" dirty="0" err="1" smtClean="0"/>
+              <a:t>untuk</a:t>
+            </a:r>
+            <a:r>
+              <a:rPr lang="en-US" sz="2400" dirty="0" smtClean="0"/>
+              <a:t> </a:t>
+            </a:r>
+            <a:r>
+              <a:rPr lang="en-US" sz="2400" dirty="0" err="1" smtClean="0"/>
+              <a:t>memfilter</a:t>
+            </a:r>
+            <a:r>
+              <a:rPr lang="en-US" sz="2400" dirty="0" smtClean="0"/>
+              <a:t> stream, </a:t>
+            </a:r>
+            <a:r>
+              <a:rPr lang="en-US" sz="2400" dirty="0" err="1" smtClean="0"/>
+              <a:t>dan</a:t>
+            </a:r>
+            <a:r>
+              <a:rPr lang="en-US" sz="2400" dirty="0" smtClean="0"/>
+              <a:t> </a:t>
+            </a:r>
+            <a:r>
+              <a:rPr lang="en-US" sz="2400" dirty="0" err="1" smtClean="0"/>
+              <a:t>kostruktor</a:t>
+            </a:r>
+            <a:r>
+              <a:rPr lang="en-US" sz="2400" dirty="0"/>
+              <a:t> </a:t>
+            </a:r>
+            <a:r>
+              <a:rPr lang="en-US" sz="2400" dirty="0" smtClean="0"/>
+              <a:t>yang </a:t>
+            </a:r>
+            <a:r>
+              <a:rPr lang="en-US" sz="2400" dirty="0" err="1" smtClean="0"/>
+              <a:t>meminta</a:t>
+            </a:r>
+            <a:r>
+              <a:rPr lang="en-US" sz="2400" dirty="0" smtClean="0"/>
+              <a:t> input/output interface </a:t>
+            </a:r>
+            <a:r>
+              <a:rPr lang="en-US" sz="2400" dirty="0" err="1" smtClean="0"/>
+              <a:t>sebagai</a:t>
+            </a:r>
+            <a:r>
+              <a:rPr lang="en-US" sz="2400" dirty="0" smtClean="0"/>
+              <a:t> </a:t>
+            </a:r>
+            <a:r>
+              <a:rPr lang="en-US" sz="2400" dirty="0" err="1" smtClean="0"/>
+              <a:t>masukan</a:t>
+            </a:r>
+            <a:r>
+              <a:rPr lang="en-US" sz="2400" dirty="0" smtClean="0"/>
+              <a:t>.</a:t>
+            </a:r>
+            <a:endParaRPr lang="en-US" sz="2400" dirty="0"/>
+          </a:p>
+        </p:txBody>
+      </p:sp>
+    </p:spTree>
+  </p:cSld>
+  <p:clrMapOvr>
+    <a:masterClrMapping/>
+  </p:clrMapOvr>
+</p:sld>
+</file>
+
+<file path=ppt/slides/slide71.xml><?xml version="1.0" encoding="utf-8"?>
+<p:sld xmlns:a="http://schemas.openxmlformats.org/drawingml/2006/main" xmlns:r="http://schemas.openxmlformats.org/officeDocument/2006/relationships" xmlns:p="http://schemas.openxmlformats.org/presentationml/2006/main">
+  <p:cSld>
+    <p:spTree>
+      <p:nvGrpSpPr>
+        <p:cNvPr id="1" name=""/>
+        <p:cNvGrpSpPr/>
+        <p:nvPr/>
+      </p:nvGrpSpPr>
+      <p:grpSpPr>
+        <a:xfrm>
+          <a:off x="0" y="0"/>
+          <a:ext cx="0" cy="0"/>
+          <a:chOff x="0" y="0"/>
+          <a:chExt cx="0" cy="0"/>
+        </a:xfrm>
+      </p:grpSpPr>
       <p:pic>
         <p:nvPicPr>
           <p:cNvPr id="26628" name="Picture 4"/>
@@ -19327,7 +21140,7 @@
 </p:sld>
 </file>
 
-<file path=ppt/slides/slide71.xml><?xml version="1.0" encoding="utf-8"?>
+<file path=ppt/slides/slide72.xml><?xml version="1.0" encoding="utf-8"?>
 <p:sld xmlns:a="http://schemas.openxmlformats.org/drawingml/2006/main" xmlns:r="http://schemas.openxmlformats.org/officeDocument/2006/relationships" xmlns:p="http://schemas.openxmlformats.org/presentationml/2006/main">
   <p:cSld>
     <p:spTree>
@@ -19656,7 +21469,7 @@
 </p:sld>
 </file>
 
-<file path=ppt/slides/slide72.xml><?xml version="1.0" encoding="utf-8"?>
+<file path=ppt/slides/slide73.xml><?xml version="1.0" encoding="utf-8"?>
 <p:sld xmlns:a="http://schemas.openxmlformats.org/drawingml/2006/main" xmlns:r="http://schemas.openxmlformats.org/officeDocument/2006/relationships" xmlns:p="http://schemas.openxmlformats.org/presentationml/2006/main">
   <p:cSld>
     <p:spTree>
@@ -19714,7 +21527,7 @@
 </p:sld>
 </file>
 
-<file path=ppt/slides/slide73.xml><?xml version="1.0" encoding="utf-8"?>
+<file path=ppt/slides/slide74.xml><?xml version="1.0" encoding="utf-8"?>
 <p:sld xmlns:a="http://schemas.openxmlformats.org/drawingml/2006/main" xmlns:r="http://schemas.openxmlformats.org/officeDocument/2006/relationships" xmlns:p="http://schemas.openxmlformats.org/presentationml/2006/main">
   <p:cSld>
     <p:spTree>
@@ -19930,7 +21743,6 @@
               <a:rPr lang="en-US" sz="2400" dirty="0" smtClean="0"/>
               <a:t> application.</a:t>
             </a:r>
-            <a:endParaRPr lang="en-US" sz="2400" dirty="0" smtClean="0"/>
           </a:p>
           <a:p>
             <a:pPr marL="457200" indent="-457200">
@@ -20059,7 +21871,7 @@
 </p:sld>
 </file>
 
-<file path=ppt/slides/slide74.xml><?xml version="1.0" encoding="utf-8"?>
+<file path=ppt/slides/slide75.xml><?xml version="1.0" encoding="utf-8"?>
 <p:sld xmlns:a="http://schemas.openxmlformats.org/drawingml/2006/main" xmlns:r="http://schemas.openxmlformats.org/officeDocument/2006/relationships" xmlns:p="http://schemas.openxmlformats.org/presentationml/2006/main">
   <p:cSld>
     <p:spTree>
@@ -20146,7 +21958,7 @@
 </p:sld>
 </file>
 
-<file path=ppt/slides/slide75.xml><?xml version="1.0" encoding="utf-8"?>
+<file path=ppt/slides/slide76.xml><?xml version="1.0" encoding="utf-8"?>
 <p:sld xmlns:a="http://schemas.openxmlformats.org/drawingml/2006/main" xmlns:r="http://schemas.openxmlformats.org/officeDocument/2006/relationships" xmlns:p="http://schemas.openxmlformats.org/presentationml/2006/main">
   <p:cSld>
     <p:spTree>
@@ -20233,578 +22045,6 @@
 </p:sld>
 </file>
 
-<file path=ppt/slides/slide76.xml><?xml version="1.0" encoding="utf-8"?>
-<p:sld xmlns:a="http://schemas.openxmlformats.org/drawingml/2006/main" xmlns:r="http://schemas.openxmlformats.org/officeDocument/2006/relationships" xmlns:p="http://schemas.openxmlformats.org/presentationml/2006/main">
-  <p:cSld>
-    <p:spTree>
-      <p:nvGrpSpPr>
-        <p:cNvPr id="1" name=""/>
-        <p:cNvGrpSpPr/>
-        <p:nvPr/>
-      </p:nvGrpSpPr>
-      <p:grpSpPr>
-        <a:xfrm>
-          <a:off x="0" y="0"/>
-          <a:ext cx="0" cy="0"/>
-          <a:chOff x="0" y="0"/>
-          <a:chExt cx="0" cy="0"/>
-        </a:xfrm>
-      </p:grpSpPr>
-      <p:sp>
-        <p:nvSpPr>
-          <p:cNvPr id="2" name="Title 1"/>
-          <p:cNvSpPr>
-            <a:spLocks noGrp="1"/>
-          </p:cNvSpPr>
-          <p:nvPr>
-            <p:ph type="title"/>
-          </p:nvPr>
-        </p:nvSpPr>
-        <p:spPr/>
-        <p:txBody>
-          <a:bodyPr/>
-          <a:lstStyle/>
-          <a:p>
-            <a:r>
-              <a:rPr lang="en-US" dirty="0" smtClean="0"/>
-              <a:t>String (Basic Operation)</a:t>
-            </a:r>
-            <a:endParaRPr lang="en-US" dirty="0"/>
-          </a:p>
-        </p:txBody>
-      </p:sp>
-      <p:sp>
-        <p:nvSpPr>
-          <p:cNvPr id="3" name="Content Placeholder 2"/>
-          <p:cNvSpPr>
-            <a:spLocks noGrp="1"/>
-          </p:cNvSpPr>
-          <p:nvPr>
-            <p:ph idx="1"/>
-          </p:nvPr>
-        </p:nvSpPr>
-        <p:spPr/>
-        <p:txBody>
-          <a:bodyPr>
-            <a:normAutofit fontScale="77500" lnSpcReduction="20000"/>
-          </a:bodyPr>
-          <a:lstStyle/>
-          <a:p>
-            <a:r>
-              <a:rPr lang="en-US" dirty="0" err="1" smtClean="0"/>
-              <a:t>java.lang.String</a:t>
-            </a:r>
-            <a:r>
-              <a:rPr lang="en-US" dirty="0" smtClean="0"/>
-              <a:t> </a:t>
-            </a:r>
-            <a:r>
-              <a:rPr lang="en-US" dirty="0" err="1" smtClean="0"/>
-              <a:t>merupakan</a:t>
-            </a:r>
-            <a:r>
-              <a:rPr lang="en-US" dirty="0" smtClean="0"/>
-              <a:t> </a:t>
-            </a:r>
-            <a:r>
-              <a:rPr lang="en-US" dirty="0" err="1" smtClean="0"/>
-              <a:t>kelas</a:t>
-            </a:r>
-            <a:r>
-              <a:rPr lang="en-US" dirty="0" smtClean="0"/>
-              <a:t> </a:t>
-            </a:r>
-            <a:r>
-              <a:rPr lang="en-US" dirty="0" err="1" smtClean="0"/>
-              <a:t>khusus</a:t>
-            </a:r>
-            <a:r>
-              <a:rPr lang="en-US" dirty="0" smtClean="0"/>
-              <a:t> </a:t>
-            </a:r>
-            <a:r>
-              <a:rPr lang="en-US" dirty="0" err="1" smtClean="0"/>
-              <a:t>di</a:t>
-            </a:r>
-            <a:r>
-              <a:rPr lang="en-US" dirty="0" smtClean="0"/>
-              <a:t> java yang </a:t>
-            </a:r>
-            <a:r>
-              <a:rPr lang="en-US" dirty="0" err="1" smtClean="0"/>
-              <a:t>diperuntukan</a:t>
-            </a:r>
-            <a:r>
-              <a:rPr lang="en-US" dirty="0" smtClean="0"/>
-              <a:t> </a:t>
-            </a:r>
-            <a:r>
-              <a:rPr lang="en-US" dirty="0" err="1" smtClean="0"/>
-              <a:t>untuk</a:t>
-            </a:r>
-            <a:r>
-              <a:rPr lang="en-US" dirty="0" smtClean="0"/>
-              <a:t> </a:t>
-            </a:r>
-            <a:r>
-              <a:rPr lang="en-US" dirty="0" err="1" smtClean="0"/>
-              <a:t>menampung</a:t>
-            </a:r>
-            <a:r>
-              <a:rPr lang="en-US" dirty="0" smtClean="0"/>
-              <a:t> </a:t>
-            </a:r>
-            <a:r>
-              <a:rPr lang="en-US" dirty="0" err="1" smtClean="0"/>
-              <a:t>teks</a:t>
-            </a:r>
-            <a:r>
-              <a:rPr lang="en-US" dirty="0" smtClean="0"/>
-              <a:t>.</a:t>
-            </a:r>
-          </a:p>
-          <a:p>
-            <a:r>
-              <a:rPr lang="en-US" dirty="0" smtClean="0"/>
-              <a:t>String </a:t>
-            </a:r>
-            <a:r>
-              <a:rPr lang="en-US" dirty="0" err="1" smtClean="0"/>
-              <a:t>bersifat</a:t>
-            </a:r>
-            <a:r>
-              <a:rPr lang="en-US" dirty="0" smtClean="0"/>
-              <a:t> shared </a:t>
-            </a:r>
-            <a:r>
-              <a:rPr lang="en-US" dirty="0" err="1" smtClean="0"/>
-              <a:t>dan</a:t>
-            </a:r>
-            <a:r>
-              <a:rPr lang="en-US" dirty="0" smtClean="0"/>
-              <a:t> immutable, </a:t>
-            </a:r>
-            <a:r>
-              <a:rPr lang="en-US" dirty="0" err="1" smtClean="0"/>
-              <a:t>artinya</a:t>
-            </a:r>
-            <a:r>
-              <a:rPr lang="en-US" dirty="0" smtClean="0"/>
-              <a:t> </a:t>
-            </a:r>
-            <a:r>
-              <a:rPr lang="en-US" dirty="0" err="1" smtClean="0"/>
-              <a:t>sekali</a:t>
-            </a:r>
-            <a:r>
-              <a:rPr lang="en-US" dirty="0" smtClean="0"/>
-              <a:t> </a:t>
-            </a:r>
-            <a:r>
-              <a:rPr lang="en-US" dirty="0" err="1" smtClean="0"/>
-              <a:t>dibuat</a:t>
-            </a:r>
-            <a:r>
-              <a:rPr lang="en-US" dirty="0" smtClean="0"/>
-              <a:t> </a:t>
-            </a:r>
-            <a:r>
-              <a:rPr lang="en-US" dirty="0" err="1" smtClean="0"/>
-              <a:t>dia</a:t>
-            </a:r>
-            <a:r>
-              <a:rPr lang="en-US" dirty="0" smtClean="0"/>
-              <a:t> </a:t>
-            </a:r>
-            <a:r>
-              <a:rPr lang="en-US" dirty="0" err="1" smtClean="0"/>
-              <a:t>tidak</a:t>
-            </a:r>
-            <a:r>
-              <a:rPr lang="en-US" dirty="0" smtClean="0"/>
-              <a:t> </a:t>
-            </a:r>
-            <a:r>
-              <a:rPr lang="en-US" dirty="0" err="1" smtClean="0"/>
-              <a:t>bisa</a:t>
-            </a:r>
-            <a:r>
-              <a:rPr lang="en-US" dirty="0" smtClean="0"/>
-              <a:t> </a:t>
-            </a:r>
-            <a:r>
-              <a:rPr lang="en-US" dirty="0" err="1" smtClean="0"/>
-              <a:t>diubah</a:t>
-            </a:r>
-            <a:r>
-              <a:rPr lang="en-US" dirty="0" smtClean="0"/>
-              <a:t>, </a:t>
-            </a:r>
-            <a:r>
-              <a:rPr lang="en-US" dirty="0" err="1" smtClean="0"/>
-              <a:t>dan</a:t>
-            </a:r>
-            <a:r>
-              <a:rPr lang="en-US" dirty="0" smtClean="0"/>
-              <a:t> </a:t>
-            </a:r>
-            <a:r>
-              <a:rPr lang="en-US" dirty="0" err="1" smtClean="0"/>
-              <a:t>kita</a:t>
-            </a:r>
-            <a:r>
-              <a:rPr lang="en-US" dirty="0" smtClean="0"/>
-              <a:t> </a:t>
-            </a:r>
-            <a:r>
-              <a:rPr lang="en-US" dirty="0" err="1" smtClean="0"/>
-              <a:t>tidak</a:t>
-            </a:r>
-            <a:r>
-              <a:rPr lang="en-US" dirty="0" smtClean="0"/>
-              <a:t> </a:t>
-            </a:r>
-            <a:r>
-              <a:rPr lang="en-US" dirty="0" err="1" smtClean="0"/>
-              <a:t>bisa</a:t>
-            </a:r>
-            <a:r>
-              <a:rPr lang="en-US" dirty="0" smtClean="0"/>
-              <a:t> </a:t>
-            </a:r>
-            <a:r>
-              <a:rPr lang="en-US" dirty="0" err="1" smtClean="0"/>
-              <a:t>membuat</a:t>
-            </a:r>
-            <a:r>
-              <a:rPr lang="en-US" dirty="0" smtClean="0"/>
-              <a:t> </a:t>
-            </a:r>
-            <a:r>
-              <a:rPr lang="en-US" dirty="0" err="1" smtClean="0"/>
-              <a:t>lebih</a:t>
-            </a:r>
-            <a:r>
-              <a:rPr lang="en-US" dirty="0" smtClean="0"/>
-              <a:t> </a:t>
-            </a:r>
-            <a:r>
-              <a:rPr lang="en-US" dirty="0" err="1" smtClean="0"/>
-              <a:t>dari</a:t>
-            </a:r>
-            <a:r>
-              <a:rPr lang="en-US" dirty="0" smtClean="0"/>
-              <a:t> </a:t>
-            </a:r>
-            <a:r>
-              <a:rPr lang="en-US" dirty="0" err="1" smtClean="0"/>
-              <a:t>satu</a:t>
-            </a:r>
-            <a:r>
-              <a:rPr lang="en-US" dirty="0" smtClean="0"/>
-              <a:t> String yang </a:t>
-            </a:r>
-            <a:r>
-              <a:rPr lang="en-US" dirty="0" err="1" smtClean="0"/>
-              <a:t>sama</a:t>
-            </a:r>
-            <a:r>
-              <a:rPr lang="en-US" dirty="0" smtClean="0"/>
-              <a:t>.</a:t>
-            </a:r>
-          </a:p>
-          <a:p>
-            <a:r>
-              <a:rPr lang="en-US" dirty="0" smtClean="0"/>
-              <a:t>String </a:t>
-            </a:r>
-            <a:r>
-              <a:rPr lang="en-US" dirty="0" err="1" smtClean="0"/>
-              <a:t>mendukung</a:t>
-            </a:r>
-            <a:r>
-              <a:rPr lang="en-US" dirty="0" smtClean="0"/>
-              <a:t> operator “+” </a:t>
-            </a:r>
-            <a:r>
-              <a:rPr lang="en-US" dirty="0" err="1" smtClean="0"/>
-              <a:t>untuk</a:t>
-            </a:r>
-            <a:r>
-              <a:rPr lang="en-US" dirty="0" smtClean="0"/>
-              <a:t> </a:t>
-            </a:r>
-            <a:r>
-              <a:rPr lang="en-US" dirty="0" err="1" smtClean="0"/>
-              <a:t>menyambung</a:t>
-            </a:r>
-            <a:r>
-              <a:rPr lang="en-US" dirty="0" smtClean="0"/>
-              <a:t>. </a:t>
-            </a:r>
-            <a:r>
-              <a:rPr lang="en-US" dirty="0" err="1" smtClean="0"/>
-              <a:t>jika</a:t>
-            </a:r>
-            <a:r>
-              <a:rPr lang="en-US" dirty="0" smtClean="0"/>
-              <a:t> operator </a:t>
-            </a:r>
-            <a:r>
-              <a:rPr lang="en-US" dirty="0" err="1" smtClean="0"/>
-              <a:t>ini</a:t>
-            </a:r>
-            <a:r>
-              <a:rPr lang="en-US" dirty="0" smtClean="0"/>
-              <a:t> </a:t>
-            </a:r>
-            <a:r>
-              <a:rPr lang="en-US" dirty="0" err="1" smtClean="0"/>
-              <a:t>digabung</a:t>
-            </a:r>
-            <a:r>
-              <a:rPr lang="en-US" dirty="0" smtClean="0"/>
-              <a:t> </a:t>
-            </a:r>
-            <a:r>
-              <a:rPr lang="en-US" dirty="0" err="1" smtClean="0"/>
-              <a:t>dengan</a:t>
-            </a:r>
-            <a:r>
-              <a:rPr lang="en-US" dirty="0" smtClean="0"/>
-              <a:t> object non String, </a:t>
-            </a:r>
-            <a:r>
-              <a:rPr lang="en-US" dirty="0" err="1" smtClean="0"/>
-              <a:t>maka</a:t>
-            </a:r>
-            <a:r>
-              <a:rPr lang="en-US" dirty="0" smtClean="0"/>
-              <a:t> </a:t>
-            </a:r>
-            <a:r>
-              <a:rPr lang="en-US" dirty="0" err="1" smtClean="0"/>
-              <a:t>akan</a:t>
-            </a:r>
-            <a:r>
-              <a:rPr lang="en-US" dirty="0" smtClean="0"/>
-              <a:t> </a:t>
-            </a:r>
-            <a:r>
-              <a:rPr lang="en-US" dirty="0" err="1" smtClean="0"/>
-              <a:t>otomatis</a:t>
-            </a:r>
-            <a:r>
-              <a:rPr lang="en-US" dirty="0" smtClean="0"/>
-              <a:t> </a:t>
-            </a:r>
-            <a:r>
-              <a:rPr lang="en-US" dirty="0" err="1" smtClean="0"/>
-              <a:t>memanggil</a:t>
-            </a:r>
-            <a:r>
-              <a:rPr lang="en-US" dirty="0" smtClean="0"/>
-              <a:t> method “</a:t>
-            </a:r>
-            <a:r>
-              <a:rPr lang="en-US" dirty="0" err="1" smtClean="0"/>
-              <a:t>toString</a:t>
-            </a:r>
-            <a:r>
-              <a:rPr lang="en-US" dirty="0" smtClean="0"/>
-              <a:t>”.</a:t>
-            </a:r>
-          </a:p>
-          <a:p>
-            <a:r>
-              <a:rPr lang="en-US" dirty="0" smtClean="0"/>
-              <a:t>String </a:t>
-            </a:r>
-            <a:r>
-              <a:rPr lang="en-US" dirty="0" err="1" smtClean="0"/>
-              <a:t>memiliki</a:t>
-            </a:r>
-            <a:r>
-              <a:rPr lang="en-US" dirty="0" smtClean="0"/>
-              <a:t> </a:t>
-            </a:r>
-            <a:r>
-              <a:rPr lang="en-US" dirty="0" err="1" smtClean="0"/>
-              <a:t>tingkah</a:t>
-            </a:r>
-            <a:r>
-              <a:rPr lang="en-US" dirty="0" smtClean="0"/>
-              <a:t> </a:t>
-            </a:r>
-            <a:r>
-              <a:rPr lang="en-US" dirty="0" err="1" smtClean="0"/>
-              <a:t>laku</a:t>
-            </a:r>
-            <a:r>
-              <a:rPr lang="en-US" dirty="0" smtClean="0"/>
-              <a:t> </a:t>
-            </a:r>
-            <a:r>
-              <a:rPr lang="en-US" dirty="0" err="1" smtClean="0"/>
-              <a:t>seperti</a:t>
-            </a:r>
-            <a:r>
-              <a:rPr lang="en-US" dirty="0" smtClean="0"/>
-              <a:t> </a:t>
-            </a:r>
-            <a:r>
-              <a:rPr lang="en-US" dirty="0" err="1" smtClean="0"/>
-              <a:t>halnya</a:t>
-            </a:r>
-            <a:r>
-              <a:rPr lang="en-US" dirty="0" smtClean="0"/>
-              <a:t> primitive </a:t>
-            </a:r>
-            <a:r>
-              <a:rPr lang="en-US" dirty="0" err="1" smtClean="0"/>
-              <a:t>tipe</a:t>
-            </a:r>
-            <a:r>
-              <a:rPr lang="en-US" dirty="0" smtClean="0"/>
-              <a:t>, </a:t>
-            </a:r>
-            <a:r>
-              <a:rPr lang="en-US" dirty="0" err="1" smtClean="0"/>
-              <a:t>contoh</a:t>
-            </a:r>
-            <a:r>
-              <a:rPr lang="en-US" dirty="0" smtClean="0"/>
-              <a:t> </a:t>
-            </a:r>
-            <a:r>
-              <a:rPr lang="en-US" dirty="0" err="1" smtClean="0"/>
-              <a:t>dia</a:t>
-            </a:r>
-            <a:r>
-              <a:rPr lang="en-US" dirty="0" smtClean="0"/>
-              <a:t> pass by value </a:t>
-            </a:r>
-            <a:r>
-              <a:rPr lang="en-US" dirty="0" err="1" smtClean="0"/>
-              <a:t>bukan</a:t>
-            </a:r>
-            <a:r>
-              <a:rPr lang="en-US" dirty="0" smtClean="0"/>
-              <a:t> by reference.</a:t>
-            </a:r>
-          </a:p>
-          <a:p>
-            <a:r>
-              <a:rPr lang="en-US" dirty="0" smtClean="0"/>
-              <a:t>String </a:t>
-            </a:r>
-            <a:r>
-              <a:rPr lang="en-US" dirty="0" err="1" smtClean="0"/>
-              <a:t>memiliki</a:t>
-            </a:r>
-            <a:r>
-              <a:rPr lang="en-US" dirty="0" smtClean="0"/>
-              <a:t> method yang </a:t>
-            </a:r>
-            <a:r>
-              <a:rPr lang="en-US" dirty="0" err="1" smtClean="0"/>
-              <a:t>khusus</a:t>
-            </a:r>
-            <a:r>
-              <a:rPr lang="en-US" dirty="0" smtClean="0"/>
-              <a:t> </a:t>
-            </a:r>
-            <a:r>
-              <a:rPr lang="en-US" dirty="0" err="1" smtClean="0"/>
-              <a:t>untuk</a:t>
-            </a:r>
-            <a:r>
-              <a:rPr lang="en-US" dirty="0" smtClean="0"/>
-              <a:t> </a:t>
-            </a:r>
-            <a:r>
-              <a:rPr lang="en-US" dirty="0" err="1" smtClean="0"/>
-              <a:t>perbandingan</a:t>
-            </a:r>
-            <a:r>
-              <a:rPr lang="en-US" dirty="0" smtClean="0"/>
-              <a:t>, </a:t>
-            </a:r>
-            <a:r>
-              <a:rPr lang="en-US" dirty="0" err="1" smtClean="0"/>
-              <a:t>baik</a:t>
-            </a:r>
-            <a:r>
-              <a:rPr lang="en-US" dirty="0" smtClean="0"/>
-              <a:t> </a:t>
-            </a:r>
-            <a:r>
-              <a:rPr lang="en-US" dirty="0" err="1" smtClean="0"/>
-              <a:t>perbandingan</a:t>
-            </a:r>
-            <a:r>
-              <a:rPr lang="en-US" dirty="0" smtClean="0"/>
-              <a:t> yang </a:t>
-            </a:r>
-            <a:r>
-              <a:rPr lang="en-US" dirty="0" err="1" smtClean="0"/>
-              <a:t>peka</a:t>
-            </a:r>
-            <a:r>
-              <a:rPr lang="en-US" dirty="0" smtClean="0"/>
-              <a:t> </a:t>
-            </a:r>
-            <a:r>
-              <a:rPr lang="en-US" dirty="0" err="1" smtClean="0"/>
-              <a:t>terhadap</a:t>
-            </a:r>
-            <a:r>
-              <a:rPr lang="en-US" dirty="0" smtClean="0"/>
-              <a:t> “case” </a:t>
-            </a:r>
-            <a:r>
-              <a:rPr lang="en-US" dirty="0" err="1" smtClean="0"/>
-              <a:t>atau</a:t>
-            </a:r>
-            <a:r>
-              <a:rPr lang="en-US" dirty="0" smtClean="0"/>
-              <a:t> yang </a:t>
-            </a:r>
-            <a:r>
-              <a:rPr lang="en-US" dirty="0" err="1" smtClean="0"/>
-              <a:t>tidak</a:t>
-            </a:r>
-            <a:r>
-              <a:rPr lang="en-US" dirty="0" smtClean="0"/>
-              <a:t> </a:t>
-            </a:r>
-            <a:r>
-              <a:rPr lang="en-US" dirty="0" err="1" smtClean="0"/>
-              <a:t>peka</a:t>
-            </a:r>
-            <a:r>
-              <a:rPr lang="en-US" dirty="0" smtClean="0"/>
-              <a:t> </a:t>
-            </a:r>
-            <a:r>
-              <a:rPr lang="en-US" dirty="0" err="1" smtClean="0"/>
-              <a:t>terhadap</a:t>
-            </a:r>
-            <a:r>
-              <a:rPr lang="en-US" dirty="0" smtClean="0"/>
-              <a:t> “case”.</a:t>
-            </a:r>
-          </a:p>
-        </p:txBody>
-      </p:sp>
-    </p:spTree>
-  </p:cSld>
-  <p:clrMapOvr>
-    <a:masterClrMapping/>
-  </p:clrMapOvr>
-</p:sld>
-</file>
-
 <file path=ppt/slides/slide77.xml><?xml version="1.0" encoding="utf-8"?>
 <p:sld xmlns:a="http://schemas.openxmlformats.org/drawingml/2006/main" xmlns:r="http://schemas.openxmlformats.org/officeDocument/2006/relationships" xmlns:p="http://schemas.openxmlformats.org/presentationml/2006/main">
   <p:cSld>
@@ -20839,7 +22079,7 @@
           <a:p>
             <a:r>
               <a:rPr lang="en-US" dirty="0" smtClean="0"/>
-              <a:t>String (Formatting)</a:t>
+              <a:t>String (Basic Operation)</a:t>
             </a:r>
             <a:endParaRPr lang="en-US" dirty="0"/>
           </a:p>
@@ -20857,24 +22097,208 @@
         </p:nvSpPr>
         <p:spPr/>
         <p:txBody>
-          <a:bodyPr/>
+          <a:bodyPr>
+            <a:normAutofit fontScale="77500" lnSpcReduction="20000"/>
+          </a:bodyPr>
           <a:lstStyle/>
           <a:p>
-            <a:pPr marL="342900" lvl="1" indent="-342900">
-              <a:buFont typeface="Arial" pitchFamily="34" charset="0"/>
-              <a:buChar char="•"/>
-            </a:pPr>
+            <a:r>
+              <a:rPr lang="en-US" dirty="0" err="1" smtClean="0"/>
+              <a:t>java.lang.String</a:t>
+            </a:r>
+            <a:r>
+              <a:rPr lang="en-US" dirty="0" smtClean="0"/>
+              <a:t> </a:t>
+            </a:r>
+            <a:r>
+              <a:rPr lang="en-US" dirty="0" err="1" smtClean="0"/>
+              <a:t>merupakan</a:t>
+            </a:r>
+            <a:r>
+              <a:rPr lang="en-US" dirty="0" smtClean="0"/>
+              <a:t> </a:t>
+            </a:r>
+            <a:r>
+              <a:rPr lang="en-US" dirty="0" err="1" smtClean="0"/>
+              <a:t>kelas</a:t>
+            </a:r>
+            <a:r>
+              <a:rPr lang="en-US" dirty="0" smtClean="0"/>
+              <a:t> </a:t>
+            </a:r>
+            <a:r>
+              <a:rPr lang="en-US" dirty="0" err="1" smtClean="0"/>
+              <a:t>khusus</a:t>
+            </a:r>
+            <a:r>
+              <a:rPr lang="en-US" dirty="0" smtClean="0"/>
+              <a:t> </a:t>
+            </a:r>
+            <a:r>
+              <a:rPr lang="en-US" dirty="0" err="1" smtClean="0"/>
+              <a:t>di</a:t>
+            </a:r>
+            <a:r>
+              <a:rPr lang="en-US" dirty="0" smtClean="0"/>
+              <a:t> java yang </a:t>
+            </a:r>
+            <a:r>
+              <a:rPr lang="en-US" dirty="0" err="1" smtClean="0"/>
+              <a:t>diperuntukan</a:t>
+            </a:r>
+            <a:r>
+              <a:rPr lang="en-US" dirty="0" smtClean="0"/>
+              <a:t> </a:t>
+            </a:r>
+            <a:r>
+              <a:rPr lang="en-US" dirty="0" err="1" smtClean="0"/>
+              <a:t>untuk</a:t>
+            </a:r>
+            <a:r>
+              <a:rPr lang="en-US" dirty="0" smtClean="0"/>
+              <a:t> </a:t>
+            </a:r>
+            <a:r>
+              <a:rPr lang="en-US" dirty="0" err="1" smtClean="0"/>
+              <a:t>menampung</a:t>
+            </a:r>
+            <a:r>
+              <a:rPr lang="en-US" dirty="0" smtClean="0"/>
+              <a:t> </a:t>
+            </a:r>
+            <a:r>
+              <a:rPr lang="en-US" dirty="0" err="1" smtClean="0"/>
+              <a:t>teks</a:t>
+            </a:r>
+            <a:r>
+              <a:rPr lang="en-US" dirty="0" smtClean="0"/>
+              <a:t>.</a:t>
+            </a:r>
+          </a:p>
+          <a:p>
             <a:r>
               <a:rPr lang="en-US" dirty="0" smtClean="0"/>
               <a:t>String </a:t>
             </a:r>
             <a:r>
               <a:rPr lang="en-US" dirty="0" err="1" smtClean="0"/>
-              <a:t>merupakan</a:t>
-            </a:r>
-            <a:r>
-              <a:rPr lang="en-US" dirty="0" smtClean="0"/>
-              <a:t> array </a:t>
+              <a:t>bersifat</a:t>
+            </a:r>
+            <a:r>
+              <a:rPr lang="en-US" dirty="0" smtClean="0"/>
+              <a:t> shared </a:t>
+            </a:r>
+            <a:r>
+              <a:rPr lang="en-US" dirty="0" err="1" smtClean="0"/>
+              <a:t>dan</a:t>
+            </a:r>
+            <a:r>
+              <a:rPr lang="en-US" dirty="0" smtClean="0"/>
+              <a:t> immutable, </a:t>
+            </a:r>
+            <a:r>
+              <a:rPr lang="en-US" dirty="0" err="1" smtClean="0"/>
+              <a:t>artinya</a:t>
+            </a:r>
+            <a:r>
+              <a:rPr lang="en-US" dirty="0" smtClean="0"/>
+              <a:t> </a:t>
+            </a:r>
+            <a:r>
+              <a:rPr lang="en-US" dirty="0" err="1" smtClean="0"/>
+              <a:t>sekali</a:t>
+            </a:r>
+            <a:r>
+              <a:rPr lang="en-US" dirty="0" smtClean="0"/>
+              <a:t> </a:t>
+            </a:r>
+            <a:r>
+              <a:rPr lang="en-US" dirty="0" err="1" smtClean="0"/>
+              <a:t>dibuat</a:t>
+            </a:r>
+            <a:r>
+              <a:rPr lang="en-US" dirty="0" smtClean="0"/>
+              <a:t> </a:t>
+            </a:r>
+            <a:r>
+              <a:rPr lang="en-US" dirty="0" err="1" smtClean="0"/>
+              <a:t>dia</a:t>
+            </a:r>
+            <a:r>
+              <a:rPr lang="en-US" dirty="0" smtClean="0"/>
+              <a:t> </a:t>
+            </a:r>
+            <a:r>
+              <a:rPr lang="en-US" dirty="0" err="1" smtClean="0"/>
+              <a:t>tidak</a:t>
+            </a:r>
+            <a:r>
+              <a:rPr lang="en-US" dirty="0" smtClean="0"/>
+              <a:t> </a:t>
+            </a:r>
+            <a:r>
+              <a:rPr lang="en-US" dirty="0" err="1" smtClean="0"/>
+              <a:t>bisa</a:t>
+            </a:r>
+            <a:r>
+              <a:rPr lang="en-US" dirty="0" smtClean="0"/>
+              <a:t> </a:t>
+            </a:r>
+            <a:r>
+              <a:rPr lang="en-US" dirty="0" err="1" smtClean="0"/>
+              <a:t>diubah</a:t>
+            </a:r>
+            <a:r>
+              <a:rPr lang="en-US" dirty="0" smtClean="0"/>
+              <a:t>, </a:t>
+            </a:r>
+            <a:r>
+              <a:rPr lang="en-US" dirty="0" err="1" smtClean="0"/>
+              <a:t>dan</a:t>
+            </a:r>
+            <a:r>
+              <a:rPr lang="en-US" dirty="0" smtClean="0"/>
+              <a:t> </a:t>
+            </a:r>
+            <a:r>
+              <a:rPr lang="en-US" dirty="0" err="1" smtClean="0"/>
+              <a:t>kita</a:t>
+            </a:r>
+            <a:r>
+              <a:rPr lang="en-US" dirty="0" smtClean="0"/>
+              <a:t> </a:t>
+            </a:r>
+            <a:r>
+              <a:rPr lang="en-US" dirty="0" err="1" smtClean="0"/>
+              <a:t>tidak</a:t>
+            </a:r>
+            <a:r>
+              <a:rPr lang="en-US" dirty="0" smtClean="0"/>
+              <a:t> </a:t>
+            </a:r>
+            <a:r>
+              <a:rPr lang="en-US" dirty="0" err="1" smtClean="0"/>
+              <a:t>bisa</a:t>
+            </a:r>
+            <a:r>
+              <a:rPr lang="en-US" dirty="0" smtClean="0"/>
+              <a:t> </a:t>
+            </a:r>
+            <a:r>
+              <a:rPr lang="en-US" dirty="0" err="1" smtClean="0"/>
+              <a:t>membuat</a:t>
+            </a:r>
+            <a:r>
+              <a:rPr lang="en-US" dirty="0" smtClean="0"/>
+              <a:t> </a:t>
+            </a:r>
+            <a:r>
+              <a:rPr lang="en-US" dirty="0" err="1" smtClean="0"/>
+              <a:t>lebih</a:t>
+            </a:r>
+            <a:r>
+              <a:rPr lang="en-US" dirty="0" smtClean="0"/>
+              <a:t> </a:t>
             </a:r>
             <a:r>
               <a:rPr lang="en-US" dirty="0" err="1" smtClean="0"/>
@@ -20882,15 +22306,29 @@
             </a:r>
             <a:r>
               <a:rPr lang="en-US" dirty="0" smtClean="0"/>
-              <a:t> char </a:t>
-            </a:r>
-            <a:r>
-              <a:rPr lang="en-US" dirty="0" err="1" smtClean="0"/>
-              <a:t>di</a:t>
-            </a:r>
-            <a:r>
-              <a:rPr lang="en-US" dirty="0" smtClean="0"/>
-              <a:t> java, </a:t>
+              <a:t> </a:t>
+            </a:r>
+            <a:r>
+              <a:rPr lang="en-US" dirty="0" err="1" smtClean="0"/>
+              <a:t>satu</a:t>
+            </a:r>
+            <a:r>
+              <a:rPr lang="en-US" dirty="0" smtClean="0"/>
+              <a:t> String yang </a:t>
+            </a:r>
+            <a:r>
+              <a:rPr lang="en-US" dirty="0" err="1" smtClean="0"/>
+              <a:t>sama</a:t>
+            </a:r>
+            <a:r>
+              <a:rPr lang="en-US" dirty="0" smtClean="0"/>
+              <a:t>.</a:t>
+            </a:r>
+          </a:p>
+          <a:p>
+            <a:r>
+              <a:rPr lang="en-US" dirty="0" smtClean="0"/>
+              <a:t>String </a:t>
             </a:r>
             <a:r>
               <a:rPr lang="en-US" dirty="0" err="1" smtClean="0"/>
@@ -20898,11 +22336,121 @@
             </a:r>
             <a:r>
               <a:rPr lang="en-US" dirty="0" smtClean="0"/>
-              <a:t> Escape </a:t>
-            </a:r>
-            <a:r>
-              <a:rPr lang="en-US" dirty="0" err="1" smtClean="0"/>
-              <a:t>Karakter</a:t>
+              <a:t> operator “+” </a:t>
+            </a:r>
+            <a:r>
+              <a:rPr lang="en-US" dirty="0" err="1" smtClean="0"/>
+              <a:t>untuk</a:t>
+            </a:r>
+            <a:r>
+              <a:rPr lang="en-US" dirty="0" smtClean="0"/>
+              <a:t> </a:t>
+            </a:r>
+            <a:r>
+              <a:rPr lang="en-US" dirty="0" err="1" smtClean="0"/>
+              <a:t>menyambung</a:t>
+            </a:r>
+            <a:r>
+              <a:rPr lang="en-US" dirty="0" smtClean="0"/>
+              <a:t>. </a:t>
+            </a:r>
+            <a:r>
+              <a:rPr lang="en-US" dirty="0" err="1" smtClean="0"/>
+              <a:t>jika</a:t>
+            </a:r>
+            <a:r>
+              <a:rPr lang="en-US" dirty="0" smtClean="0"/>
+              <a:t> operator </a:t>
+            </a:r>
+            <a:r>
+              <a:rPr lang="en-US" dirty="0" err="1" smtClean="0"/>
+              <a:t>ini</a:t>
+            </a:r>
+            <a:r>
+              <a:rPr lang="en-US" dirty="0" smtClean="0"/>
+              <a:t> </a:t>
+            </a:r>
+            <a:r>
+              <a:rPr lang="en-US" dirty="0" err="1" smtClean="0"/>
+              <a:t>digabung</a:t>
+            </a:r>
+            <a:r>
+              <a:rPr lang="en-US" dirty="0" smtClean="0"/>
+              <a:t> </a:t>
+            </a:r>
+            <a:r>
+              <a:rPr lang="en-US" dirty="0" err="1" smtClean="0"/>
+              <a:t>dengan</a:t>
+            </a:r>
+            <a:r>
+              <a:rPr lang="en-US" dirty="0" smtClean="0"/>
+              <a:t> object non String, </a:t>
+            </a:r>
+            <a:r>
+              <a:rPr lang="en-US" dirty="0" err="1" smtClean="0"/>
+              <a:t>maka</a:t>
+            </a:r>
+            <a:r>
+              <a:rPr lang="en-US" dirty="0" smtClean="0"/>
+              <a:t> </a:t>
+            </a:r>
+            <a:r>
+              <a:rPr lang="en-US" dirty="0" err="1" smtClean="0"/>
+              <a:t>akan</a:t>
+            </a:r>
+            <a:r>
+              <a:rPr lang="en-US" dirty="0" smtClean="0"/>
+              <a:t> </a:t>
+            </a:r>
+            <a:r>
+              <a:rPr lang="en-US" dirty="0" err="1" smtClean="0"/>
+              <a:t>otomatis</a:t>
+            </a:r>
+            <a:r>
+              <a:rPr lang="en-US" dirty="0" smtClean="0"/>
+              <a:t> </a:t>
+            </a:r>
+            <a:r>
+              <a:rPr lang="en-US" dirty="0" err="1" smtClean="0"/>
+              <a:t>memanggil</a:t>
+            </a:r>
+            <a:r>
+              <a:rPr lang="en-US" dirty="0" smtClean="0"/>
+              <a:t> method “</a:t>
+            </a:r>
+            <a:r>
+              <a:rPr lang="en-US" dirty="0" err="1" smtClean="0"/>
+              <a:t>toString</a:t>
+            </a:r>
+            <a:r>
+              <a:rPr lang="en-US" dirty="0" smtClean="0"/>
+              <a:t>”.</a:t>
+            </a:r>
+          </a:p>
+          <a:p>
+            <a:r>
+              <a:rPr lang="en-US" dirty="0" smtClean="0"/>
+              <a:t>String </a:t>
+            </a:r>
+            <a:r>
+              <a:rPr lang="en-US" dirty="0" err="1" smtClean="0"/>
+              <a:t>memiliki</a:t>
+            </a:r>
+            <a:r>
+              <a:rPr lang="en-US" dirty="0" smtClean="0"/>
+              <a:t> </a:t>
+            </a:r>
+            <a:r>
+              <a:rPr lang="en-US" dirty="0" err="1" smtClean="0"/>
+              <a:t>tingkah</a:t>
+            </a:r>
+            <a:r>
+              <a:rPr lang="en-US" dirty="0" smtClean="0"/>
+              <a:t> </a:t>
+            </a:r>
+            <a:r>
+              <a:rPr lang="en-US" dirty="0" err="1" smtClean="0"/>
+              <a:t>laku</a:t>
             </a:r>
             <a:r>
               <a:rPr lang="en-US" dirty="0" smtClean="0"/>
@@ -20922,117 +22470,141 @@
             </a:r>
             <a:r>
               <a:rPr lang="en-US" dirty="0" smtClean="0"/>
-              <a:t> C/C++.</a:t>
-            </a:r>
-          </a:p>
-          <a:p>
-            <a:pPr marL="342900" lvl="1" indent="-342900">
-              <a:buFont typeface="Arial" pitchFamily="34" charset="0"/>
-              <a:buChar char="•"/>
-            </a:pPr>
-            <a:r>
-              <a:rPr lang="en-US" dirty="0" err="1" smtClean="0"/>
-              <a:t>Mulai</a:t>
-            </a:r>
-            <a:r>
-              <a:rPr lang="en-US" dirty="0" smtClean="0"/>
-              <a:t> </a:t>
-            </a:r>
-            <a:r>
-              <a:rPr lang="en-US" dirty="0" err="1" smtClean="0"/>
-              <a:t>versi</a:t>
-            </a:r>
-            <a:r>
-              <a:rPr lang="en-US" dirty="0" smtClean="0"/>
-              <a:t> 1.5 java </a:t>
-            </a:r>
-            <a:r>
-              <a:rPr lang="en-US" dirty="0" err="1" smtClean="0"/>
-              <a:t>mendukung</a:t>
-            </a:r>
-            <a:r>
-              <a:rPr lang="en-US" dirty="0" smtClean="0"/>
-              <a:t> </a:t>
-            </a:r>
-            <a:r>
-              <a:rPr lang="en-US" dirty="0" err="1" smtClean="0"/>
-              <a:t>pemormatan</a:t>
-            </a:r>
-            <a:r>
-              <a:rPr lang="en-US" dirty="0" smtClean="0"/>
-              <a:t> </a:t>
-            </a:r>
-            <a:r>
-              <a:rPr lang="en-US" dirty="0" err="1" smtClean="0"/>
-              <a:t>teks</a:t>
-            </a:r>
-            <a:r>
-              <a:rPr lang="en-US" dirty="0" smtClean="0"/>
-              <a:t>/string </a:t>
-            </a:r>
-            <a:r>
-              <a:rPr lang="en-US" dirty="0" err="1" smtClean="0"/>
-              <a:t>seperti</a:t>
-            </a:r>
-            <a:r>
-              <a:rPr lang="en-US" dirty="0" smtClean="0"/>
-              <a:t> </a:t>
-            </a:r>
-            <a:r>
-              <a:rPr lang="en-US" dirty="0" err="1" smtClean="0"/>
-              <a:t>halnya</a:t>
-            </a:r>
-            <a:r>
-              <a:rPr lang="en-US" dirty="0" smtClean="0"/>
-              <a:t> C/C++, </a:t>
-            </a:r>
-            <a:r>
-              <a:rPr lang="en-US" dirty="0" err="1" smtClean="0"/>
-              <a:t>dukungan</a:t>
-            </a:r>
-            <a:r>
-              <a:rPr lang="en-US" dirty="0" smtClean="0"/>
-              <a:t> </a:t>
-            </a:r>
-            <a:r>
-              <a:rPr lang="en-US" dirty="0" err="1" smtClean="0"/>
-              <a:t>bisa</a:t>
-            </a:r>
-            <a:r>
-              <a:rPr lang="en-US" dirty="0" smtClean="0"/>
-              <a:t> </a:t>
-            </a:r>
-            <a:r>
-              <a:rPr lang="en-US" dirty="0" err="1" smtClean="0"/>
-              <a:t>dilihat</a:t>
-            </a:r>
-            <a:r>
-              <a:rPr lang="en-US" dirty="0" smtClean="0"/>
-              <a:t> </a:t>
-            </a:r>
-            <a:r>
-              <a:rPr lang="en-US" dirty="0" err="1" smtClean="0"/>
-              <a:t>di</a:t>
-            </a:r>
-            <a:r>
-              <a:rPr lang="en-US" dirty="0" smtClean="0"/>
-              <a:t> </a:t>
-            </a:r>
-            <a:r>
-              <a:rPr lang="en-US" dirty="0" err="1" smtClean="0"/>
-              <a:t>kelas</a:t>
-            </a:r>
-            <a:r>
-              <a:rPr lang="en-US" dirty="0" smtClean="0"/>
-              <a:t> </a:t>
-            </a:r>
-            <a:r>
-              <a:rPr lang="en-US" dirty="0" err="1" smtClean="0"/>
-              <a:t>java.util.Formatter</a:t>
-            </a:r>
-            <a:r>
-              <a:rPr lang="en-US" dirty="0" smtClean="0"/>
-              <a:t> </a:t>
+              <a:t> primitive </a:t>
+            </a:r>
+            <a:r>
+              <a:rPr lang="en-US" dirty="0" err="1" smtClean="0"/>
+              <a:t>tipe</a:t>
+            </a:r>
+            <a:r>
+              <a:rPr lang="en-US" dirty="0" smtClean="0"/>
+              <a:t>, </a:t>
+            </a:r>
+            <a:r>
+              <a:rPr lang="en-US" dirty="0" err="1" smtClean="0"/>
+              <a:t>contoh</a:t>
+            </a:r>
+            <a:r>
+              <a:rPr lang="en-US" dirty="0" smtClean="0"/>
+              <a:t> </a:t>
+            </a:r>
+            <a:r>
+              <a:rPr lang="en-US" dirty="0" err="1" smtClean="0"/>
+              <a:t>dia</a:t>
+            </a:r>
+            <a:r>
+              <a:rPr lang="en-US" dirty="0" smtClean="0"/>
+              <a:t> pass by value </a:t>
+            </a:r>
+            <a:r>
+              <a:rPr lang="en-US" dirty="0" err="1" smtClean="0"/>
+              <a:t>bukan</a:t>
+            </a:r>
+            <a:r>
+              <a:rPr lang="en-US" dirty="0" smtClean="0"/>
+              <a:t> by reference.</a:t>
+            </a:r>
+          </a:p>
+          <a:p>
+            <a:r>
+              <a:rPr lang="en-US" dirty="0" smtClean="0"/>
+              <a:t>String </a:t>
+            </a:r>
+            <a:r>
+              <a:rPr lang="en-US" dirty="0" err="1" smtClean="0"/>
+              <a:t>memiliki</a:t>
+            </a:r>
+            <a:r>
+              <a:rPr lang="en-US" dirty="0" smtClean="0"/>
+              <a:t> method yang </a:t>
+            </a:r>
+            <a:r>
+              <a:rPr lang="en-US" dirty="0" err="1" smtClean="0"/>
+              <a:t>khusus</a:t>
+            </a:r>
+            <a:r>
+              <a:rPr lang="en-US" dirty="0" smtClean="0"/>
+              <a:t> </a:t>
+            </a:r>
+            <a:r>
+              <a:rPr lang="en-US" dirty="0" err="1" smtClean="0"/>
+              <a:t>untuk</a:t>
+            </a:r>
+            <a:r>
+              <a:rPr lang="en-US" dirty="0" smtClean="0"/>
+              <a:t> </a:t>
+            </a:r>
+            <a:r>
+              <a:rPr lang="en-US" dirty="0" err="1" smtClean="0"/>
+              <a:t>perbandingan</a:t>
+            </a:r>
+            <a:r>
+              <a:rPr lang="en-US" dirty="0" smtClean="0"/>
+              <a:t>, </a:t>
+            </a:r>
+            <a:r>
+              <a:rPr lang="en-US" dirty="0" err="1" smtClean="0"/>
+              <a:t>baik</a:t>
+            </a:r>
+            <a:r>
+              <a:rPr lang="en-US" dirty="0" smtClean="0"/>
+              <a:t> </a:t>
+            </a:r>
+            <a:r>
+              <a:rPr lang="en-US" dirty="0" err="1" smtClean="0"/>
+              <a:t>perbandingan</a:t>
+            </a:r>
+            <a:r>
+              <a:rPr lang="en-US" dirty="0" smtClean="0"/>
+              <a:t> yang </a:t>
+            </a:r>
+            <a:r>
+              <a:rPr lang="en-US" dirty="0" err="1" smtClean="0"/>
+              <a:t>peka</a:t>
+            </a:r>
+            <a:r>
+              <a:rPr lang="en-US" dirty="0" smtClean="0"/>
+              <a:t> </a:t>
+            </a:r>
+            <a:r>
+              <a:rPr lang="en-US" dirty="0" err="1" smtClean="0"/>
+              <a:t>terhadap</a:t>
+            </a:r>
+            <a:r>
+              <a:rPr lang="en-US" dirty="0" smtClean="0"/>
+              <a:t> “case” </a:t>
+            </a:r>
+            <a:r>
+              <a:rPr lang="en-US" dirty="0" err="1" smtClean="0"/>
+              <a:t>atau</a:t>
+            </a:r>
+            <a:r>
+              <a:rPr lang="en-US" dirty="0" smtClean="0"/>
+              <a:t> yang </a:t>
+            </a:r>
+            <a:r>
+              <a:rPr lang="en-US" dirty="0" err="1" smtClean="0"/>
+              <a:t>tidak</a:t>
+            </a:r>
+            <a:r>
+              <a:rPr lang="en-US" dirty="0" smtClean="0"/>
+              <a:t> </a:t>
+            </a:r>
+            <a:r>
+              <a:rPr lang="en-US" dirty="0" err="1" smtClean="0"/>
+              <a:t>peka</a:t>
+            </a:r>
+            <a:r>
+              <a:rPr lang="en-US" dirty="0" smtClean="0"/>
+              <a:t> </a:t>
+            </a:r>
+            <a:r>
+              <a:rPr lang="en-US" dirty="0" err="1" smtClean="0"/>
+              <a:t>terhadap</a:t>
+            </a:r>
+            <a:r>
+              <a:rPr lang="en-US" dirty="0" smtClean="0"/>
+              <a:t> “case”.</a:t>
             </a:r>
           </a:p>
         </p:txBody>
@@ -21079,7 +22651,7 @@
           <a:p>
             <a:r>
               <a:rPr lang="en-US" dirty="0" smtClean="0"/>
-              <a:t>String (Builder)</a:t>
+              <a:t>String (Formatting)</a:t>
             </a:r>
             <a:endParaRPr lang="en-US" dirty="0"/>
           </a:p>
@@ -21100,33 +22672,159 @@
           <a:bodyPr/>
           <a:lstStyle/>
           <a:p>
-            <a:r>
-              <a:rPr lang="en-US" dirty="0" err="1" smtClean="0"/>
-              <a:t>Karena</a:t>
-            </a:r>
-            <a:r>
-              <a:rPr lang="en-US" dirty="0" smtClean="0"/>
-              <a:t> String </a:t>
-            </a:r>
-            <a:r>
-              <a:rPr lang="en-US" dirty="0" err="1" smtClean="0"/>
-              <a:t>bersifat</a:t>
-            </a:r>
-            <a:r>
-              <a:rPr lang="en-US" dirty="0" smtClean="0"/>
-              <a:t> immutable </a:t>
-            </a:r>
-            <a:r>
-              <a:rPr lang="en-US" dirty="0" err="1" smtClean="0"/>
-              <a:t>maka</a:t>
-            </a:r>
-            <a:r>
-              <a:rPr lang="en-US" dirty="0" smtClean="0"/>
-              <a:t> java API </a:t>
-            </a:r>
-            <a:r>
-              <a:rPr lang="en-US" dirty="0" err="1" smtClean="0"/>
-              <a:t>menyediakan</a:t>
+            <a:pPr marL="342900" lvl="1" indent="-342900">
+              <a:buFont typeface="Arial" pitchFamily="34" charset="0"/>
+              <a:buChar char="•"/>
+            </a:pPr>
+            <a:r>
+              <a:rPr lang="en-US" dirty="0" smtClean="0"/>
+              <a:t>String </a:t>
+            </a:r>
+            <a:r>
+              <a:rPr lang="en-US" dirty="0" err="1" smtClean="0"/>
+              <a:t>merupakan</a:t>
+            </a:r>
+            <a:r>
+              <a:rPr lang="en-US" dirty="0" smtClean="0"/>
+              <a:t> array </a:t>
+            </a:r>
+            <a:r>
+              <a:rPr lang="en-US" dirty="0" err="1" smtClean="0"/>
+              <a:t>dari</a:t>
+            </a:r>
+            <a:r>
+              <a:rPr lang="en-US" dirty="0" smtClean="0"/>
+              <a:t> char </a:t>
+            </a:r>
+            <a:r>
+              <a:rPr lang="en-US" dirty="0" err="1" smtClean="0"/>
+              <a:t>di</a:t>
+            </a:r>
+            <a:r>
+              <a:rPr lang="en-US" dirty="0" smtClean="0"/>
+              <a:t> java, </a:t>
+            </a:r>
+            <a:r>
+              <a:rPr lang="en-US" dirty="0" err="1" smtClean="0"/>
+              <a:t>mendukung</a:t>
+            </a:r>
+            <a:r>
+              <a:rPr lang="en-US" dirty="0" smtClean="0"/>
+              <a:t> Escape </a:t>
+            </a:r>
+            <a:r>
+              <a:rPr lang="en-US" dirty="0" err="1" smtClean="0"/>
+              <a:t>Karakter</a:t>
+            </a:r>
+            <a:r>
+              <a:rPr lang="en-US" dirty="0" smtClean="0"/>
+              <a:t> </a:t>
+            </a:r>
+            <a:r>
+              <a:rPr lang="en-US" dirty="0" err="1" smtClean="0"/>
+              <a:t>seperti</a:t>
+            </a:r>
+            <a:r>
+              <a:rPr lang="en-US" dirty="0" smtClean="0"/>
+              <a:t> </a:t>
+            </a:r>
+            <a:r>
+              <a:rPr lang="en-US" dirty="0" err="1" smtClean="0"/>
+              <a:t>halnya</a:t>
+            </a:r>
+            <a:r>
+              <a:rPr lang="en-US" dirty="0" smtClean="0"/>
+              <a:t> C/C++.</a:t>
+            </a:r>
+          </a:p>
+          <a:p>
+            <a:pPr marL="342900" lvl="1" indent="-342900">
+              <a:buFont typeface="Arial" pitchFamily="34" charset="0"/>
+              <a:buChar char="•"/>
+            </a:pPr>
+            <a:r>
+              <a:rPr lang="en-US" dirty="0" err="1" smtClean="0"/>
+              <a:t>Mulai</a:t>
+            </a:r>
+            <a:r>
+              <a:rPr lang="en-US" dirty="0" smtClean="0"/>
+              <a:t> </a:t>
+            </a:r>
+            <a:r>
+              <a:rPr lang="en-US" dirty="0" err="1" smtClean="0"/>
+              <a:t>versi</a:t>
+            </a:r>
+            <a:r>
+              <a:rPr lang="en-US" dirty="0" smtClean="0"/>
+              <a:t> 1.5 java </a:t>
+            </a:r>
+            <a:r>
+              <a:rPr lang="en-US" dirty="0" err="1" smtClean="0"/>
+              <a:t>mendukung</a:t>
+            </a:r>
+            <a:r>
+              <a:rPr lang="en-US" dirty="0" smtClean="0"/>
+              <a:t> </a:t>
+            </a:r>
+            <a:r>
+              <a:rPr lang="en-US" dirty="0" err="1" smtClean="0"/>
+              <a:t>pemormatan</a:t>
+            </a:r>
+            <a:r>
+              <a:rPr lang="en-US" dirty="0" smtClean="0"/>
+              <a:t> </a:t>
+            </a:r>
+            <a:r>
+              <a:rPr lang="en-US" dirty="0" err="1" smtClean="0"/>
+              <a:t>teks</a:t>
+            </a:r>
+            <a:r>
+              <a:rPr lang="en-US" dirty="0" smtClean="0"/>
+              <a:t>/string </a:t>
+            </a:r>
+            <a:r>
+              <a:rPr lang="en-US" dirty="0" err="1" smtClean="0"/>
+              <a:t>seperti</a:t>
+            </a:r>
+            <a:r>
+              <a:rPr lang="en-US" dirty="0" smtClean="0"/>
+              <a:t> </a:t>
+            </a:r>
+            <a:r>
+              <a:rPr lang="en-US" dirty="0" err="1" smtClean="0"/>
+              <a:t>halnya</a:t>
+            </a:r>
+            <a:r>
+              <a:rPr lang="en-US" dirty="0" smtClean="0"/>
+              <a:t> C/C++, </a:t>
+            </a:r>
+            <a:r>
+              <a:rPr lang="en-US" dirty="0" err="1" smtClean="0"/>
+              <a:t>dukungan</a:t>
+            </a:r>
+            <a:r>
+              <a:rPr lang="en-US" dirty="0" smtClean="0"/>
+              <a:t> </a:t>
+            </a:r>
+            <a:r>
+              <a:rPr lang="en-US" dirty="0" err="1" smtClean="0"/>
+              <a:t>bisa</a:t>
+            </a:r>
+            <a:r>
+              <a:rPr lang="en-US" dirty="0" smtClean="0"/>
+              <a:t> </a:t>
+            </a:r>
+            <a:r>
+              <a:rPr lang="en-US" dirty="0" err="1" smtClean="0"/>
+              <a:t>dilihat</a:t>
+            </a:r>
+            <a:r>
+              <a:rPr lang="en-US" dirty="0" smtClean="0"/>
+              <a:t> </a:t>
+            </a:r>
+            <a:r>
+              <a:rPr lang="en-US" dirty="0" err="1" smtClean="0"/>
+              <a:t>di</a:t>
             </a:r>
             <a:r>
               <a:rPr lang="en-US" dirty="0" smtClean="0"/>
@@ -21142,167 +22840,12 @@
             </a:r>
             <a:r>
               <a:rPr lang="en-US" dirty="0" err="1" smtClean="0"/>
-              <a:t>khusus</a:t>
-            </a:r>
-            <a:r>
-              <a:rPr lang="en-US" dirty="0" smtClean="0"/>
-              <a:t> </a:t>
-            </a:r>
-            <a:r>
-              <a:rPr lang="en-US" dirty="0" err="1" smtClean="0"/>
-              <a:t>untuk</a:t>
-            </a:r>
-            <a:r>
-              <a:rPr lang="en-US" dirty="0" smtClean="0"/>
-              <a:t> String yang </a:t>
-            </a:r>
-            <a:r>
-              <a:rPr lang="en-US" dirty="0" err="1" smtClean="0"/>
-              <a:t>bisa</a:t>
-            </a:r>
-            <a:r>
-              <a:rPr lang="en-US" dirty="0" smtClean="0"/>
-              <a:t> </a:t>
-            </a:r>
-            <a:r>
-              <a:rPr lang="en-US" dirty="0" err="1" smtClean="0"/>
-              <a:t>dimanipulasi</a:t>
-            </a:r>
-            <a:r>
-              <a:rPr lang="en-US" dirty="0" smtClean="0"/>
-              <a:t>/</a:t>
-            </a:r>
-            <a:r>
-              <a:rPr lang="en-US" dirty="0" err="1" smtClean="0"/>
-              <a:t>diubah</a:t>
-            </a:r>
-            <a:r>
-              <a:rPr lang="en-US" dirty="0" smtClean="0"/>
-              <a:t> (</a:t>
-            </a:r>
-            <a:r>
-              <a:rPr lang="en-US" dirty="0" err="1" smtClean="0"/>
-              <a:t>muttable</a:t>
-            </a:r>
-            <a:r>
-              <a:rPr lang="en-US" dirty="0" smtClean="0"/>
-              <a:t>), </a:t>
-            </a:r>
-            <a:r>
-              <a:rPr lang="en-US" dirty="0" err="1" smtClean="0"/>
-              <a:t>StringBuffer</a:t>
-            </a:r>
-            <a:r>
-              <a:rPr lang="en-US" dirty="0" smtClean="0"/>
-              <a:t> </a:t>
-            </a:r>
-            <a:r>
-              <a:rPr lang="en-US" dirty="0" err="1" smtClean="0"/>
-              <a:t>dan</a:t>
-            </a:r>
-            <a:r>
-              <a:rPr lang="en-US" dirty="0" smtClean="0"/>
-              <a:t> </a:t>
-            </a:r>
-            <a:r>
-              <a:rPr lang="en-US" dirty="0" err="1" smtClean="0"/>
-              <a:t>StringBuilder</a:t>
-            </a:r>
-            <a:r>
-              <a:rPr lang="en-US" dirty="0" smtClean="0"/>
-              <a:t>.</a:t>
-            </a:r>
-          </a:p>
-          <a:p>
-            <a:r>
-              <a:rPr lang="en-US" dirty="0" err="1" smtClean="0"/>
-              <a:t>StringBuilder</a:t>
-            </a:r>
-            <a:r>
-              <a:rPr lang="en-US" dirty="0" smtClean="0"/>
-              <a:t> </a:t>
-            </a:r>
-            <a:r>
-              <a:rPr lang="en-US" dirty="0" err="1" smtClean="0"/>
-              <a:t>mulai</a:t>
-            </a:r>
-            <a:r>
-              <a:rPr lang="en-US" dirty="0" smtClean="0"/>
-              <a:t> </a:t>
-            </a:r>
-            <a:r>
-              <a:rPr lang="en-US" dirty="0" err="1" smtClean="0"/>
-              <a:t>disediakan</a:t>
-            </a:r>
-            <a:r>
-              <a:rPr lang="en-US" dirty="0" smtClean="0"/>
-              <a:t> </a:t>
-            </a:r>
-            <a:r>
-              <a:rPr lang="en-US" dirty="0" err="1" smtClean="0"/>
-              <a:t>di</a:t>
-            </a:r>
-            <a:r>
-              <a:rPr lang="en-US" dirty="0" smtClean="0"/>
-              <a:t> java 1.5 </a:t>
-            </a:r>
-            <a:r>
-              <a:rPr lang="en-US" dirty="0" err="1" smtClean="0"/>
-              <a:t>dengan</a:t>
-            </a:r>
-            <a:r>
-              <a:rPr lang="en-US" dirty="0" smtClean="0"/>
-              <a:t> </a:t>
-            </a:r>
-            <a:r>
-              <a:rPr lang="en-US" dirty="0" err="1" smtClean="0"/>
-              <a:t>menghilangkan</a:t>
-            </a:r>
-            <a:r>
-              <a:rPr lang="en-US" dirty="0" smtClean="0"/>
-              <a:t> </a:t>
-            </a:r>
-            <a:r>
-              <a:rPr lang="en-US" dirty="0" err="1" smtClean="0"/>
-              <a:t>dukungan</a:t>
-            </a:r>
-            <a:r>
-              <a:rPr lang="en-US" dirty="0" smtClean="0"/>
-              <a:t> </a:t>
-            </a:r>
-            <a:r>
-              <a:rPr lang="en-US" dirty="0" err="1" smtClean="0"/>
-              <a:t>syncronisasi</a:t>
-            </a:r>
-            <a:r>
-              <a:rPr lang="en-US" dirty="0" smtClean="0"/>
-              <a:t> </a:t>
-            </a:r>
-            <a:r>
-              <a:rPr lang="en-US" dirty="0" err="1" smtClean="0"/>
-              <a:t>untuk</a:t>
-            </a:r>
-            <a:r>
-              <a:rPr lang="en-US" dirty="0" smtClean="0"/>
-              <a:t> </a:t>
-            </a:r>
-            <a:r>
-              <a:rPr lang="en-US" dirty="0" err="1" smtClean="0"/>
-              <a:t>meningkatkan</a:t>
-            </a:r>
-            <a:r>
-              <a:rPr lang="en-US" dirty="0" smtClean="0"/>
-              <a:t> </a:t>
-            </a:r>
-            <a:r>
-              <a:rPr lang="en-US" dirty="0" err="1" smtClean="0"/>
-              <a:t>performansi</a:t>
-            </a:r>
-            <a:r>
-              <a:rPr lang="en-US" dirty="0" smtClean="0"/>
-              <a:t>.</a:t>
-            </a:r>
-            <a:endParaRPr lang="en-US" dirty="0"/>
+              <a:t>java.util.Formatter</a:t>
+            </a:r>
+            <a:r>
+              <a:rPr lang="en-US" dirty="0" smtClean="0"/>
+              <a:t> </a:t>
+            </a:r>
           </a:p>
         </p:txBody>
       </p:sp>
@@ -21348,48 +22891,233 @@
           <a:p>
             <a:r>
               <a:rPr lang="en-US" dirty="0" smtClean="0"/>
-              <a:t>String (Regular</a:t>
-            </a:r>
-            <a:r>
-              <a:rPr lang="en-US" baseline="0" dirty="0" smtClean="0"/>
-              <a:t> Expression)</a:t>
+              <a:t>String (Builder)</a:t>
             </a:r>
             <a:endParaRPr lang="en-US" dirty="0"/>
           </a:p>
         </p:txBody>
       </p:sp>
-      <p:pic>
-        <p:nvPicPr>
-          <p:cNvPr id="76801" name="Picture 1"/>
-          <p:cNvPicPr>
-            <a:picLocks noChangeAspect="1" noChangeArrowheads="1"/>
-          </p:cNvPicPr>
-          <p:nvPr/>
-        </p:nvPicPr>
-        <p:blipFill>
-          <a:blip r:embed="rId2" cstate="print"/>
-          <a:srcRect/>
-          <a:stretch>
-            <a:fillRect/>
-          </a:stretch>
-        </p:blipFill>
-        <p:spPr bwMode="auto">
-          <a:xfrm>
-            <a:off x="539552" y="1484784"/>
-            <a:ext cx="7827303" cy="4830291"/>
-          </a:xfrm>
-          <a:prstGeom prst="rect">
-            <a:avLst/>
-          </a:prstGeom>
-          <a:noFill/>
-          <a:ln w="9525">
-            <a:noFill/>
-            <a:miter lim="800000"/>
-            <a:headEnd/>
-            <a:tailEnd/>
-          </a:ln>
-        </p:spPr>
-      </p:pic>
+      <p:sp>
+        <p:nvSpPr>
+          <p:cNvPr id="3" name="Content Placeholder 2"/>
+          <p:cNvSpPr>
+            <a:spLocks noGrp="1"/>
+          </p:cNvSpPr>
+          <p:nvPr>
+            <p:ph idx="1"/>
+          </p:nvPr>
+        </p:nvSpPr>
+        <p:spPr/>
+        <p:txBody>
+          <a:bodyPr/>
+          <a:lstStyle/>
+          <a:p>
+            <a:r>
+              <a:rPr lang="en-US" dirty="0" err="1" smtClean="0"/>
+              <a:t>Karena</a:t>
+            </a:r>
+            <a:r>
+              <a:rPr lang="en-US" dirty="0" smtClean="0"/>
+              <a:t> String </a:t>
+            </a:r>
+            <a:r>
+              <a:rPr lang="en-US" dirty="0" err="1" smtClean="0"/>
+              <a:t>bersifat</a:t>
+            </a:r>
+            <a:r>
+              <a:rPr lang="en-US" dirty="0" smtClean="0"/>
+              <a:t> immutable </a:t>
+            </a:r>
+            <a:r>
+              <a:rPr lang="en-US" dirty="0" err="1" smtClean="0"/>
+              <a:t>maka</a:t>
+            </a:r>
+            <a:r>
+              <a:rPr lang="en-US" dirty="0" smtClean="0"/>
+              <a:t> java API </a:t>
+            </a:r>
+            <a:r>
+              <a:rPr lang="en-US" dirty="0" err="1" smtClean="0"/>
+              <a:t>menyediakan</a:t>
+            </a:r>
+            <a:r>
+              <a:rPr lang="en-US" dirty="0" smtClean="0"/>
+              <a:t> </a:t>
+            </a:r>
+            <a:r>
+              <a:rPr lang="en-US" dirty="0" err="1" smtClean="0"/>
+              <a:t>kelas</a:t>
+            </a:r>
+            <a:r>
+              <a:rPr lang="en-US" dirty="0" smtClean="0"/>
+              <a:t> </a:t>
+            </a:r>
+            <a:r>
+              <a:rPr lang="en-US" dirty="0" err="1" smtClean="0"/>
+              <a:t>khusus</a:t>
+            </a:r>
+            <a:r>
+              <a:rPr lang="en-US" dirty="0" smtClean="0"/>
+              <a:t> </a:t>
+            </a:r>
+            <a:r>
+              <a:rPr lang="en-US" dirty="0" err="1" smtClean="0"/>
+              <a:t>untuk</a:t>
+            </a:r>
+            <a:r>
+              <a:rPr lang="en-US" dirty="0" smtClean="0"/>
+              <a:t> String yang </a:t>
+            </a:r>
+            <a:r>
+              <a:rPr lang="en-US" dirty="0" err="1" smtClean="0"/>
+              <a:t>bisa</a:t>
+            </a:r>
+            <a:r>
+              <a:rPr lang="en-US" dirty="0" smtClean="0"/>
+              <a:t> </a:t>
+            </a:r>
+            <a:r>
+              <a:rPr lang="en-US" dirty="0" err="1" smtClean="0"/>
+              <a:t>dimanipulasi</a:t>
+            </a:r>
+            <a:r>
+              <a:rPr lang="en-US" dirty="0" smtClean="0"/>
+              <a:t>/</a:t>
+            </a:r>
+            <a:r>
+              <a:rPr lang="en-US" dirty="0" err="1" smtClean="0"/>
+              <a:t>diubah</a:t>
+            </a:r>
+            <a:r>
+              <a:rPr lang="en-US" dirty="0" smtClean="0"/>
+              <a:t> (</a:t>
+            </a:r>
+            <a:r>
+              <a:rPr lang="en-US" dirty="0" err="1" smtClean="0"/>
+              <a:t>muttable</a:t>
+            </a:r>
+            <a:r>
+              <a:rPr lang="en-US" dirty="0" smtClean="0"/>
+              <a:t>), </a:t>
+            </a:r>
+            <a:r>
+              <a:rPr lang="en-US" dirty="0" err="1" smtClean="0"/>
+              <a:t>StringBuffer</a:t>
+            </a:r>
+            <a:r>
+              <a:rPr lang="en-US" dirty="0" smtClean="0"/>
+              <a:t> </a:t>
+            </a:r>
+            <a:r>
+              <a:rPr lang="en-US" dirty="0" err="1" smtClean="0"/>
+              <a:t>dan</a:t>
+            </a:r>
+            <a:r>
+              <a:rPr lang="en-US" dirty="0" smtClean="0"/>
+              <a:t> </a:t>
+            </a:r>
+            <a:r>
+              <a:rPr lang="en-US" dirty="0" err="1" smtClean="0"/>
+              <a:t>StringBuilder</a:t>
+            </a:r>
+            <a:r>
+              <a:rPr lang="en-US" dirty="0" smtClean="0"/>
+              <a:t>.</a:t>
+            </a:r>
+          </a:p>
+          <a:p>
+            <a:r>
+              <a:rPr lang="en-US" dirty="0" err="1" smtClean="0"/>
+              <a:t>StringBuilder</a:t>
+            </a:r>
+            <a:r>
+              <a:rPr lang="en-US" dirty="0" smtClean="0"/>
+              <a:t> </a:t>
+            </a:r>
+            <a:r>
+              <a:rPr lang="en-US" dirty="0" err="1" smtClean="0"/>
+              <a:t>mulai</a:t>
+            </a:r>
+            <a:r>
+              <a:rPr lang="en-US" dirty="0" smtClean="0"/>
+              <a:t> </a:t>
+            </a:r>
+            <a:r>
+              <a:rPr lang="en-US" dirty="0" err="1" smtClean="0"/>
+              <a:t>disediakan</a:t>
+            </a:r>
+            <a:r>
+              <a:rPr lang="en-US" dirty="0" smtClean="0"/>
+              <a:t> </a:t>
+            </a:r>
+            <a:r>
+              <a:rPr lang="en-US" dirty="0" err="1" smtClean="0"/>
+              <a:t>di</a:t>
+            </a:r>
+            <a:r>
+              <a:rPr lang="en-US" dirty="0" smtClean="0"/>
+              <a:t> java 1.5 </a:t>
+            </a:r>
+            <a:r>
+              <a:rPr lang="en-US" dirty="0" err="1" smtClean="0"/>
+              <a:t>dengan</a:t>
+            </a:r>
+            <a:r>
+              <a:rPr lang="en-US" dirty="0" smtClean="0"/>
+              <a:t> </a:t>
+            </a:r>
+            <a:r>
+              <a:rPr lang="en-US" dirty="0" err="1" smtClean="0"/>
+              <a:t>menghilangkan</a:t>
+            </a:r>
+            <a:r>
+              <a:rPr lang="en-US" dirty="0" smtClean="0"/>
+              <a:t> </a:t>
+            </a:r>
+            <a:r>
+              <a:rPr lang="en-US" dirty="0" err="1" smtClean="0"/>
+              <a:t>dukungan</a:t>
+            </a:r>
+            <a:r>
+              <a:rPr lang="en-US" dirty="0" smtClean="0"/>
+              <a:t> </a:t>
+            </a:r>
+            <a:r>
+              <a:rPr lang="en-US" dirty="0" err="1" smtClean="0"/>
+              <a:t>syncronisasi</a:t>
+            </a:r>
+            <a:r>
+              <a:rPr lang="en-US" dirty="0" smtClean="0"/>
+              <a:t> </a:t>
+            </a:r>
+            <a:r>
+              <a:rPr lang="en-US" dirty="0" err="1" smtClean="0"/>
+              <a:t>untuk</a:t>
+            </a:r>
+            <a:r>
+              <a:rPr lang="en-US" dirty="0" smtClean="0"/>
+              <a:t> </a:t>
+            </a:r>
+            <a:r>
+              <a:rPr lang="en-US" dirty="0" err="1" smtClean="0"/>
+              <a:t>meningkatkan</a:t>
+            </a:r>
+            <a:r>
+              <a:rPr lang="en-US" dirty="0" smtClean="0"/>
+              <a:t> </a:t>
+            </a:r>
+            <a:r>
+              <a:rPr lang="en-US" dirty="0" err="1" smtClean="0"/>
+              <a:t>performansi</a:t>
+            </a:r>
+            <a:r>
+              <a:rPr lang="en-US" dirty="0" smtClean="0"/>
+              <a:t>.</a:t>
+            </a:r>
+            <a:endParaRPr lang="en-US" dirty="0"/>
+          </a:p>
+        </p:txBody>
+      </p:sp>
     </p:spTree>
   </p:cSld>
   <p:clrMapOvr>
@@ -21479,6 +23207,90 @@
 </file>
 
 <file path=ppt/slides/slide80.xml><?xml version="1.0" encoding="utf-8"?>
+<p:sld xmlns:a="http://schemas.openxmlformats.org/drawingml/2006/main" xmlns:r="http://schemas.openxmlformats.org/officeDocument/2006/relationships" xmlns:p="http://schemas.openxmlformats.org/presentationml/2006/main">
+  <p:cSld>
+    <p:spTree>
+      <p:nvGrpSpPr>
+        <p:cNvPr id="1" name=""/>
+        <p:cNvGrpSpPr/>
+        <p:nvPr/>
+      </p:nvGrpSpPr>
+      <p:grpSpPr>
+        <a:xfrm>
+          <a:off x="0" y="0"/>
+          <a:ext cx="0" cy="0"/>
+          <a:chOff x="0" y="0"/>
+          <a:chExt cx="0" cy="0"/>
+        </a:xfrm>
+      </p:grpSpPr>
+      <p:sp>
+        <p:nvSpPr>
+          <p:cNvPr id="2" name="Title 1"/>
+          <p:cNvSpPr>
+            <a:spLocks noGrp="1"/>
+          </p:cNvSpPr>
+          <p:nvPr>
+            <p:ph type="title"/>
+          </p:nvPr>
+        </p:nvSpPr>
+        <p:spPr/>
+        <p:txBody>
+          <a:bodyPr/>
+          <a:lstStyle/>
+          <a:p>
+            <a:r>
+              <a:rPr lang="en-US" dirty="0" smtClean="0"/>
+              <a:t>String (Regular</a:t>
+            </a:r>
+            <a:r>
+              <a:rPr lang="en-US" baseline="0" dirty="0" smtClean="0"/>
+              <a:t> Expression)</a:t>
+            </a:r>
+            <a:endParaRPr lang="en-US" dirty="0"/>
+          </a:p>
+        </p:txBody>
+      </p:sp>
+      <p:pic>
+        <p:nvPicPr>
+          <p:cNvPr id="76801" name="Picture 1"/>
+          <p:cNvPicPr>
+            <a:picLocks noChangeAspect="1" noChangeArrowheads="1"/>
+          </p:cNvPicPr>
+          <p:nvPr/>
+        </p:nvPicPr>
+        <p:blipFill>
+          <a:blip r:embed="rId2" cstate="print"/>
+          <a:srcRect/>
+          <a:stretch>
+            <a:fillRect/>
+          </a:stretch>
+        </p:blipFill>
+        <p:spPr bwMode="auto">
+          <a:xfrm>
+            <a:off x="539552" y="1484784"/>
+            <a:ext cx="7827303" cy="4830291"/>
+          </a:xfrm>
+          <a:prstGeom prst="rect">
+            <a:avLst/>
+          </a:prstGeom>
+          <a:noFill/>
+          <a:ln w="9525">
+            <a:noFill/>
+            <a:miter lim="800000"/>
+            <a:headEnd/>
+            <a:tailEnd/>
+          </a:ln>
+        </p:spPr>
+      </p:pic>
+    </p:spTree>
+  </p:cSld>
+  <p:clrMapOvr>
+    <a:masterClrMapping/>
+  </p:clrMapOvr>
+</p:sld>
+</file>
+
+<file path=ppt/slides/slide81.xml><?xml version="1.0" encoding="utf-8"?>
 <p:sld xmlns:a="http://schemas.openxmlformats.org/drawingml/2006/main" xmlns:r="http://schemas.openxmlformats.org/officeDocument/2006/relationships" xmlns:p="http://schemas.openxmlformats.org/presentationml/2006/main">
   <p:cSld>
     <p:spTree>
